--- a/docs/images/IMC QS images.pptx
+++ b/docs/images/IMC QS images.pptx
@@ -267,7 +267,7 @@
           <a:p>
             <a:fld id="{9DEB64E9-A623-6D49-92EA-7C36C81F7406}" type="datetimeFigureOut">
               <a:rPr lang="en-US" smtClean="0"/>
-              <a:t>12/28/2020</a:t>
+              <a:t>12/29/2020</a:t>
             </a:fld>
             <a:endParaRPr lang="en-US" dirty="0"/>
           </a:p>
@@ -465,7 +465,7 @@
           <a:p>
             <a:fld id="{9DEB64E9-A623-6D49-92EA-7C36C81F7406}" type="datetimeFigureOut">
               <a:rPr lang="en-US" smtClean="0"/>
-              <a:t>12/28/2020</a:t>
+              <a:t>12/29/2020</a:t>
             </a:fld>
             <a:endParaRPr lang="en-US" dirty="0"/>
           </a:p>
@@ -673,7 +673,7 @@
           <a:p>
             <a:fld id="{9DEB64E9-A623-6D49-92EA-7C36C81F7406}" type="datetimeFigureOut">
               <a:rPr lang="en-US" smtClean="0"/>
-              <a:t>12/28/2020</a:t>
+              <a:t>12/29/2020</a:t>
             </a:fld>
             <a:endParaRPr lang="en-US" dirty="0"/>
           </a:p>
@@ -871,7 +871,7 @@
           <a:p>
             <a:fld id="{9DEB64E9-A623-6D49-92EA-7C36C81F7406}" type="datetimeFigureOut">
               <a:rPr lang="en-US" smtClean="0"/>
-              <a:t>12/28/2020</a:t>
+              <a:t>12/29/2020</a:t>
             </a:fld>
             <a:endParaRPr lang="en-US" dirty="0"/>
           </a:p>
@@ -1146,7 +1146,7 @@
           <a:p>
             <a:fld id="{9DEB64E9-A623-6D49-92EA-7C36C81F7406}" type="datetimeFigureOut">
               <a:rPr lang="en-US" smtClean="0"/>
-              <a:t>12/28/2020</a:t>
+              <a:t>12/29/2020</a:t>
             </a:fld>
             <a:endParaRPr lang="en-US" dirty="0"/>
           </a:p>
@@ -1411,7 +1411,7 @@
           <a:p>
             <a:fld id="{9DEB64E9-A623-6D49-92EA-7C36C81F7406}" type="datetimeFigureOut">
               <a:rPr lang="en-US" smtClean="0"/>
-              <a:t>12/28/2020</a:t>
+              <a:t>12/29/2020</a:t>
             </a:fld>
             <a:endParaRPr lang="en-US" dirty="0"/>
           </a:p>
@@ -1823,7 +1823,7 @@
           <a:p>
             <a:fld id="{9DEB64E9-A623-6D49-92EA-7C36C81F7406}" type="datetimeFigureOut">
               <a:rPr lang="en-US" smtClean="0"/>
-              <a:t>12/28/2020</a:t>
+              <a:t>12/29/2020</a:t>
             </a:fld>
             <a:endParaRPr lang="en-US" dirty="0"/>
           </a:p>
@@ -1964,7 +1964,7 @@
           <a:p>
             <a:fld id="{9DEB64E9-A623-6D49-92EA-7C36C81F7406}" type="datetimeFigureOut">
               <a:rPr lang="en-US" smtClean="0"/>
-              <a:t>12/28/2020</a:t>
+              <a:t>12/29/2020</a:t>
             </a:fld>
             <a:endParaRPr lang="en-US" dirty="0"/>
           </a:p>
@@ -2077,7 +2077,7 @@
           <a:p>
             <a:fld id="{9DEB64E9-A623-6D49-92EA-7C36C81F7406}" type="datetimeFigureOut">
               <a:rPr lang="en-US" smtClean="0"/>
-              <a:t>12/28/2020</a:t>
+              <a:t>12/29/2020</a:t>
             </a:fld>
             <a:endParaRPr lang="en-US" dirty="0"/>
           </a:p>
@@ -2388,7 +2388,7 @@
           <a:p>
             <a:fld id="{9DEB64E9-A623-6D49-92EA-7C36C81F7406}" type="datetimeFigureOut">
               <a:rPr lang="en-US" smtClean="0"/>
-              <a:t>12/28/2020</a:t>
+              <a:t>12/29/2020</a:t>
             </a:fld>
             <a:endParaRPr lang="en-US" dirty="0"/>
           </a:p>
@@ -2676,7 +2676,7 @@
           <a:p>
             <a:fld id="{9DEB64E9-A623-6D49-92EA-7C36C81F7406}" type="datetimeFigureOut">
               <a:rPr lang="en-US" smtClean="0"/>
-              <a:t>12/28/2020</a:t>
+              <a:t>12/29/2020</a:t>
             </a:fld>
             <a:endParaRPr lang="en-US" dirty="0"/>
           </a:p>
@@ -2917,7 +2917,7 @@
           <a:p>
             <a:fld id="{9DEB64E9-A623-6D49-92EA-7C36C81F7406}" type="datetimeFigureOut">
               <a:rPr lang="en-US" smtClean="0"/>
-              <a:t>12/28/2020</a:t>
+              <a:t>12/29/2020</a:t>
             </a:fld>
             <a:endParaRPr lang="en-US" dirty="0"/>
           </a:p>
@@ -3625,8 +3625,8 @@
         </p:nvSpPr>
         <p:spPr>
           <a:xfrm>
-            <a:off x="8019873" y="5155627"/>
-            <a:ext cx="3292363" cy="1019801"/>
+            <a:off x="8019873" y="5002922"/>
+            <a:ext cx="3292363" cy="1341920"/>
           </a:xfrm>
           <a:prstGeom prst="rect">
             <a:avLst/>
@@ -3636,7 +3636,7 @@
           </a:solidFill>
           <a:ln w="12700">
             <a:solidFill>
-              <a:srgbClr val="969696"/>
+              <a:srgbClr val="5A6B86"/>
             </a:solidFill>
             <a:prstDash val="dash"/>
           </a:ln>
@@ -4151,7 +4151,7 @@
           <a:blip r:embed="rId2">
             <a:extLst>
               <a:ext uri="{96DAC541-7B7A-43D3-8B79-37D633B846F1}">
-                <asvg:svgBlip xmlns:asvg="http://schemas.microsoft.com/office/drawing/2016/SVG/main" xmlns="" r:embed="rId15"/>
+                <asvg:svgBlip xmlns="" xmlns:asvg="http://schemas.microsoft.com/office/drawing/2016/SVG/main" r:embed="rId15"/>
               </a:ext>
             </a:extLst>
           </a:blip>
@@ -4321,7 +4321,7 @@
           <a:blip r:embed="rId16">
             <a:extLst>
               <a:ext uri="{96DAC541-7B7A-43D3-8B79-37D633B846F1}">
-                <asvg:svgBlip xmlns:asvg="http://schemas.microsoft.com/office/drawing/2016/SVG/main" xmlns="" r:embed="rId19"/>
+                <asvg:svgBlip xmlns="" xmlns:asvg="http://schemas.microsoft.com/office/drawing/2016/SVG/main" r:embed="rId19"/>
               </a:ext>
             </a:extLst>
           </a:blip>
@@ -4357,7 +4357,7 @@
           <a:blip r:embed="rId20">
             <a:extLst>
               <a:ext uri="{96DAC541-7B7A-43D3-8B79-37D633B846F1}">
-                <asvg:svgBlip xmlns:asvg="http://schemas.microsoft.com/office/drawing/2016/SVG/main" xmlns="" r:embed="rId21"/>
+                <asvg:svgBlip xmlns="" xmlns:asvg="http://schemas.microsoft.com/office/drawing/2016/SVG/main" r:embed="rId21"/>
               </a:ext>
             </a:extLst>
           </a:blip>
@@ -4393,7 +4393,7 @@
           <a:blip r:embed="rId22">
             <a:extLst>
               <a:ext uri="{96DAC541-7B7A-43D3-8B79-37D633B846F1}">
-                <asvg:svgBlip xmlns:asvg="http://schemas.microsoft.com/office/drawing/2016/SVG/main" xmlns="" r:embed="rId23"/>
+                <asvg:svgBlip xmlns="" xmlns:asvg="http://schemas.microsoft.com/office/drawing/2016/SVG/main" r:embed="rId23"/>
               </a:ext>
             </a:extLst>
           </a:blip>
@@ -4563,7 +4563,7 @@
           <a:blip r:embed="rId24">
             <a:extLst>
               <a:ext uri="{96DAC541-7B7A-43D3-8B79-37D633B846F1}">
-                <asvg:svgBlip xmlns:asvg="http://schemas.microsoft.com/office/drawing/2016/SVG/main" xmlns="" r:embed="rId25"/>
+                <asvg:svgBlip xmlns="" xmlns:asvg="http://schemas.microsoft.com/office/drawing/2016/SVG/main" r:embed="rId25"/>
               </a:ext>
             </a:extLst>
           </a:blip>
@@ -4666,7 +4666,7 @@
           <a:blip r:embed="rId24">
             <a:extLst>
               <a:ext uri="{96DAC541-7B7A-43D3-8B79-37D633B846F1}">
-                <asvg:svgBlip xmlns:asvg="http://schemas.microsoft.com/office/drawing/2016/SVG/main" xmlns="" r:embed="rId25"/>
+                <asvg:svgBlip xmlns="" xmlns:asvg="http://schemas.microsoft.com/office/drawing/2016/SVG/main" r:embed="rId25"/>
               </a:ext>
             </a:extLst>
           </a:blip>
@@ -4825,7 +4825,7 @@
           <a:noFill/>
           <a:ln w="12700">
             <a:solidFill>
-              <a:srgbClr val="AAB7B8"/>
+              <a:srgbClr val="5A6B86"/>
             </a:solidFill>
           </a:ln>
         </p:spPr>
@@ -4884,7 +4884,7 @@
           <a:blip r:embed="rId26">
             <a:extLst>
               <a:ext uri="{96DAC541-7B7A-43D3-8B79-37D633B846F1}">
-                <asvg:svgBlip xmlns:asvg="http://schemas.microsoft.com/office/drawing/2016/SVG/main" xmlns="" r:embed="rId28"/>
+                <asvg:svgBlip xmlns="" xmlns:asvg="http://schemas.microsoft.com/office/drawing/2016/SVG/main" r:embed="rId28"/>
               </a:ext>
             </a:extLst>
           </a:blip>
@@ -6190,7 +6190,7 @@
           <a:blip r:embed="rId29">
             <a:extLst>
               <a:ext uri="{96DAC541-7B7A-43D3-8B79-37D633B846F1}">
-                <asvg:svgBlip xmlns:asvg="http://schemas.microsoft.com/office/drawing/2016/SVG/main" xmlns="" r:embed="rId13"/>
+                <asvg:svgBlip xmlns="" xmlns:asvg="http://schemas.microsoft.com/office/drawing/2016/SVG/main" r:embed="rId13"/>
               </a:ext>
             </a:extLst>
           </a:blip>
@@ -6226,7 +6226,7 @@
           <a:blip r:embed="rId30">
             <a:extLst>
               <a:ext uri="{96DAC541-7B7A-43D3-8B79-37D633B846F1}">
-                <asvg:svgBlip xmlns:asvg="http://schemas.microsoft.com/office/drawing/2016/SVG/main" xmlns="" r:embed="rId31"/>
+                <asvg:svgBlip xmlns="" xmlns:asvg="http://schemas.microsoft.com/office/drawing/2016/SVG/main" r:embed="rId31"/>
               </a:ext>
             </a:extLst>
           </a:blip>
@@ -6262,7 +6262,7 @@
           <a:blip r:embed="rId32">
             <a:extLst>
               <a:ext uri="{96DAC541-7B7A-43D3-8B79-37D633B846F1}">
-                <asvg:svgBlip xmlns:asvg="http://schemas.microsoft.com/office/drawing/2016/SVG/main" xmlns="" r:embed="rId9"/>
+                <asvg:svgBlip xmlns="" xmlns:asvg="http://schemas.microsoft.com/office/drawing/2016/SVG/main" r:embed="rId9"/>
               </a:ext>
             </a:extLst>
           </a:blip>
@@ -6298,7 +6298,7 @@
           <a:blip r:embed="rId33">
             <a:extLst>
               <a:ext uri="{96DAC541-7B7A-43D3-8B79-37D633B846F1}">
-                <asvg:svgBlip xmlns:asvg="http://schemas.microsoft.com/office/drawing/2016/SVG/main" xmlns="" r:embed="rId17"/>
+                <asvg:svgBlip xmlns="" xmlns:asvg="http://schemas.microsoft.com/office/drawing/2016/SVG/main" r:embed="rId17"/>
               </a:ext>
             </a:extLst>
           </a:blip>
@@ -6334,7 +6334,7 @@
           <a:blip r:embed="rId34">
             <a:extLst>
               <a:ext uri="{96DAC541-7B7A-43D3-8B79-37D633B846F1}">
-                <asvg:svgBlip xmlns:asvg="http://schemas.microsoft.com/office/drawing/2016/SVG/main" xmlns="" r:embed="rId35"/>
+                <asvg:svgBlip xmlns="" xmlns:asvg="http://schemas.microsoft.com/office/drawing/2016/SVG/main" r:embed="rId35"/>
               </a:ext>
             </a:extLst>
           </a:blip>
@@ -6370,7 +6370,7 @@
           <a:blip r:embed="rId36">
             <a:extLst>
               <a:ext uri="{96DAC541-7B7A-43D3-8B79-37D633B846F1}">
-                <asvg:svgBlip xmlns:asvg="http://schemas.microsoft.com/office/drawing/2016/SVG/main" xmlns="" r:embed="rId37"/>
+                <asvg:svgBlip xmlns="" xmlns:asvg="http://schemas.microsoft.com/office/drawing/2016/SVG/main" r:embed="rId37"/>
               </a:ext>
             </a:extLst>
           </a:blip>
@@ -6411,7 +6411,7 @@
           <a:noFill/>
           <a:ln w="12700">
             <a:solidFill>
-              <a:srgbClr val="969696"/>
+              <a:srgbClr val="5A6B86"/>
             </a:solidFill>
             <a:prstDash val="dash"/>
           </a:ln>
@@ -6462,7 +6462,7 @@
         <p:spPr>
           <a:xfrm>
             <a:off x="3484625" y="3084616"/>
-            <a:ext cx="1956433" cy="461665"/>
+            <a:ext cx="1956433" cy="430887"/>
           </a:xfrm>
           <a:prstGeom prst="rect">
             <a:avLst/>
@@ -6477,76 +6477,69 @@
           <a:p>
             <a:pPr algn="ctr"/>
             <a:r>
-              <a:rPr lang="en-US" sz="1200" dirty="0">
+              <a:rPr lang="en-US" sz="1100" dirty="0">
                 <a:solidFill>
-                  <a:srgbClr val="969696"/>
+                  <a:srgbClr val="5A6B86"/>
                 </a:solidFill>
                 <a:latin typeface="Arial" panose="020B0604020202020204" pitchFamily="34" charset="0"/>
-                <a:ea typeface="Amazon Ember" panose="020B0603020204020204" pitchFamily="34" charset="0"/>
                 <a:cs typeface="Arial" panose="020B0604020202020204" pitchFamily="34" charset="0"/>
               </a:rPr>
               <a:t>Custom Lambda </a:t>
             </a:r>
             <a:r>
-              <a:rPr lang="en-US" sz="1200" dirty="0" smtClean="0">
+              <a:rPr lang="en-US" sz="1100" dirty="0">
                 <a:solidFill>
-                  <a:srgbClr val="969696"/>
+                  <a:srgbClr val="5A6B86"/>
                 </a:solidFill>
                 <a:latin typeface="Arial" panose="020B0604020202020204" pitchFamily="34" charset="0"/>
-                <a:ea typeface="Amazon Ember" panose="020B0603020204020204" pitchFamily="34" charset="0"/>
                 <a:cs typeface="Arial" panose="020B0604020202020204" pitchFamily="34" charset="0"/>
               </a:rPr>
               <a:t>functions </a:t>
             </a:r>
             <a:r>
-              <a:rPr lang="en-US" sz="1200" dirty="0">
+              <a:rPr lang="en-US" sz="1100" dirty="0">
                 <a:solidFill>
-                  <a:srgbClr val="969696"/>
+                  <a:srgbClr val="5A6B86"/>
                 </a:solidFill>
                 <a:latin typeface="Arial" panose="020B0604020202020204" pitchFamily="34" charset="0"/>
-                <a:ea typeface="Amazon Ember" panose="020B0603020204020204" pitchFamily="34" charset="0"/>
                 <a:cs typeface="Arial" panose="020B0604020202020204" pitchFamily="34" charset="0"/>
               </a:rPr>
               <a:t/>
             </a:r>
             <a:br>
-              <a:rPr lang="en-US" sz="1200" dirty="0">
+              <a:rPr lang="en-US" sz="1100" dirty="0">
                 <a:solidFill>
-                  <a:srgbClr val="969696"/>
+                  <a:srgbClr val="5A6B86"/>
                 </a:solidFill>
                 <a:latin typeface="Arial" panose="020B0604020202020204" pitchFamily="34" charset="0"/>
-                <a:ea typeface="Amazon Ember" panose="020B0603020204020204" pitchFamily="34" charset="0"/>
                 <a:cs typeface="Arial" panose="020B0604020202020204" pitchFamily="34" charset="0"/>
               </a:rPr>
             </a:br>
             <a:r>
               <a:rPr lang="en-US" sz="1100" dirty="0">
                 <a:solidFill>
-                  <a:srgbClr val="969696"/>
+                  <a:srgbClr val="5A6B86"/>
                 </a:solidFill>
                 <a:latin typeface="Arial" panose="020B0604020202020204" pitchFamily="34" charset="0"/>
-                <a:ea typeface="Amazon Ember" panose="020B0603020204020204" pitchFamily="34" charset="0"/>
                 <a:cs typeface="Arial" panose="020B0604020202020204" pitchFamily="34" charset="0"/>
               </a:rPr>
               <a:t>(ML inference, ETL, etc</a:t>
             </a:r>
             <a:r>
-              <a:rPr lang="en-US" sz="1100" dirty="0" smtClean="0">
+              <a:rPr lang="en-US" sz="1100" dirty="0">
                 <a:solidFill>
-                  <a:srgbClr val="969696"/>
+                  <a:srgbClr val="5A6B86"/>
                 </a:solidFill>
                 <a:latin typeface="Arial" panose="020B0604020202020204" pitchFamily="34" charset="0"/>
-                <a:ea typeface="Amazon Ember" panose="020B0603020204020204" pitchFamily="34" charset="0"/>
                 <a:cs typeface="Arial" panose="020B0604020202020204" pitchFamily="34" charset="0"/>
               </a:rPr>
               <a:t>.)</a:t>
             </a:r>
             <a:endParaRPr lang="en-US" sz="1100" dirty="0">
               <a:solidFill>
-                <a:srgbClr val="969696"/>
+                <a:srgbClr val="5A6B86"/>
               </a:solidFill>
               <a:latin typeface="Arial" panose="020B0604020202020204" pitchFamily="34" charset="0"/>
-              <a:ea typeface="Amazon Ember" panose="020B0603020204020204" pitchFamily="34" charset="0"/>
               <a:cs typeface="Arial" panose="020B0604020202020204" pitchFamily="34" charset="0"/>
             </a:endParaRPr>
           </a:p>
@@ -6566,7 +6559,7 @@
         </p:nvSpPr>
         <p:spPr>
           <a:xfrm>
-            <a:off x="8098890" y="5486838"/>
+            <a:off x="8098890" y="5556579"/>
             <a:ext cx="1731340" cy="587805"/>
           </a:xfrm>
           <a:prstGeom prst="rect">
@@ -6657,7 +6650,7 @@
         </p:nvSpPr>
         <p:spPr>
           <a:xfrm>
-            <a:off x="9965937" y="5486839"/>
+            <a:off x="9965937" y="5556580"/>
             <a:ext cx="763796" cy="587804"/>
           </a:xfrm>
           <a:prstGeom prst="rect">
@@ -6721,7 +6714,7 @@
         </p:nvCxnSpPr>
         <p:spPr>
           <a:xfrm flipH="1">
-            <a:off x="9830230" y="5780741"/>
+            <a:off x="9830230" y="5850482"/>
             <a:ext cx="143328" cy="0"/>
           </a:xfrm>
           <a:prstGeom prst="straightConnector1">
@@ -6770,7 +6763,7 @@
           <a:blip r:embed="rId32">
             <a:extLst>
               <a:ext uri="{96DAC541-7B7A-43D3-8B79-37D633B846F1}">
-                <asvg:svgBlip xmlns:asvg="http://schemas.microsoft.com/office/drawing/2016/SVG/main" xmlns="" r:embed="rId9"/>
+                <asvg:svgBlip xmlns="" xmlns:asvg="http://schemas.microsoft.com/office/drawing/2016/SVG/main" r:embed="rId9"/>
               </a:ext>
             </a:extLst>
           </a:blip>
@@ -6780,7 +6773,7 @@
         </p:blipFill>
         <p:spPr>
           <a:xfrm>
-            <a:off x="10813589" y="5223977"/>
+            <a:off x="10813589" y="5056287"/>
             <a:ext cx="432000" cy="432000"/>
           </a:xfrm>
           <a:prstGeom prst="rect">
@@ -6806,7 +6799,7 @@
           <a:blip r:embed="rId38">
             <a:extLst>
               <a:ext uri="{96DAC541-7B7A-43D3-8B79-37D633B846F1}">
-                <asvg:svgBlip xmlns:asvg="http://schemas.microsoft.com/office/drawing/2016/SVG/main" xmlns="" r:embed="rId11"/>
+                <asvg:svgBlip xmlns="" xmlns:asvg="http://schemas.microsoft.com/office/drawing/2016/SVG/main" r:embed="rId11"/>
               </a:ext>
             </a:extLst>
           </a:blip>
@@ -6816,7 +6809,7 @@
         </p:blipFill>
         <p:spPr>
           <a:xfrm>
-            <a:off x="10813589" y="5690785"/>
+            <a:off x="10813589" y="5721781"/>
             <a:ext cx="429744" cy="429744"/>
           </a:xfrm>
           <a:prstGeom prst="rect">
@@ -6838,8 +6831,8 @@
         </p:nvSpPr>
         <p:spPr>
           <a:xfrm>
-            <a:off x="8615578" y="6149427"/>
-            <a:ext cx="2119226" cy="461665"/>
+            <a:off x="10809623" y="5462677"/>
+            <a:ext cx="430210" cy="261610"/>
           </a:xfrm>
           <a:prstGeom prst="rect">
             <a:avLst/>
@@ -6861,39 +6854,12 @@
               <a:defRPr/>
             </a:pPr>
             <a:r>
-              <a:rPr lang="en-US" sz="1200" dirty="0" smtClean="0">
-                <a:latin typeface="Arial" panose="020B0604020202020204" pitchFamily="34" charset="0"/>
-                <a:ea typeface="Amazon Ember" panose="020B0603020204020204" pitchFamily="34" charset="0"/>
-                <a:cs typeface="Arial" panose="020B0604020202020204" pitchFamily="34" charset="0"/>
-              </a:rPr>
-              <a:t>S3 </a:t>
-            </a:r>
-            <a:r>
-              <a:rPr lang="en-US" sz="1200" dirty="0">
-                <a:latin typeface="Arial" panose="020B0604020202020204" pitchFamily="34" charset="0"/>
-                <a:ea typeface="Amazon Ember" panose="020B0603020204020204" pitchFamily="34" charset="0"/>
-                <a:cs typeface="Arial" panose="020B0604020202020204" pitchFamily="34" charset="0"/>
-              </a:rPr>
-              <a:t>+ Lambda</a:t>
-            </a:r>
-          </a:p>
-          <a:p>
-            <a:pPr algn="ctr" defTabSz="1096933" fontAlgn="base">
-              <a:spcBef>
-                <a:spcPct val="0"/>
-              </a:spcBef>
-              <a:spcAft>
-                <a:spcPct val="0"/>
-              </a:spcAft>
-              <a:defRPr/>
-            </a:pPr>
-            <a:r>
               <a:rPr lang="en-US" sz="1100" dirty="0" smtClean="0">
                 <a:latin typeface="Arial" panose="020B0604020202020204" pitchFamily="34" charset="0"/>
                 <a:ea typeface="Amazon Ember" panose="020B0603020204020204" pitchFamily="34" charset="0"/>
                 <a:cs typeface="Arial" panose="020B0604020202020204" pitchFamily="34" charset="0"/>
               </a:rPr>
-              <a:t>(asset hierarchy modeling)</a:t>
+              <a:t>S3</a:t>
             </a:r>
             <a:endParaRPr lang="en-US" sz="1100" dirty="0">
               <a:latin typeface="Arial" panose="020B0604020202020204" pitchFamily="34" charset="0"/>
@@ -6911,8 +6877,8 @@
         </p:nvSpPr>
         <p:spPr>
           <a:xfrm>
-            <a:off x="8674945" y="5176904"/>
-            <a:ext cx="1956433" cy="276999"/>
+            <a:off x="8564429" y="5020529"/>
+            <a:ext cx="2166694" cy="430887"/>
           </a:xfrm>
           <a:prstGeom prst="rect">
             <a:avLst/>
@@ -6927,24 +6893,64 @@
           <a:p>
             <a:pPr algn="ctr"/>
             <a:r>
-              <a:rPr lang="en-US" sz="1200" dirty="0" smtClean="0">
+              <a:rPr lang="en-US" sz="1100" dirty="0" smtClean="0">
                 <a:solidFill>
-                  <a:srgbClr val="969696"/>
+                  <a:srgbClr val="5A6B86"/>
                 </a:solidFill>
                 <a:latin typeface="Arial" panose="020B0604020202020204" pitchFamily="34" charset="0"/>
-                <a:ea typeface="Amazon Ember" panose="020B0603020204020204" pitchFamily="34" charset="0"/>
                 <a:cs typeface="Arial" panose="020B0604020202020204" pitchFamily="34" charset="0"/>
               </a:rPr>
-              <a:t>Asset Model Converter</a:t>
-            </a:r>
-            <a:endParaRPr lang="en-US" sz="1200" dirty="0">
-              <a:solidFill>
-                <a:srgbClr val="969696"/>
-              </a:solidFill>
-              <a:latin typeface="Arial" panose="020B0604020202020204" pitchFamily="34" charset="0"/>
-              <a:ea typeface="Amazon Ember" panose="020B0603020204020204" pitchFamily="34" charset="0"/>
-              <a:cs typeface="Arial" panose="020B0604020202020204" pitchFamily="34" charset="0"/>
-            </a:endParaRPr>
+              <a:t>Asset </a:t>
+            </a:r>
+            <a:r>
+              <a:rPr lang="en-US" sz="1100" dirty="0">
+                <a:solidFill>
+                  <a:srgbClr val="5A6B86"/>
+                </a:solidFill>
+                <a:latin typeface="Arial" panose="020B0604020202020204" pitchFamily="34" charset="0"/>
+                <a:cs typeface="Arial" panose="020B0604020202020204" pitchFamily="34" charset="0"/>
+              </a:rPr>
+              <a:t>Model Converter</a:t>
+            </a:r>
+            <a:br>
+              <a:rPr lang="en-US" sz="1100" dirty="0">
+                <a:solidFill>
+                  <a:srgbClr val="5A6B86"/>
+                </a:solidFill>
+                <a:latin typeface="Arial" panose="020B0604020202020204" pitchFamily="34" charset="0"/>
+                <a:cs typeface="Arial" panose="020B0604020202020204" pitchFamily="34" charset="0"/>
+              </a:rPr>
+            </a:br>
+            <a:r>
+              <a:rPr lang="en-US" sz="1100" dirty="0">
+                <a:solidFill>
+                  <a:srgbClr val="5A6B86"/>
+                </a:solidFill>
+                <a:latin typeface="Arial" panose="020B0604020202020204" pitchFamily="34" charset="0"/>
+                <a:cs typeface="Arial" panose="020B0604020202020204" pitchFamily="34" charset="0"/>
+              </a:rPr>
+              <a:t>(</a:t>
+            </a:r>
+            <a:r>
+              <a:rPr lang="en-US" sz="1100" dirty="0" smtClean="0">
+                <a:solidFill>
+                  <a:srgbClr val="5A6B86"/>
+                </a:solidFill>
+                <a:latin typeface="Arial" panose="020B0604020202020204" pitchFamily="34" charset="0"/>
+                <a:cs typeface="Arial" panose="020B0604020202020204" pitchFamily="34" charset="0"/>
+              </a:rPr>
+              <a:t>asset-hierarchy </a:t>
+            </a:r>
+            <a:r>
+              <a:rPr lang="en-US" sz="1100" dirty="0">
+                <a:solidFill>
+                  <a:srgbClr val="5A6B86"/>
+                </a:solidFill>
+                <a:latin typeface="Arial" panose="020B0604020202020204" pitchFamily="34" charset="0"/>
+                <a:cs typeface="Arial" panose="020B0604020202020204" pitchFamily="34" charset="0"/>
+              </a:rPr>
+              <a:t>modeling)</a:t>
+            </a:r>
           </a:p>
         </p:txBody>
       </p:sp>
@@ -7517,6 +7523,58 @@
               </a:rPr>
               <a:t>or</a:t>
             </a:r>
+          </a:p>
+        </p:txBody>
+      </p:sp>
+      <p:sp>
+        <p:nvSpPr>
+          <p:cNvPr id="90" name="Rectangle 89">
+            <a:extLst>
+              <a:ext uri="{FF2B5EF4-FFF2-40B4-BE49-F238E27FC236}">
+                <a16:creationId xmlns:a16="http://schemas.microsoft.com/office/drawing/2014/main" id="{8B4912DE-30E4-9342-BCA3-E457ED3BE1FB}"/>
+              </a:ext>
+            </a:extLst>
+          </p:cNvPr>
+          <p:cNvSpPr/>
+          <p:nvPr/>
+        </p:nvSpPr>
+        <p:spPr>
+          <a:xfrm>
+            <a:off x="10674371" y="6109856"/>
+            <a:ext cx="700714" cy="261610"/>
+          </a:xfrm>
+          <a:prstGeom prst="rect">
+            <a:avLst/>
+          </a:prstGeom>
+        </p:spPr>
+        <p:txBody>
+          <a:bodyPr wrap="square">
+            <a:spAutoFit/>
+          </a:bodyPr>
+          <a:lstStyle/>
+          <a:p>
+            <a:pPr algn="ctr" defTabSz="1096933" fontAlgn="base">
+              <a:spcBef>
+                <a:spcPct val="0"/>
+              </a:spcBef>
+              <a:spcAft>
+                <a:spcPct val="0"/>
+              </a:spcAft>
+              <a:defRPr/>
+            </a:pPr>
+            <a:r>
+              <a:rPr lang="en-US" sz="1100" dirty="0" smtClean="0">
+                <a:latin typeface="Arial" panose="020B0604020202020204" pitchFamily="34" charset="0"/>
+                <a:ea typeface="Amazon Ember" panose="020B0603020204020204" pitchFamily="34" charset="0"/>
+                <a:cs typeface="Arial" panose="020B0604020202020204" pitchFamily="34" charset="0"/>
+              </a:rPr>
+              <a:t>Lambda</a:t>
+            </a:r>
+            <a:endParaRPr lang="en-US" sz="1100" dirty="0">
+              <a:latin typeface="Arial" panose="020B0604020202020204" pitchFamily="34" charset="0"/>
+              <a:ea typeface="Amazon Ember" panose="020B0603020204020204" pitchFamily="34" charset="0"/>
+              <a:cs typeface="Arial" panose="020B0604020202020204" pitchFamily="34" charset="0"/>
+            </a:endParaRPr>
           </a:p>
         </p:txBody>
       </p:sp>
@@ -7836,121 +7894,6 @@
                 <a:schemeClr val="tx1"/>
               </a:solidFill>
               <a:latin typeface="Arial" panose="020B0604020202020204" pitchFamily="34" charset="0"/>
-              <a:cs typeface="Arial" panose="020B0604020202020204" pitchFamily="34" charset="0"/>
-            </a:endParaRPr>
-          </a:p>
-        </p:txBody>
-      </p:sp>
-      <p:cxnSp>
-        <p:nvCxnSpPr>
-          <p:cNvPr id="184" name="Straight Arrow Connector 183">
-            <a:extLst>
-              <a:ext uri="{FF2B5EF4-FFF2-40B4-BE49-F238E27FC236}">
-                <a16:creationId xmlns:a16="http://schemas.microsoft.com/office/drawing/2014/main" id="{0A59238E-FEEB-C84D-82B4-5FAFE96CFDD5}"/>
-              </a:ext>
-            </a:extLst>
-          </p:cNvPr>
-          <p:cNvCxnSpPr>
-            <a:cxnSpLocks/>
-          </p:cNvCxnSpPr>
-          <p:nvPr/>
-        </p:nvCxnSpPr>
-        <p:spPr>
-          <a:xfrm>
-            <a:off x="8077446" y="5428517"/>
-            <a:ext cx="568557" cy="3325"/>
-          </a:xfrm>
-          <a:prstGeom prst="straightConnector1">
-            <a:avLst/>
-          </a:prstGeom>
-          <a:ln w="12700">
-            <a:solidFill>
-              <a:schemeClr val="bg1">
-                <a:lumMod val="25000"/>
-              </a:schemeClr>
-            </a:solidFill>
-            <a:prstDash val="sysDot"/>
-            <a:headEnd type="arrow" w="med" len="sm"/>
-            <a:tailEnd type="none" w="med" len="sm"/>
-          </a:ln>
-        </p:spPr>
-        <p:style>
-          <a:lnRef idx="1">
-            <a:schemeClr val="accent1"/>
-          </a:lnRef>
-          <a:fillRef idx="0">
-            <a:schemeClr val="accent1"/>
-          </a:fillRef>
-          <a:effectRef idx="0">
-            <a:schemeClr val="accent1"/>
-          </a:effectRef>
-          <a:fontRef idx="minor">
-            <a:schemeClr val="tx1"/>
-          </a:fontRef>
-        </p:style>
-      </p:cxnSp>
-      <p:sp>
-        <p:nvSpPr>
-          <p:cNvPr id="193" name="Rectangle 192">
-            <a:extLst>
-              <a:ext uri="{FF2B5EF4-FFF2-40B4-BE49-F238E27FC236}">
-                <a16:creationId xmlns:a16="http://schemas.microsoft.com/office/drawing/2014/main" id="{6C885C74-9C58-7A41-A997-93D658A1C9A3}"/>
-              </a:ext>
-            </a:extLst>
-          </p:cNvPr>
-          <p:cNvSpPr/>
-          <p:nvPr/>
-        </p:nvSpPr>
-        <p:spPr>
-          <a:xfrm>
-            <a:off x="8635999" y="4827967"/>
-            <a:ext cx="3302001" cy="1019801"/>
-          </a:xfrm>
-          <a:prstGeom prst="rect">
-            <a:avLst/>
-          </a:prstGeom>
-          <a:solidFill>
-            <a:schemeClr val="bg1"/>
-          </a:solidFill>
-          <a:ln w="12700">
-            <a:solidFill>
-              <a:srgbClr val="969696"/>
-            </a:solidFill>
-            <a:prstDash val="dash"/>
-          </a:ln>
-        </p:spPr>
-        <p:style>
-          <a:lnRef idx="2">
-            <a:schemeClr val="accent1">
-              <a:shade val="50000"/>
-            </a:schemeClr>
-          </a:lnRef>
-          <a:fillRef idx="1">
-            <a:schemeClr val="accent1"/>
-          </a:fillRef>
-          <a:effectRef idx="0">
-            <a:schemeClr val="accent1"/>
-          </a:effectRef>
-          <a:fontRef idx="minor">
-            <a:schemeClr val="lt1"/>
-          </a:fontRef>
-        </p:style>
-        <p:txBody>
-          <a:bodyPr rot="0" spcFirstLastPara="0" vertOverflow="overflow" horzOverflow="overflow" vert="horz" wrap="square" lIns="146304" tIns="146304" rIns="146304" bIns="73152" numCol="1" spcCol="0" rtlCol="0" fromWordArt="0" anchor="t" anchorCtr="0" forceAA="0" compatLnSpc="1">
-            <a:prstTxWarp prst="textNoShape">
-              <a:avLst/>
-            </a:prstTxWarp>
-            <a:noAutofit/>
-          </a:bodyPr>
-          <a:lstStyle/>
-          <a:p>
-            <a:pPr algn="ctr"/>
-            <a:endParaRPr lang="en-US" sz="1200" dirty="0">
-              <a:solidFill>
-                <a:schemeClr val="tx1"/>
-              </a:solidFill>
-              <a:latin typeface="Arial" panose="020B0604020202020204" pitchFamily="34" charset="0"/>
-              <a:ea typeface="Amazon Ember" panose="020B0603020204020204" pitchFamily="34" charset="0"/>
               <a:cs typeface="Arial" panose="020B0604020202020204" pitchFamily="34" charset="0"/>
             </a:endParaRPr>
           </a:p>
@@ -9628,7 +9571,7 @@
           <a:noFill/>
           <a:ln w="12700">
             <a:solidFill>
-              <a:srgbClr val="AAB7B8"/>
+              <a:srgbClr val="5A6B86"/>
             </a:solidFill>
           </a:ln>
         </p:spPr>
@@ -9721,14 +9664,6 @@
               </a:rPr>
               <a:t>Greengrass core </a:t>
             </a:r>
-            <a:r>
-              <a:rPr lang="en-US" sz="1200" dirty="0" smtClean="0">
-                <a:latin typeface="Arial" panose="020B0604020202020204" pitchFamily="34" charset="0"/>
-                <a:ea typeface="Amazon Ember" panose="020B0603020204020204" pitchFamily="34" charset="0"/>
-                <a:cs typeface="Arial" panose="020B0604020202020204" pitchFamily="34" charset="0"/>
-              </a:rPr>
-              <a:t/>
-            </a:r>
             <a:br>
               <a:rPr lang="en-US" sz="1200" dirty="0" smtClean="0">
                 <a:latin typeface="Arial" panose="020B0604020202020204" pitchFamily="34" charset="0"/>
@@ -10070,7 +10005,7 @@
           <a:noFill/>
           <a:ln w="12700">
             <a:solidFill>
-              <a:srgbClr val="969696"/>
+              <a:srgbClr val="5A6B86"/>
             </a:solidFill>
             <a:prstDash val="dash"/>
           </a:ln>
@@ -11726,177 +11661,26 @@
           </a:fontRef>
         </p:style>
       </p:cxnSp>
-      <p:sp>
-        <p:nvSpPr>
-          <p:cNvPr id="181" name="Rectangle 180">
-            <a:extLst>
-              <a:ext uri="{FF2B5EF4-FFF2-40B4-BE49-F238E27FC236}">
-                <a16:creationId xmlns:a16="http://schemas.microsoft.com/office/drawing/2014/main" id="{547AD1BB-2848-A343-81F7-C0220B4EC2BA}"/>
-              </a:ext>
-            </a:extLst>
-          </p:cNvPr>
-          <p:cNvSpPr/>
-          <p:nvPr/>
-        </p:nvSpPr>
-        <p:spPr>
-          <a:xfrm>
-            <a:off x="8714416" y="5159178"/>
-            <a:ext cx="1731340" cy="587805"/>
-          </a:xfrm>
-          <a:prstGeom prst="rect">
-            <a:avLst/>
-          </a:prstGeom>
-          <a:noFill/>
-          <a:ln>
-            <a:solidFill>
-              <a:srgbClr val="404040"/>
-            </a:solidFill>
-          </a:ln>
-          <a:effectLst/>
-        </p:spPr>
-        <p:style>
-          <a:lnRef idx="1">
-            <a:schemeClr val="accent1"/>
-          </a:lnRef>
-          <a:fillRef idx="3">
-            <a:schemeClr val="accent1"/>
-          </a:fillRef>
-          <a:effectRef idx="2">
-            <a:schemeClr val="accent1"/>
-          </a:effectRef>
-          <a:fontRef idx="minor">
-            <a:schemeClr val="lt1"/>
-          </a:fontRef>
-        </p:style>
-        <p:txBody>
-          <a:bodyPr rtlCol="0" anchor="t"/>
-          <a:lstStyle/>
-          <a:p>
-            <a:pPr algn="ctr"/>
-            <a:r>
-              <a:rPr lang="en-US" sz="1100" dirty="0" smtClean="0">
-                <a:solidFill>
-                  <a:schemeClr val="tx1"/>
-                </a:solidFill>
-                <a:latin typeface="Arial" panose="020B0604020202020204" pitchFamily="34" charset="0"/>
-                <a:ea typeface="Amazon Ember" panose="020B0603020204020204" pitchFamily="34" charset="0"/>
-                <a:cs typeface="Arial" panose="020B0604020202020204" pitchFamily="34" charset="0"/>
-              </a:rPr>
-              <a:t>Edge application (Ignition, KEPServerEX) </a:t>
-            </a:r>
-            <a:r>
-              <a:rPr lang="en-US" sz="1100" dirty="0">
-                <a:solidFill>
-                  <a:schemeClr val="tx1"/>
-                </a:solidFill>
-                <a:latin typeface="Arial" panose="020B0604020202020204" pitchFamily="34" charset="0"/>
-                <a:ea typeface="Amazon Ember" panose="020B0603020204020204" pitchFamily="34" charset="0"/>
-                <a:cs typeface="Arial" panose="020B0604020202020204" pitchFamily="34" charset="0"/>
-              </a:rPr>
-              <a:t>tag hierar</a:t>
-            </a:r>
-            <a:r>
-              <a:rPr lang="en-US" sz="1100" dirty="0" smtClean="0">
-                <a:solidFill>
-                  <a:schemeClr val="tx1"/>
-                </a:solidFill>
-                <a:latin typeface="Arial" panose="020B0604020202020204" pitchFamily="34" charset="0"/>
-                <a:ea typeface="Amazon Ember" panose="020B0603020204020204" pitchFamily="34" charset="0"/>
-                <a:cs typeface="Arial" panose="020B0604020202020204" pitchFamily="34" charset="0"/>
-              </a:rPr>
-              <a:t>chy</a:t>
-            </a:r>
-            <a:endParaRPr lang="en-US" sz="1100" dirty="0">
-              <a:solidFill>
-                <a:schemeClr val="tx1"/>
-              </a:solidFill>
-              <a:latin typeface="Arial" panose="020B0604020202020204" pitchFamily="34" charset="0"/>
-              <a:ea typeface="Amazon Ember" panose="020B0603020204020204" pitchFamily="34" charset="0"/>
-              <a:cs typeface="Arial" panose="020B0604020202020204" pitchFamily="34" charset="0"/>
-            </a:endParaRPr>
-          </a:p>
-        </p:txBody>
-      </p:sp>
-      <p:sp>
-        <p:nvSpPr>
-          <p:cNvPr id="182" name="Rectangle 181">
-            <a:extLst>
-              <a:ext uri="{FF2B5EF4-FFF2-40B4-BE49-F238E27FC236}">
-                <a16:creationId xmlns:a16="http://schemas.microsoft.com/office/drawing/2014/main" id="{A2476832-C43B-D041-92DB-71A2FF779890}"/>
-              </a:ext>
-            </a:extLst>
-          </p:cNvPr>
-          <p:cNvSpPr/>
-          <p:nvPr/>
-        </p:nvSpPr>
-        <p:spPr>
-          <a:xfrm>
-            <a:off x="10581463" y="5159179"/>
-            <a:ext cx="763796" cy="587804"/>
-          </a:xfrm>
-          <a:prstGeom prst="rect">
-            <a:avLst/>
-          </a:prstGeom>
-          <a:noFill/>
-          <a:ln>
-            <a:solidFill>
-              <a:schemeClr val="tx1"/>
-            </a:solidFill>
-          </a:ln>
-          <a:effectLst/>
-        </p:spPr>
-        <p:style>
-          <a:lnRef idx="1">
-            <a:schemeClr val="accent1"/>
-          </a:lnRef>
-          <a:fillRef idx="3">
-            <a:schemeClr val="accent1"/>
-          </a:fillRef>
-          <a:effectRef idx="2">
-            <a:schemeClr val="accent1"/>
-          </a:effectRef>
-          <a:fontRef idx="minor">
-            <a:schemeClr val="lt1"/>
-          </a:fontRef>
-        </p:style>
-        <p:txBody>
-          <a:bodyPr rtlCol="0" anchor="t"/>
-          <a:lstStyle/>
-          <a:p>
-            <a:pPr algn="ctr"/>
-            <a:r>
-              <a:rPr lang="en-US" sz="1100" dirty="0">
-                <a:solidFill>
-                  <a:schemeClr val="tx1"/>
-                </a:solidFill>
-                <a:latin typeface="Arial" panose="020B0604020202020204" pitchFamily="34" charset="0"/>
-                <a:ea typeface="Amazon Ember" panose="020B0603020204020204" pitchFamily="34" charset="0"/>
-                <a:cs typeface="Arial" panose="020B0604020202020204" pitchFamily="34" charset="0"/>
-              </a:rPr>
-              <a:t>SiteWise asset hierarchy</a:t>
-            </a:r>
-          </a:p>
-        </p:txBody>
-      </p:sp>
       <p:cxnSp>
         <p:nvCxnSpPr>
-          <p:cNvPr id="183" name="Straight Arrow Connector 182">
-            <a:extLst>
-              <a:ext uri="{FF2B5EF4-FFF2-40B4-BE49-F238E27FC236}">
-                <a16:creationId xmlns:a16="http://schemas.microsoft.com/office/drawing/2014/main" id="{0FFCEBE0-98EB-EF40-AEFF-0819513AEDAD}"/>
+          <p:cNvPr id="189" name="Straight Arrow Connector 188">
+            <a:extLst>
+              <a:ext uri="{FF2B5EF4-FFF2-40B4-BE49-F238E27FC236}">
+                <a16:creationId xmlns:a16="http://schemas.microsoft.com/office/drawing/2014/main" id="{BBF7CC61-94A3-BA44-ABF1-030302B2BC29}"/>
               </a:ext>
             </a:extLst>
           </p:cNvPr>
           <p:cNvCxnSpPr>
             <a:cxnSpLocks/>
-            <a:endCxn id="181" idx="3"/>
+            <a:stCxn id="138" idx="3"/>
+            <a:endCxn id="203" idx="1"/>
           </p:cNvCxnSpPr>
           <p:nvPr/>
         </p:nvCxnSpPr>
         <p:spPr>
-          <a:xfrm flipH="1">
-            <a:off x="10445756" y="5453081"/>
-            <a:ext cx="143328" cy="0"/>
+          <a:xfrm flipV="1">
+            <a:off x="6061996" y="2649328"/>
+            <a:ext cx="2496400" cy="15725"/>
           </a:xfrm>
           <a:prstGeom prst="straightConnector1">
             <a:avLst/>
@@ -11926,127 +11710,6 @@
           </a:fontRef>
         </p:style>
       </p:cxnSp>
-      <p:pic>
-        <p:nvPicPr>
-          <p:cNvPr id="185" name="Graphic 184">
-            <a:extLst>
-              <a:ext uri="{FF2B5EF4-FFF2-40B4-BE49-F238E27FC236}">
-                <a16:creationId xmlns:a16="http://schemas.microsoft.com/office/drawing/2014/main" id="{537287BB-EA8A-5D48-A976-5EA0D36D7D7F}"/>
-              </a:ext>
-            </a:extLst>
-          </p:cNvPr>
-          <p:cNvPicPr>
-            <a:picLocks noChangeAspect="1"/>
-          </p:cNvPicPr>
-          <p:nvPr/>
-        </p:nvPicPr>
-        <p:blipFill>
-          <a:blip r:embed="rId3">
-            <a:extLst>
-              <a:ext uri="{96DAC541-7B7A-43D3-8B79-37D633B846F1}">
-                <asvg:svgBlip xmlns:asvg="http://schemas.microsoft.com/office/drawing/2016/SVG/main" xmlns="" r:embed="rId9"/>
-              </a:ext>
-            </a:extLst>
-          </a:blip>
-          <a:stretch>
-            <a:fillRect/>
-          </a:stretch>
-        </p:blipFill>
-        <p:spPr>
-          <a:xfrm>
-            <a:off x="11429115" y="4896317"/>
-            <a:ext cx="432000" cy="432000"/>
-          </a:xfrm>
-          <a:prstGeom prst="rect">
-            <a:avLst/>
-          </a:prstGeom>
-        </p:spPr>
-      </p:pic>
-      <p:pic>
-        <p:nvPicPr>
-          <p:cNvPr id="186" name="Graphic 185">
-            <a:extLst>
-              <a:ext uri="{FF2B5EF4-FFF2-40B4-BE49-F238E27FC236}">
-                <a16:creationId xmlns:a16="http://schemas.microsoft.com/office/drawing/2014/main" id="{D897B21E-6937-904D-9DAB-2E95DBBC75FF}"/>
-              </a:ext>
-            </a:extLst>
-          </p:cNvPr>
-          <p:cNvPicPr>
-            <a:picLocks noChangeAspect="1"/>
-          </p:cNvPicPr>
-          <p:nvPr/>
-        </p:nvPicPr>
-        <p:blipFill>
-          <a:blip r:embed="rId10">
-            <a:extLst>
-              <a:ext uri="{96DAC541-7B7A-43D3-8B79-37D633B846F1}">
-                <asvg:svgBlip xmlns:asvg="http://schemas.microsoft.com/office/drawing/2016/SVG/main" xmlns="" r:embed="rId11"/>
-              </a:ext>
-            </a:extLst>
-          </a:blip>
-          <a:stretch>
-            <a:fillRect/>
-          </a:stretch>
-        </p:blipFill>
-        <p:spPr>
-          <a:xfrm>
-            <a:off x="11429115" y="5363125"/>
-            <a:ext cx="429744" cy="429744"/>
-          </a:xfrm>
-          <a:prstGeom prst="rect">
-            <a:avLst/>
-          </a:prstGeom>
-        </p:spPr>
-      </p:pic>
-      <p:cxnSp>
-        <p:nvCxnSpPr>
-          <p:cNvPr id="189" name="Straight Arrow Connector 188">
-            <a:extLst>
-              <a:ext uri="{FF2B5EF4-FFF2-40B4-BE49-F238E27FC236}">
-                <a16:creationId xmlns:a16="http://schemas.microsoft.com/office/drawing/2014/main" id="{BBF7CC61-94A3-BA44-ABF1-030302B2BC29}"/>
-              </a:ext>
-            </a:extLst>
-          </p:cNvPr>
-          <p:cNvCxnSpPr>
-            <a:cxnSpLocks/>
-            <a:stCxn id="138" idx="3"/>
-            <a:endCxn id="203" idx="1"/>
-          </p:cNvCxnSpPr>
-          <p:nvPr/>
-        </p:nvCxnSpPr>
-        <p:spPr>
-          <a:xfrm flipV="1">
-            <a:off x="6061996" y="2649328"/>
-            <a:ext cx="2496400" cy="15725"/>
-          </a:xfrm>
-          <a:prstGeom prst="straightConnector1">
-            <a:avLst/>
-          </a:prstGeom>
-          <a:ln w="12700">
-            <a:solidFill>
-              <a:schemeClr val="bg1">
-                <a:lumMod val="25000"/>
-              </a:schemeClr>
-            </a:solidFill>
-            <a:headEnd type="arrow" w="med" len="sm"/>
-            <a:tailEnd type="none" w="med" len="sm"/>
-          </a:ln>
-        </p:spPr>
-        <p:style>
-          <a:lnRef idx="1">
-            <a:schemeClr val="accent1"/>
-          </a:lnRef>
-          <a:fillRef idx="0">
-            <a:schemeClr val="accent1"/>
-          </a:fillRef>
-          <a:effectRef idx="0">
-            <a:schemeClr val="accent1"/>
-          </a:effectRef>
-          <a:fontRef idx="minor">
-            <a:schemeClr val="tx1"/>
-          </a:fontRef>
-        </p:style>
-      </p:cxnSp>
       <p:sp>
         <p:nvSpPr>
           <p:cNvPr id="191" name="Rectangle 190">
@@ -12090,80 +11753,6 @@
                 <a:cs typeface="Arial" panose="020B0604020202020204" pitchFamily="34" charset="0"/>
               </a:rPr>
               <a:t>PLCs</a:t>
-            </a:r>
-          </a:p>
-        </p:txBody>
-      </p:sp>
-      <p:sp>
-        <p:nvSpPr>
-          <p:cNvPr id="192" name="Rectangle 191">
-            <a:extLst>
-              <a:ext uri="{FF2B5EF4-FFF2-40B4-BE49-F238E27FC236}">
-                <a16:creationId xmlns:a16="http://schemas.microsoft.com/office/drawing/2014/main" id="{8B4912DE-30E4-9342-BCA3-E457ED3BE1FB}"/>
-              </a:ext>
-            </a:extLst>
-          </p:cNvPr>
-          <p:cNvSpPr/>
-          <p:nvPr/>
-        </p:nvSpPr>
-        <p:spPr>
-          <a:xfrm>
-            <a:off x="9231104" y="5821767"/>
-            <a:ext cx="2119226" cy="461665"/>
-          </a:xfrm>
-          <a:prstGeom prst="rect">
-            <a:avLst/>
-          </a:prstGeom>
-        </p:spPr>
-        <p:txBody>
-          <a:bodyPr wrap="square">
-            <a:spAutoFit/>
-          </a:bodyPr>
-          <a:lstStyle/>
-          <a:p>
-            <a:pPr algn="ctr" defTabSz="1096933" fontAlgn="base">
-              <a:spcBef>
-                <a:spcPct val="0"/>
-              </a:spcBef>
-              <a:spcAft>
-                <a:spcPct val="0"/>
-              </a:spcAft>
-              <a:defRPr/>
-            </a:pPr>
-            <a:r>
-              <a:rPr lang="en-US" sz="1200" dirty="0" smtClean="0">
-                <a:latin typeface="Arial" panose="020B0604020202020204" pitchFamily="34" charset="0"/>
-                <a:ea typeface="Amazon Ember" panose="020B0603020204020204" pitchFamily="34" charset="0"/>
-                <a:cs typeface="Arial" panose="020B0604020202020204" pitchFamily="34" charset="0"/>
-              </a:rPr>
-              <a:t>S3 </a:t>
-            </a:r>
-            <a:r>
-              <a:rPr lang="en-US" sz="1200" dirty="0">
-                <a:latin typeface="Arial" panose="020B0604020202020204" pitchFamily="34" charset="0"/>
-                <a:ea typeface="Amazon Ember" panose="020B0603020204020204" pitchFamily="34" charset="0"/>
-                <a:cs typeface="Arial" panose="020B0604020202020204" pitchFamily="34" charset="0"/>
-              </a:rPr>
-              <a:t>+ Lambda</a:t>
-            </a:r>
-          </a:p>
-          <a:p>
-            <a:pPr algn="ctr" fontAlgn="base">
-              <a:spcBef>
-                <a:spcPct val="0"/>
-              </a:spcBef>
-              <a:spcAft>
-                <a:spcPct val="0"/>
-              </a:spcAft>
-              <a:defRPr/>
-            </a:pPr>
-            <a:r>
-              <a:rPr lang="en-US" sz="1100" dirty="0">
-                <a:latin typeface="Arial" panose="020B0604020202020204" pitchFamily="34" charset="0"/>
-                <a:ea typeface="Amazon Ember" panose="020B0603020204020204" pitchFamily="34" charset="0"/>
-                <a:cs typeface="Arial" panose="020B0604020202020204" pitchFamily="34" charset="0"/>
-              </a:rPr>
-              <a:t>(asset hierarchy modeling)</a:t>
             </a:r>
           </a:p>
         </p:txBody>
@@ -12359,10 +11948,10 @@
           <p:nvPr/>
         </p:nvPicPr>
         <p:blipFill>
-          <a:blip r:embed="rId12">
+          <a:blip r:embed="rId3">
             <a:extLst>
               <a:ext uri="{96DAC541-7B7A-43D3-8B79-37D633B846F1}">
-                <asvg:svgBlip xmlns:asvg="http://schemas.microsoft.com/office/drawing/2016/SVG/main" xmlns="" r:embed="rId13"/>
+                <asvg:svgBlip xmlns="" xmlns:asvg="http://schemas.microsoft.com/office/drawing/2016/SVG/main" r:embed="rId13"/>
               </a:ext>
             </a:extLst>
           </a:blip>
@@ -12398,7 +11987,7 @@
           <a:blip r:embed="rId14">
             <a:extLst>
               <a:ext uri="{96DAC541-7B7A-43D3-8B79-37D633B846F1}">
-                <asvg:svgBlip xmlns:asvg="http://schemas.microsoft.com/office/drawing/2016/SVG/main" xmlns="" r:embed="rId15"/>
+                <asvg:svgBlip xmlns="" xmlns:asvg="http://schemas.microsoft.com/office/drawing/2016/SVG/main" r:embed="rId15"/>
               </a:ext>
             </a:extLst>
           </a:blip>
@@ -12431,10 +12020,10 @@
           <p:nvPr/>
         </p:nvPicPr>
         <p:blipFill>
-          <a:blip r:embed="rId3">
+          <a:blip r:embed="rId16">
             <a:extLst>
               <a:ext uri="{96DAC541-7B7A-43D3-8B79-37D633B846F1}">
-                <asvg:svgBlip xmlns:asvg="http://schemas.microsoft.com/office/drawing/2016/SVG/main" xmlns="" r:embed="rId9"/>
+                <asvg:svgBlip xmlns="" xmlns:asvg="http://schemas.microsoft.com/office/drawing/2016/SVG/main" r:embed="rId9"/>
               </a:ext>
             </a:extLst>
           </a:blip>
@@ -12467,10 +12056,10 @@
           <p:nvPr/>
         </p:nvPicPr>
         <p:blipFill>
-          <a:blip r:embed="rId16">
+          <a:blip r:embed="rId17">
             <a:extLst>
               <a:ext uri="{96DAC541-7B7A-43D3-8B79-37D633B846F1}">
-                <asvg:svgBlip xmlns:asvg="http://schemas.microsoft.com/office/drawing/2016/SVG/main" xmlns="" r:embed="rId17"/>
+                <asvg:svgBlip xmlns="" xmlns:asvg="http://schemas.microsoft.com/office/drawing/2016/SVG/main" r:embed="rId18"/>
               </a:ext>
             </a:extLst>
           </a:blip>
@@ -12503,10 +12092,10 @@
           <p:nvPr/>
         </p:nvPicPr>
         <p:blipFill>
-          <a:blip r:embed="rId18">
+          <a:blip r:embed="rId19">
             <a:extLst>
               <a:ext uri="{96DAC541-7B7A-43D3-8B79-37D633B846F1}">
-                <asvg:svgBlip xmlns:asvg="http://schemas.microsoft.com/office/drawing/2016/SVG/main" xmlns="" r:embed="rId19"/>
+                <asvg:svgBlip xmlns="" xmlns:asvg="http://schemas.microsoft.com/office/drawing/2016/SVG/main" r:embed="rId20"/>
               </a:ext>
             </a:extLst>
           </a:blip>
@@ -12539,10 +12128,10 @@
           <p:nvPr/>
         </p:nvPicPr>
         <p:blipFill>
-          <a:blip r:embed="rId20">
+          <a:blip r:embed="rId21">
             <a:extLst>
               <a:ext uri="{96DAC541-7B7A-43D3-8B79-37D633B846F1}">
-                <asvg:svgBlip xmlns:asvg="http://schemas.microsoft.com/office/drawing/2016/SVG/main" xmlns="" r:embed="rId21"/>
+                <asvg:svgBlip xmlns="" xmlns:asvg="http://schemas.microsoft.com/office/drawing/2016/SVG/main" r:embed="rId22"/>
               </a:ext>
             </a:extLst>
           </a:blip>
@@ -12575,10 +12164,10 @@
           <p:nvPr/>
         </p:nvPicPr>
         <p:blipFill>
-          <a:blip r:embed="rId22">
+          <a:blip r:embed="rId23">
             <a:extLst>
               <a:ext uri="{96DAC541-7B7A-43D3-8B79-37D633B846F1}">
-                <asvg:svgBlip xmlns:asvg="http://schemas.microsoft.com/office/drawing/2016/SVG/main" xmlns="" r:embed="rId23"/>
+                <asvg:svgBlip xmlns="" xmlns:asvg="http://schemas.microsoft.com/office/drawing/2016/SVG/main" r:embed="rId24"/>
               </a:ext>
             </a:extLst>
           </a:blip>
@@ -12611,7 +12200,7 @@
           <p:nvPr/>
         </p:nvPicPr>
         <p:blipFill>
-          <a:blip r:embed="rId24">
+          <a:blip r:embed="rId25">
             <a:extLst>
               <a:ext uri="{28A0092B-C50C-407E-A947-70E740481C1C}">
                 <a14:useLocalDpi xmlns:a14="http://schemas.microsoft.com/office/drawing/2010/main" val="0"/>
@@ -12738,10 +12327,10 @@
           <p:nvPr/>
         </p:nvPicPr>
         <p:blipFill>
-          <a:blip r:embed="rId25">
+          <a:blip r:embed="rId26">
             <a:extLst>
               <a:ext uri="{96DAC541-7B7A-43D3-8B79-37D633B846F1}">
-                <asvg:svgBlip xmlns:asvg="http://schemas.microsoft.com/office/drawing/2016/SVG/main" xmlns="" r:embed="rId28"/>
+                <asvg:svgBlip xmlns="" xmlns:asvg="http://schemas.microsoft.com/office/drawing/2016/SVG/main" r:embed="rId28"/>
               </a:ext>
             </a:extLst>
           </a:blip>
@@ -12815,7 +12404,7 @@
         <p:spPr>
           <a:xfrm>
             <a:off x="4038813" y="2170194"/>
-            <a:ext cx="1956433" cy="461665"/>
+            <a:ext cx="1956433" cy="430887"/>
           </a:xfrm>
           <a:prstGeom prst="rect">
             <a:avLst/>
@@ -12830,45 +12419,31 @@
           <a:p>
             <a:pPr algn="ctr"/>
             <a:r>
-              <a:rPr lang="en-US" sz="1200" dirty="0">
+              <a:rPr lang="en-US" sz="1100" dirty="0">
                 <a:solidFill>
-                  <a:srgbClr val="969696"/>
+                  <a:srgbClr val="5A6B86"/>
                 </a:solidFill>
                 <a:latin typeface="Arial" panose="020B0604020202020204" pitchFamily="34" charset="0"/>
-                <a:ea typeface="Amazon Ember" panose="020B0603020204020204" pitchFamily="34" charset="0"/>
                 <a:cs typeface="Arial" panose="020B0604020202020204" pitchFamily="34" charset="0"/>
               </a:rPr>
               <a:t>Custom Lambda </a:t>
             </a:r>
             <a:r>
-              <a:rPr lang="en-US" sz="1200" dirty="0" smtClean="0">
+              <a:rPr lang="en-US" sz="1100" dirty="0">
                 <a:solidFill>
-                  <a:srgbClr val="969696"/>
+                  <a:srgbClr val="5A6B86"/>
                 </a:solidFill>
                 <a:latin typeface="Arial" panose="020B0604020202020204" pitchFamily="34" charset="0"/>
-                <a:ea typeface="Amazon Ember" panose="020B0603020204020204" pitchFamily="34" charset="0"/>
                 <a:cs typeface="Arial" panose="020B0604020202020204" pitchFamily="34" charset="0"/>
               </a:rPr>
-              <a:t>functions</a:t>
-            </a:r>
-            <a:r>
-              <a:rPr lang="en-US" sz="1100" dirty="0" smtClean="0">
+              <a:t>functions </a:t>
+            </a:r>
+            <a:r>
+              <a:rPr lang="en-US" sz="1100" dirty="0">
                 <a:solidFill>
-                  <a:srgbClr val="969696"/>
+                  <a:srgbClr val="5A6B86"/>
                 </a:solidFill>
                 <a:latin typeface="Arial" panose="020B0604020202020204" pitchFamily="34" charset="0"/>
-                <a:ea typeface="Amazon Ember" panose="020B0603020204020204" pitchFamily="34" charset="0"/>
-                <a:cs typeface="Arial" panose="020B0604020202020204" pitchFamily="34" charset="0"/>
-              </a:rPr>
-              <a:t> </a:t>
-            </a:r>
-            <a:r>
-              <a:rPr lang="en-US" sz="1100" dirty="0">
-                <a:solidFill>
-                  <a:srgbClr val="969696"/>
-                </a:solidFill>
-                <a:latin typeface="Arial" panose="020B0604020202020204" pitchFamily="34" charset="0"/>
-                <a:ea typeface="Amazon Ember" panose="020B0603020204020204" pitchFamily="34" charset="0"/>
                 <a:cs typeface="Arial" panose="020B0604020202020204" pitchFamily="34" charset="0"/>
               </a:rPr>
               <a:t/>
@@ -12876,41 +12451,37 @@
             <a:br>
               <a:rPr lang="en-US" sz="1100" dirty="0">
                 <a:solidFill>
-                  <a:srgbClr val="969696"/>
+                  <a:srgbClr val="5A6B86"/>
                 </a:solidFill>
                 <a:latin typeface="Arial" panose="020B0604020202020204" pitchFamily="34" charset="0"/>
-                <a:ea typeface="Amazon Ember" panose="020B0603020204020204" pitchFamily="34" charset="0"/>
                 <a:cs typeface="Arial" panose="020B0604020202020204" pitchFamily="34" charset="0"/>
               </a:rPr>
             </a:br>
             <a:r>
               <a:rPr lang="en-US" sz="1100" dirty="0">
                 <a:solidFill>
-                  <a:srgbClr val="969696"/>
+                  <a:srgbClr val="5A6B86"/>
                 </a:solidFill>
                 <a:latin typeface="Arial" panose="020B0604020202020204" pitchFamily="34" charset="0"/>
-                <a:ea typeface="Amazon Ember" panose="020B0603020204020204" pitchFamily="34" charset="0"/>
                 <a:cs typeface="Arial" panose="020B0604020202020204" pitchFamily="34" charset="0"/>
               </a:rPr>
               <a:t>(ML inference, ETL, etc</a:t>
             </a:r>
             <a:r>
-              <a:rPr lang="en-US" sz="1100" dirty="0" smtClean="0">
+              <a:rPr lang="en-US" sz="1100" dirty="0">
                 <a:solidFill>
-                  <a:srgbClr val="969696"/>
+                  <a:srgbClr val="5A6B86"/>
                 </a:solidFill>
                 <a:latin typeface="Arial" panose="020B0604020202020204" pitchFamily="34" charset="0"/>
-                <a:ea typeface="Amazon Ember" panose="020B0603020204020204" pitchFamily="34" charset="0"/>
                 <a:cs typeface="Arial" panose="020B0604020202020204" pitchFamily="34" charset="0"/>
               </a:rPr>
               <a:t>.)</a:t>
             </a:r>
             <a:endParaRPr lang="en-US" sz="1100" dirty="0">
               <a:solidFill>
-                <a:srgbClr val="969696"/>
+                <a:srgbClr val="5A6B86"/>
               </a:solidFill>
               <a:latin typeface="Arial" panose="020B0604020202020204" pitchFamily="34" charset="0"/>
-              <a:ea typeface="Amazon Ember" panose="020B0603020204020204" pitchFamily="34" charset="0"/>
               <a:cs typeface="Arial" panose="020B0604020202020204" pitchFamily="34" charset="0"/>
             </a:endParaRPr>
           </a:p>
@@ -13052,51 +12623,6 @@
           </a:fontRef>
         </p:style>
       </p:cxnSp>
-      <p:sp>
-        <p:nvSpPr>
-          <p:cNvPr id="196" name="TextBox 195"/>
-          <p:cNvSpPr txBox="1"/>
-          <p:nvPr/>
-        </p:nvSpPr>
-        <p:spPr>
-          <a:xfrm>
-            <a:off x="9290471" y="4849244"/>
-            <a:ext cx="1956433" cy="276999"/>
-          </a:xfrm>
-          <a:prstGeom prst="rect">
-            <a:avLst/>
-          </a:prstGeom>
-          <a:noFill/>
-        </p:spPr>
-        <p:txBody>
-          <a:bodyPr wrap="square" rtlCol="0">
-            <a:spAutoFit/>
-          </a:bodyPr>
-          <a:lstStyle/>
-          <a:p>
-            <a:pPr algn="ctr"/>
-            <a:r>
-              <a:rPr lang="en-US" sz="1200" dirty="0" smtClean="0">
-                <a:solidFill>
-                  <a:srgbClr val="969696"/>
-                </a:solidFill>
-                <a:latin typeface="Arial" panose="020B0604020202020204" pitchFamily="34" charset="0"/>
-                <a:ea typeface="Amazon Ember" panose="020B0603020204020204" pitchFamily="34" charset="0"/>
-                <a:cs typeface="Arial" panose="020B0604020202020204" pitchFamily="34" charset="0"/>
-              </a:rPr>
-              <a:t>Asset Model Converter</a:t>
-            </a:r>
-            <a:endParaRPr lang="en-US" sz="1200" dirty="0">
-              <a:solidFill>
-                <a:srgbClr val="969696"/>
-              </a:solidFill>
-              <a:latin typeface="Arial" panose="020B0604020202020204" pitchFamily="34" charset="0"/>
-              <a:ea typeface="Amazon Ember" panose="020B0603020204020204" pitchFamily="34" charset="0"/>
-              <a:cs typeface="Arial" panose="020B0604020202020204" pitchFamily="34" charset="0"/>
-            </a:endParaRPr>
-          </a:p>
-        </p:txBody>
-      </p:sp>
       <p:cxnSp>
         <p:nvCxnSpPr>
           <p:cNvPr id="126" name="Straight Connector 125"/>
@@ -14506,7 +14032,7 @@
           <a:blip r:embed="rId32">
             <a:extLst>
               <a:ext uri="{96DAC541-7B7A-43D3-8B79-37D633B846F1}">
-                <asvg:svgBlip xmlns:asvg="http://schemas.microsoft.com/office/drawing/2016/SVG/main" xmlns="" r:embed="rId33"/>
+                <asvg:svgBlip xmlns="" xmlns:asvg="http://schemas.microsoft.com/office/drawing/2016/SVG/main" r:embed="rId33"/>
               </a:ext>
             </a:extLst>
           </a:blip>
@@ -14524,6 +14050,582 @@
           </a:prstGeom>
         </p:spPr>
       </p:pic>
+      <p:cxnSp>
+        <p:nvCxnSpPr>
+          <p:cNvPr id="136" name="Straight Arrow Connector 135">
+            <a:extLst>
+              <a:ext uri="{FF2B5EF4-FFF2-40B4-BE49-F238E27FC236}">
+                <a16:creationId xmlns:a16="http://schemas.microsoft.com/office/drawing/2014/main" id="{0A59238E-FEEB-C84D-82B4-5FAFE96CFDD5}"/>
+              </a:ext>
+            </a:extLst>
+          </p:cNvPr>
+          <p:cNvCxnSpPr>
+            <a:cxnSpLocks/>
+          </p:cNvCxnSpPr>
+          <p:nvPr/>
+        </p:nvCxnSpPr>
+        <p:spPr>
+          <a:xfrm>
+            <a:off x="8073239" y="5425712"/>
+            <a:ext cx="568557" cy="3325"/>
+          </a:xfrm>
+          <a:prstGeom prst="straightConnector1">
+            <a:avLst/>
+          </a:prstGeom>
+          <a:ln w="12700">
+            <a:solidFill>
+              <a:schemeClr val="bg1">
+                <a:lumMod val="25000"/>
+              </a:schemeClr>
+            </a:solidFill>
+            <a:prstDash val="sysDot"/>
+            <a:headEnd type="arrow" w="med" len="sm"/>
+            <a:tailEnd type="none" w="med" len="sm"/>
+          </a:ln>
+        </p:spPr>
+        <p:style>
+          <a:lnRef idx="1">
+            <a:schemeClr val="accent1"/>
+          </a:lnRef>
+          <a:fillRef idx="0">
+            <a:schemeClr val="accent1"/>
+          </a:fillRef>
+          <a:effectRef idx="0">
+            <a:schemeClr val="accent1"/>
+          </a:effectRef>
+          <a:fontRef idx="minor">
+            <a:schemeClr val="tx1"/>
+          </a:fontRef>
+        </p:style>
+      </p:cxnSp>
+      <p:sp>
+        <p:nvSpPr>
+          <p:cNvPr id="137" name="Rectangle 136">
+            <a:extLst>
+              <a:ext uri="{FF2B5EF4-FFF2-40B4-BE49-F238E27FC236}">
+                <a16:creationId xmlns:a16="http://schemas.microsoft.com/office/drawing/2014/main" id="{6C885C74-9C58-7A41-A997-93D658A1C9A3}"/>
+              </a:ext>
+            </a:extLst>
+          </p:cNvPr>
+          <p:cNvSpPr/>
+          <p:nvPr/>
+        </p:nvSpPr>
+        <p:spPr>
+          <a:xfrm>
+            <a:off x="8608332" y="4756277"/>
+            <a:ext cx="3292363" cy="1341920"/>
+          </a:xfrm>
+          <a:prstGeom prst="rect">
+            <a:avLst/>
+          </a:prstGeom>
+          <a:solidFill>
+            <a:schemeClr val="bg1"/>
+          </a:solidFill>
+          <a:ln w="12700">
+            <a:solidFill>
+              <a:srgbClr val="5A6B86"/>
+            </a:solidFill>
+            <a:prstDash val="dash"/>
+          </a:ln>
+        </p:spPr>
+        <p:style>
+          <a:lnRef idx="2">
+            <a:schemeClr val="accent1">
+              <a:shade val="50000"/>
+            </a:schemeClr>
+          </a:lnRef>
+          <a:fillRef idx="1">
+            <a:schemeClr val="accent1"/>
+          </a:fillRef>
+          <a:effectRef idx="0">
+            <a:schemeClr val="accent1"/>
+          </a:effectRef>
+          <a:fontRef idx="minor">
+            <a:schemeClr val="lt1"/>
+          </a:fontRef>
+        </p:style>
+        <p:txBody>
+          <a:bodyPr rot="0" spcFirstLastPara="0" vertOverflow="overflow" horzOverflow="overflow" vert="horz" wrap="square" lIns="146304" tIns="146304" rIns="146304" bIns="73152" numCol="1" spcCol="0" rtlCol="0" fromWordArt="0" anchor="t" anchorCtr="0" forceAA="0" compatLnSpc="1">
+            <a:prstTxWarp prst="textNoShape">
+              <a:avLst/>
+            </a:prstTxWarp>
+            <a:noAutofit/>
+          </a:bodyPr>
+          <a:lstStyle/>
+          <a:p>
+            <a:pPr algn="ctr"/>
+            <a:endParaRPr lang="en-US" sz="1200" dirty="0">
+              <a:solidFill>
+                <a:schemeClr val="tx1"/>
+              </a:solidFill>
+              <a:latin typeface="Arial" panose="020B0604020202020204" pitchFamily="34" charset="0"/>
+              <a:ea typeface="Amazon Ember" panose="020B0603020204020204" pitchFamily="34" charset="0"/>
+              <a:cs typeface="Arial" panose="020B0604020202020204" pitchFamily="34" charset="0"/>
+            </a:endParaRPr>
+          </a:p>
+        </p:txBody>
+      </p:sp>
+      <p:sp>
+        <p:nvSpPr>
+          <p:cNvPr id="158" name="Rectangle 157">
+            <a:extLst>
+              <a:ext uri="{FF2B5EF4-FFF2-40B4-BE49-F238E27FC236}">
+                <a16:creationId xmlns:a16="http://schemas.microsoft.com/office/drawing/2014/main" id="{547AD1BB-2848-A343-81F7-C0220B4EC2BA}"/>
+              </a:ext>
+            </a:extLst>
+          </p:cNvPr>
+          <p:cNvSpPr/>
+          <p:nvPr/>
+        </p:nvSpPr>
+        <p:spPr>
+          <a:xfrm>
+            <a:off x="8687349" y="5309934"/>
+            <a:ext cx="1731340" cy="587805"/>
+          </a:xfrm>
+          <a:prstGeom prst="rect">
+            <a:avLst/>
+          </a:prstGeom>
+          <a:noFill/>
+          <a:ln>
+            <a:solidFill>
+              <a:srgbClr val="404040"/>
+            </a:solidFill>
+          </a:ln>
+          <a:effectLst/>
+        </p:spPr>
+        <p:style>
+          <a:lnRef idx="1">
+            <a:schemeClr val="accent1"/>
+          </a:lnRef>
+          <a:fillRef idx="3">
+            <a:schemeClr val="accent1"/>
+          </a:fillRef>
+          <a:effectRef idx="2">
+            <a:schemeClr val="accent1"/>
+          </a:effectRef>
+          <a:fontRef idx="minor">
+            <a:schemeClr val="lt1"/>
+          </a:fontRef>
+        </p:style>
+        <p:txBody>
+          <a:bodyPr rtlCol="0" anchor="t"/>
+          <a:lstStyle/>
+          <a:p>
+            <a:pPr algn="ctr"/>
+            <a:r>
+              <a:rPr lang="en-US" sz="1100" dirty="0" smtClean="0">
+                <a:solidFill>
+                  <a:schemeClr val="tx1"/>
+                </a:solidFill>
+                <a:latin typeface="Arial" panose="020B0604020202020204" pitchFamily="34" charset="0"/>
+                <a:ea typeface="Amazon Ember" panose="020B0603020204020204" pitchFamily="34" charset="0"/>
+                <a:cs typeface="Arial" panose="020B0604020202020204" pitchFamily="34" charset="0"/>
+              </a:rPr>
+              <a:t>Edge application (Ignition, KEPServerEX) </a:t>
+            </a:r>
+            <a:r>
+              <a:rPr lang="en-US" sz="1100" dirty="0">
+                <a:solidFill>
+                  <a:schemeClr val="tx1"/>
+                </a:solidFill>
+                <a:latin typeface="Arial" panose="020B0604020202020204" pitchFamily="34" charset="0"/>
+                <a:ea typeface="Amazon Ember" panose="020B0603020204020204" pitchFamily="34" charset="0"/>
+                <a:cs typeface="Arial" panose="020B0604020202020204" pitchFamily="34" charset="0"/>
+              </a:rPr>
+              <a:t>tag hierar</a:t>
+            </a:r>
+            <a:r>
+              <a:rPr lang="en-US" sz="1100" dirty="0" smtClean="0">
+                <a:solidFill>
+                  <a:schemeClr val="tx1"/>
+                </a:solidFill>
+                <a:latin typeface="Arial" panose="020B0604020202020204" pitchFamily="34" charset="0"/>
+                <a:ea typeface="Amazon Ember" panose="020B0603020204020204" pitchFamily="34" charset="0"/>
+                <a:cs typeface="Arial" panose="020B0604020202020204" pitchFamily="34" charset="0"/>
+              </a:rPr>
+              <a:t>chy</a:t>
+            </a:r>
+            <a:endParaRPr lang="en-US" sz="1100" dirty="0">
+              <a:solidFill>
+                <a:schemeClr val="tx1"/>
+              </a:solidFill>
+              <a:latin typeface="Arial" panose="020B0604020202020204" pitchFamily="34" charset="0"/>
+              <a:ea typeface="Amazon Ember" panose="020B0603020204020204" pitchFamily="34" charset="0"/>
+              <a:cs typeface="Arial" panose="020B0604020202020204" pitchFamily="34" charset="0"/>
+            </a:endParaRPr>
+          </a:p>
+        </p:txBody>
+      </p:sp>
+      <p:sp>
+        <p:nvSpPr>
+          <p:cNvPr id="159" name="Rectangle 158">
+            <a:extLst>
+              <a:ext uri="{FF2B5EF4-FFF2-40B4-BE49-F238E27FC236}">
+                <a16:creationId xmlns:a16="http://schemas.microsoft.com/office/drawing/2014/main" id="{A2476832-C43B-D041-92DB-71A2FF779890}"/>
+              </a:ext>
+            </a:extLst>
+          </p:cNvPr>
+          <p:cNvSpPr/>
+          <p:nvPr/>
+        </p:nvSpPr>
+        <p:spPr>
+          <a:xfrm>
+            <a:off x="10554396" y="5309935"/>
+            <a:ext cx="763796" cy="587804"/>
+          </a:xfrm>
+          <a:prstGeom prst="rect">
+            <a:avLst/>
+          </a:prstGeom>
+          <a:noFill/>
+          <a:ln>
+            <a:solidFill>
+              <a:schemeClr val="tx1"/>
+            </a:solidFill>
+          </a:ln>
+          <a:effectLst/>
+        </p:spPr>
+        <p:style>
+          <a:lnRef idx="1">
+            <a:schemeClr val="accent1"/>
+          </a:lnRef>
+          <a:fillRef idx="3">
+            <a:schemeClr val="accent1"/>
+          </a:fillRef>
+          <a:effectRef idx="2">
+            <a:schemeClr val="accent1"/>
+          </a:effectRef>
+          <a:fontRef idx="minor">
+            <a:schemeClr val="lt1"/>
+          </a:fontRef>
+        </p:style>
+        <p:txBody>
+          <a:bodyPr rtlCol="0" anchor="t"/>
+          <a:lstStyle/>
+          <a:p>
+            <a:pPr algn="ctr"/>
+            <a:r>
+              <a:rPr lang="en-US" sz="1100" dirty="0">
+                <a:solidFill>
+                  <a:schemeClr val="tx1"/>
+                </a:solidFill>
+                <a:latin typeface="Arial" panose="020B0604020202020204" pitchFamily="34" charset="0"/>
+                <a:ea typeface="Amazon Ember" panose="020B0603020204020204" pitchFamily="34" charset="0"/>
+                <a:cs typeface="Arial" panose="020B0604020202020204" pitchFamily="34" charset="0"/>
+              </a:rPr>
+              <a:t>SiteWise asset hierarchy</a:t>
+            </a:r>
+          </a:p>
+        </p:txBody>
+      </p:sp>
+      <p:cxnSp>
+        <p:nvCxnSpPr>
+          <p:cNvPr id="160" name="Straight Arrow Connector 159">
+            <a:extLst>
+              <a:ext uri="{FF2B5EF4-FFF2-40B4-BE49-F238E27FC236}">
+                <a16:creationId xmlns:a16="http://schemas.microsoft.com/office/drawing/2014/main" id="{0FFCEBE0-98EB-EF40-AEFF-0819513AEDAD}"/>
+              </a:ext>
+            </a:extLst>
+          </p:cNvPr>
+          <p:cNvCxnSpPr>
+            <a:cxnSpLocks/>
+            <a:endCxn id="158" idx="3"/>
+          </p:cNvCxnSpPr>
+          <p:nvPr/>
+        </p:nvCxnSpPr>
+        <p:spPr>
+          <a:xfrm flipH="1">
+            <a:off x="10418689" y="5603837"/>
+            <a:ext cx="143328" cy="0"/>
+          </a:xfrm>
+          <a:prstGeom prst="straightConnector1">
+            <a:avLst/>
+          </a:prstGeom>
+          <a:ln w="12700">
+            <a:solidFill>
+              <a:schemeClr val="bg1">
+                <a:lumMod val="25000"/>
+              </a:schemeClr>
+            </a:solidFill>
+            <a:headEnd type="arrow" w="med" len="sm"/>
+            <a:tailEnd type="none" w="med" len="sm"/>
+          </a:ln>
+        </p:spPr>
+        <p:style>
+          <a:lnRef idx="1">
+            <a:schemeClr val="accent1"/>
+          </a:lnRef>
+          <a:fillRef idx="0">
+            <a:schemeClr val="accent1"/>
+          </a:fillRef>
+          <a:effectRef idx="0">
+            <a:schemeClr val="accent1"/>
+          </a:effectRef>
+          <a:fontRef idx="minor">
+            <a:schemeClr val="tx1"/>
+          </a:fontRef>
+        </p:style>
+      </p:cxnSp>
+      <p:pic>
+        <p:nvPicPr>
+          <p:cNvPr id="162" name="Graphic 184">
+            <a:extLst>
+              <a:ext uri="{FF2B5EF4-FFF2-40B4-BE49-F238E27FC236}">
+                <a16:creationId xmlns:a16="http://schemas.microsoft.com/office/drawing/2014/main" id="{537287BB-EA8A-5D48-A976-5EA0D36D7D7F}"/>
+              </a:ext>
+            </a:extLst>
+          </p:cNvPr>
+          <p:cNvPicPr>
+            <a:picLocks noChangeAspect="1"/>
+          </p:cNvPicPr>
+          <p:nvPr/>
+        </p:nvPicPr>
+        <p:blipFill>
+          <a:blip r:embed="rId16">
+            <a:extLst>
+              <a:ext uri="{96DAC541-7B7A-43D3-8B79-37D633B846F1}">
+                <asvg:svgBlip xmlns="" xmlns:asvg="http://schemas.microsoft.com/office/drawing/2016/SVG/main" r:embed="rId34"/>
+              </a:ext>
+            </a:extLst>
+          </a:blip>
+          <a:stretch>
+            <a:fillRect/>
+          </a:stretch>
+        </p:blipFill>
+        <p:spPr>
+          <a:xfrm>
+            <a:off x="11402048" y="4809642"/>
+            <a:ext cx="432000" cy="432000"/>
+          </a:xfrm>
+          <a:prstGeom prst="rect">
+            <a:avLst/>
+          </a:prstGeom>
+        </p:spPr>
+      </p:pic>
+      <p:pic>
+        <p:nvPicPr>
+          <p:cNvPr id="163" name="Graphic 185">
+            <a:extLst>
+              <a:ext uri="{FF2B5EF4-FFF2-40B4-BE49-F238E27FC236}">
+                <a16:creationId xmlns:a16="http://schemas.microsoft.com/office/drawing/2014/main" id="{D897B21E-6937-904D-9DAB-2E95DBBC75FF}"/>
+              </a:ext>
+            </a:extLst>
+          </p:cNvPr>
+          <p:cNvPicPr>
+            <a:picLocks noChangeAspect="1"/>
+          </p:cNvPicPr>
+          <p:nvPr/>
+        </p:nvPicPr>
+        <p:blipFill>
+          <a:blip r:embed="rId35">
+            <a:extLst>
+              <a:ext uri="{96DAC541-7B7A-43D3-8B79-37D633B846F1}">
+                <asvg:svgBlip xmlns="" xmlns:asvg="http://schemas.microsoft.com/office/drawing/2016/SVG/main" r:embed="rId11"/>
+              </a:ext>
+            </a:extLst>
+          </a:blip>
+          <a:stretch>
+            <a:fillRect/>
+          </a:stretch>
+        </p:blipFill>
+        <p:spPr>
+          <a:xfrm>
+            <a:off x="11402048" y="5475136"/>
+            <a:ext cx="429744" cy="429744"/>
+          </a:xfrm>
+          <a:prstGeom prst="rect">
+            <a:avLst/>
+          </a:prstGeom>
+        </p:spPr>
+      </p:pic>
+      <p:sp>
+        <p:nvSpPr>
+          <p:cNvPr id="167" name="Rectangle 166">
+            <a:extLst>
+              <a:ext uri="{FF2B5EF4-FFF2-40B4-BE49-F238E27FC236}">
+                <a16:creationId xmlns:a16="http://schemas.microsoft.com/office/drawing/2014/main" id="{8B4912DE-30E4-9342-BCA3-E457ED3BE1FB}"/>
+              </a:ext>
+            </a:extLst>
+          </p:cNvPr>
+          <p:cNvSpPr/>
+          <p:nvPr/>
+        </p:nvSpPr>
+        <p:spPr>
+          <a:xfrm>
+            <a:off x="11398082" y="5216032"/>
+            <a:ext cx="430210" cy="261610"/>
+          </a:xfrm>
+          <a:prstGeom prst="rect">
+            <a:avLst/>
+          </a:prstGeom>
+        </p:spPr>
+        <p:txBody>
+          <a:bodyPr wrap="square">
+            <a:spAutoFit/>
+          </a:bodyPr>
+          <a:lstStyle/>
+          <a:p>
+            <a:pPr algn="ctr" defTabSz="1096933" fontAlgn="base">
+              <a:spcBef>
+                <a:spcPct val="0"/>
+              </a:spcBef>
+              <a:spcAft>
+                <a:spcPct val="0"/>
+              </a:spcAft>
+              <a:defRPr/>
+            </a:pPr>
+            <a:r>
+              <a:rPr lang="en-US" sz="1100" dirty="0" smtClean="0">
+                <a:latin typeface="Arial" panose="020B0604020202020204" pitchFamily="34" charset="0"/>
+                <a:ea typeface="Amazon Ember" panose="020B0603020204020204" pitchFamily="34" charset="0"/>
+                <a:cs typeface="Arial" panose="020B0604020202020204" pitchFamily="34" charset="0"/>
+              </a:rPr>
+              <a:t>S3</a:t>
+            </a:r>
+            <a:endParaRPr lang="en-US" sz="1100" dirty="0">
+              <a:latin typeface="Arial" panose="020B0604020202020204" pitchFamily="34" charset="0"/>
+              <a:ea typeface="Amazon Ember" panose="020B0603020204020204" pitchFamily="34" charset="0"/>
+              <a:cs typeface="Arial" panose="020B0604020202020204" pitchFamily="34" charset="0"/>
+            </a:endParaRPr>
+          </a:p>
+        </p:txBody>
+      </p:sp>
+      <p:sp>
+        <p:nvSpPr>
+          <p:cNvPr id="169" name="TextBox 168"/>
+          <p:cNvSpPr txBox="1"/>
+          <p:nvPr/>
+        </p:nvSpPr>
+        <p:spPr>
+          <a:xfrm>
+            <a:off x="9152888" y="4773884"/>
+            <a:ext cx="2166694" cy="430887"/>
+          </a:xfrm>
+          <a:prstGeom prst="rect">
+            <a:avLst/>
+          </a:prstGeom>
+          <a:noFill/>
+        </p:spPr>
+        <p:txBody>
+          <a:bodyPr wrap="square" rtlCol="0">
+            <a:spAutoFit/>
+          </a:bodyPr>
+          <a:lstStyle/>
+          <a:p>
+            <a:pPr algn="ctr"/>
+            <a:r>
+              <a:rPr lang="en-US" sz="1100" dirty="0" smtClean="0">
+                <a:solidFill>
+                  <a:srgbClr val="5A6B86"/>
+                </a:solidFill>
+                <a:latin typeface="Arial" panose="020B0604020202020204" pitchFamily="34" charset="0"/>
+                <a:cs typeface="Arial" panose="020B0604020202020204" pitchFamily="34" charset="0"/>
+              </a:rPr>
+              <a:t>Asset </a:t>
+            </a:r>
+            <a:r>
+              <a:rPr lang="en-US" sz="1100" dirty="0">
+                <a:solidFill>
+                  <a:srgbClr val="5A6B86"/>
+                </a:solidFill>
+                <a:latin typeface="Arial" panose="020B0604020202020204" pitchFamily="34" charset="0"/>
+                <a:cs typeface="Arial" panose="020B0604020202020204" pitchFamily="34" charset="0"/>
+              </a:rPr>
+              <a:t>Model Converter</a:t>
+            </a:r>
+            <a:br>
+              <a:rPr lang="en-US" sz="1100" dirty="0">
+                <a:solidFill>
+                  <a:srgbClr val="5A6B86"/>
+                </a:solidFill>
+                <a:latin typeface="Arial" panose="020B0604020202020204" pitchFamily="34" charset="0"/>
+                <a:cs typeface="Arial" panose="020B0604020202020204" pitchFamily="34" charset="0"/>
+              </a:rPr>
+            </a:br>
+            <a:r>
+              <a:rPr lang="en-US" sz="1100" dirty="0">
+                <a:solidFill>
+                  <a:srgbClr val="5A6B86"/>
+                </a:solidFill>
+                <a:latin typeface="Arial" panose="020B0604020202020204" pitchFamily="34" charset="0"/>
+                <a:cs typeface="Arial" panose="020B0604020202020204" pitchFamily="34" charset="0"/>
+              </a:rPr>
+              <a:t>(</a:t>
+            </a:r>
+            <a:r>
+              <a:rPr lang="en-US" sz="1100" dirty="0" smtClean="0">
+                <a:solidFill>
+                  <a:srgbClr val="5A6B86"/>
+                </a:solidFill>
+                <a:latin typeface="Arial" panose="020B0604020202020204" pitchFamily="34" charset="0"/>
+                <a:cs typeface="Arial" panose="020B0604020202020204" pitchFamily="34" charset="0"/>
+              </a:rPr>
+              <a:t>asset-hierarchy </a:t>
+            </a:r>
+            <a:r>
+              <a:rPr lang="en-US" sz="1100" dirty="0">
+                <a:solidFill>
+                  <a:srgbClr val="5A6B86"/>
+                </a:solidFill>
+                <a:latin typeface="Arial" panose="020B0604020202020204" pitchFamily="34" charset="0"/>
+                <a:cs typeface="Arial" panose="020B0604020202020204" pitchFamily="34" charset="0"/>
+              </a:rPr>
+              <a:t>modeling)</a:t>
+            </a:r>
+          </a:p>
+        </p:txBody>
+      </p:sp>
+      <p:sp>
+        <p:nvSpPr>
+          <p:cNvPr id="170" name="Rectangle 169">
+            <a:extLst>
+              <a:ext uri="{FF2B5EF4-FFF2-40B4-BE49-F238E27FC236}">
+                <a16:creationId xmlns:a16="http://schemas.microsoft.com/office/drawing/2014/main" id="{8B4912DE-30E4-9342-BCA3-E457ED3BE1FB}"/>
+              </a:ext>
+            </a:extLst>
+          </p:cNvPr>
+          <p:cNvSpPr/>
+          <p:nvPr/>
+        </p:nvSpPr>
+        <p:spPr>
+          <a:xfrm>
+            <a:off x="11262830" y="5863211"/>
+            <a:ext cx="700714" cy="261610"/>
+          </a:xfrm>
+          <a:prstGeom prst="rect">
+            <a:avLst/>
+          </a:prstGeom>
+        </p:spPr>
+        <p:txBody>
+          <a:bodyPr wrap="square">
+            <a:spAutoFit/>
+          </a:bodyPr>
+          <a:lstStyle/>
+          <a:p>
+            <a:pPr algn="ctr" defTabSz="1096933" fontAlgn="base">
+              <a:spcBef>
+                <a:spcPct val="0"/>
+              </a:spcBef>
+              <a:spcAft>
+                <a:spcPct val="0"/>
+              </a:spcAft>
+              <a:defRPr/>
+            </a:pPr>
+            <a:r>
+              <a:rPr lang="en-US" sz="1100" dirty="0" smtClean="0">
+                <a:latin typeface="Arial" panose="020B0604020202020204" pitchFamily="34" charset="0"/>
+                <a:ea typeface="Amazon Ember" panose="020B0603020204020204" pitchFamily="34" charset="0"/>
+                <a:cs typeface="Arial" panose="020B0604020202020204" pitchFamily="34" charset="0"/>
+              </a:rPr>
+              <a:t>Lambda</a:t>
+            </a:r>
+            <a:endParaRPr lang="en-US" sz="1100" dirty="0">
+              <a:latin typeface="Arial" panose="020B0604020202020204" pitchFamily="34" charset="0"/>
+              <a:ea typeface="Amazon Ember" panose="020B0603020204020204" pitchFamily="34" charset="0"/>
+              <a:cs typeface="Arial" panose="020B0604020202020204" pitchFamily="34" charset="0"/>
+            </a:endParaRPr>
+          </a:p>
+        </p:txBody>
+      </p:sp>
     </p:spTree>
     <p:extLst>
       <p:ext uri="{BB962C8B-B14F-4D97-AF65-F5344CB8AC3E}">
@@ -14625,7 +14727,7 @@
           <a:blip r:embed="rId2">
             <a:extLst>
               <a:ext uri="{96DAC541-7B7A-43D3-8B79-37D633B846F1}">
-                <asvg:svgBlip xmlns:asvg="http://schemas.microsoft.com/office/drawing/2016/SVG/main" xmlns="" r:embed="rId3"/>
+                <asvg:svgBlip xmlns="" xmlns:asvg="http://schemas.microsoft.com/office/drawing/2016/SVG/main" r:embed="rId3"/>
               </a:ext>
             </a:extLst>
           </a:blip>
@@ -14661,7 +14763,7 @@
           <a:blip r:embed="rId4">
             <a:extLst>
               <a:ext uri="{96DAC541-7B7A-43D3-8B79-37D633B846F1}">
-                <asvg:svgBlip xmlns:asvg="http://schemas.microsoft.com/office/drawing/2016/SVG/main" xmlns="" r:embed="rId5"/>
+                <asvg:svgBlip xmlns="" xmlns:asvg="http://schemas.microsoft.com/office/drawing/2016/SVG/main" r:embed="rId5"/>
               </a:ext>
             </a:extLst>
           </a:blip>
@@ -14753,7 +14855,7 @@
           <a:blip r:embed="rId6">
             <a:extLst>
               <a:ext uri="{96DAC541-7B7A-43D3-8B79-37D633B846F1}">
-                <asvg:svgBlip xmlns:asvg="http://schemas.microsoft.com/office/drawing/2016/SVG/main" xmlns="" r:embed="rId7"/>
+                <asvg:svgBlip xmlns="" xmlns:asvg="http://schemas.microsoft.com/office/drawing/2016/SVG/main" r:embed="rId7"/>
               </a:ext>
             </a:extLst>
           </a:blip>
@@ -14828,7 +14930,7 @@
           <a:blip r:embed="rId8">
             <a:extLst>
               <a:ext uri="{96DAC541-7B7A-43D3-8B79-37D633B846F1}">
-                <asvg:svgBlip xmlns:asvg="http://schemas.microsoft.com/office/drawing/2016/SVG/main" xmlns="" r:embed="rId9"/>
+                <asvg:svgBlip xmlns="" xmlns:asvg="http://schemas.microsoft.com/office/drawing/2016/SVG/main" r:embed="rId9"/>
               </a:ext>
             </a:extLst>
           </a:blip>
@@ -14914,7 +15016,7 @@
           <a:blip r:embed="rId10">
             <a:extLst>
               <a:ext uri="{96DAC541-7B7A-43D3-8B79-37D633B846F1}">
-                <asvg:svgBlip xmlns:asvg="http://schemas.microsoft.com/office/drawing/2016/SVG/main" xmlns="" r:embed="rId11"/>
+                <asvg:svgBlip xmlns="" xmlns:asvg="http://schemas.microsoft.com/office/drawing/2016/SVG/main" r:embed="rId11"/>
               </a:ext>
             </a:extLst>
           </a:blip>
@@ -15010,7 +15112,7 @@
           <a:blip r:embed="rId10">
             <a:extLst>
               <a:ext uri="{96DAC541-7B7A-43D3-8B79-37D633B846F1}">
-                <asvg:svgBlip xmlns:asvg="http://schemas.microsoft.com/office/drawing/2016/SVG/main" xmlns="" r:embed="rId11"/>
+                <asvg:svgBlip xmlns="" xmlns:asvg="http://schemas.microsoft.com/office/drawing/2016/SVG/main" r:embed="rId11"/>
               </a:ext>
             </a:extLst>
           </a:blip>
@@ -15085,7 +15187,7 @@
           <a:blip r:embed="rId12">
             <a:extLst>
               <a:ext uri="{96DAC541-7B7A-43D3-8B79-37D633B846F1}">
-                <asvg:svgBlip xmlns:asvg="http://schemas.microsoft.com/office/drawing/2016/SVG/main" xmlns="" r:embed="rId13"/>
+                <asvg:svgBlip xmlns="" xmlns:asvg="http://schemas.microsoft.com/office/drawing/2016/SVG/main" r:embed="rId13"/>
               </a:ext>
             </a:extLst>
           </a:blip>
@@ -15545,7 +15647,7 @@
           <a:blip r:embed="rId6">
             <a:extLst>
               <a:ext uri="{96DAC541-7B7A-43D3-8B79-37D633B846F1}">
-                <asvg:svgBlip xmlns:asvg="http://schemas.microsoft.com/office/drawing/2016/SVG/main" xmlns="" r:embed="rId7"/>
+                <asvg:svgBlip xmlns="" xmlns:asvg="http://schemas.microsoft.com/office/drawing/2016/SVG/main" r:embed="rId7"/>
               </a:ext>
             </a:extLst>
           </a:blip>
@@ -15754,7 +15856,7 @@
           <a:blip r:embed="rId14">
             <a:extLst>
               <a:ext uri="{96DAC541-7B7A-43D3-8B79-37D633B846F1}">
-                <asvg:svgBlip xmlns:asvg="http://schemas.microsoft.com/office/drawing/2016/SVG/main" xmlns="" r:embed="rId15"/>
+                <asvg:svgBlip xmlns="" xmlns:asvg="http://schemas.microsoft.com/office/drawing/2016/SVG/main" r:embed="rId15"/>
               </a:ext>
             </a:extLst>
           </a:blip>
@@ -17907,7 +18009,7 @@
           <a:blip r:embed="rId2">
             <a:extLst>
               <a:ext uri="{96DAC541-7B7A-43D3-8B79-37D633B846F1}">
-                <asvg:svgBlip xmlns:asvg="http://schemas.microsoft.com/office/drawing/2016/SVG/main" xmlns="" r:embed="rId3"/>
+                <asvg:svgBlip xmlns="" xmlns:asvg="http://schemas.microsoft.com/office/drawing/2016/SVG/main" r:embed="rId3"/>
               </a:ext>
             </a:extLst>
           </a:blip>
@@ -17943,7 +18045,7 @@
           <a:blip r:embed="rId4">
             <a:extLst>
               <a:ext uri="{96DAC541-7B7A-43D3-8B79-37D633B846F1}">
-                <asvg:svgBlip xmlns:asvg="http://schemas.microsoft.com/office/drawing/2016/SVG/main" xmlns="" r:embed="rId5"/>
+                <asvg:svgBlip xmlns="" xmlns:asvg="http://schemas.microsoft.com/office/drawing/2016/SVG/main" r:embed="rId5"/>
               </a:ext>
             </a:extLst>
           </a:blip>
@@ -18015,7 +18117,7 @@
           <a:blip r:embed="rId6">
             <a:extLst>
               <a:ext uri="{96DAC541-7B7A-43D3-8B79-37D633B846F1}">
-                <asvg:svgBlip xmlns:asvg="http://schemas.microsoft.com/office/drawing/2016/SVG/main" xmlns="" r:embed="rId7"/>
+                <asvg:svgBlip xmlns="" xmlns:asvg="http://schemas.microsoft.com/office/drawing/2016/SVG/main" r:embed="rId7"/>
               </a:ext>
             </a:extLst>
           </a:blip>
@@ -18087,7 +18189,7 @@
           <a:blip r:embed="rId8">
             <a:extLst>
               <a:ext uri="{96DAC541-7B7A-43D3-8B79-37D633B846F1}">
-                <asvg:svgBlip xmlns:asvg="http://schemas.microsoft.com/office/drawing/2016/SVG/main" xmlns="" r:embed="rId9"/>
+                <asvg:svgBlip xmlns="" xmlns:asvg="http://schemas.microsoft.com/office/drawing/2016/SVG/main" r:embed="rId9"/>
               </a:ext>
             </a:extLst>
           </a:blip>
@@ -18159,7 +18261,7 @@
           <a:blip r:embed="rId10">
             <a:extLst>
               <a:ext uri="{96DAC541-7B7A-43D3-8B79-37D633B846F1}">
-                <asvg:svgBlip xmlns:asvg="http://schemas.microsoft.com/office/drawing/2016/SVG/main" xmlns="" r:embed="rId11"/>
+                <asvg:svgBlip xmlns="" xmlns:asvg="http://schemas.microsoft.com/office/drawing/2016/SVG/main" r:embed="rId11"/>
               </a:ext>
             </a:extLst>
           </a:blip>
@@ -18285,7 +18387,7 @@
           <a:blip r:embed="rId10">
             <a:extLst>
               <a:ext uri="{96DAC541-7B7A-43D3-8B79-37D633B846F1}">
-                <asvg:svgBlip xmlns:asvg="http://schemas.microsoft.com/office/drawing/2016/SVG/main" xmlns="" r:embed="rId11"/>
+                <asvg:svgBlip xmlns="" xmlns:asvg="http://schemas.microsoft.com/office/drawing/2016/SVG/main" r:embed="rId11"/>
               </a:ext>
             </a:extLst>
           </a:blip>
@@ -18357,7 +18459,7 @@
           <a:blip r:embed="rId12">
             <a:extLst>
               <a:ext uri="{96DAC541-7B7A-43D3-8B79-37D633B846F1}">
-                <asvg:svgBlip xmlns:asvg="http://schemas.microsoft.com/office/drawing/2016/SVG/main" xmlns="" r:embed="rId13"/>
+                <asvg:svgBlip xmlns="" xmlns:asvg="http://schemas.microsoft.com/office/drawing/2016/SVG/main" r:embed="rId13"/>
               </a:ext>
             </a:extLst>
           </a:blip>
@@ -18825,7 +18927,7 @@
           <a:blip r:embed="rId6">
             <a:extLst>
               <a:ext uri="{96DAC541-7B7A-43D3-8B79-37D633B846F1}">
-                <asvg:svgBlip xmlns:asvg="http://schemas.microsoft.com/office/drawing/2016/SVG/main" xmlns="" r:embed="rId7"/>
+                <asvg:svgBlip xmlns="" xmlns:asvg="http://schemas.microsoft.com/office/drawing/2016/SVG/main" r:embed="rId7"/>
               </a:ext>
             </a:extLst>
           </a:blip>
@@ -19559,7 +19661,7 @@
           <a:blip r:embed="rId14">
             <a:extLst>
               <a:ext uri="{96DAC541-7B7A-43D3-8B79-37D633B846F1}">
-                <asvg:svgBlip xmlns:asvg="http://schemas.microsoft.com/office/drawing/2016/SVG/main" xmlns="" r:embed="rId15"/>
+                <asvg:svgBlip xmlns="" xmlns:asvg="http://schemas.microsoft.com/office/drawing/2016/SVG/main" r:embed="rId15"/>
               </a:ext>
             </a:extLst>
           </a:blip>
@@ -20802,7 +20904,7 @@
           <a:blip r:embed="rId2">
             <a:extLst>
               <a:ext uri="{96DAC541-7B7A-43D3-8B79-37D633B846F1}">
-                <asvg:svgBlip xmlns:asvg="http://schemas.microsoft.com/office/drawing/2016/SVG/main" xmlns="" r:embed="rId3"/>
+                <asvg:svgBlip xmlns="" xmlns:asvg="http://schemas.microsoft.com/office/drawing/2016/SVG/main" r:embed="rId3"/>
               </a:ext>
             </a:extLst>
           </a:blip>
@@ -20838,7 +20940,7 @@
           <a:blip r:embed="rId4">
             <a:extLst>
               <a:ext uri="{96DAC541-7B7A-43D3-8B79-37D633B846F1}">
-                <asvg:svgBlip xmlns:asvg="http://schemas.microsoft.com/office/drawing/2016/SVG/main" xmlns="" r:embed="rId5"/>
+                <asvg:svgBlip xmlns="" xmlns:asvg="http://schemas.microsoft.com/office/drawing/2016/SVG/main" r:embed="rId5"/>
               </a:ext>
             </a:extLst>
           </a:blip>
@@ -20910,7 +21012,7 @@
           <a:blip r:embed="rId6">
             <a:extLst>
               <a:ext uri="{96DAC541-7B7A-43D3-8B79-37D633B846F1}">
-                <asvg:svgBlip xmlns:asvg="http://schemas.microsoft.com/office/drawing/2016/SVG/main" xmlns="" r:embed="rId7"/>
+                <asvg:svgBlip xmlns="" xmlns:asvg="http://schemas.microsoft.com/office/drawing/2016/SVG/main" r:embed="rId7"/>
               </a:ext>
             </a:extLst>
           </a:blip>
@@ -20982,7 +21084,7 @@
           <a:blip r:embed="rId8">
             <a:extLst>
               <a:ext uri="{96DAC541-7B7A-43D3-8B79-37D633B846F1}">
-                <asvg:svgBlip xmlns:asvg="http://schemas.microsoft.com/office/drawing/2016/SVG/main" xmlns="" r:embed="rId9"/>
+                <asvg:svgBlip xmlns="" xmlns:asvg="http://schemas.microsoft.com/office/drawing/2016/SVG/main" r:embed="rId9"/>
               </a:ext>
             </a:extLst>
           </a:blip>
@@ -21054,7 +21156,7 @@
           <a:blip r:embed="rId10">
             <a:extLst>
               <a:ext uri="{96DAC541-7B7A-43D3-8B79-37D633B846F1}">
-                <asvg:svgBlip xmlns:asvg="http://schemas.microsoft.com/office/drawing/2016/SVG/main" xmlns="" r:embed="rId11"/>
+                <asvg:svgBlip xmlns="" xmlns:asvg="http://schemas.microsoft.com/office/drawing/2016/SVG/main" r:embed="rId11"/>
               </a:ext>
             </a:extLst>
           </a:blip>
@@ -21180,7 +21282,7 @@
           <a:blip r:embed="rId10">
             <a:extLst>
               <a:ext uri="{96DAC541-7B7A-43D3-8B79-37D633B846F1}">
-                <asvg:svgBlip xmlns:asvg="http://schemas.microsoft.com/office/drawing/2016/SVG/main" xmlns="" r:embed="rId11"/>
+                <asvg:svgBlip xmlns="" xmlns:asvg="http://schemas.microsoft.com/office/drawing/2016/SVG/main" r:embed="rId11"/>
               </a:ext>
             </a:extLst>
           </a:blip>
@@ -21252,7 +21354,7 @@
           <a:blip r:embed="rId12">
             <a:extLst>
               <a:ext uri="{96DAC541-7B7A-43D3-8B79-37D633B846F1}">
-                <asvg:svgBlip xmlns:asvg="http://schemas.microsoft.com/office/drawing/2016/SVG/main" xmlns="" r:embed="rId13"/>
+                <asvg:svgBlip xmlns="" xmlns:asvg="http://schemas.microsoft.com/office/drawing/2016/SVG/main" r:embed="rId13"/>
               </a:ext>
             </a:extLst>
           </a:blip>
@@ -21637,7 +21739,7 @@
           <a:blip r:embed="rId6">
             <a:extLst>
               <a:ext uri="{96DAC541-7B7A-43D3-8B79-37D633B846F1}">
-                <asvg:svgBlip xmlns:asvg="http://schemas.microsoft.com/office/drawing/2016/SVG/main" xmlns="" r:embed="rId7"/>
+                <asvg:svgBlip xmlns="" xmlns:asvg="http://schemas.microsoft.com/office/drawing/2016/SVG/main" r:embed="rId7"/>
               </a:ext>
             </a:extLst>
           </a:blip>
@@ -21827,7 +21929,7 @@
           <a:blip r:embed="rId14">
             <a:extLst>
               <a:ext uri="{96DAC541-7B7A-43D3-8B79-37D633B846F1}">
-                <asvg:svgBlip xmlns:asvg="http://schemas.microsoft.com/office/drawing/2016/SVG/main" xmlns="" r:embed="rId15"/>
+                <asvg:svgBlip xmlns="" xmlns:asvg="http://schemas.microsoft.com/office/drawing/2016/SVG/main" r:embed="rId15"/>
               </a:ext>
             </a:extLst>
           </a:blip>
@@ -24076,7 +24178,7 @@
           <a:blip r:embed="rId2">
             <a:extLst>
               <a:ext uri="{96DAC541-7B7A-43D3-8B79-37D633B846F1}">
-                <asvg:svgBlip xmlns:asvg="http://schemas.microsoft.com/office/drawing/2016/SVG/main" xmlns="" r:embed="rId3"/>
+                <asvg:svgBlip xmlns="" xmlns:asvg="http://schemas.microsoft.com/office/drawing/2016/SVG/main" r:embed="rId3"/>
               </a:ext>
             </a:extLst>
           </a:blip>
@@ -24112,7 +24214,7 @@
           <a:blip r:embed="rId4">
             <a:extLst>
               <a:ext uri="{96DAC541-7B7A-43D3-8B79-37D633B846F1}">
-                <asvg:svgBlip xmlns:asvg="http://schemas.microsoft.com/office/drawing/2016/SVG/main" xmlns="" r:embed="rId5"/>
+                <asvg:svgBlip xmlns="" xmlns:asvg="http://schemas.microsoft.com/office/drawing/2016/SVG/main" r:embed="rId5"/>
               </a:ext>
             </a:extLst>
           </a:blip>
@@ -24184,7 +24286,7 @@
           <a:blip r:embed="rId6">
             <a:extLst>
               <a:ext uri="{96DAC541-7B7A-43D3-8B79-37D633B846F1}">
-                <asvg:svgBlip xmlns:asvg="http://schemas.microsoft.com/office/drawing/2016/SVG/main" xmlns="" r:embed="rId7"/>
+                <asvg:svgBlip xmlns="" xmlns:asvg="http://schemas.microsoft.com/office/drawing/2016/SVG/main" r:embed="rId7"/>
               </a:ext>
             </a:extLst>
           </a:blip>
@@ -24256,7 +24358,7 @@
           <a:blip r:embed="rId8">
             <a:extLst>
               <a:ext uri="{96DAC541-7B7A-43D3-8B79-37D633B846F1}">
-                <asvg:svgBlip xmlns:asvg="http://schemas.microsoft.com/office/drawing/2016/SVG/main" xmlns="" r:embed="rId9"/>
+                <asvg:svgBlip xmlns="" xmlns:asvg="http://schemas.microsoft.com/office/drawing/2016/SVG/main" r:embed="rId9"/>
               </a:ext>
             </a:extLst>
           </a:blip>
@@ -24328,7 +24430,7 @@
           <a:blip r:embed="rId10">
             <a:extLst>
               <a:ext uri="{96DAC541-7B7A-43D3-8B79-37D633B846F1}">
-                <asvg:svgBlip xmlns:asvg="http://schemas.microsoft.com/office/drawing/2016/SVG/main" xmlns="" r:embed="rId11"/>
+                <asvg:svgBlip xmlns="" xmlns:asvg="http://schemas.microsoft.com/office/drawing/2016/SVG/main" r:embed="rId11"/>
               </a:ext>
             </a:extLst>
           </a:blip>
@@ -24454,7 +24556,7 @@
           <a:blip r:embed="rId10">
             <a:extLst>
               <a:ext uri="{96DAC541-7B7A-43D3-8B79-37D633B846F1}">
-                <asvg:svgBlip xmlns:asvg="http://schemas.microsoft.com/office/drawing/2016/SVG/main" xmlns="" r:embed="rId11"/>
+                <asvg:svgBlip xmlns="" xmlns:asvg="http://schemas.microsoft.com/office/drawing/2016/SVG/main" r:embed="rId11"/>
               </a:ext>
             </a:extLst>
           </a:blip>
@@ -24526,7 +24628,7 @@
           <a:blip r:embed="rId12">
             <a:extLst>
               <a:ext uri="{96DAC541-7B7A-43D3-8B79-37D633B846F1}">
-                <asvg:svgBlip xmlns:asvg="http://schemas.microsoft.com/office/drawing/2016/SVG/main" xmlns="" r:embed="rId13"/>
+                <asvg:svgBlip xmlns="" xmlns:asvg="http://schemas.microsoft.com/office/drawing/2016/SVG/main" r:embed="rId13"/>
               </a:ext>
             </a:extLst>
           </a:blip>
@@ -24911,7 +25013,7 @@
           <a:blip r:embed="rId6">
             <a:extLst>
               <a:ext uri="{96DAC541-7B7A-43D3-8B79-37D633B846F1}">
-                <asvg:svgBlip xmlns:asvg="http://schemas.microsoft.com/office/drawing/2016/SVG/main" xmlns="" r:embed="rId7"/>
+                <asvg:svgBlip xmlns="" xmlns:asvg="http://schemas.microsoft.com/office/drawing/2016/SVG/main" r:embed="rId7"/>
               </a:ext>
             </a:extLst>
           </a:blip>
@@ -25101,7 +25203,7 @@
           <a:blip r:embed="rId14">
             <a:extLst>
               <a:ext uri="{96DAC541-7B7A-43D3-8B79-37D633B846F1}">
-                <asvg:svgBlip xmlns:asvg="http://schemas.microsoft.com/office/drawing/2016/SVG/main" xmlns="" r:embed="rId15"/>
+                <asvg:svgBlip xmlns="" xmlns:asvg="http://schemas.microsoft.com/office/drawing/2016/SVG/main" r:embed="rId15"/>
               </a:ext>
             </a:extLst>
           </a:blip>

--- a/docs/images/IMC QS images.pptx
+++ b/docs/images/IMC QS images.pptx
@@ -3348,7 +3348,7 @@
         </p:nvSpPr>
         <p:spPr>
           <a:xfrm>
-            <a:off x="311326" y="92854"/>
+            <a:off x="349426" y="92854"/>
             <a:ext cx="11142420" cy="6678054"/>
           </a:xfrm>
           <a:prstGeom prst="rect">
@@ -4066,7 +4066,15 @@
                 <a:ea typeface="Amazon Ember" panose="020B0603020204020204" pitchFamily="34" charset="0"/>
                 <a:cs typeface="Arial" panose="020B0604020202020204" pitchFamily="34" charset="0"/>
               </a:rPr>
-              <a:t>IMC Quick Start – </a:t>
+              <a:t>IMC Quick </a:t>
+            </a:r>
+            <a:r>
+              <a:rPr lang="en-US" dirty="0">
+                <a:latin typeface="Arial" panose="020B0604020202020204" pitchFamily="34" charset="0"/>
+                <a:ea typeface="Amazon Ember" panose="020B0603020204020204" pitchFamily="34" charset="0"/>
+                <a:cs typeface="Arial" panose="020B0604020202020204" pitchFamily="34" charset="0"/>
+              </a:rPr>
+              <a:t>Start—virtual </a:t>
             </a:r>
             <a:r>
               <a:rPr lang="en-US" sz="1800" dirty="0" smtClean="0">
@@ -4074,7 +4082,7 @@
                 <a:ea typeface="Amazon Ember" panose="020B0603020204020204" pitchFamily="34" charset="0"/>
                 <a:cs typeface="Arial" panose="020B0604020202020204" pitchFamily="34" charset="0"/>
               </a:rPr>
-              <a:t>virtual deployment</a:t>
+              <a:t>deployment</a:t>
             </a:r>
             <a:endParaRPr lang="en-US" sz="1800" dirty="0">
               <a:latin typeface="Arial" panose="020B0604020202020204" pitchFamily="34" charset="0"/>
@@ -4595,8 +4603,8 @@
         </p:nvSpPr>
         <p:spPr>
           <a:xfrm>
-            <a:off x="3287247" y="2109783"/>
-            <a:ext cx="2440028" cy="3987348"/>
+            <a:off x="3287246" y="2109783"/>
+            <a:ext cx="2593333" cy="3987348"/>
           </a:xfrm>
           <a:prstGeom prst="rect">
             <a:avLst/>
@@ -4770,11 +4778,11 @@
         <p:spPr>
           <a:xfrm flipV="1">
             <a:off x="5424516" y="2939343"/>
-            <a:ext cx="2445142" cy="640132"/>
+            <a:ext cx="2445142" cy="603556"/>
           </a:xfrm>
           <a:prstGeom prst="bentConnector3">
             <a:avLst>
-              <a:gd name="adj1" fmla="val 31613"/>
+              <a:gd name="adj1" fmla="val 24196"/>
             </a:avLst>
           </a:prstGeom>
           <a:ln w="12700">
@@ -4817,7 +4825,7 @@
         <p:spPr>
           <a:xfrm>
             <a:off x="3390945" y="2506629"/>
-            <a:ext cx="2240121" cy="3436477"/>
+            <a:ext cx="2378231" cy="3436477"/>
           </a:xfrm>
           <a:prstGeom prst="rect">
             <a:avLst/>
@@ -4920,12 +4928,12 @@
         </p:nvCxnSpPr>
         <p:spPr>
           <a:xfrm rot="10800000" flipV="1">
-            <a:off x="5034439" y="4052310"/>
-            <a:ext cx="2003311" cy="693069"/>
+            <a:off x="4924711" y="4052310"/>
+            <a:ext cx="2113039" cy="693069"/>
           </a:xfrm>
           <a:prstGeom prst="bentConnector3">
             <a:avLst>
-              <a:gd name="adj1" fmla="val 42012"/>
+              <a:gd name="adj1" fmla="val 48702"/>
             </a:avLst>
           </a:prstGeom>
           <a:ln w="12700">
@@ -5027,7 +5035,7 @@
         </p:nvSpPr>
         <p:spPr>
           <a:xfrm>
-            <a:off x="3889118" y="4430898"/>
+            <a:off x="3779390" y="4430898"/>
             <a:ext cx="1145320" cy="628963"/>
           </a:xfrm>
           <a:prstGeom prst="rect">
@@ -5132,8 +5140,8 @@
         </p:nvCxnSpPr>
         <p:spPr>
           <a:xfrm flipV="1">
-            <a:off x="4461778" y="4083688"/>
-            <a:ext cx="1064" cy="347210"/>
+            <a:off x="4352050" y="4051070"/>
+            <a:ext cx="0" cy="379828"/>
           </a:xfrm>
           <a:prstGeom prst="straightConnector1">
             <a:avLst/>
@@ -5184,7 +5192,7 @@
           </a:xfrm>
           <a:prstGeom prst="bentConnector3">
             <a:avLst>
-              <a:gd name="adj1" fmla="val 36133"/>
+              <a:gd name="adj1" fmla="val 44260"/>
             </a:avLst>
           </a:prstGeom>
           <a:ln w="12700">
@@ -6402,7 +6410,7 @@
         </p:nvSpPr>
         <p:spPr>
           <a:xfrm>
-            <a:off x="3525960" y="3075783"/>
+            <a:off x="3525960" y="3039207"/>
             <a:ext cx="1898556" cy="1007384"/>
           </a:xfrm>
           <a:prstGeom prst="rect">
@@ -6461,7 +6469,7 @@
         </p:nvSpPr>
         <p:spPr>
           <a:xfrm>
-            <a:off x="3484625" y="3084616"/>
+            <a:off x="3484625" y="3048040"/>
             <a:ext cx="1956433" cy="430887"/>
           </a:xfrm>
           <a:prstGeom prst="rect">
@@ -6484,27 +6492,7 @@
                 <a:latin typeface="Arial" panose="020B0604020202020204" pitchFamily="34" charset="0"/>
                 <a:cs typeface="Arial" panose="020B0604020202020204" pitchFamily="34" charset="0"/>
               </a:rPr>
-              <a:t>Custom Lambda </a:t>
-            </a:r>
-            <a:r>
-              <a:rPr lang="en-US" sz="1100" dirty="0">
-                <a:solidFill>
-                  <a:srgbClr val="5A6B86"/>
-                </a:solidFill>
-                <a:latin typeface="Arial" panose="020B0604020202020204" pitchFamily="34" charset="0"/>
-                <a:cs typeface="Arial" panose="020B0604020202020204" pitchFamily="34" charset="0"/>
-              </a:rPr>
-              <a:t>functions </a:t>
-            </a:r>
-            <a:r>
-              <a:rPr lang="en-US" sz="1100" dirty="0">
-                <a:solidFill>
-                  <a:srgbClr val="5A6B86"/>
-                </a:solidFill>
-                <a:latin typeface="Arial" panose="020B0604020202020204" pitchFamily="34" charset="0"/>
-                <a:cs typeface="Arial" panose="020B0604020202020204" pitchFamily="34" charset="0"/>
-              </a:rPr>
-              <a:t/>
+              <a:t>Custom Lambda functions </a:t>
             </a:r>
             <a:br>
               <a:rPr lang="en-US" sz="1100" dirty="0">
@@ -6523,25 +6511,8 @@
                 <a:latin typeface="Arial" panose="020B0604020202020204" pitchFamily="34" charset="0"/>
                 <a:cs typeface="Arial" panose="020B0604020202020204" pitchFamily="34" charset="0"/>
               </a:rPr>
-              <a:t>(ML inference, ETL, etc</a:t>
-            </a:r>
-            <a:r>
-              <a:rPr lang="en-US" sz="1100" dirty="0">
-                <a:solidFill>
-                  <a:srgbClr val="5A6B86"/>
-                </a:solidFill>
-                <a:latin typeface="Arial" panose="020B0604020202020204" pitchFamily="34" charset="0"/>
-                <a:cs typeface="Arial" panose="020B0604020202020204" pitchFamily="34" charset="0"/>
-              </a:rPr>
-              <a:t>.)</a:t>
-            </a:r>
-            <a:endParaRPr lang="en-US" sz="1100" dirty="0">
-              <a:solidFill>
-                <a:srgbClr val="5A6B86"/>
-              </a:solidFill>
-              <a:latin typeface="Arial" panose="020B0604020202020204" pitchFamily="34" charset="0"/>
-              <a:cs typeface="Arial" panose="020B0604020202020204" pitchFamily="34" charset="0"/>
-            </a:endParaRPr>
+              <a:t>(ML inference, ETL, etc.)</a:t>
+            </a:r>
           </a:p>
         </p:txBody>
       </p:sp>
@@ -6983,7 +6954,7 @@
         </p:blipFill>
         <p:spPr bwMode="auto">
           <a:xfrm>
-            <a:off x="4814463" y="3556405"/>
+            <a:off x="4814463" y="3519829"/>
             <a:ext cx="457200" cy="457200"/>
           </a:xfrm>
           <a:prstGeom prst="rect">
@@ -7043,7 +7014,7 @@
         </p:blipFill>
         <p:spPr bwMode="auto">
           <a:xfrm>
-            <a:off x="4254120" y="3556405"/>
+            <a:off x="4254120" y="3519829"/>
             <a:ext cx="457200" cy="457200"/>
           </a:xfrm>
           <a:prstGeom prst="rect">
@@ -7103,7 +7074,7 @@
         </p:blipFill>
         <p:spPr bwMode="auto">
           <a:xfrm>
-            <a:off x="3690807" y="3556405"/>
+            <a:off x="3690807" y="3519829"/>
             <a:ext cx="457200" cy="457200"/>
           </a:xfrm>
           <a:prstGeom prst="rect">
@@ -7211,8 +7182,8 @@
         </p:nvCxnSpPr>
         <p:spPr>
           <a:xfrm flipH="1">
-            <a:off x="2332293" y="4745380"/>
-            <a:ext cx="1556825" cy="0"/>
+            <a:off x="2332294" y="4745380"/>
+            <a:ext cx="1447096" cy="0"/>
           </a:xfrm>
           <a:prstGeom prst="straightConnector1">
             <a:avLst/>
@@ -7256,12 +7227,13 @@
         </p:nvSpPr>
         <p:spPr>
           <a:xfrm>
-            <a:off x="4880864" y="5205371"/>
-            <a:ext cx="631255" cy="169277"/>
+            <a:off x="4982106" y="5173437"/>
+            <a:ext cx="731535" cy="169277"/>
           </a:xfrm>
           <a:prstGeom prst="rect">
             <a:avLst/>
           </a:prstGeom>
+          <a:noFill/>
         </p:spPr>
         <p:txBody>
           <a:bodyPr wrap="square" lIns="0" tIns="0" rIns="0" bIns="0">
@@ -7269,7 +7241,7 @@
           </a:bodyPr>
           <a:lstStyle/>
           <a:p>
-            <a:pPr algn="r" defTabSz="1096933" fontAlgn="base">
+            <a:pPr defTabSz="1096933" fontAlgn="base">
               <a:spcBef>
                 <a:spcPct val="0"/>
               </a:spcBef>
@@ -7279,14 +7251,14 @@
               <a:defRPr/>
             </a:pPr>
             <a:r>
-              <a:rPr lang="en-US" sz="1100" dirty="0" smtClean="0">
+              <a:rPr lang="en-US" sz="1100" i="1" dirty="0" smtClean="0">
                 <a:latin typeface="Arial" panose="020B0604020202020204" pitchFamily="34" charset="0"/>
                 <a:ea typeface="Amazon Ember" panose="020B0603020204020204" pitchFamily="34" charset="0"/>
                 <a:cs typeface="Arial" panose="020B0604020202020204" pitchFamily="34" charset="0"/>
               </a:rPr>
-              <a:t>Path 1</a:t>
-            </a:r>
-            <a:endParaRPr lang="en-US" sz="1100" dirty="0">
+              <a:t>Dataflow 1</a:t>
+            </a:r>
+            <a:endParaRPr lang="en-US" sz="1100" i="1" dirty="0">
               <a:latin typeface="Arial" panose="020B0604020202020204" pitchFamily="34" charset="0"/>
               <a:ea typeface="Amazon Ember" panose="020B0603020204020204" pitchFamily="34" charset="0"/>
               <a:cs typeface="Arial" panose="020B0604020202020204" pitchFamily="34" charset="0"/>
@@ -7296,7 +7268,7 @@
       </p:sp>
       <p:sp>
         <p:nvSpPr>
-          <p:cNvPr id="84" name="Rectangle 83">
+          <p:cNvPr id="85" name="Rectangle 84">
             <a:extLst>
               <a:ext uri="{FF2B5EF4-FFF2-40B4-BE49-F238E27FC236}">
                 <a16:creationId xmlns:a16="http://schemas.microsoft.com/office/drawing/2014/main" id="{CE720A56-E69C-D34F-B482-78B32F9DBC86}"/>
@@ -7308,8 +7280,8 @@
         </p:nvSpPr>
         <p:spPr>
           <a:xfrm>
-            <a:off x="4880864" y="4567536"/>
-            <a:ext cx="631255" cy="169277"/>
+            <a:off x="4408752" y="4148503"/>
+            <a:ext cx="824901" cy="169277"/>
           </a:xfrm>
           <a:prstGeom prst="rect">
             <a:avLst/>
@@ -7321,7 +7293,7 @@
           </a:bodyPr>
           <a:lstStyle/>
           <a:p>
-            <a:pPr algn="r" defTabSz="1096933" fontAlgn="base">
+            <a:pPr defTabSz="1096933" fontAlgn="base">
               <a:spcBef>
                 <a:spcPct val="0"/>
               </a:spcBef>
@@ -7331,66 +7303,14 @@
               <a:defRPr/>
             </a:pPr>
             <a:r>
-              <a:rPr lang="en-US" sz="1100" dirty="0" smtClean="0">
+              <a:rPr lang="en-US" sz="1100" i="1" dirty="0" smtClean="0">
                 <a:latin typeface="Arial" panose="020B0604020202020204" pitchFamily="34" charset="0"/>
                 <a:ea typeface="Amazon Ember" panose="020B0603020204020204" pitchFamily="34" charset="0"/>
                 <a:cs typeface="Arial" panose="020B0604020202020204" pitchFamily="34" charset="0"/>
               </a:rPr>
-              <a:t>Path 2</a:t>
-            </a:r>
-            <a:endParaRPr lang="en-US" sz="1100" dirty="0">
-              <a:latin typeface="Arial" panose="020B0604020202020204" pitchFamily="34" charset="0"/>
-              <a:ea typeface="Amazon Ember" panose="020B0603020204020204" pitchFamily="34" charset="0"/>
-              <a:cs typeface="Arial" panose="020B0604020202020204" pitchFamily="34" charset="0"/>
-            </a:endParaRPr>
-          </a:p>
-        </p:txBody>
-      </p:sp>
-      <p:sp>
-        <p:nvSpPr>
-          <p:cNvPr id="85" name="Rectangle 84">
-            <a:extLst>
-              <a:ext uri="{FF2B5EF4-FFF2-40B4-BE49-F238E27FC236}">
-                <a16:creationId xmlns:a16="http://schemas.microsoft.com/office/drawing/2014/main" id="{CE720A56-E69C-D34F-B482-78B32F9DBC86}"/>
-              </a:ext>
-            </a:extLst>
-          </p:cNvPr>
-          <p:cNvSpPr/>
-          <p:nvPr/>
-        </p:nvSpPr>
-        <p:spPr>
-          <a:xfrm>
-            <a:off x="4306243" y="4176461"/>
-            <a:ext cx="631255" cy="169277"/>
-          </a:xfrm>
-          <a:prstGeom prst="rect">
-            <a:avLst/>
-          </a:prstGeom>
-        </p:spPr>
-        <p:txBody>
-          <a:bodyPr wrap="square" lIns="0" tIns="0" rIns="0" bIns="0">
-            <a:spAutoFit/>
-          </a:bodyPr>
-          <a:lstStyle/>
-          <a:p>
-            <a:pPr algn="r" defTabSz="1096933" fontAlgn="base">
-              <a:spcBef>
-                <a:spcPct val="0"/>
-              </a:spcBef>
-              <a:spcAft>
-                <a:spcPct val="0"/>
-              </a:spcAft>
-              <a:defRPr/>
-            </a:pPr>
-            <a:r>
-              <a:rPr lang="en-US" sz="1100" dirty="0" smtClean="0">
-                <a:latin typeface="Arial" panose="020B0604020202020204" pitchFamily="34" charset="0"/>
-                <a:ea typeface="Amazon Ember" panose="020B0603020204020204" pitchFamily="34" charset="0"/>
-                <a:cs typeface="Arial" panose="020B0604020202020204" pitchFamily="34" charset="0"/>
-              </a:rPr>
-              <a:t>Path 3</a:t>
-            </a:r>
-            <a:endParaRPr lang="en-US" sz="1100" dirty="0">
+              <a:t>Dataflow 2b</a:t>
+            </a:r>
+            <a:endParaRPr lang="en-US" sz="1100" i="1" dirty="0">
               <a:latin typeface="Arial" panose="020B0604020202020204" pitchFamily="34" charset="0"/>
               <a:ea typeface="Amazon Ember" panose="020B0603020204020204" pitchFamily="34" charset="0"/>
               <a:cs typeface="Arial" panose="020B0604020202020204" pitchFamily="34" charset="0"/>
@@ -7571,6 +7491,59 @@
               <a:t>Lambda</a:t>
             </a:r>
             <a:endParaRPr lang="en-US" sz="1100" dirty="0">
+              <a:latin typeface="Arial" panose="020B0604020202020204" pitchFamily="34" charset="0"/>
+              <a:ea typeface="Amazon Ember" panose="020B0603020204020204" pitchFamily="34" charset="0"/>
+              <a:cs typeface="Arial" panose="020B0604020202020204" pitchFamily="34" charset="0"/>
+            </a:endParaRPr>
+          </a:p>
+        </p:txBody>
+      </p:sp>
+      <p:sp>
+        <p:nvSpPr>
+          <p:cNvPr id="98" name="Rectangle 97">
+            <a:extLst>
+              <a:ext uri="{FF2B5EF4-FFF2-40B4-BE49-F238E27FC236}">
+                <a16:creationId xmlns:a16="http://schemas.microsoft.com/office/drawing/2014/main" id="{CE720A56-E69C-D34F-B482-78B32F9DBC86}"/>
+              </a:ext>
+            </a:extLst>
+          </p:cNvPr>
+          <p:cNvSpPr/>
+          <p:nvPr/>
+        </p:nvSpPr>
+        <p:spPr>
+          <a:xfrm>
+            <a:off x="4982105" y="4535587"/>
+            <a:ext cx="783453" cy="169277"/>
+          </a:xfrm>
+          <a:prstGeom prst="rect">
+            <a:avLst/>
+          </a:prstGeom>
+          <a:noFill/>
+        </p:spPr>
+        <p:txBody>
+          <a:bodyPr wrap="square" lIns="0" tIns="0" rIns="0" bIns="0">
+            <a:spAutoFit/>
+          </a:bodyPr>
+          <a:lstStyle/>
+          <a:p>
+            <a:pPr defTabSz="1096933" fontAlgn="base">
+              <a:spcBef>
+                <a:spcPct val="0"/>
+              </a:spcBef>
+              <a:spcAft>
+                <a:spcPct val="0"/>
+              </a:spcAft>
+              <a:defRPr/>
+            </a:pPr>
+            <a:r>
+              <a:rPr lang="en-US" sz="1100" i="1" dirty="0" smtClean="0">
+                <a:latin typeface="Arial" panose="020B0604020202020204" pitchFamily="34" charset="0"/>
+                <a:ea typeface="Amazon Ember" panose="020B0603020204020204" pitchFamily="34" charset="0"/>
+                <a:cs typeface="Arial" panose="020B0604020202020204" pitchFamily="34" charset="0"/>
+              </a:rPr>
+              <a:t>Dataflow 2a</a:t>
+            </a:r>
+            <a:endParaRPr lang="en-US" sz="1100" i="1" dirty="0">
               <a:latin typeface="Arial" panose="020B0604020202020204" pitchFamily="34" charset="0"/>
               <a:ea typeface="Amazon Ember" panose="020B0603020204020204" pitchFamily="34" charset="0"/>
               <a:cs typeface="Arial" panose="020B0604020202020204" pitchFamily="34" charset="0"/>
@@ -9562,8 +9535,8 @@
         </p:nvSpPr>
         <p:spPr>
           <a:xfrm>
-            <a:off x="3490856" y="1694572"/>
-            <a:ext cx="2888650" cy="4337376"/>
+            <a:off x="3490855" y="1694572"/>
+            <a:ext cx="3006691" cy="4337376"/>
           </a:xfrm>
           <a:prstGeom prst="rect">
             <a:avLst/>
@@ -12278,7 +12251,23 @@
                 <a:ea typeface="Amazon Ember" panose="020B0603020204020204" pitchFamily="34" charset="0"/>
                 <a:cs typeface="Arial" panose="020B0604020202020204" pitchFamily="34" charset="0"/>
               </a:rPr>
-              <a:t>IMC Quick Start – </a:t>
+              <a:t>IMC Quick </a:t>
+            </a:r>
+            <a:r>
+              <a:rPr lang="en-US" sz="1800" dirty="0" smtClean="0">
+                <a:latin typeface="Arial" panose="020B0604020202020204" pitchFamily="34" charset="0"/>
+                <a:ea typeface="Amazon Ember" panose="020B0603020204020204" pitchFamily="34" charset="0"/>
+                <a:cs typeface="Arial" panose="020B0604020202020204" pitchFamily="34" charset="0"/>
+              </a:rPr>
+              <a:t>Start</a:t>
+            </a:r>
+            <a:r>
+              <a:rPr lang="en-US" dirty="0">
+                <a:latin typeface="Arial" panose="020B0604020202020204" pitchFamily="34" charset="0"/>
+                <a:ea typeface="Amazon Ember" panose="020B0603020204020204" pitchFamily="34" charset="0"/>
+                <a:cs typeface="Arial" panose="020B0604020202020204" pitchFamily="34" charset="0"/>
+              </a:rPr>
+              <a:t>—</a:t>
             </a:r>
             <a:r>
               <a:rPr lang="en-US" sz="1800" dirty="0" smtClean="0">
@@ -12426,27 +12415,7 @@
                 <a:latin typeface="Arial" panose="020B0604020202020204" pitchFamily="34" charset="0"/>
                 <a:cs typeface="Arial" panose="020B0604020202020204" pitchFamily="34" charset="0"/>
               </a:rPr>
-              <a:t>Custom Lambda </a:t>
-            </a:r>
-            <a:r>
-              <a:rPr lang="en-US" sz="1100" dirty="0">
-                <a:solidFill>
-                  <a:srgbClr val="5A6B86"/>
-                </a:solidFill>
-                <a:latin typeface="Arial" panose="020B0604020202020204" pitchFamily="34" charset="0"/>
-                <a:cs typeface="Arial" panose="020B0604020202020204" pitchFamily="34" charset="0"/>
-              </a:rPr>
-              <a:t>functions </a:t>
-            </a:r>
-            <a:r>
-              <a:rPr lang="en-US" sz="1100" dirty="0">
-                <a:solidFill>
-                  <a:srgbClr val="5A6B86"/>
-                </a:solidFill>
-                <a:latin typeface="Arial" panose="020B0604020202020204" pitchFamily="34" charset="0"/>
-                <a:cs typeface="Arial" panose="020B0604020202020204" pitchFamily="34" charset="0"/>
-              </a:rPr>
-              <a:t/>
+              <a:t>Custom Lambda functions </a:t>
             </a:r>
             <a:br>
               <a:rPr lang="en-US" sz="1100" dirty="0">
@@ -12465,25 +12434,8 @@
                 <a:latin typeface="Arial" panose="020B0604020202020204" pitchFamily="34" charset="0"/>
                 <a:cs typeface="Arial" panose="020B0604020202020204" pitchFamily="34" charset="0"/>
               </a:rPr>
-              <a:t>(ML inference, ETL, etc</a:t>
-            </a:r>
-            <a:r>
-              <a:rPr lang="en-US" sz="1100" dirty="0">
-                <a:solidFill>
-                  <a:srgbClr val="5A6B86"/>
-                </a:solidFill>
-                <a:latin typeface="Arial" panose="020B0604020202020204" pitchFamily="34" charset="0"/>
-                <a:cs typeface="Arial" panose="020B0604020202020204" pitchFamily="34" charset="0"/>
-              </a:rPr>
-              <a:t>.)</a:t>
-            </a:r>
-            <a:endParaRPr lang="en-US" sz="1100" dirty="0">
-              <a:solidFill>
-                <a:srgbClr val="5A6B86"/>
-              </a:solidFill>
-              <a:latin typeface="Arial" panose="020B0604020202020204" pitchFamily="34" charset="0"/>
-              <a:cs typeface="Arial" panose="020B0604020202020204" pitchFamily="34" charset="0"/>
-            </a:endParaRPr>
+              <a:t>(ML inference, ETL, etc.)</a:t>
+            </a:r>
           </a:p>
         </p:txBody>
       </p:sp>
@@ -13820,162 +13772,6 @@
       </p:pic>
       <p:sp>
         <p:nvSpPr>
-          <p:cNvPr id="134" name="Rectangle 133">
-            <a:extLst>
-              <a:ext uri="{FF2B5EF4-FFF2-40B4-BE49-F238E27FC236}">
-                <a16:creationId xmlns:a16="http://schemas.microsoft.com/office/drawing/2014/main" id="{CE720A56-E69C-D34F-B482-78B32F9DBC86}"/>
-              </a:ext>
-            </a:extLst>
-          </p:cNvPr>
-          <p:cNvSpPr/>
-          <p:nvPr/>
-        </p:nvSpPr>
-        <p:spPr>
-          <a:xfrm>
-            <a:off x="4920564" y="3255375"/>
-            <a:ext cx="631255" cy="169277"/>
-          </a:xfrm>
-          <a:prstGeom prst="rect">
-            <a:avLst/>
-          </a:prstGeom>
-        </p:spPr>
-        <p:txBody>
-          <a:bodyPr wrap="square" lIns="0" tIns="0" rIns="0" bIns="0">
-            <a:spAutoFit/>
-          </a:bodyPr>
-          <a:lstStyle/>
-          <a:p>
-            <a:pPr algn="r" defTabSz="1096933" fontAlgn="base">
-              <a:spcBef>
-                <a:spcPct val="0"/>
-              </a:spcBef>
-              <a:spcAft>
-                <a:spcPct val="0"/>
-              </a:spcAft>
-              <a:defRPr/>
-            </a:pPr>
-            <a:r>
-              <a:rPr lang="en-US" sz="1100" dirty="0" smtClean="0">
-                <a:latin typeface="Arial" panose="020B0604020202020204" pitchFamily="34" charset="0"/>
-                <a:ea typeface="Amazon Ember" panose="020B0603020204020204" pitchFamily="34" charset="0"/>
-                <a:cs typeface="Arial" panose="020B0604020202020204" pitchFamily="34" charset="0"/>
-              </a:rPr>
-              <a:t>Path 3</a:t>
-            </a:r>
-            <a:endParaRPr lang="en-US" sz="1100" dirty="0">
-              <a:latin typeface="Arial" panose="020B0604020202020204" pitchFamily="34" charset="0"/>
-              <a:ea typeface="Amazon Ember" panose="020B0603020204020204" pitchFamily="34" charset="0"/>
-              <a:cs typeface="Arial" panose="020B0604020202020204" pitchFamily="34" charset="0"/>
-            </a:endParaRPr>
-          </a:p>
-        </p:txBody>
-      </p:sp>
-      <p:sp>
-        <p:nvSpPr>
-          <p:cNvPr id="164" name="Rectangle 163">
-            <a:extLst>
-              <a:ext uri="{FF2B5EF4-FFF2-40B4-BE49-F238E27FC236}">
-                <a16:creationId xmlns:a16="http://schemas.microsoft.com/office/drawing/2014/main" id="{CE720A56-E69C-D34F-B482-78B32F9DBC86}"/>
-              </a:ext>
-            </a:extLst>
-          </p:cNvPr>
-          <p:cNvSpPr/>
-          <p:nvPr/>
-        </p:nvSpPr>
-        <p:spPr>
-          <a:xfrm>
-            <a:off x="5572106" y="5229198"/>
-            <a:ext cx="631255" cy="169277"/>
-          </a:xfrm>
-          <a:prstGeom prst="rect">
-            <a:avLst/>
-          </a:prstGeom>
-        </p:spPr>
-        <p:txBody>
-          <a:bodyPr wrap="square" lIns="0" tIns="0" rIns="0" bIns="0">
-            <a:spAutoFit/>
-          </a:bodyPr>
-          <a:lstStyle/>
-          <a:p>
-            <a:pPr algn="r" defTabSz="1096933" fontAlgn="base">
-              <a:spcBef>
-                <a:spcPct val="0"/>
-              </a:spcBef>
-              <a:spcAft>
-                <a:spcPct val="0"/>
-              </a:spcAft>
-              <a:defRPr/>
-            </a:pPr>
-            <a:r>
-              <a:rPr lang="en-US" sz="1100" dirty="0" smtClean="0">
-                <a:latin typeface="Arial" panose="020B0604020202020204" pitchFamily="34" charset="0"/>
-                <a:ea typeface="Amazon Ember" panose="020B0603020204020204" pitchFamily="34" charset="0"/>
-                <a:cs typeface="Arial" panose="020B0604020202020204" pitchFamily="34" charset="0"/>
-              </a:rPr>
-              <a:t>Path 1</a:t>
-            </a:r>
-            <a:endParaRPr lang="en-US" sz="1100" dirty="0">
-              <a:latin typeface="Arial" panose="020B0604020202020204" pitchFamily="34" charset="0"/>
-              <a:ea typeface="Amazon Ember" panose="020B0603020204020204" pitchFamily="34" charset="0"/>
-              <a:cs typeface="Arial" panose="020B0604020202020204" pitchFamily="34" charset="0"/>
-            </a:endParaRPr>
-          </a:p>
-        </p:txBody>
-      </p:sp>
-      <p:sp>
-        <p:nvSpPr>
-          <p:cNvPr id="166" name="Rectangle 165">
-            <a:extLst>
-              <a:ext uri="{FF2B5EF4-FFF2-40B4-BE49-F238E27FC236}">
-                <a16:creationId xmlns:a16="http://schemas.microsoft.com/office/drawing/2014/main" id="{CE720A56-E69C-D34F-B482-78B32F9DBC86}"/>
-              </a:ext>
-            </a:extLst>
-          </p:cNvPr>
-          <p:cNvSpPr/>
-          <p:nvPr/>
-        </p:nvSpPr>
-        <p:spPr>
-          <a:xfrm>
-            <a:off x="5572106" y="3616664"/>
-            <a:ext cx="631255" cy="169277"/>
-          </a:xfrm>
-          <a:prstGeom prst="rect">
-            <a:avLst/>
-          </a:prstGeom>
-        </p:spPr>
-        <p:txBody>
-          <a:bodyPr wrap="square" lIns="0" tIns="0" rIns="0" bIns="0">
-            <a:spAutoFit/>
-          </a:bodyPr>
-          <a:lstStyle/>
-          <a:p>
-            <a:pPr algn="r" defTabSz="1096933" fontAlgn="base">
-              <a:spcBef>
-                <a:spcPct val="0"/>
-              </a:spcBef>
-              <a:spcAft>
-                <a:spcPct val="0"/>
-              </a:spcAft>
-              <a:defRPr/>
-            </a:pPr>
-            <a:r>
-              <a:rPr lang="en-US" sz="1100" dirty="0" smtClean="0">
-                <a:latin typeface="Arial" panose="020B0604020202020204" pitchFamily="34" charset="0"/>
-                <a:ea typeface="Amazon Ember" panose="020B0603020204020204" pitchFamily="34" charset="0"/>
-                <a:cs typeface="Arial" panose="020B0604020202020204" pitchFamily="34" charset="0"/>
-              </a:rPr>
-              <a:t>Path 2</a:t>
-            </a:r>
-            <a:endParaRPr lang="en-US" sz="1100" dirty="0">
-              <a:latin typeface="Arial" panose="020B0604020202020204" pitchFamily="34" charset="0"/>
-              <a:ea typeface="Amazon Ember" panose="020B0603020204020204" pitchFamily="34" charset="0"/>
-              <a:cs typeface="Arial" panose="020B0604020202020204" pitchFamily="34" charset="0"/>
-            </a:endParaRPr>
-          </a:p>
-        </p:txBody>
-      </p:sp>
-      <p:sp>
-        <p:nvSpPr>
           <p:cNvPr id="129" name="TextBox 128">
             <a:extLst>
               <a:ext uri="{FF2B5EF4-FFF2-40B4-BE49-F238E27FC236}">
@@ -14619,6 +14415,164 @@
               <a:t>Lambda</a:t>
             </a:r>
             <a:endParaRPr lang="en-US" sz="1100" dirty="0">
+              <a:latin typeface="Arial" panose="020B0604020202020204" pitchFamily="34" charset="0"/>
+              <a:ea typeface="Amazon Ember" panose="020B0603020204020204" pitchFamily="34" charset="0"/>
+              <a:cs typeface="Arial" panose="020B0604020202020204" pitchFamily="34" charset="0"/>
+            </a:endParaRPr>
+          </a:p>
+        </p:txBody>
+      </p:sp>
+      <p:sp>
+        <p:nvSpPr>
+          <p:cNvPr id="181" name="Rectangle 180">
+            <a:extLst>
+              <a:ext uri="{FF2B5EF4-FFF2-40B4-BE49-F238E27FC236}">
+                <a16:creationId xmlns:a16="http://schemas.microsoft.com/office/drawing/2014/main" id="{CE720A56-E69C-D34F-B482-78B32F9DBC86}"/>
+              </a:ext>
+            </a:extLst>
+          </p:cNvPr>
+          <p:cNvSpPr/>
+          <p:nvPr/>
+        </p:nvSpPr>
+        <p:spPr>
+          <a:xfrm>
+            <a:off x="5675526" y="5219157"/>
+            <a:ext cx="731535" cy="169277"/>
+          </a:xfrm>
+          <a:prstGeom prst="rect">
+            <a:avLst/>
+          </a:prstGeom>
+          <a:noFill/>
+        </p:spPr>
+        <p:txBody>
+          <a:bodyPr wrap="square" lIns="0" tIns="0" rIns="0" bIns="0">
+            <a:spAutoFit/>
+          </a:bodyPr>
+          <a:lstStyle/>
+          <a:p>
+            <a:pPr defTabSz="1096933" fontAlgn="base">
+              <a:spcBef>
+                <a:spcPct val="0"/>
+              </a:spcBef>
+              <a:spcAft>
+                <a:spcPct val="0"/>
+              </a:spcAft>
+              <a:defRPr/>
+            </a:pPr>
+            <a:r>
+              <a:rPr lang="en-US" sz="1100" i="1" dirty="0" smtClean="0">
+                <a:latin typeface="Arial" panose="020B0604020202020204" pitchFamily="34" charset="0"/>
+                <a:ea typeface="Amazon Ember" panose="020B0603020204020204" pitchFamily="34" charset="0"/>
+                <a:cs typeface="Arial" panose="020B0604020202020204" pitchFamily="34" charset="0"/>
+              </a:rPr>
+              <a:t>Dataflow 1</a:t>
+            </a:r>
+            <a:endParaRPr lang="en-US" sz="1100" i="1" dirty="0">
+              <a:latin typeface="Arial" panose="020B0604020202020204" pitchFamily="34" charset="0"/>
+              <a:ea typeface="Amazon Ember" panose="020B0603020204020204" pitchFamily="34" charset="0"/>
+              <a:cs typeface="Arial" panose="020B0604020202020204" pitchFamily="34" charset="0"/>
+            </a:endParaRPr>
+          </a:p>
+        </p:txBody>
+      </p:sp>
+      <p:sp>
+        <p:nvSpPr>
+          <p:cNvPr id="182" name="Rectangle 181">
+            <a:extLst>
+              <a:ext uri="{FF2B5EF4-FFF2-40B4-BE49-F238E27FC236}">
+                <a16:creationId xmlns:a16="http://schemas.microsoft.com/office/drawing/2014/main" id="{CE720A56-E69C-D34F-B482-78B32F9DBC86}"/>
+              </a:ext>
+            </a:extLst>
+          </p:cNvPr>
+          <p:cNvSpPr/>
+          <p:nvPr/>
+        </p:nvSpPr>
+        <p:spPr>
+          <a:xfrm>
+            <a:off x="5150123" y="3242928"/>
+            <a:ext cx="824901" cy="169277"/>
+          </a:xfrm>
+          <a:prstGeom prst="rect">
+            <a:avLst/>
+          </a:prstGeom>
+        </p:spPr>
+        <p:txBody>
+          <a:bodyPr wrap="square" lIns="0" tIns="0" rIns="0" bIns="0">
+            <a:spAutoFit/>
+          </a:bodyPr>
+          <a:lstStyle/>
+          <a:p>
+            <a:pPr defTabSz="1096933" fontAlgn="base">
+              <a:spcBef>
+                <a:spcPct val="0"/>
+              </a:spcBef>
+              <a:spcAft>
+                <a:spcPct val="0"/>
+              </a:spcAft>
+              <a:defRPr/>
+            </a:pPr>
+            <a:r>
+              <a:rPr lang="en-US" sz="1100" i="1" dirty="0" smtClean="0">
+                <a:latin typeface="Arial" panose="020B0604020202020204" pitchFamily="34" charset="0"/>
+                <a:ea typeface="Amazon Ember" panose="020B0603020204020204" pitchFamily="34" charset="0"/>
+                <a:cs typeface="Arial" panose="020B0604020202020204" pitchFamily="34" charset="0"/>
+              </a:rPr>
+              <a:t>Dataflow 2b</a:t>
+            </a:r>
+            <a:endParaRPr lang="en-US" sz="1100" i="1" dirty="0">
+              <a:latin typeface="Arial" panose="020B0604020202020204" pitchFamily="34" charset="0"/>
+              <a:ea typeface="Amazon Ember" panose="020B0603020204020204" pitchFamily="34" charset="0"/>
+              <a:cs typeface="Arial" panose="020B0604020202020204" pitchFamily="34" charset="0"/>
+            </a:endParaRPr>
+          </a:p>
+        </p:txBody>
+      </p:sp>
+      <p:sp>
+        <p:nvSpPr>
+          <p:cNvPr id="183" name="Rectangle 182">
+            <a:extLst>
+              <a:ext uri="{FF2B5EF4-FFF2-40B4-BE49-F238E27FC236}">
+                <a16:creationId xmlns:a16="http://schemas.microsoft.com/office/drawing/2014/main" id="{CE720A56-E69C-D34F-B482-78B32F9DBC86}"/>
+              </a:ext>
+            </a:extLst>
+          </p:cNvPr>
+          <p:cNvSpPr/>
+          <p:nvPr/>
+        </p:nvSpPr>
+        <p:spPr>
+          <a:xfrm>
+            <a:off x="5675525" y="3619833"/>
+            <a:ext cx="783453" cy="169277"/>
+          </a:xfrm>
+          <a:prstGeom prst="rect">
+            <a:avLst/>
+          </a:prstGeom>
+          <a:noFill/>
+        </p:spPr>
+        <p:txBody>
+          <a:bodyPr wrap="square" lIns="0" tIns="0" rIns="0" bIns="0">
+            <a:spAutoFit/>
+          </a:bodyPr>
+          <a:lstStyle/>
+          <a:p>
+            <a:pPr defTabSz="1096933" fontAlgn="base">
+              <a:spcBef>
+                <a:spcPct val="0"/>
+              </a:spcBef>
+              <a:spcAft>
+                <a:spcPct val="0"/>
+              </a:spcAft>
+              <a:defRPr/>
+            </a:pPr>
+            <a:r>
+              <a:rPr lang="en-US" sz="1100" i="1" dirty="0" smtClean="0">
+                <a:latin typeface="Arial" panose="020B0604020202020204" pitchFamily="34" charset="0"/>
+                <a:ea typeface="Amazon Ember" panose="020B0603020204020204" pitchFamily="34" charset="0"/>
+                <a:cs typeface="Arial" panose="020B0604020202020204" pitchFamily="34" charset="0"/>
+              </a:rPr>
+              <a:t>Dataflow 2a</a:t>
+            </a:r>
+            <a:endParaRPr lang="en-US" sz="1100" i="1" dirty="0">
               <a:latin typeface="Arial" panose="020B0604020202020204" pitchFamily="34" charset="0"/>
               <a:ea typeface="Amazon Ember" panose="020B0603020204020204" pitchFamily="34" charset="0"/>
               <a:cs typeface="Arial" panose="020B0604020202020204" pitchFamily="34" charset="0"/>
@@ -17596,6 +17550,73 @@
           </a:p>
         </p:txBody>
       </p:sp>
+      <p:sp>
+        <p:nvSpPr>
+          <p:cNvPr id="58" name="TextBox 57"/>
+          <p:cNvSpPr txBox="1"/>
+          <p:nvPr/>
+        </p:nvSpPr>
+        <p:spPr>
+          <a:xfrm>
+            <a:off x="3791714" y="2009974"/>
+            <a:ext cx="2949465" cy="646331"/>
+          </a:xfrm>
+          <a:prstGeom prst="rect">
+            <a:avLst/>
+          </a:prstGeom>
+          <a:noFill/>
+        </p:spPr>
+        <p:txBody>
+          <a:bodyPr wrap="square" rtlCol="0">
+            <a:spAutoFit/>
+          </a:bodyPr>
+          <a:lstStyle/>
+          <a:p>
+            <a:pPr algn="ctr"/>
+            <a:r>
+              <a:rPr lang="en-US" dirty="0" smtClean="0">
+                <a:latin typeface="Arial" panose="020B0604020202020204" pitchFamily="34" charset="0"/>
+                <a:cs typeface="Arial" panose="020B0604020202020204" pitchFamily="34" charset="0"/>
+              </a:rPr>
+              <a:t>Asset </a:t>
+            </a:r>
+            <a:r>
+              <a:rPr lang="en-US" dirty="0">
+                <a:latin typeface="Arial" panose="020B0604020202020204" pitchFamily="34" charset="0"/>
+                <a:cs typeface="Arial" panose="020B0604020202020204" pitchFamily="34" charset="0"/>
+              </a:rPr>
+              <a:t>Model Converter</a:t>
+            </a:r>
+            <a:br>
+              <a:rPr lang="en-US" dirty="0">
+                <a:latin typeface="Arial" panose="020B0604020202020204" pitchFamily="34" charset="0"/>
+                <a:cs typeface="Arial" panose="020B0604020202020204" pitchFamily="34" charset="0"/>
+              </a:rPr>
+            </a:br>
+            <a:r>
+              <a:rPr lang="en-US" dirty="0">
+                <a:latin typeface="Arial" panose="020B0604020202020204" pitchFamily="34" charset="0"/>
+                <a:cs typeface="Arial" panose="020B0604020202020204" pitchFamily="34" charset="0"/>
+              </a:rPr>
+              <a:t>(</a:t>
+            </a:r>
+            <a:r>
+              <a:rPr lang="en-US" dirty="0" smtClean="0">
+                <a:latin typeface="Arial" panose="020B0604020202020204" pitchFamily="34" charset="0"/>
+                <a:cs typeface="Arial" panose="020B0604020202020204" pitchFamily="34" charset="0"/>
+              </a:rPr>
+              <a:t>asset-hierarchy </a:t>
+            </a:r>
+            <a:r>
+              <a:rPr lang="en-US" dirty="0">
+                <a:latin typeface="Arial" panose="020B0604020202020204" pitchFamily="34" charset="0"/>
+                <a:cs typeface="Arial" panose="020B0604020202020204" pitchFamily="34" charset="0"/>
+              </a:rPr>
+              <a:t>modeling)</a:t>
+            </a:r>
+          </a:p>
+        </p:txBody>
+      </p:sp>
     </p:spTree>
     <p:extLst>
       <p:ext uri="{BB962C8B-B14F-4D97-AF65-F5344CB8AC3E}">

--- a/docs/images/IMC QS images.pptx
+++ b/docs/images/IMC QS images.pptx
@@ -267,7 +267,7 @@
           <a:p>
             <a:fld id="{9DEB64E9-A623-6D49-92EA-7C36C81F7406}" type="datetimeFigureOut">
               <a:rPr lang="en-US" smtClean="0"/>
-              <a:t>12/29/2020</a:t>
+              <a:t>1/12/2021</a:t>
             </a:fld>
             <a:endParaRPr lang="en-US" dirty="0"/>
           </a:p>
@@ -465,7 +465,7 @@
           <a:p>
             <a:fld id="{9DEB64E9-A623-6D49-92EA-7C36C81F7406}" type="datetimeFigureOut">
               <a:rPr lang="en-US" smtClean="0"/>
-              <a:t>12/29/2020</a:t>
+              <a:t>1/12/2021</a:t>
             </a:fld>
             <a:endParaRPr lang="en-US" dirty="0"/>
           </a:p>
@@ -673,7 +673,7 @@
           <a:p>
             <a:fld id="{9DEB64E9-A623-6D49-92EA-7C36C81F7406}" type="datetimeFigureOut">
               <a:rPr lang="en-US" smtClean="0"/>
-              <a:t>12/29/2020</a:t>
+              <a:t>1/12/2021</a:t>
             </a:fld>
             <a:endParaRPr lang="en-US" dirty="0"/>
           </a:p>
@@ -871,7 +871,7 @@
           <a:p>
             <a:fld id="{9DEB64E9-A623-6D49-92EA-7C36C81F7406}" type="datetimeFigureOut">
               <a:rPr lang="en-US" smtClean="0"/>
-              <a:t>12/29/2020</a:t>
+              <a:t>1/12/2021</a:t>
             </a:fld>
             <a:endParaRPr lang="en-US" dirty="0"/>
           </a:p>
@@ -1146,7 +1146,7 @@
           <a:p>
             <a:fld id="{9DEB64E9-A623-6D49-92EA-7C36C81F7406}" type="datetimeFigureOut">
               <a:rPr lang="en-US" smtClean="0"/>
-              <a:t>12/29/2020</a:t>
+              <a:t>1/12/2021</a:t>
             </a:fld>
             <a:endParaRPr lang="en-US" dirty="0"/>
           </a:p>
@@ -1411,7 +1411,7 @@
           <a:p>
             <a:fld id="{9DEB64E9-A623-6D49-92EA-7C36C81F7406}" type="datetimeFigureOut">
               <a:rPr lang="en-US" smtClean="0"/>
-              <a:t>12/29/2020</a:t>
+              <a:t>1/12/2021</a:t>
             </a:fld>
             <a:endParaRPr lang="en-US" dirty="0"/>
           </a:p>
@@ -1823,7 +1823,7 @@
           <a:p>
             <a:fld id="{9DEB64E9-A623-6D49-92EA-7C36C81F7406}" type="datetimeFigureOut">
               <a:rPr lang="en-US" smtClean="0"/>
-              <a:t>12/29/2020</a:t>
+              <a:t>1/12/2021</a:t>
             </a:fld>
             <a:endParaRPr lang="en-US" dirty="0"/>
           </a:p>
@@ -1964,7 +1964,7 @@
           <a:p>
             <a:fld id="{9DEB64E9-A623-6D49-92EA-7C36C81F7406}" type="datetimeFigureOut">
               <a:rPr lang="en-US" smtClean="0"/>
-              <a:t>12/29/2020</a:t>
+              <a:t>1/12/2021</a:t>
             </a:fld>
             <a:endParaRPr lang="en-US" dirty="0"/>
           </a:p>
@@ -2077,7 +2077,7 @@
           <a:p>
             <a:fld id="{9DEB64E9-A623-6D49-92EA-7C36C81F7406}" type="datetimeFigureOut">
               <a:rPr lang="en-US" smtClean="0"/>
-              <a:t>12/29/2020</a:t>
+              <a:t>1/12/2021</a:t>
             </a:fld>
             <a:endParaRPr lang="en-US" dirty="0"/>
           </a:p>
@@ -2388,7 +2388,7 @@
           <a:p>
             <a:fld id="{9DEB64E9-A623-6D49-92EA-7C36C81F7406}" type="datetimeFigureOut">
               <a:rPr lang="en-US" smtClean="0"/>
-              <a:t>12/29/2020</a:t>
+              <a:t>1/12/2021</a:t>
             </a:fld>
             <a:endParaRPr lang="en-US" dirty="0"/>
           </a:p>
@@ -2676,7 +2676,7 @@
           <a:p>
             <a:fld id="{9DEB64E9-A623-6D49-92EA-7C36C81F7406}" type="datetimeFigureOut">
               <a:rPr lang="en-US" smtClean="0"/>
-              <a:t>12/29/2020</a:t>
+              <a:t>1/12/2021</a:t>
             </a:fld>
             <a:endParaRPr lang="en-US" dirty="0"/>
           </a:p>
@@ -2917,7 +2917,7 @@
           <a:p>
             <a:fld id="{9DEB64E9-A623-6D49-92EA-7C36C81F7406}" type="datetimeFigureOut">
               <a:rPr lang="en-US" smtClean="0"/>
-              <a:t>12/29/2020</a:t>
+              <a:t>1/12/2021</a:t>
             </a:fld>
             <a:endParaRPr lang="en-US" dirty="0"/>
           </a:p>
@@ -4159,7 +4159,7 @@
           <a:blip r:embed="rId2">
             <a:extLst>
               <a:ext uri="{96DAC541-7B7A-43D3-8B79-37D633B846F1}">
-                <asvg:svgBlip xmlns="" xmlns:asvg="http://schemas.microsoft.com/office/drawing/2016/SVG/main" r:embed="rId15"/>
+                <asvg:svgBlip xmlns:asvg="http://schemas.microsoft.com/office/drawing/2016/SVG/main" xmlns="" r:embed="rId15"/>
               </a:ext>
             </a:extLst>
           </a:blip>
@@ -4329,7 +4329,7 @@
           <a:blip r:embed="rId16">
             <a:extLst>
               <a:ext uri="{96DAC541-7B7A-43D3-8B79-37D633B846F1}">
-                <asvg:svgBlip xmlns="" xmlns:asvg="http://schemas.microsoft.com/office/drawing/2016/SVG/main" r:embed="rId19"/>
+                <asvg:svgBlip xmlns:asvg="http://schemas.microsoft.com/office/drawing/2016/SVG/main" xmlns="" r:embed="rId19"/>
               </a:ext>
             </a:extLst>
           </a:blip>
@@ -4365,7 +4365,7 @@
           <a:blip r:embed="rId20">
             <a:extLst>
               <a:ext uri="{96DAC541-7B7A-43D3-8B79-37D633B846F1}">
-                <asvg:svgBlip xmlns="" xmlns:asvg="http://schemas.microsoft.com/office/drawing/2016/SVG/main" r:embed="rId21"/>
+                <asvg:svgBlip xmlns:asvg="http://schemas.microsoft.com/office/drawing/2016/SVG/main" xmlns="" r:embed="rId21"/>
               </a:ext>
             </a:extLst>
           </a:blip>
@@ -4401,7 +4401,7 @@
           <a:blip r:embed="rId22">
             <a:extLst>
               <a:ext uri="{96DAC541-7B7A-43D3-8B79-37D633B846F1}">
-                <asvg:svgBlip xmlns="" xmlns:asvg="http://schemas.microsoft.com/office/drawing/2016/SVG/main" r:embed="rId23"/>
+                <asvg:svgBlip xmlns:asvg="http://schemas.microsoft.com/office/drawing/2016/SVG/main" xmlns="" r:embed="rId23"/>
               </a:ext>
             </a:extLst>
           </a:blip>
@@ -4571,7 +4571,7 @@
           <a:blip r:embed="rId24">
             <a:extLst>
               <a:ext uri="{96DAC541-7B7A-43D3-8B79-37D633B846F1}">
-                <asvg:svgBlip xmlns="" xmlns:asvg="http://schemas.microsoft.com/office/drawing/2016/SVG/main" r:embed="rId25"/>
+                <asvg:svgBlip xmlns:asvg="http://schemas.microsoft.com/office/drawing/2016/SVG/main" xmlns="" r:embed="rId25"/>
               </a:ext>
             </a:extLst>
           </a:blip>
@@ -4674,7 +4674,7 @@
           <a:blip r:embed="rId24">
             <a:extLst>
               <a:ext uri="{96DAC541-7B7A-43D3-8B79-37D633B846F1}">
-                <asvg:svgBlip xmlns="" xmlns:asvg="http://schemas.microsoft.com/office/drawing/2016/SVG/main" r:embed="rId25"/>
+                <asvg:svgBlip xmlns:asvg="http://schemas.microsoft.com/office/drawing/2016/SVG/main" xmlns="" r:embed="rId25"/>
               </a:ext>
             </a:extLst>
           </a:blip>
@@ -4892,7 +4892,7 @@
           <a:blip r:embed="rId26">
             <a:extLst>
               <a:ext uri="{96DAC541-7B7A-43D3-8B79-37D633B846F1}">
-                <asvg:svgBlip xmlns="" xmlns:asvg="http://schemas.microsoft.com/office/drawing/2016/SVG/main" r:embed="rId28"/>
+                <asvg:svgBlip xmlns:asvg="http://schemas.microsoft.com/office/drawing/2016/SVG/main" xmlns="" r:embed="rId28"/>
               </a:ext>
             </a:extLst>
           </a:blip>
@@ -6198,7 +6198,7 @@
           <a:blip r:embed="rId29">
             <a:extLst>
               <a:ext uri="{96DAC541-7B7A-43D3-8B79-37D633B846F1}">
-                <asvg:svgBlip xmlns="" xmlns:asvg="http://schemas.microsoft.com/office/drawing/2016/SVG/main" r:embed="rId13"/>
+                <asvg:svgBlip xmlns:asvg="http://schemas.microsoft.com/office/drawing/2016/SVG/main" xmlns="" r:embed="rId13"/>
               </a:ext>
             </a:extLst>
           </a:blip>
@@ -6234,7 +6234,7 @@
           <a:blip r:embed="rId30">
             <a:extLst>
               <a:ext uri="{96DAC541-7B7A-43D3-8B79-37D633B846F1}">
-                <asvg:svgBlip xmlns="" xmlns:asvg="http://schemas.microsoft.com/office/drawing/2016/SVG/main" r:embed="rId31"/>
+                <asvg:svgBlip xmlns:asvg="http://schemas.microsoft.com/office/drawing/2016/SVG/main" xmlns="" r:embed="rId31"/>
               </a:ext>
             </a:extLst>
           </a:blip>
@@ -6270,7 +6270,7 @@
           <a:blip r:embed="rId32">
             <a:extLst>
               <a:ext uri="{96DAC541-7B7A-43D3-8B79-37D633B846F1}">
-                <asvg:svgBlip xmlns="" xmlns:asvg="http://schemas.microsoft.com/office/drawing/2016/SVG/main" r:embed="rId9"/>
+                <asvg:svgBlip xmlns:asvg="http://schemas.microsoft.com/office/drawing/2016/SVG/main" xmlns="" r:embed="rId9"/>
               </a:ext>
             </a:extLst>
           </a:blip>
@@ -6306,7 +6306,7 @@
           <a:blip r:embed="rId33">
             <a:extLst>
               <a:ext uri="{96DAC541-7B7A-43D3-8B79-37D633B846F1}">
-                <asvg:svgBlip xmlns="" xmlns:asvg="http://schemas.microsoft.com/office/drawing/2016/SVG/main" r:embed="rId17"/>
+                <asvg:svgBlip xmlns:asvg="http://schemas.microsoft.com/office/drawing/2016/SVG/main" xmlns="" r:embed="rId17"/>
               </a:ext>
             </a:extLst>
           </a:blip>
@@ -6342,7 +6342,7 @@
           <a:blip r:embed="rId34">
             <a:extLst>
               <a:ext uri="{96DAC541-7B7A-43D3-8B79-37D633B846F1}">
-                <asvg:svgBlip xmlns="" xmlns:asvg="http://schemas.microsoft.com/office/drawing/2016/SVG/main" r:embed="rId35"/>
+                <asvg:svgBlip xmlns:asvg="http://schemas.microsoft.com/office/drawing/2016/SVG/main" xmlns="" r:embed="rId35"/>
               </a:ext>
             </a:extLst>
           </a:blip>
@@ -6378,7 +6378,7 @@
           <a:blip r:embed="rId36">
             <a:extLst>
               <a:ext uri="{96DAC541-7B7A-43D3-8B79-37D633B846F1}">
-                <asvg:svgBlip xmlns="" xmlns:asvg="http://schemas.microsoft.com/office/drawing/2016/SVG/main" r:embed="rId37"/>
+                <asvg:svgBlip xmlns:asvg="http://schemas.microsoft.com/office/drawing/2016/SVG/main" xmlns="" r:embed="rId37"/>
               </a:ext>
             </a:extLst>
           </a:blip>
@@ -6734,7 +6734,7 @@
           <a:blip r:embed="rId32">
             <a:extLst>
               <a:ext uri="{96DAC541-7B7A-43D3-8B79-37D633B846F1}">
-                <asvg:svgBlip xmlns="" xmlns:asvg="http://schemas.microsoft.com/office/drawing/2016/SVG/main" r:embed="rId9"/>
+                <asvg:svgBlip xmlns:asvg="http://schemas.microsoft.com/office/drawing/2016/SVG/main" xmlns="" r:embed="rId9"/>
               </a:ext>
             </a:extLst>
           </a:blip>
@@ -6770,7 +6770,7 @@
           <a:blip r:embed="rId38">
             <a:extLst>
               <a:ext uri="{96DAC541-7B7A-43D3-8B79-37D633B846F1}">
-                <asvg:svgBlip xmlns="" xmlns:asvg="http://schemas.microsoft.com/office/drawing/2016/SVG/main" r:embed="rId11"/>
+                <asvg:svgBlip xmlns:asvg="http://schemas.microsoft.com/office/drawing/2016/SVG/main" xmlns="" r:embed="rId11"/>
               </a:ext>
             </a:extLst>
           </a:blip>
@@ -11924,7 +11924,7 @@
           <a:blip r:embed="rId3">
             <a:extLst>
               <a:ext uri="{96DAC541-7B7A-43D3-8B79-37D633B846F1}">
-                <asvg:svgBlip xmlns="" xmlns:asvg="http://schemas.microsoft.com/office/drawing/2016/SVG/main" r:embed="rId13"/>
+                <asvg:svgBlip xmlns:asvg="http://schemas.microsoft.com/office/drawing/2016/SVG/main" xmlns="" r:embed="rId13"/>
               </a:ext>
             </a:extLst>
           </a:blip>
@@ -11960,7 +11960,7 @@
           <a:blip r:embed="rId14">
             <a:extLst>
               <a:ext uri="{96DAC541-7B7A-43D3-8B79-37D633B846F1}">
-                <asvg:svgBlip xmlns="" xmlns:asvg="http://schemas.microsoft.com/office/drawing/2016/SVG/main" r:embed="rId15"/>
+                <asvg:svgBlip xmlns:asvg="http://schemas.microsoft.com/office/drawing/2016/SVG/main" xmlns="" r:embed="rId15"/>
               </a:ext>
             </a:extLst>
           </a:blip>
@@ -11996,7 +11996,7 @@
           <a:blip r:embed="rId16">
             <a:extLst>
               <a:ext uri="{96DAC541-7B7A-43D3-8B79-37D633B846F1}">
-                <asvg:svgBlip xmlns="" xmlns:asvg="http://schemas.microsoft.com/office/drawing/2016/SVG/main" r:embed="rId9"/>
+                <asvg:svgBlip xmlns:asvg="http://schemas.microsoft.com/office/drawing/2016/SVG/main" xmlns="" r:embed="rId9"/>
               </a:ext>
             </a:extLst>
           </a:blip>
@@ -12032,7 +12032,7 @@
           <a:blip r:embed="rId17">
             <a:extLst>
               <a:ext uri="{96DAC541-7B7A-43D3-8B79-37D633B846F1}">
-                <asvg:svgBlip xmlns="" xmlns:asvg="http://schemas.microsoft.com/office/drawing/2016/SVG/main" r:embed="rId18"/>
+                <asvg:svgBlip xmlns:asvg="http://schemas.microsoft.com/office/drawing/2016/SVG/main" xmlns="" r:embed="rId18"/>
               </a:ext>
             </a:extLst>
           </a:blip>
@@ -12068,7 +12068,7 @@
           <a:blip r:embed="rId19">
             <a:extLst>
               <a:ext uri="{96DAC541-7B7A-43D3-8B79-37D633B846F1}">
-                <asvg:svgBlip xmlns="" xmlns:asvg="http://schemas.microsoft.com/office/drawing/2016/SVG/main" r:embed="rId20"/>
+                <asvg:svgBlip xmlns:asvg="http://schemas.microsoft.com/office/drawing/2016/SVG/main" xmlns="" r:embed="rId20"/>
               </a:ext>
             </a:extLst>
           </a:blip>
@@ -12104,7 +12104,7 @@
           <a:blip r:embed="rId21">
             <a:extLst>
               <a:ext uri="{96DAC541-7B7A-43D3-8B79-37D633B846F1}">
-                <asvg:svgBlip xmlns="" xmlns:asvg="http://schemas.microsoft.com/office/drawing/2016/SVG/main" r:embed="rId22"/>
+                <asvg:svgBlip xmlns:asvg="http://schemas.microsoft.com/office/drawing/2016/SVG/main" xmlns="" r:embed="rId22"/>
               </a:ext>
             </a:extLst>
           </a:blip>
@@ -12140,7 +12140,7 @@
           <a:blip r:embed="rId23">
             <a:extLst>
               <a:ext uri="{96DAC541-7B7A-43D3-8B79-37D633B846F1}">
-                <asvg:svgBlip xmlns="" xmlns:asvg="http://schemas.microsoft.com/office/drawing/2016/SVG/main" r:embed="rId24"/>
+                <asvg:svgBlip xmlns:asvg="http://schemas.microsoft.com/office/drawing/2016/SVG/main" xmlns="" r:embed="rId24"/>
               </a:ext>
             </a:extLst>
           </a:blip>
@@ -12319,7 +12319,7 @@
           <a:blip r:embed="rId26">
             <a:extLst>
               <a:ext uri="{96DAC541-7B7A-43D3-8B79-37D633B846F1}">
-                <asvg:svgBlip xmlns="" xmlns:asvg="http://schemas.microsoft.com/office/drawing/2016/SVG/main" r:embed="rId28"/>
+                <asvg:svgBlip xmlns:asvg="http://schemas.microsoft.com/office/drawing/2016/SVG/main" xmlns="" r:embed="rId28"/>
               </a:ext>
             </a:extLst>
           </a:blip>
@@ -13828,7 +13828,7 @@
           <a:blip r:embed="rId32">
             <a:extLst>
               <a:ext uri="{96DAC541-7B7A-43D3-8B79-37D633B846F1}">
-                <asvg:svgBlip xmlns="" xmlns:asvg="http://schemas.microsoft.com/office/drawing/2016/SVG/main" r:embed="rId33"/>
+                <asvg:svgBlip xmlns:asvg="http://schemas.microsoft.com/office/drawing/2016/SVG/main" xmlns="" r:embed="rId33"/>
               </a:ext>
             </a:extLst>
           </a:blip>
@@ -14179,7 +14179,7 @@
           <a:blip r:embed="rId16">
             <a:extLst>
               <a:ext uri="{96DAC541-7B7A-43D3-8B79-37D633B846F1}">
-                <asvg:svgBlip xmlns="" xmlns:asvg="http://schemas.microsoft.com/office/drawing/2016/SVG/main" r:embed="rId34"/>
+                <asvg:svgBlip xmlns:asvg="http://schemas.microsoft.com/office/drawing/2016/SVG/main" xmlns="" r:embed="rId34"/>
               </a:ext>
             </a:extLst>
           </a:blip>
@@ -14215,7 +14215,7 @@
           <a:blip r:embed="rId35">
             <a:extLst>
               <a:ext uri="{96DAC541-7B7A-43D3-8B79-37D633B846F1}">
-                <asvg:svgBlip xmlns="" xmlns:asvg="http://schemas.microsoft.com/office/drawing/2016/SVG/main" r:embed="rId11"/>
+                <asvg:svgBlip xmlns:asvg="http://schemas.microsoft.com/office/drawing/2016/SVG/main" xmlns="" r:embed="rId11"/>
               </a:ext>
             </a:extLst>
           </a:blip>
@@ -14624,7 +14624,7 @@
         </p:nvSpPr>
         <p:spPr>
           <a:xfrm>
-            <a:off x="4143831" y="4238693"/>
+            <a:off x="4434056" y="3112379"/>
             <a:ext cx="910612" cy="461665"/>
           </a:xfrm>
           <a:prstGeom prst="rect">
@@ -14681,7 +14681,7 @@
           <a:blip r:embed="rId2">
             <a:extLst>
               <a:ext uri="{96DAC541-7B7A-43D3-8B79-37D633B846F1}">
-                <asvg:svgBlip xmlns="" xmlns:asvg="http://schemas.microsoft.com/office/drawing/2016/SVG/main" r:embed="rId3"/>
+                <asvg:svgBlip xmlns:asvg="http://schemas.microsoft.com/office/drawing/2016/SVG/main" xmlns="" r:embed="rId3"/>
               </a:ext>
             </a:extLst>
           </a:blip>
@@ -14691,7 +14691,7 @@
         </p:blipFill>
         <p:spPr>
           <a:xfrm>
-            <a:off x="4258136" y="3526545"/>
+            <a:off x="4548361" y="2400231"/>
             <a:ext cx="711200" cy="711200"/>
           </a:xfrm>
           <a:prstGeom prst="rect">
@@ -14717,7 +14717,7 @@
           <a:blip r:embed="rId4">
             <a:extLst>
               <a:ext uri="{96DAC541-7B7A-43D3-8B79-37D633B846F1}">
-                <asvg:svgBlip xmlns="" xmlns:asvg="http://schemas.microsoft.com/office/drawing/2016/SVG/main" r:embed="rId5"/>
+                <asvg:svgBlip xmlns:asvg="http://schemas.microsoft.com/office/drawing/2016/SVG/main" xmlns="" r:embed="rId5"/>
               </a:ext>
             </a:extLst>
           </a:blip>
@@ -14727,7 +14727,7 @@
         </p:blipFill>
         <p:spPr>
           <a:xfrm>
-            <a:off x="6922380" y="3526545"/>
+            <a:off x="6945639" y="2400231"/>
             <a:ext cx="711200" cy="711200"/>
           </a:xfrm>
           <a:prstGeom prst="rect">
@@ -14749,7 +14749,7 @@
         </p:nvSpPr>
         <p:spPr>
           <a:xfrm>
-            <a:off x="6675140" y="4238693"/>
+            <a:off x="6698399" y="3112379"/>
             <a:ext cx="1199253" cy="461665"/>
           </a:xfrm>
           <a:prstGeom prst="rect">
@@ -14809,7 +14809,7 @@
           <a:blip r:embed="rId6">
             <a:extLst>
               <a:ext uri="{96DAC541-7B7A-43D3-8B79-37D633B846F1}">
-                <asvg:svgBlip xmlns="" xmlns:asvg="http://schemas.microsoft.com/office/drawing/2016/SVG/main" r:embed="rId7"/>
+                <asvg:svgBlip xmlns:asvg="http://schemas.microsoft.com/office/drawing/2016/SVG/main" xmlns="" r:embed="rId7"/>
               </a:ext>
             </a:extLst>
           </a:blip>
@@ -14819,7 +14819,7 @@
         </p:blipFill>
         <p:spPr>
           <a:xfrm>
-            <a:off x="8397060" y="3527766"/>
+            <a:off x="8420319" y="2401452"/>
             <a:ext cx="711200" cy="711200"/>
           </a:xfrm>
           <a:prstGeom prst="rect">
@@ -14841,7 +14841,7 @@
         </p:nvSpPr>
         <p:spPr>
           <a:xfrm>
-            <a:off x="7272838" y="2321123"/>
+            <a:off x="7296097" y="1194809"/>
             <a:ext cx="1241149" cy="461665"/>
           </a:xfrm>
           <a:prstGeom prst="rect">
@@ -14884,7 +14884,7 @@
           <a:blip r:embed="rId8">
             <a:extLst>
               <a:ext uri="{96DAC541-7B7A-43D3-8B79-37D633B846F1}">
-                <asvg:svgBlip xmlns="" xmlns:asvg="http://schemas.microsoft.com/office/drawing/2016/SVG/main" r:embed="rId9"/>
+                <asvg:svgBlip xmlns:asvg="http://schemas.microsoft.com/office/drawing/2016/SVG/main" xmlns="" r:embed="rId9"/>
               </a:ext>
             </a:extLst>
           </a:blip>
@@ -14894,7 +14894,7 @@
         </p:blipFill>
         <p:spPr>
           <a:xfrm>
-            <a:off x="7507943" y="1654374"/>
+            <a:off x="7531202" y="528060"/>
             <a:ext cx="711200" cy="711200"/>
           </a:xfrm>
           <a:prstGeom prst="rect">
@@ -14916,7 +14916,7 @@
         </p:nvSpPr>
         <p:spPr>
           <a:xfrm>
-            <a:off x="8264401" y="2318236"/>
+            <a:off x="8287660" y="1191922"/>
             <a:ext cx="1074374" cy="461665"/>
           </a:xfrm>
           <a:prstGeom prst="rect">
@@ -14970,7 +14970,7 @@
           <a:blip r:embed="rId10">
             <a:extLst>
               <a:ext uri="{96DAC541-7B7A-43D3-8B79-37D633B846F1}">
-                <asvg:svgBlip xmlns="" xmlns:asvg="http://schemas.microsoft.com/office/drawing/2016/SVG/main" r:embed="rId11"/>
+                <asvg:svgBlip xmlns:asvg="http://schemas.microsoft.com/office/drawing/2016/SVG/main" xmlns="" r:embed="rId11"/>
               </a:ext>
             </a:extLst>
           </a:blip>
@@ -14980,7 +14980,7 @@
         </p:blipFill>
         <p:spPr>
           <a:xfrm>
-            <a:off x="8566638" y="1765891"/>
+            <a:off x="8589897" y="639577"/>
             <a:ext cx="469900" cy="469900"/>
           </a:xfrm>
           <a:prstGeom prst="rect">
@@ -15002,7 +15002,7 @@
         </p:nvSpPr>
         <p:spPr>
           <a:xfrm>
-            <a:off x="9234792" y="2318236"/>
+            <a:off x="9258051" y="1191922"/>
             <a:ext cx="735193" cy="461665"/>
           </a:xfrm>
           <a:prstGeom prst="rect">
@@ -15066,7 +15066,7 @@
           <a:blip r:embed="rId10">
             <a:extLst>
               <a:ext uri="{96DAC541-7B7A-43D3-8B79-37D633B846F1}">
-                <asvg:svgBlip xmlns="" xmlns:asvg="http://schemas.microsoft.com/office/drawing/2016/SVG/main" r:embed="rId11"/>
+                <asvg:svgBlip xmlns:asvg="http://schemas.microsoft.com/office/drawing/2016/SVG/main" xmlns="" r:embed="rId11"/>
               </a:ext>
             </a:extLst>
           </a:blip>
@@ -15076,7 +15076,7 @@
         </p:blipFill>
         <p:spPr>
           <a:xfrm>
-            <a:off x="9338775" y="1766820"/>
+            <a:off x="9362034" y="640506"/>
             <a:ext cx="469900" cy="469900"/>
           </a:xfrm>
           <a:prstGeom prst="rect">
@@ -15098,7 +15098,7 @@
         </p:nvSpPr>
         <p:spPr>
           <a:xfrm>
-            <a:off x="10079569" y="4238693"/>
+            <a:off x="10102828" y="3112379"/>
             <a:ext cx="925493" cy="461665"/>
           </a:xfrm>
           <a:prstGeom prst="rect">
@@ -15141,7 +15141,7 @@
           <a:blip r:embed="rId12">
             <a:extLst>
               <a:ext uri="{96DAC541-7B7A-43D3-8B79-37D633B846F1}">
-                <asvg:svgBlip xmlns="" xmlns:asvg="http://schemas.microsoft.com/office/drawing/2016/SVG/main" r:embed="rId13"/>
+                <asvg:svgBlip xmlns:asvg="http://schemas.microsoft.com/office/drawing/2016/SVG/main" xmlns="" r:embed="rId13"/>
               </a:ext>
             </a:extLst>
           </a:blip>
@@ -15151,7 +15151,7 @@
         </p:blipFill>
         <p:spPr>
           <a:xfrm>
-            <a:off x="10186716" y="3527766"/>
+            <a:off x="10209975" y="2401452"/>
             <a:ext cx="711200" cy="711200"/>
           </a:xfrm>
           <a:prstGeom prst="rect">
@@ -15176,7 +15176,7 @@
         </p:nvCxnSpPr>
         <p:spPr>
           <a:xfrm>
-            <a:off x="2976880" y="3882144"/>
+            <a:off x="3267105" y="2755830"/>
             <a:ext cx="1281256" cy="1"/>
           </a:xfrm>
           <a:prstGeom prst="straightConnector1">
@@ -15223,8 +15223,8 @@
         </p:nvCxnSpPr>
         <p:spPr>
           <a:xfrm flipV="1">
-            <a:off x="4969336" y="3882144"/>
-            <a:ext cx="615342" cy="1"/>
+            <a:off x="5259561" y="2755830"/>
+            <a:ext cx="472790" cy="1"/>
           </a:xfrm>
           <a:prstGeom prst="straightConnector1">
             <a:avLst/>
@@ -15270,7 +15270,7 @@
         </p:nvCxnSpPr>
         <p:spPr>
           <a:xfrm>
-            <a:off x="7633580" y="3882145"/>
+            <a:off x="7656839" y="2755831"/>
             <a:ext cx="763480" cy="1221"/>
           </a:xfrm>
           <a:prstGeom prst="straightConnector1">
@@ -15317,7 +15317,7 @@
         </p:nvCxnSpPr>
         <p:spPr>
           <a:xfrm>
-            <a:off x="9108260" y="3883366"/>
+            <a:off x="9131519" y="2757052"/>
             <a:ext cx="1078456" cy="0"/>
           </a:xfrm>
           <a:prstGeom prst="straightConnector1">
@@ -15360,7 +15360,7 @@
         </p:nvSpPr>
         <p:spPr>
           <a:xfrm>
-            <a:off x="1000550" y="3436309"/>
+            <a:off x="1023809" y="2309995"/>
             <a:ext cx="2121098" cy="884916"/>
           </a:xfrm>
           <a:prstGeom prst="rect">
@@ -15502,7 +15502,7 @@
         </p:nvCxnSpPr>
         <p:spPr>
           <a:xfrm rot="16200000" flipV="1">
-            <a:off x="4624422" y="872986"/>
+            <a:off x="4647681" y="-253328"/>
             <a:ext cx="90236" cy="5216881"/>
           </a:xfrm>
           <a:prstGeom prst="bentConnector3">
@@ -15547,7 +15547,7 @@
         </p:nvSpPr>
         <p:spPr>
           <a:xfrm>
-            <a:off x="5302757" y="4238693"/>
+            <a:off x="5450430" y="3112379"/>
             <a:ext cx="1266728" cy="461665"/>
           </a:xfrm>
           <a:prstGeom prst="rect">
@@ -15601,7 +15601,7 @@
           <a:blip r:embed="rId6">
             <a:extLst>
               <a:ext uri="{96DAC541-7B7A-43D3-8B79-37D633B846F1}">
-                <asvg:svgBlip xmlns="" xmlns:asvg="http://schemas.microsoft.com/office/drawing/2016/SVG/main" r:embed="rId7"/>
+                <asvg:svgBlip xmlns:asvg="http://schemas.microsoft.com/office/drawing/2016/SVG/main" xmlns="" r:embed="rId7"/>
               </a:ext>
             </a:extLst>
           </a:blip>
@@ -15611,7 +15611,7 @@
         </p:blipFill>
         <p:spPr>
           <a:xfrm>
-            <a:off x="5584678" y="3526544"/>
+            <a:off x="5732351" y="2400230"/>
             <a:ext cx="711200" cy="711200"/>
           </a:xfrm>
           <a:prstGeom prst="rect">
@@ -15637,8 +15637,8 @@
         </p:nvCxnSpPr>
         <p:spPr>
           <a:xfrm>
-            <a:off x="6295878" y="3882144"/>
-            <a:ext cx="626502" cy="1"/>
+            <a:off x="6443551" y="2755830"/>
+            <a:ext cx="502088" cy="1"/>
           </a:xfrm>
           <a:prstGeom prst="straightConnector1">
             <a:avLst/>
@@ -15680,7 +15680,7 @@
         </p:nvSpPr>
         <p:spPr>
           <a:xfrm>
-            <a:off x="7922686" y="4238693"/>
+            <a:off x="7945945" y="3112379"/>
             <a:ext cx="1750251" cy="646331"/>
           </a:xfrm>
           <a:prstGeom prst="rect">
@@ -15740,7 +15740,7 @@
         </p:nvSpPr>
         <p:spPr>
           <a:xfrm>
-            <a:off x="3234207" y="1503218"/>
+            <a:off x="3257466" y="376904"/>
             <a:ext cx="7770855" cy="3657600"/>
           </a:xfrm>
           <a:prstGeom prst="rect">
@@ -15810,7 +15810,7 @@
           <a:blip r:embed="rId14">
             <a:extLst>
               <a:ext uri="{96DAC541-7B7A-43D3-8B79-37D633B846F1}">
-                <asvg:svgBlip xmlns="" xmlns:asvg="http://schemas.microsoft.com/office/drawing/2016/SVG/main" r:embed="rId15"/>
+                <asvg:svgBlip xmlns:asvg="http://schemas.microsoft.com/office/drawing/2016/SVG/main" xmlns="" r:embed="rId15"/>
               </a:ext>
             </a:extLst>
           </a:blip>
@@ -15820,7 +15820,7 @@
         </p:blipFill>
         <p:spPr>
           <a:xfrm>
-            <a:off x="3233061" y="1498466"/>
+            <a:off x="3256320" y="372152"/>
             <a:ext cx="336172" cy="330200"/>
           </a:xfrm>
           <a:prstGeom prst="rect">
@@ -15844,7 +15844,7 @@
         </p:nvGrpSpPr>
         <p:grpSpPr>
           <a:xfrm>
-            <a:off x="1023809" y="1492089"/>
+            <a:off x="1047068" y="365775"/>
             <a:ext cx="288000" cy="288000"/>
             <a:chOff x="323087" y="833524"/>
             <a:chExt cx="324000" cy="324000"/>
@@ -16793,7 +16793,7 @@
         </p:nvSpPr>
         <p:spPr>
           <a:xfrm>
-            <a:off x="1030241" y="1493385"/>
+            <a:off x="1053500" y="367071"/>
             <a:ext cx="2075606" cy="3660715"/>
           </a:xfrm>
           <a:prstGeom prst="rect">
@@ -16870,7 +16870,7 @@
         </p:nvCxnSpPr>
         <p:spPr>
           <a:xfrm flipV="1">
-            <a:off x="8752660" y="2794805"/>
+            <a:off x="8775919" y="1668491"/>
             <a:ext cx="401" cy="732961"/>
           </a:xfrm>
           <a:prstGeom prst="straightConnector1">
@@ -16901,10 +16901,10 @@
       </p:cxnSp>
       <p:sp>
         <p:nvSpPr>
-          <p:cNvPr id="8" name="Rectangle 7">
-            <a:extLst>
-              <a:ext uri="{FF2B5EF4-FFF2-40B4-BE49-F238E27FC236}">
-                <a16:creationId xmlns:a16="http://schemas.microsoft.com/office/drawing/2014/main" id="{C8F029F2-E949-E34C-8C57-56AA146BFC5D}"/>
+          <p:cNvPr id="81" name="Rectangle 80">
+            <a:extLst>
+              <a:ext uri="{FF2B5EF4-FFF2-40B4-BE49-F238E27FC236}">
+                <a16:creationId xmlns:a16="http://schemas.microsoft.com/office/drawing/2014/main" id="{FFA89DF7-D079-0947-8E29-4EEA4975DBBD}"/>
               </a:ext>
             </a:extLst>
           </p:cNvPr>
@@ -16913,591 +16913,7 @@
         </p:nvSpPr>
         <p:spPr>
           <a:xfrm>
-            <a:off x="3486253" y="3715189"/>
-            <a:ext cx="336813" cy="338328"/>
-          </a:xfrm>
-          <a:prstGeom prst="rect">
-            <a:avLst/>
-          </a:prstGeom>
-          <a:solidFill>
-            <a:schemeClr val="bg1"/>
-          </a:solidFill>
-          <a:ln w="12700">
-            <a:solidFill>
-              <a:schemeClr val="tx1"/>
-            </a:solidFill>
-          </a:ln>
-        </p:spPr>
-        <p:style>
-          <a:lnRef idx="2">
-            <a:schemeClr val="accent1">
-              <a:shade val="50000"/>
-            </a:schemeClr>
-          </a:lnRef>
-          <a:fillRef idx="1">
-            <a:schemeClr val="accent1"/>
-          </a:fillRef>
-          <a:effectRef idx="0">
-            <a:schemeClr val="accent1"/>
-          </a:effectRef>
-          <a:fontRef idx="minor">
-            <a:schemeClr val="lt1"/>
-          </a:fontRef>
-        </p:style>
-        <p:txBody>
-          <a:bodyPr rtlCol="0" anchor="ctr"/>
-          <a:lstStyle/>
-          <a:p>
-            <a:pPr algn="ctr"/>
-            <a:endParaRPr lang="en-US" dirty="0">
-              <a:latin typeface="Arial" panose="020B0604020202020204" pitchFamily="34" charset="0"/>
-              <a:cs typeface="Arial" panose="020B0604020202020204" pitchFamily="34" charset="0"/>
-            </a:endParaRPr>
-          </a:p>
-        </p:txBody>
-      </p:sp>
-      <p:sp>
-        <p:nvSpPr>
-          <p:cNvPr id="67" name="TextBox 66">
-            <a:extLst>
-              <a:ext uri="{FF2B5EF4-FFF2-40B4-BE49-F238E27FC236}">
-                <a16:creationId xmlns:a16="http://schemas.microsoft.com/office/drawing/2014/main" id="{1BB8B582-8502-3241-917C-2093FDAAEE48}"/>
-              </a:ext>
-            </a:extLst>
-          </p:cNvPr>
-          <p:cNvSpPr txBox="1"/>
-          <p:nvPr/>
-        </p:nvSpPr>
-        <p:spPr>
-          <a:xfrm>
-            <a:off x="3455687" y="3730465"/>
-            <a:ext cx="397945" cy="307777"/>
-          </a:xfrm>
-          <a:prstGeom prst="rect">
-            <a:avLst/>
-          </a:prstGeom>
-          <a:noFill/>
-        </p:spPr>
-        <p:txBody>
-          <a:bodyPr wrap="square" rtlCol="0">
-            <a:spAutoFit/>
-          </a:bodyPr>
-          <a:lstStyle/>
-          <a:p>
-            <a:pPr algn="ctr"/>
-            <a:r>
-              <a:rPr lang="en-US" sz="1400" dirty="0" smtClean="0">
-                <a:latin typeface="Arial" panose="020B0604020202020204" pitchFamily="34" charset="0"/>
-                <a:cs typeface="Arial" panose="020B0604020202020204" pitchFamily="34" charset="0"/>
-              </a:rPr>
-              <a:t>1a</a:t>
-            </a:r>
-            <a:endParaRPr lang="en-US" sz="1400" dirty="0">
-              <a:latin typeface="Arial" panose="020B0604020202020204" pitchFamily="34" charset="0"/>
-              <a:cs typeface="Arial" panose="020B0604020202020204" pitchFamily="34" charset="0"/>
-            </a:endParaRPr>
-          </a:p>
-        </p:txBody>
-      </p:sp>
-      <p:sp>
-        <p:nvSpPr>
-          <p:cNvPr id="73" name="Rectangle 72">
-            <a:extLst>
-              <a:ext uri="{FF2B5EF4-FFF2-40B4-BE49-F238E27FC236}">
-                <a16:creationId xmlns:a16="http://schemas.microsoft.com/office/drawing/2014/main" id="{8CC7CC62-A2FA-9F43-AEBD-03F6096BAE52}"/>
-              </a:ext>
-            </a:extLst>
-          </p:cNvPr>
-          <p:cNvSpPr/>
-          <p:nvPr/>
-        </p:nvSpPr>
-        <p:spPr>
-          <a:xfrm>
-            <a:off x="5765183" y="4694655"/>
-            <a:ext cx="338328" cy="338328"/>
-          </a:xfrm>
-          <a:prstGeom prst="rect">
-            <a:avLst/>
-          </a:prstGeom>
-          <a:solidFill>
-            <a:schemeClr val="bg1"/>
-          </a:solidFill>
-          <a:ln w="12700">
-            <a:solidFill>
-              <a:schemeClr val="tx1"/>
-            </a:solidFill>
-          </a:ln>
-        </p:spPr>
-        <p:style>
-          <a:lnRef idx="2">
-            <a:schemeClr val="accent1">
-              <a:shade val="50000"/>
-            </a:schemeClr>
-          </a:lnRef>
-          <a:fillRef idx="1">
-            <a:schemeClr val="accent1"/>
-          </a:fillRef>
-          <a:effectRef idx="0">
-            <a:schemeClr val="accent1"/>
-          </a:effectRef>
-          <a:fontRef idx="minor">
-            <a:schemeClr val="lt1"/>
-          </a:fontRef>
-        </p:style>
-        <p:txBody>
-          <a:bodyPr rtlCol="0" anchor="ctr"/>
-          <a:lstStyle/>
-          <a:p>
-            <a:pPr algn="ctr"/>
-            <a:endParaRPr lang="en-US" dirty="0">
-              <a:latin typeface="Arial" panose="020B0604020202020204" pitchFamily="34" charset="0"/>
-              <a:cs typeface="Arial" panose="020B0604020202020204" pitchFamily="34" charset="0"/>
-            </a:endParaRPr>
-          </a:p>
-        </p:txBody>
-      </p:sp>
-      <p:sp>
-        <p:nvSpPr>
-          <p:cNvPr id="74" name="TextBox 73">
-            <a:extLst>
-              <a:ext uri="{FF2B5EF4-FFF2-40B4-BE49-F238E27FC236}">
-                <a16:creationId xmlns:a16="http://schemas.microsoft.com/office/drawing/2014/main" id="{C3204AC6-4888-494F-ACED-A7DD738BFA08}"/>
-              </a:ext>
-            </a:extLst>
-          </p:cNvPr>
-          <p:cNvSpPr txBox="1"/>
-          <p:nvPr/>
-        </p:nvSpPr>
-        <p:spPr>
-          <a:xfrm>
-            <a:off x="5799316" y="4709931"/>
-            <a:ext cx="270062" cy="307777"/>
-          </a:xfrm>
-          <a:prstGeom prst="rect">
-            <a:avLst/>
-          </a:prstGeom>
-          <a:noFill/>
-        </p:spPr>
-        <p:txBody>
-          <a:bodyPr wrap="square" rtlCol="0">
-            <a:spAutoFit/>
-          </a:bodyPr>
-          <a:lstStyle/>
-          <a:p>
-            <a:pPr algn="ctr"/>
-            <a:r>
-              <a:rPr lang="en-US" sz="1400" dirty="0">
-                <a:latin typeface="Arial" panose="020B0604020202020204" pitchFamily="34" charset="0"/>
-                <a:cs typeface="Arial" panose="020B0604020202020204" pitchFamily="34" charset="0"/>
-              </a:rPr>
-              <a:t>2</a:t>
-            </a:r>
-          </a:p>
-        </p:txBody>
-      </p:sp>
-      <p:sp>
-        <p:nvSpPr>
-          <p:cNvPr id="75" name="Rectangle 74">
-            <a:extLst>
-              <a:ext uri="{FF2B5EF4-FFF2-40B4-BE49-F238E27FC236}">
-                <a16:creationId xmlns:a16="http://schemas.microsoft.com/office/drawing/2014/main" id="{B5CEE62A-18A1-8749-9541-8C5F2FF37CA0}"/>
-              </a:ext>
-            </a:extLst>
-          </p:cNvPr>
-          <p:cNvSpPr/>
-          <p:nvPr/>
-        </p:nvSpPr>
-        <p:spPr>
-          <a:xfrm>
-            <a:off x="5105069" y="3029627"/>
-            <a:ext cx="338328" cy="338328"/>
-          </a:xfrm>
-          <a:prstGeom prst="rect">
-            <a:avLst/>
-          </a:prstGeom>
-          <a:solidFill>
-            <a:schemeClr val="bg1"/>
-          </a:solidFill>
-          <a:ln w="12700">
-            <a:solidFill>
-              <a:schemeClr val="tx1"/>
-            </a:solidFill>
-          </a:ln>
-        </p:spPr>
-        <p:style>
-          <a:lnRef idx="2">
-            <a:schemeClr val="accent1">
-              <a:shade val="50000"/>
-            </a:schemeClr>
-          </a:lnRef>
-          <a:fillRef idx="1">
-            <a:schemeClr val="accent1"/>
-          </a:fillRef>
-          <a:effectRef idx="0">
-            <a:schemeClr val="accent1"/>
-          </a:effectRef>
-          <a:fontRef idx="minor">
-            <a:schemeClr val="lt1"/>
-          </a:fontRef>
-        </p:style>
-        <p:txBody>
-          <a:bodyPr rtlCol="0" anchor="ctr"/>
-          <a:lstStyle/>
-          <a:p>
-            <a:pPr algn="ctr"/>
-            <a:endParaRPr lang="en-US" dirty="0">
-              <a:latin typeface="Arial" panose="020B0604020202020204" pitchFamily="34" charset="0"/>
-              <a:cs typeface="Arial" panose="020B0604020202020204" pitchFamily="34" charset="0"/>
-            </a:endParaRPr>
-          </a:p>
-        </p:txBody>
-      </p:sp>
-      <p:sp>
-        <p:nvSpPr>
-          <p:cNvPr id="76" name="TextBox 75">
-            <a:extLst>
-              <a:ext uri="{FF2B5EF4-FFF2-40B4-BE49-F238E27FC236}">
-                <a16:creationId xmlns:a16="http://schemas.microsoft.com/office/drawing/2014/main" id="{8C0C99BD-2DF9-4948-853A-78CF5B2A79A0}"/>
-              </a:ext>
-            </a:extLst>
-          </p:cNvPr>
-          <p:cNvSpPr txBox="1"/>
-          <p:nvPr/>
-        </p:nvSpPr>
-        <p:spPr>
-          <a:xfrm>
-            <a:off x="5077304" y="3044903"/>
-            <a:ext cx="393858" cy="307777"/>
-          </a:xfrm>
-          <a:prstGeom prst="rect">
-            <a:avLst/>
-          </a:prstGeom>
-          <a:noFill/>
-        </p:spPr>
-        <p:txBody>
-          <a:bodyPr wrap="square" rtlCol="0">
-            <a:spAutoFit/>
-          </a:bodyPr>
-          <a:lstStyle/>
-          <a:p>
-            <a:pPr algn="ctr"/>
-            <a:r>
-              <a:rPr lang="en-US" sz="1400" dirty="0" smtClean="0">
-                <a:latin typeface="Arial" panose="020B0604020202020204" pitchFamily="34" charset="0"/>
-                <a:cs typeface="Arial" panose="020B0604020202020204" pitchFamily="34" charset="0"/>
-              </a:rPr>
-              <a:t>1b</a:t>
-            </a:r>
-            <a:endParaRPr lang="en-US" sz="1400" dirty="0">
-              <a:latin typeface="Arial" panose="020B0604020202020204" pitchFamily="34" charset="0"/>
-              <a:cs typeface="Arial" panose="020B0604020202020204" pitchFamily="34" charset="0"/>
-            </a:endParaRPr>
-          </a:p>
-        </p:txBody>
-      </p:sp>
-      <p:sp>
-        <p:nvSpPr>
-          <p:cNvPr id="87" name="Rectangle 86">
-            <a:extLst>
-              <a:ext uri="{FF2B5EF4-FFF2-40B4-BE49-F238E27FC236}">
-                <a16:creationId xmlns:a16="http://schemas.microsoft.com/office/drawing/2014/main" id="{E0B43EED-3CF1-6A4B-B4E2-0BD41D93664A}"/>
-              </a:ext>
-            </a:extLst>
-          </p:cNvPr>
-          <p:cNvSpPr/>
-          <p:nvPr/>
-        </p:nvSpPr>
-        <p:spPr>
-          <a:xfrm>
-            <a:off x="7103322" y="4697430"/>
-            <a:ext cx="338328" cy="338328"/>
-          </a:xfrm>
-          <a:prstGeom prst="rect">
-            <a:avLst/>
-          </a:prstGeom>
-          <a:solidFill>
-            <a:schemeClr val="bg1"/>
-          </a:solidFill>
-          <a:ln w="12700">
-            <a:solidFill>
-              <a:schemeClr val="tx1"/>
-            </a:solidFill>
-          </a:ln>
-        </p:spPr>
-        <p:style>
-          <a:lnRef idx="2">
-            <a:schemeClr val="accent1">
-              <a:shade val="50000"/>
-            </a:schemeClr>
-          </a:lnRef>
-          <a:fillRef idx="1">
-            <a:schemeClr val="accent1"/>
-          </a:fillRef>
-          <a:effectRef idx="0">
-            <a:schemeClr val="accent1"/>
-          </a:effectRef>
-          <a:fontRef idx="minor">
-            <a:schemeClr val="lt1"/>
-          </a:fontRef>
-        </p:style>
-        <p:txBody>
-          <a:bodyPr rtlCol="0" anchor="ctr"/>
-          <a:lstStyle/>
-          <a:p>
-            <a:pPr algn="ctr"/>
-            <a:endParaRPr lang="en-US" dirty="0">
-              <a:latin typeface="Arial" panose="020B0604020202020204" pitchFamily="34" charset="0"/>
-              <a:cs typeface="Arial" panose="020B0604020202020204" pitchFamily="34" charset="0"/>
-            </a:endParaRPr>
-          </a:p>
-        </p:txBody>
-      </p:sp>
-      <p:sp>
-        <p:nvSpPr>
-          <p:cNvPr id="88" name="TextBox 87">
-            <a:extLst>
-              <a:ext uri="{FF2B5EF4-FFF2-40B4-BE49-F238E27FC236}">
-                <a16:creationId xmlns:a16="http://schemas.microsoft.com/office/drawing/2014/main" id="{9413818F-8D40-EC46-BC30-3FEFA7E72F22}"/>
-              </a:ext>
-            </a:extLst>
-          </p:cNvPr>
-          <p:cNvSpPr txBox="1"/>
-          <p:nvPr/>
-        </p:nvSpPr>
-        <p:spPr>
-          <a:xfrm>
-            <a:off x="7103322" y="4711146"/>
-            <a:ext cx="338328" cy="307777"/>
-          </a:xfrm>
-          <a:prstGeom prst="rect">
-            <a:avLst/>
-          </a:prstGeom>
-          <a:noFill/>
-        </p:spPr>
-        <p:txBody>
-          <a:bodyPr wrap="square" rtlCol="0">
-            <a:spAutoFit/>
-          </a:bodyPr>
-          <a:lstStyle/>
-          <a:p>
-            <a:pPr algn="ctr"/>
-            <a:r>
-              <a:rPr lang="en-US" sz="1400" dirty="0">
-                <a:latin typeface="Arial" panose="020B0604020202020204" pitchFamily="34" charset="0"/>
-                <a:cs typeface="Arial" panose="020B0604020202020204" pitchFamily="34" charset="0"/>
-              </a:rPr>
-              <a:t>3</a:t>
-            </a:r>
-          </a:p>
-        </p:txBody>
-      </p:sp>
-      <p:sp>
-        <p:nvSpPr>
-          <p:cNvPr id="91" name="Rectangle 90">
-            <a:extLst>
-              <a:ext uri="{FF2B5EF4-FFF2-40B4-BE49-F238E27FC236}">
-                <a16:creationId xmlns:a16="http://schemas.microsoft.com/office/drawing/2014/main" id="{651BBEDF-8D52-7044-8F04-9678DF1C1C84}"/>
-              </a:ext>
-            </a:extLst>
-          </p:cNvPr>
-          <p:cNvSpPr/>
-          <p:nvPr/>
-        </p:nvSpPr>
-        <p:spPr>
-          <a:xfrm>
-            <a:off x="8585423" y="3009231"/>
-            <a:ext cx="338328" cy="338328"/>
-          </a:xfrm>
-          <a:prstGeom prst="rect">
-            <a:avLst/>
-          </a:prstGeom>
-          <a:solidFill>
-            <a:schemeClr val="bg1"/>
-          </a:solidFill>
-          <a:ln w="12700">
-            <a:solidFill>
-              <a:schemeClr val="tx1"/>
-            </a:solidFill>
-          </a:ln>
-        </p:spPr>
-        <p:style>
-          <a:lnRef idx="2">
-            <a:schemeClr val="accent1">
-              <a:shade val="50000"/>
-            </a:schemeClr>
-          </a:lnRef>
-          <a:fillRef idx="1">
-            <a:schemeClr val="accent1"/>
-          </a:fillRef>
-          <a:effectRef idx="0">
-            <a:schemeClr val="accent1"/>
-          </a:effectRef>
-          <a:fontRef idx="minor">
-            <a:schemeClr val="lt1"/>
-          </a:fontRef>
-        </p:style>
-        <p:txBody>
-          <a:bodyPr rtlCol="0" anchor="ctr"/>
-          <a:lstStyle/>
-          <a:p>
-            <a:pPr algn="ctr"/>
-            <a:endParaRPr lang="en-US" dirty="0">
-              <a:latin typeface="Arial" panose="020B0604020202020204" pitchFamily="34" charset="0"/>
-              <a:cs typeface="Arial" panose="020B0604020202020204" pitchFamily="34" charset="0"/>
-            </a:endParaRPr>
-          </a:p>
-        </p:txBody>
-      </p:sp>
-      <p:sp>
-        <p:nvSpPr>
-          <p:cNvPr id="92" name="TextBox 91">
-            <a:extLst>
-              <a:ext uri="{FF2B5EF4-FFF2-40B4-BE49-F238E27FC236}">
-                <a16:creationId xmlns:a16="http://schemas.microsoft.com/office/drawing/2014/main" id="{4ECE5E2E-1ABF-CA4A-9CEE-B8F1CB5542EC}"/>
-              </a:ext>
-            </a:extLst>
-          </p:cNvPr>
-          <p:cNvSpPr txBox="1"/>
-          <p:nvPr/>
-        </p:nvSpPr>
-        <p:spPr>
-          <a:xfrm>
-            <a:off x="8619556" y="3024507"/>
-            <a:ext cx="270062" cy="307777"/>
-          </a:xfrm>
-          <a:prstGeom prst="rect">
-            <a:avLst/>
-          </a:prstGeom>
-          <a:noFill/>
-        </p:spPr>
-        <p:txBody>
-          <a:bodyPr wrap="square" rtlCol="0">
-            <a:spAutoFit/>
-          </a:bodyPr>
-          <a:lstStyle/>
-          <a:p>
-            <a:pPr algn="ctr"/>
-            <a:r>
-              <a:rPr lang="en-US" sz="1400" dirty="0">
-                <a:latin typeface="Arial" panose="020B0604020202020204" pitchFamily="34" charset="0"/>
-                <a:cs typeface="Arial" panose="020B0604020202020204" pitchFamily="34" charset="0"/>
-              </a:rPr>
-              <a:t>4</a:t>
-            </a:r>
-          </a:p>
-        </p:txBody>
-      </p:sp>
-      <p:sp>
-        <p:nvSpPr>
-          <p:cNvPr id="93" name="Rectangle 92">
-            <a:extLst>
-              <a:ext uri="{FF2B5EF4-FFF2-40B4-BE49-F238E27FC236}">
-                <a16:creationId xmlns:a16="http://schemas.microsoft.com/office/drawing/2014/main" id="{4BB216AB-F7A7-D342-B6FB-58187B307840}"/>
-              </a:ext>
-            </a:extLst>
-          </p:cNvPr>
-          <p:cNvSpPr/>
-          <p:nvPr/>
-        </p:nvSpPr>
-        <p:spPr>
-          <a:xfrm>
-            <a:off x="9476541" y="3713239"/>
-            <a:ext cx="338328" cy="338328"/>
-          </a:xfrm>
-          <a:prstGeom prst="rect">
-            <a:avLst/>
-          </a:prstGeom>
-          <a:solidFill>
-            <a:schemeClr val="bg1"/>
-          </a:solidFill>
-          <a:ln w="12700">
-            <a:solidFill>
-              <a:schemeClr val="tx1"/>
-            </a:solidFill>
-          </a:ln>
-        </p:spPr>
-        <p:style>
-          <a:lnRef idx="2">
-            <a:schemeClr val="accent1">
-              <a:shade val="50000"/>
-            </a:schemeClr>
-          </a:lnRef>
-          <a:fillRef idx="1">
-            <a:schemeClr val="accent1"/>
-          </a:fillRef>
-          <a:effectRef idx="0">
-            <a:schemeClr val="accent1"/>
-          </a:effectRef>
-          <a:fontRef idx="minor">
-            <a:schemeClr val="lt1"/>
-          </a:fontRef>
-        </p:style>
-        <p:txBody>
-          <a:bodyPr rtlCol="0" anchor="ctr"/>
-          <a:lstStyle/>
-          <a:p>
-            <a:pPr algn="ctr"/>
-            <a:endParaRPr lang="en-US" dirty="0">
-              <a:latin typeface="Arial" panose="020B0604020202020204" pitchFamily="34" charset="0"/>
-              <a:cs typeface="Arial" panose="020B0604020202020204" pitchFamily="34" charset="0"/>
-            </a:endParaRPr>
-          </a:p>
-        </p:txBody>
-      </p:sp>
-      <p:sp>
-        <p:nvSpPr>
-          <p:cNvPr id="94" name="TextBox 93">
-            <a:extLst>
-              <a:ext uri="{FF2B5EF4-FFF2-40B4-BE49-F238E27FC236}">
-                <a16:creationId xmlns:a16="http://schemas.microsoft.com/office/drawing/2014/main" id="{D1FE54B6-A2E8-F949-85C9-3AEF1BF71616}"/>
-              </a:ext>
-            </a:extLst>
-          </p:cNvPr>
-          <p:cNvSpPr txBox="1"/>
-          <p:nvPr/>
-        </p:nvSpPr>
-        <p:spPr>
-          <a:xfrm>
-            <a:off x="9510674" y="3728515"/>
-            <a:ext cx="270062" cy="307777"/>
-          </a:xfrm>
-          <a:prstGeom prst="rect">
-            <a:avLst/>
-          </a:prstGeom>
-          <a:noFill/>
-        </p:spPr>
-        <p:txBody>
-          <a:bodyPr wrap="square" rtlCol="0">
-            <a:spAutoFit/>
-          </a:bodyPr>
-          <a:lstStyle/>
-          <a:p>
-            <a:pPr algn="ctr"/>
-            <a:r>
-              <a:rPr lang="en-US" sz="1400" dirty="0">
-                <a:latin typeface="Arial" panose="020B0604020202020204" pitchFamily="34" charset="0"/>
-                <a:cs typeface="Arial" panose="020B0604020202020204" pitchFamily="34" charset="0"/>
-              </a:rPr>
-              <a:t>5</a:t>
-            </a:r>
-          </a:p>
-        </p:txBody>
-      </p:sp>
-      <p:sp>
-        <p:nvSpPr>
-          <p:cNvPr id="81" name="Rectangle 80">
-            <a:extLst>
-              <a:ext uri="{FF2B5EF4-FFF2-40B4-BE49-F238E27FC236}">
-                <a16:creationId xmlns:a16="http://schemas.microsoft.com/office/drawing/2014/main" id="{FFA89DF7-D079-0947-8E29-4EEA4975DBBD}"/>
-              </a:ext>
-            </a:extLst>
-          </p:cNvPr>
-          <p:cNvSpPr/>
-          <p:nvPr/>
-        </p:nvSpPr>
-        <p:spPr>
-          <a:xfrm>
-            <a:off x="7381750" y="1558637"/>
+            <a:off x="7405009" y="432323"/>
             <a:ext cx="2742621" cy="1236168"/>
           </a:xfrm>
           <a:prstGeom prst="rect">
@@ -17558,7 +16974,7 @@
         </p:nvSpPr>
         <p:spPr>
           <a:xfrm>
-            <a:off x="3791714" y="2009974"/>
+            <a:off x="3814973" y="883660"/>
             <a:ext cx="2949465" cy="646331"/>
           </a:xfrm>
           <a:prstGeom prst="rect">
@@ -17614,6 +17030,1935 @@
               </a:rPr>
               <a:t>modeling)</a:t>
             </a:r>
+          </a:p>
+        </p:txBody>
+      </p:sp>
+      <p:grpSp>
+        <p:nvGrpSpPr>
+          <p:cNvPr id="59" name="Group 29">
+            <a:extLst>
+              <a:ext uri="{FF2B5EF4-FFF2-40B4-BE49-F238E27FC236}">
+                <a16:creationId xmlns:a16="http://schemas.microsoft.com/office/drawing/2014/main" id="{1390D20A-B256-FC4F-85A4-DDC3115D5502}"/>
+              </a:ext>
+            </a:extLst>
+          </p:cNvPr>
+          <p:cNvGrpSpPr>
+            <a:grpSpLocks/>
+          </p:cNvGrpSpPr>
+          <p:nvPr/>
+        </p:nvGrpSpPr>
+        <p:grpSpPr bwMode="auto">
+          <a:xfrm>
+            <a:off x="3272170" y="2585765"/>
+            <a:ext cx="392113" cy="333375"/>
+            <a:chOff x="7089948" y="4360739"/>
+            <a:chExt cx="391016" cy="333597"/>
+          </a:xfrm>
+        </p:grpSpPr>
+        <p:sp>
+          <p:nvSpPr>
+            <p:cNvPr id="60" name="Oval 59">
+              <a:extLst>
+                <a:ext uri="{FF2B5EF4-FFF2-40B4-BE49-F238E27FC236}">
+                  <a16:creationId xmlns:a16="http://schemas.microsoft.com/office/drawing/2014/main" id="{178B8604-7BF4-0B4D-AF7A-08443480D22F}"/>
+                </a:ext>
+              </a:extLst>
+            </p:cNvPr>
+            <p:cNvSpPr/>
+            <p:nvPr/>
+          </p:nvSpPr>
+          <p:spPr>
+            <a:xfrm>
+              <a:off x="7118443" y="4360739"/>
+              <a:ext cx="334026" cy="333597"/>
+            </a:xfrm>
+            <a:prstGeom prst="ellipse">
+              <a:avLst/>
+            </a:prstGeom>
+            <a:solidFill>
+              <a:schemeClr val="tx1"/>
+            </a:solidFill>
+            <a:ln w="12700">
+              <a:noFill/>
+            </a:ln>
+          </p:spPr>
+          <p:style>
+            <a:lnRef idx="2">
+              <a:schemeClr val="accent1">
+                <a:shade val="50000"/>
+              </a:schemeClr>
+            </a:lnRef>
+            <a:fillRef idx="1">
+              <a:schemeClr val="accent1"/>
+            </a:fillRef>
+            <a:effectRef idx="0">
+              <a:schemeClr val="accent1"/>
+            </a:effectRef>
+            <a:fontRef idx="minor">
+              <a:schemeClr val="lt1"/>
+            </a:fontRef>
+          </p:style>
+          <p:txBody>
+            <a:bodyPr tIns="91440"/>
+            <a:lstStyle/>
+            <a:p>
+              <a:pPr eaLnBrk="1" fontAlgn="auto" hangingPunct="1">
+                <a:spcBef>
+                  <a:spcPts val="0"/>
+                </a:spcBef>
+                <a:spcAft>
+                  <a:spcPts val="0"/>
+                </a:spcAft>
+                <a:defRPr/>
+              </a:pPr>
+              <a:endParaRPr lang="en-US" sz="1200" dirty="0">
+                <a:solidFill>
+                  <a:schemeClr val="tx2"/>
+                </a:solidFill>
+              </a:endParaRPr>
+            </a:p>
+          </p:txBody>
+        </p:sp>
+        <p:sp>
+          <p:nvSpPr>
+            <p:cNvPr id="61" name="TextBox 31">
+              <a:extLst>
+                <a:ext uri="{FF2B5EF4-FFF2-40B4-BE49-F238E27FC236}">
+                  <a16:creationId xmlns:a16="http://schemas.microsoft.com/office/drawing/2014/main" id="{2225979B-F6C9-944A-AF25-71F25478CA14}"/>
+                </a:ext>
+              </a:extLst>
+            </p:cNvPr>
+            <p:cNvSpPr txBox="1">
+              <a:spLocks noChangeArrowheads="1"/>
+            </p:cNvSpPr>
+            <p:nvPr/>
+          </p:nvSpPr>
+          <p:spPr bwMode="auto">
+            <a:xfrm>
+              <a:off x="7089948" y="4364855"/>
+              <a:ext cx="391016" cy="307777"/>
+            </a:xfrm>
+            <a:prstGeom prst="rect">
+              <a:avLst/>
+            </a:prstGeom>
+            <a:noFill/>
+            <a:ln>
+              <a:noFill/>
+            </a:ln>
+            <a:extLst>
+              <a:ext uri="{909E8E84-426E-40DD-AFC4-6F175D3DCCD1}">
+                <a14:hiddenFill xmlns:a14="http://schemas.microsoft.com/office/drawing/2010/main">
+                  <a:solidFill>
+                    <a:srgbClr val="FFFFFF"/>
+                  </a:solidFill>
+                </a14:hiddenFill>
+              </a:ext>
+              <a:ext uri="{91240B29-F687-4F45-9708-019B960494DF}">
+                <a14:hiddenLine xmlns:a14="http://schemas.microsoft.com/office/drawing/2010/main" w="9525">
+                  <a:solidFill>
+                    <a:srgbClr val="000000"/>
+                  </a:solidFill>
+                  <a:miter lim="800000"/>
+                  <a:headEnd/>
+                  <a:tailEnd/>
+                </a14:hiddenLine>
+              </a:ext>
+            </a:extLst>
+          </p:spPr>
+          <p:txBody>
+            <a:bodyPr>
+              <a:spAutoFit/>
+            </a:bodyPr>
+            <a:lstStyle>
+              <a:lvl1pPr>
+                <a:defRPr>
+                  <a:solidFill>
+                    <a:schemeClr val="tx1"/>
+                  </a:solidFill>
+                  <a:latin typeface="Calibri" panose="020F0502020204030204" pitchFamily="34" charset="0"/>
+                </a:defRPr>
+              </a:lvl1pPr>
+              <a:lvl2pPr marL="742950" indent="-285750">
+                <a:defRPr>
+                  <a:solidFill>
+                    <a:schemeClr val="tx1"/>
+                  </a:solidFill>
+                  <a:latin typeface="Calibri" panose="020F0502020204030204" pitchFamily="34" charset="0"/>
+                </a:defRPr>
+              </a:lvl2pPr>
+              <a:lvl3pPr marL="1143000" indent="-228600">
+                <a:defRPr>
+                  <a:solidFill>
+                    <a:schemeClr val="tx1"/>
+                  </a:solidFill>
+                  <a:latin typeface="Calibri" panose="020F0502020204030204" pitchFamily="34" charset="0"/>
+                </a:defRPr>
+              </a:lvl3pPr>
+              <a:lvl4pPr marL="1600200" indent="-228600">
+                <a:defRPr>
+                  <a:solidFill>
+                    <a:schemeClr val="tx1"/>
+                  </a:solidFill>
+                  <a:latin typeface="Calibri" panose="020F0502020204030204" pitchFamily="34" charset="0"/>
+                </a:defRPr>
+              </a:lvl4pPr>
+              <a:lvl5pPr marL="2057400" indent="-228600">
+                <a:defRPr>
+                  <a:solidFill>
+                    <a:schemeClr val="tx1"/>
+                  </a:solidFill>
+                  <a:latin typeface="Calibri" panose="020F0502020204030204" pitchFamily="34" charset="0"/>
+                </a:defRPr>
+              </a:lvl5pPr>
+              <a:lvl6pPr marL="2514600" indent="-228600" eaLnBrk="0" fontAlgn="base" hangingPunct="0">
+                <a:spcBef>
+                  <a:spcPct val="0"/>
+                </a:spcBef>
+                <a:spcAft>
+                  <a:spcPct val="0"/>
+                </a:spcAft>
+                <a:defRPr>
+                  <a:solidFill>
+                    <a:schemeClr val="tx1"/>
+                  </a:solidFill>
+                  <a:latin typeface="Calibri" panose="020F0502020204030204" pitchFamily="34" charset="0"/>
+                </a:defRPr>
+              </a:lvl6pPr>
+              <a:lvl7pPr marL="2971800" indent="-228600" eaLnBrk="0" fontAlgn="base" hangingPunct="0">
+                <a:spcBef>
+                  <a:spcPct val="0"/>
+                </a:spcBef>
+                <a:spcAft>
+                  <a:spcPct val="0"/>
+                </a:spcAft>
+                <a:defRPr>
+                  <a:solidFill>
+                    <a:schemeClr val="tx1"/>
+                  </a:solidFill>
+                  <a:latin typeface="Calibri" panose="020F0502020204030204" pitchFamily="34" charset="0"/>
+                </a:defRPr>
+              </a:lvl7pPr>
+              <a:lvl8pPr marL="3429000" indent="-228600" eaLnBrk="0" fontAlgn="base" hangingPunct="0">
+                <a:spcBef>
+                  <a:spcPct val="0"/>
+                </a:spcBef>
+                <a:spcAft>
+                  <a:spcPct val="0"/>
+                </a:spcAft>
+                <a:defRPr>
+                  <a:solidFill>
+                    <a:schemeClr val="tx1"/>
+                  </a:solidFill>
+                  <a:latin typeface="Calibri" panose="020F0502020204030204" pitchFamily="34" charset="0"/>
+                </a:defRPr>
+              </a:lvl8pPr>
+              <a:lvl9pPr marL="3886200" indent="-228600" eaLnBrk="0" fontAlgn="base" hangingPunct="0">
+                <a:spcBef>
+                  <a:spcPct val="0"/>
+                </a:spcBef>
+                <a:spcAft>
+                  <a:spcPct val="0"/>
+                </a:spcAft>
+                <a:defRPr>
+                  <a:solidFill>
+                    <a:schemeClr val="tx1"/>
+                  </a:solidFill>
+                  <a:latin typeface="Calibri" panose="020F0502020204030204" pitchFamily="34" charset="0"/>
+                </a:defRPr>
+              </a:lvl9pPr>
+            </a:lstStyle>
+            <a:p>
+              <a:pPr algn="ctr" eaLnBrk="1" hangingPunct="1"/>
+              <a:r>
+                <a:rPr lang="en-US" altLang="en-US" sz="1400" b="1" dirty="0" smtClean="0">
+                  <a:solidFill>
+                    <a:schemeClr val="bg1"/>
+                  </a:solidFill>
+                </a:rPr>
+                <a:t>1a</a:t>
+              </a:r>
+              <a:endParaRPr lang="en-US" altLang="en-US" sz="1400" b="1" dirty="0">
+                <a:solidFill>
+                  <a:schemeClr val="bg1"/>
+                </a:solidFill>
+              </a:endParaRPr>
+            </a:p>
+          </p:txBody>
+        </p:sp>
+      </p:grpSp>
+      <p:grpSp>
+        <p:nvGrpSpPr>
+          <p:cNvPr id="62" name="Group 29">
+            <a:extLst>
+              <a:ext uri="{FF2B5EF4-FFF2-40B4-BE49-F238E27FC236}">
+                <a16:creationId xmlns:a16="http://schemas.microsoft.com/office/drawing/2014/main" id="{1390D20A-B256-FC4F-85A4-DDC3115D5502}"/>
+              </a:ext>
+            </a:extLst>
+          </p:cNvPr>
+          <p:cNvGrpSpPr>
+            <a:grpSpLocks/>
+          </p:cNvGrpSpPr>
+          <p:nvPr/>
+        </p:nvGrpSpPr>
+        <p:grpSpPr bwMode="auto">
+          <a:xfrm>
+            <a:off x="3272169" y="1907903"/>
+            <a:ext cx="392113" cy="333375"/>
+            <a:chOff x="7089944" y="4360739"/>
+            <a:chExt cx="391016" cy="333597"/>
+          </a:xfrm>
+        </p:grpSpPr>
+        <p:sp>
+          <p:nvSpPr>
+            <p:cNvPr id="63" name="Oval 62">
+              <a:extLst>
+                <a:ext uri="{FF2B5EF4-FFF2-40B4-BE49-F238E27FC236}">
+                  <a16:creationId xmlns:a16="http://schemas.microsoft.com/office/drawing/2014/main" id="{178B8604-7BF4-0B4D-AF7A-08443480D22F}"/>
+                </a:ext>
+              </a:extLst>
+            </p:cNvPr>
+            <p:cNvSpPr/>
+            <p:nvPr/>
+          </p:nvSpPr>
+          <p:spPr>
+            <a:xfrm>
+              <a:off x="7118443" y="4360739"/>
+              <a:ext cx="334026" cy="333597"/>
+            </a:xfrm>
+            <a:prstGeom prst="ellipse">
+              <a:avLst/>
+            </a:prstGeom>
+            <a:solidFill>
+              <a:schemeClr val="tx1"/>
+            </a:solidFill>
+            <a:ln w="12700">
+              <a:noFill/>
+            </a:ln>
+          </p:spPr>
+          <p:style>
+            <a:lnRef idx="2">
+              <a:schemeClr val="accent1">
+                <a:shade val="50000"/>
+              </a:schemeClr>
+            </a:lnRef>
+            <a:fillRef idx="1">
+              <a:schemeClr val="accent1"/>
+            </a:fillRef>
+            <a:effectRef idx="0">
+              <a:schemeClr val="accent1"/>
+            </a:effectRef>
+            <a:fontRef idx="minor">
+              <a:schemeClr val="lt1"/>
+            </a:fontRef>
+          </p:style>
+          <p:txBody>
+            <a:bodyPr tIns="91440"/>
+            <a:lstStyle/>
+            <a:p>
+              <a:pPr eaLnBrk="1" fontAlgn="auto" hangingPunct="1">
+                <a:spcBef>
+                  <a:spcPts val="0"/>
+                </a:spcBef>
+                <a:spcAft>
+                  <a:spcPts val="0"/>
+                </a:spcAft>
+                <a:defRPr/>
+              </a:pPr>
+              <a:endParaRPr lang="en-US" sz="1200" dirty="0">
+                <a:solidFill>
+                  <a:schemeClr val="tx2"/>
+                </a:solidFill>
+              </a:endParaRPr>
+            </a:p>
+          </p:txBody>
+        </p:sp>
+        <p:sp>
+          <p:nvSpPr>
+            <p:cNvPr id="64" name="TextBox 31">
+              <a:extLst>
+                <a:ext uri="{FF2B5EF4-FFF2-40B4-BE49-F238E27FC236}">
+                  <a16:creationId xmlns:a16="http://schemas.microsoft.com/office/drawing/2014/main" id="{2225979B-F6C9-944A-AF25-71F25478CA14}"/>
+                </a:ext>
+              </a:extLst>
+            </p:cNvPr>
+            <p:cNvSpPr txBox="1">
+              <a:spLocks noChangeArrowheads="1"/>
+            </p:cNvSpPr>
+            <p:nvPr/>
+          </p:nvSpPr>
+          <p:spPr bwMode="auto">
+            <a:xfrm>
+              <a:off x="7089944" y="4364855"/>
+              <a:ext cx="391016" cy="307777"/>
+            </a:xfrm>
+            <a:prstGeom prst="rect">
+              <a:avLst/>
+            </a:prstGeom>
+            <a:noFill/>
+            <a:ln>
+              <a:noFill/>
+            </a:ln>
+            <a:extLst>
+              <a:ext uri="{909E8E84-426E-40DD-AFC4-6F175D3DCCD1}">
+                <a14:hiddenFill xmlns:a14="http://schemas.microsoft.com/office/drawing/2010/main">
+                  <a:solidFill>
+                    <a:srgbClr val="FFFFFF"/>
+                  </a:solidFill>
+                </a14:hiddenFill>
+              </a:ext>
+              <a:ext uri="{91240B29-F687-4F45-9708-019B960494DF}">
+                <a14:hiddenLine xmlns:a14="http://schemas.microsoft.com/office/drawing/2010/main" w="9525">
+                  <a:solidFill>
+                    <a:srgbClr val="000000"/>
+                  </a:solidFill>
+                  <a:miter lim="800000"/>
+                  <a:headEnd/>
+                  <a:tailEnd/>
+                </a14:hiddenLine>
+              </a:ext>
+            </a:extLst>
+          </p:spPr>
+          <p:txBody>
+            <a:bodyPr>
+              <a:spAutoFit/>
+            </a:bodyPr>
+            <a:lstStyle>
+              <a:lvl1pPr>
+                <a:defRPr>
+                  <a:solidFill>
+                    <a:schemeClr val="tx1"/>
+                  </a:solidFill>
+                  <a:latin typeface="Calibri" panose="020F0502020204030204" pitchFamily="34" charset="0"/>
+                </a:defRPr>
+              </a:lvl1pPr>
+              <a:lvl2pPr marL="742950" indent="-285750">
+                <a:defRPr>
+                  <a:solidFill>
+                    <a:schemeClr val="tx1"/>
+                  </a:solidFill>
+                  <a:latin typeface="Calibri" panose="020F0502020204030204" pitchFamily="34" charset="0"/>
+                </a:defRPr>
+              </a:lvl2pPr>
+              <a:lvl3pPr marL="1143000" indent="-228600">
+                <a:defRPr>
+                  <a:solidFill>
+                    <a:schemeClr val="tx1"/>
+                  </a:solidFill>
+                  <a:latin typeface="Calibri" panose="020F0502020204030204" pitchFamily="34" charset="0"/>
+                </a:defRPr>
+              </a:lvl3pPr>
+              <a:lvl4pPr marL="1600200" indent="-228600">
+                <a:defRPr>
+                  <a:solidFill>
+                    <a:schemeClr val="tx1"/>
+                  </a:solidFill>
+                  <a:latin typeface="Calibri" panose="020F0502020204030204" pitchFamily="34" charset="0"/>
+                </a:defRPr>
+              </a:lvl4pPr>
+              <a:lvl5pPr marL="2057400" indent="-228600">
+                <a:defRPr>
+                  <a:solidFill>
+                    <a:schemeClr val="tx1"/>
+                  </a:solidFill>
+                  <a:latin typeface="Calibri" panose="020F0502020204030204" pitchFamily="34" charset="0"/>
+                </a:defRPr>
+              </a:lvl5pPr>
+              <a:lvl6pPr marL="2514600" indent="-228600" eaLnBrk="0" fontAlgn="base" hangingPunct="0">
+                <a:spcBef>
+                  <a:spcPct val="0"/>
+                </a:spcBef>
+                <a:spcAft>
+                  <a:spcPct val="0"/>
+                </a:spcAft>
+                <a:defRPr>
+                  <a:solidFill>
+                    <a:schemeClr val="tx1"/>
+                  </a:solidFill>
+                  <a:latin typeface="Calibri" panose="020F0502020204030204" pitchFamily="34" charset="0"/>
+                </a:defRPr>
+              </a:lvl6pPr>
+              <a:lvl7pPr marL="2971800" indent="-228600" eaLnBrk="0" fontAlgn="base" hangingPunct="0">
+                <a:spcBef>
+                  <a:spcPct val="0"/>
+                </a:spcBef>
+                <a:spcAft>
+                  <a:spcPct val="0"/>
+                </a:spcAft>
+                <a:defRPr>
+                  <a:solidFill>
+                    <a:schemeClr val="tx1"/>
+                  </a:solidFill>
+                  <a:latin typeface="Calibri" panose="020F0502020204030204" pitchFamily="34" charset="0"/>
+                </a:defRPr>
+              </a:lvl7pPr>
+              <a:lvl8pPr marL="3429000" indent="-228600" eaLnBrk="0" fontAlgn="base" hangingPunct="0">
+                <a:spcBef>
+                  <a:spcPct val="0"/>
+                </a:spcBef>
+                <a:spcAft>
+                  <a:spcPct val="0"/>
+                </a:spcAft>
+                <a:defRPr>
+                  <a:solidFill>
+                    <a:schemeClr val="tx1"/>
+                  </a:solidFill>
+                  <a:latin typeface="Calibri" panose="020F0502020204030204" pitchFamily="34" charset="0"/>
+                </a:defRPr>
+              </a:lvl8pPr>
+              <a:lvl9pPr marL="3886200" indent="-228600" eaLnBrk="0" fontAlgn="base" hangingPunct="0">
+                <a:spcBef>
+                  <a:spcPct val="0"/>
+                </a:spcBef>
+                <a:spcAft>
+                  <a:spcPct val="0"/>
+                </a:spcAft>
+                <a:defRPr>
+                  <a:solidFill>
+                    <a:schemeClr val="tx1"/>
+                  </a:solidFill>
+                  <a:latin typeface="Calibri" panose="020F0502020204030204" pitchFamily="34" charset="0"/>
+                </a:defRPr>
+              </a:lvl9pPr>
+            </a:lstStyle>
+            <a:p>
+              <a:pPr algn="ctr" eaLnBrk="1" hangingPunct="1"/>
+              <a:r>
+                <a:rPr lang="en-US" altLang="en-US" sz="1400" b="1" dirty="0" smtClean="0">
+                  <a:solidFill>
+                    <a:schemeClr val="bg1"/>
+                  </a:solidFill>
+                </a:rPr>
+                <a:t>1b</a:t>
+              </a:r>
+              <a:endParaRPr lang="en-US" altLang="en-US" sz="1400" b="1" dirty="0">
+                <a:solidFill>
+                  <a:schemeClr val="bg1"/>
+                </a:solidFill>
+              </a:endParaRPr>
+            </a:p>
+          </p:txBody>
+        </p:sp>
+      </p:grpSp>
+      <p:grpSp>
+        <p:nvGrpSpPr>
+          <p:cNvPr id="65" name="Group 29">
+            <a:extLst>
+              <a:ext uri="{FF2B5EF4-FFF2-40B4-BE49-F238E27FC236}">
+                <a16:creationId xmlns:a16="http://schemas.microsoft.com/office/drawing/2014/main" id="{1390D20A-B256-FC4F-85A4-DDC3115D5502}"/>
+              </a:ext>
+            </a:extLst>
+          </p:cNvPr>
+          <p:cNvGrpSpPr>
+            <a:grpSpLocks/>
+          </p:cNvGrpSpPr>
+          <p:nvPr/>
+        </p:nvGrpSpPr>
+        <p:grpSpPr bwMode="auto">
+          <a:xfrm>
+            <a:off x="5886373" y="3578796"/>
+            <a:ext cx="392113" cy="333375"/>
+            <a:chOff x="7089948" y="4360739"/>
+            <a:chExt cx="391016" cy="333597"/>
+          </a:xfrm>
+        </p:grpSpPr>
+        <p:sp>
+          <p:nvSpPr>
+            <p:cNvPr id="68" name="Oval 67">
+              <a:extLst>
+                <a:ext uri="{FF2B5EF4-FFF2-40B4-BE49-F238E27FC236}">
+                  <a16:creationId xmlns:a16="http://schemas.microsoft.com/office/drawing/2014/main" id="{178B8604-7BF4-0B4D-AF7A-08443480D22F}"/>
+                </a:ext>
+              </a:extLst>
+            </p:cNvPr>
+            <p:cNvSpPr/>
+            <p:nvPr/>
+          </p:nvSpPr>
+          <p:spPr>
+            <a:xfrm>
+              <a:off x="7118443" y="4360739"/>
+              <a:ext cx="334026" cy="333597"/>
+            </a:xfrm>
+            <a:prstGeom prst="ellipse">
+              <a:avLst/>
+            </a:prstGeom>
+            <a:solidFill>
+              <a:schemeClr val="tx1"/>
+            </a:solidFill>
+            <a:ln w="12700">
+              <a:noFill/>
+            </a:ln>
+          </p:spPr>
+          <p:style>
+            <a:lnRef idx="2">
+              <a:schemeClr val="accent1">
+                <a:shade val="50000"/>
+              </a:schemeClr>
+            </a:lnRef>
+            <a:fillRef idx="1">
+              <a:schemeClr val="accent1"/>
+            </a:fillRef>
+            <a:effectRef idx="0">
+              <a:schemeClr val="accent1"/>
+            </a:effectRef>
+            <a:fontRef idx="minor">
+              <a:schemeClr val="lt1"/>
+            </a:fontRef>
+          </p:style>
+          <p:txBody>
+            <a:bodyPr tIns="91440"/>
+            <a:lstStyle/>
+            <a:p>
+              <a:pPr eaLnBrk="1" fontAlgn="auto" hangingPunct="1">
+                <a:spcBef>
+                  <a:spcPts val="0"/>
+                </a:spcBef>
+                <a:spcAft>
+                  <a:spcPts val="0"/>
+                </a:spcAft>
+                <a:defRPr/>
+              </a:pPr>
+              <a:endParaRPr lang="en-US" sz="1200" dirty="0">
+                <a:solidFill>
+                  <a:schemeClr val="tx2"/>
+                </a:solidFill>
+              </a:endParaRPr>
+            </a:p>
+          </p:txBody>
+        </p:sp>
+        <p:sp>
+          <p:nvSpPr>
+            <p:cNvPr id="70" name="TextBox 31">
+              <a:extLst>
+                <a:ext uri="{FF2B5EF4-FFF2-40B4-BE49-F238E27FC236}">
+                  <a16:creationId xmlns:a16="http://schemas.microsoft.com/office/drawing/2014/main" id="{2225979B-F6C9-944A-AF25-71F25478CA14}"/>
+                </a:ext>
+              </a:extLst>
+            </p:cNvPr>
+            <p:cNvSpPr txBox="1">
+              <a:spLocks noChangeArrowheads="1"/>
+            </p:cNvSpPr>
+            <p:nvPr/>
+          </p:nvSpPr>
+          <p:spPr bwMode="auto">
+            <a:xfrm>
+              <a:off x="7089948" y="4364855"/>
+              <a:ext cx="391016" cy="307777"/>
+            </a:xfrm>
+            <a:prstGeom prst="rect">
+              <a:avLst/>
+            </a:prstGeom>
+            <a:noFill/>
+            <a:ln>
+              <a:noFill/>
+            </a:ln>
+            <a:extLst>
+              <a:ext uri="{909E8E84-426E-40DD-AFC4-6F175D3DCCD1}">
+                <a14:hiddenFill xmlns:a14="http://schemas.microsoft.com/office/drawing/2010/main">
+                  <a:solidFill>
+                    <a:srgbClr val="FFFFFF"/>
+                  </a:solidFill>
+                </a14:hiddenFill>
+              </a:ext>
+              <a:ext uri="{91240B29-F687-4F45-9708-019B960494DF}">
+                <a14:hiddenLine xmlns:a14="http://schemas.microsoft.com/office/drawing/2010/main" w="9525">
+                  <a:solidFill>
+                    <a:srgbClr val="000000"/>
+                  </a:solidFill>
+                  <a:miter lim="800000"/>
+                  <a:headEnd/>
+                  <a:tailEnd/>
+                </a14:hiddenLine>
+              </a:ext>
+            </a:extLst>
+          </p:spPr>
+          <p:txBody>
+            <a:bodyPr>
+              <a:spAutoFit/>
+            </a:bodyPr>
+            <a:lstStyle>
+              <a:lvl1pPr>
+                <a:defRPr>
+                  <a:solidFill>
+                    <a:schemeClr val="tx1"/>
+                  </a:solidFill>
+                  <a:latin typeface="Calibri" panose="020F0502020204030204" pitchFamily="34" charset="0"/>
+                </a:defRPr>
+              </a:lvl1pPr>
+              <a:lvl2pPr marL="742950" indent="-285750">
+                <a:defRPr>
+                  <a:solidFill>
+                    <a:schemeClr val="tx1"/>
+                  </a:solidFill>
+                  <a:latin typeface="Calibri" panose="020F0502020204030204" pitchFamily="34" charset="0"/>
+                </a:defRPr>
+              </a:lvl2pPr>
+              <a:lvl3pPr marL="1143000" indent="-228600">
+                <a:defRPr>
+                  <a:solidFill>
+                    <a:schemeClr val="tx1"/>
+                  </a:solidFill>
+                  <a:latin typeface="Calibri" panose="020F0502020204030204" pitchFamily="34" charset="0"/>
+                </a:defRPr>
+              </a:lvl3pPr>
+              <a:lvl4pPr marL="1600200" indent="-228600">
+                <a:defRPr>
+                  <a:solidFill>
+                    <a:schemeClr val="tx1"/>
+                  </a:solidFill>
+                  <a:latin typeface="Calibri" panose="020F0502020204030204" pitchFamily="34" charset="0"/>
+                </a:defRPr>
+              </a:lvl4pPr>
+              <a:lvl5pPr marL="2057400" indent="-228600">
+                <a:defRPr>
+                  <a:solidFill>
+                    <a:schemeClr val="tx1"/>
+                  </a:solidFill>
+                  <a:latin typeface="Calibri" panose="020F0502020204030204" pitchFamily="34" charset="0"/>
+                </a:defRPr>
+              </a:lvl5pPr>
+              <a:lvl6pPr marL="2514600" indent="-228600" eaLnBrk="0" fontAlgn="base" hangingPunct="0">
+                <a:spcBef>
+                  <a:spcPct val="0"/>
+                </a:spcBef>
+                <a:spcAft>
+                  <a:spcPct val="0"/>
+                </a:spcAft>
+                <a:defRPr>
+                  <a:solidFill>
+                    <a:schemeClr val="tx1"/>
+                  </a:solidFill>
+                  <a:latin typeface="Calibri" panose="020F0502020204030204" pitchFamily="34" charset="0"/>
+                </a:defRPr>
+              </a:lvl6pPr>
+              <a:lvl7pPr marL="2971800" indent="-228600" eaLnBrk="0" fontAlgn="base" hangingPunct="0">
+                <a:spcBef>
+                  <a:spcPct val="0"/>
+                </a:spcBef>
+                <a:spcAft>
+                  <a:spcPct val="0"/>
+                </a:spcAft>
+                <a:defRPr>
+                  <a:solidFill>
+                    <a:schemeClr val="tx1"/>
+                  </a:solidFill>
+                  <a:latin typeface="Calibri" panose="020F0502020204030204" pitchFamily="34" charset="0"/>
+                </a:defRPr>
+              </a:lvl7pPr>
+              <a:lvl8pPr marL="3429000" indent="-228600" eaLnBrk="0" fontAlgn="base" hangingPunct="0">
+                <a:spcBef>
+                  <a:spcPct val="0"/>
+                </a:spcBef>
+                <a:spcAft>
+                  <a:spcPct val="0"/>
+                </a:spcAft>
+                <a:defRPr>
+                  <a:solidFill>
+                    <a:schemeClr val="tx1"/>
+                  </a:solidFill>
+                  <a:latin typeface="Calibri" panose="020F0502020204030204" pitchFamily="34" charset="0"/>
+                </a:defRPr>
+              </a:lvl8pPr>
+              <a:lvl9pPr marL="3886200" indent="-228600" eaLnBrk="0" fontAlgn="base" hangingPunct="0">
+                <a:spcBef>
+                  <a:spcPct val="0"/>
+                </a:spcBef>
+                <a:spcAft>
+                  <a:spcPct val="0"/>
+                </a:spcAft>
+                <a:defRPr>
+                  <a:solidFill>
+                    <a:schemeClr val="tx1"/>
+                  </a:solidFill>
+                  <a:latin typeface="Calibri" panose="020F0502020204030204" pitchFamily="34" charset="0"/>
+                </a:defRPr>
+              </a:lvl9pPr>
+            </a:lstStyle>
+            <a:p>
+              <a:pPr algn="ctr" eaLnBrk="1" hangingPunct="1"/>
+              <a:r>
+                <a:rPr lang="en-US" altLang="en-US" sz="1400" b="1" dirty="0" smtClean="0">
+                  <a:solidFill>
+                    <a:schemeClr val="bg1"/>
+                  </a:solidFill>
+                </a:rPr>
+                <a:t>2</a:t>
+              </a:r>
+              <a:endParaRPr lang="en-US" altLang="en-US" sz="1400" b="1" dirty="0">
+                <a:solidFill>
+                  <a:schemeClr val="bg1"/>
+                </a:solidFill>
+              </a:endParaRPr>
+            </a:p>
+          </p:txBody>
+        </p:sp>
+      </p:grpSp>
+      <p:grpSp>
+        <p:nvGrpSpPr>
+          <p:cNvPr id="71" name="Group 29">
+            <a:extLst>
+              <a:ext uri="{FF2B5EF4-FFF2-40B4-BE49-F238E27FC236}">
+                <a16:creationId xmlns:a16="http://schemas.microsoft.com/office/drawing/2014/main" id="{1390D20A-B256-FC4F-85A4-DDC3115D5502}"/>
+              </a:ext>
+            </a:extLst>
+          </p:cNvPr>
+          <p:cNvGrpSpPr>
+            <a:grpSpLocks/>
+          </p:cNvGrpSpPr>
+          <p:nvPr/>
+        </p:nvGrpSpPr>
+        <p:grpSpPr bwMode="auto">
+          <a:xfrm>
+            <a:off x="7105183" y="3582909"/>
+            <a:ext cx="392113" cy="333375"/>
+            <a:chOff x="7089948" y="4360739"/>
+            <a:chExt cx="391016" cy="333597"/>
+          </a:xfrm>
+        </p:grpSpPr>
+        <p:sp>
+          <p:nvSpPr>
+            <p:cNvPr id="72" name="Oval 71">
+              <a:extLst>
+                <a:ext uri="{FF2B5EF4-FFF2-40B4-BE49-F238E27FC236}">
+                  <a16:creationId xmlns:a16="http://schemas.microsoft.com/office/drawing/2014/main" id="{178B8604-7BF4-0B4D-AF7A-08443480D22F}"/>
+                </a:ext>
+              </a:extLst>
+            </p:cNvPr>
+            <p:cNvSpPr/>
+            <p:nvPr/>
+          </p:nvSpPr>
+          <p:spPr>
+            <a:xfrm>
+              <a:off x="7118443" y="4360739"/>
+              <a:ext cx="334026" cy="333597"/>
+            </a:xfrm>
+            <a:prstGeom prst="ellipse">
+              <a:avLst/>
+            </a:prstGeom>
+            <a:solidFill>
+              <a:schemeClr val="tx1"/>
+            </a:solidFill>
+            <a:ln w="12700">
+              <a:noFill/>
+            </a:ln>
+          </p:spPr>
+          <p:style>
+            <a:lnRef idx="2">
+              <a:schemeClr val="accent1">
+                <a:shade val="50000"/>
+              </a:schemeClr>
+            </a:lnRef>
+            <a:fillRef idx="1">
+              <a:schemeClr val="accent1"/>
+            </a:fillRef>
+            <a:effectRef idx="0">
+              <a:schemeClr val="accent1"/>
+            </a:effectRef>
+            <a:fontRef idx="minor">
+              <a:schemeClr val="lt1"/>
+            </a:fontRef>
+          </p:style>
+          <p:txBody>
+            <a:bodyPr tIns="91440"/>
+            <a:lstStyle/>
+            <a:p>
+              <a:pPr eaLnBrk="1" fontAlgn="auto" hangingPunct="1">
+                <a:spcBef>
+                  <a:spcPts val="0"/>
+                </a:spcBef>
+                <a:spcAft>
+                  <a:spcPts val="0"/>
+                </a:spcAft>
+                <a:defRPr/>
+              </a:pPr>
+              <a:endParaRPr lang="en-US" sz="1200" dirty="0">
+                <a:solidFill>
+                  <a:schemeClr val="tx2"/>
+                </a:solidFill>
+              </a:endParaRPr>
+            </a:p>
+          </p:txBody>
+        </p:sp>
+        <p:sp>
+          <p:nvSpPr>
+            <p:cNvPr id="77" name="TextBox 31">
+              <a:extLst>
+                <a:ext uri="{FF2B5EF4-FFF2-40B4-BE49-F238E27FC236}">
+                  <a16:creationId xmlns:a16="http://schemas.microsoft.com/office/drawing/2014/main" id="{2225979B-F6C9-944A-AF25-71F25478CA14}"/>
+                </a:ext>
+              </a:extLst>
+            </p:cNvPr>
+            <p:cNvSpPr txBox="1">
+              <a:spLocks noChangeArrowheads="1"/>
+            </p:cNvSpPr>
+            <p:nvPr/>
+          </p:nvSpPr>
+          <p:spPr bwMode="auto">
+            <a:xfrm>
+              <a:off x="7089948" y="4364855"/>
+              <a:ext cx="391016" cy="307777"/>
+            </a:xfrm>
+            <a:prstGeom prst="rect">
+              <a:avLst/>
+            </a:prstGeom>
+            <a:noFill/>
+            <a:ln>
+              <a:noFill/>
+            </a:ln>
+            <a:extLst>
+              <a:ext uri="{909E8E84-426E-40DD-AFC4-6F175D3DCCD1}">
+                <a14:hiddenFill xmlns:a14="http://schemas.microsoft.com/office/drawing/2010/main">
+                  <a:solidFill>
+                    <a:srgbClr val="FFFFFF"/>
+                  </a:solidFill>
+                </a14:hiddenFill>
+              </a:ext>
+              <a:ext uri="{91240B29-F687-4F45-9708-019B960494DF}">
+                <a14:hiddenLine xmlns:a14="http://schemas.microsoft.com/office/drawing/2010/main" w="9525">
+                  <a:solidFill>
+                    <a:srgbClr val="000000"/>
+                  </a:solidFill>
+                  <a:miter lim="800000"/>
+                  <a:headEnd/>
+                  <a:tailEnd/>
+                </a14:hiddenLine>
+              </a:ext>
+            </a:extLst>
+          </p:spPr>
+          <p:txBody>
+            <a:bodyPr>
+              <a:spAutoFit/>
+            </a:bodyPr>
+            <a:lstStyle>
+              <a:lvl1pPr>
+                <a:defRPr>
+                  <a:solidFill>
+                    <a:schemeClr val="tx1"/>
+                  </a:solidFill>
+                  <a:latin typeface="Calibri" panose="020F0502020204030204" pitchFamily="34" charset="0"/>
+                </a:defRPr>
+              </a:lvl1pPr>
+              <a:lvl2pPr marL="742950" indent="-285750">
+                <a:defRPr>
+                  <a:solidFill>
+                    <a:schemeClr val="tx1"/>
+                  </a:solidFill>
+                  <a:latin typeface="Calibri" panose="020F0502020204030204" pitchFamily="34" charset="0"/>
+                </a:defRPr>
+              </a:lvl2pPr>
+              <a:lvl3pPr marL="1143000" indent="-228600">
+                <a:defRPr>
+                  <a:solidFill>
+                    <a:schemeClr val="tx1"/>
+                  </a:solidFill>
+                  <a:latin typeface="Calibri" panose="020F0502020204030204" pitchFamily="34" charset="0"/>
+                </a:defRPr>
+              </a:lvl3pPr>
+              <a:lvl4pPr marL="1600200" indent="-228600">
+                <a:defRPr>
+                  <a:solidFill>
+                    <a:schemeClr val="tx1"/>
+                  </a:solidFill>
+                  <a:latin typeface="Calibri" panose="020F0502020204030204" pitchFamily="34" charset="0"/>
+                </a:defRPr>
+              </a:lvl4pPr>
+              <a:lvl5pPr marL="2057400" indent="-228600">
+                <a:defRPr>
+                  <a:solidFill>
+                    <a:schemeClr val="tx1"/>
+                  </a:solidFill>
+                  <a:latin typeface="Calibri" panose="020F0502020204030204" pitchFamily="34" charset="0"/>
+                </a:defRPr>
+              </a:lvl5pPr>
+              <a:lvl6pPr marL="2514600" indent="-228600" eaLnBrk="0" fontAlgn="base" hangingPunct="0">
+                <a:spcBef>
+                  <a:spcPct val="0"/>
+                </a:spcBef>
+                <a:spcAft>
+                  <a:spcPct val="0"/>
+                </a:spcAft>
+                <a:defRPr>
+                  <a:solidFill>
+                    <a:schemeClr val="tx1"/>
+                  </a:solidFill>
+                  <a:latin typeface="Calibri" panose="020F0502020204030204" pitchFamily="34" charset="0"/>
+                </a:defRPr>
+              </a:lvl6pPr>
+              <a:lvl7pPr marL="2971800" indent="-228600" eaLnBrk="0" fontAlgn="base" hangingPunct="0">
+                <a:spcBef>
+                  <a:spcPct val="0"/>
+                </a:spcBef>
+                <a:spcAft>
+                  <a:spcPct val="0"/>
+                </a:spcAft>
+                <a:defRPr>
+                  <a:solidFill>
+                    <a:schemeClr val="tx1"/>
+                  </a:solidFill>
+                  <a:latin typeface="Calibri" panose="020F0502020204030204" pitchFamily="34" charset="0"/>
+                </a:defRPr>
+              </a:lvl7pPr>
+              <a:lvl8pPr marL="3429000" indent="-228600" eaLnBrk="0" fontAlgn="base" hangingPunct="0">
+                <a:spcBef>
+                  <a:spcPct val="0"/>
+                </a:spcBef>
+                <a:spcAft>
+                  <a:spcPct val="0"/>
+                </a:spcAft>
+                <a:defRPr>
+                  <a:solidFill>
+                    <a:schemeClr val="tx1"/>
+                  </a:solidFill>
+                  <a:latin typeface="Calibri" panose="020F0502020204030204" pitchFamily="34" charset="0"/>
+                </a:defRPr>
+              </a:lvl8pPr>
+              <a:lvl9pPr marL="3886200" indent="-228600" eaLnBrk="0" fontAlgn="base" hangingPunct="0">
+                <a:spcBef>
+                  <a:spcPct val="0"/>
+                </a:spcBef>
+                <a:spcAft>
+                  <a:spcPct val="0"/>
+                </a:spcAft>
+                <a:defRPr>
+                  <a:solidFill>
+                    <a:schemeClr val="tx1"/>
+                  </a:solidFill>
+                  <a:latin typeface="Calibri" panose="020F0502020204030204" pitchFamily="34" charset="0"/>
+                </a:defRPr>
+              </a:lvl9pPr>
+            </a:lstStyle>
+            <a:p>
+              <a:pPr algn="ctr" eaLnBrk="1" hangingPunct="1"/>
+              <a:r>
+                <a:rPr lang="en-US" altLang="en-US" sz="1400" b="1" dirty="0">
+                  <a:solidFill>
+                    <a:schemeClr val="bg1"/>
+                  </a:solidFill>
+                </a:rPr>
+                <a:t>3</a:t>
+              </a:r>
+              <a:endParaRPr lang="en-US" altLang="en-US" sz="1400" b="1" dirty="0">
+                <a:solidFill>
+                  <a:schemeClr val="bg1"/>
+                </a:solidFill>
+              </a:endParaRPr>
+            </a:p>
+          </p:txBody>
+        </p:sp>
+      </p:grpSp>
+      <p:grpSp>
+        <p:nvGrpSpPr>
+          <p:cNvPr id="78" name="Group 29">
+            <a:extLst>
+              <a:ext uri="{FF2B5EF4-FFF2-40B4-BE49-F238E27FC236}">
+                <a16:creationId xmlns:a16="http://schemas.microsoft.com/office/drawing/2014/main" id="{1390D20A-B256-FC4F-85A4-DDC3115D5502}"/>
+              </a:ext>
+            </a:extLst>
+          </p:cNvPr>
+          <p:cNvGrpSpPr>
+            <a:grpSpLocks/>
+          </p:cNvGrpSpPr>
+          <p:nvPr/>
+        </p:nvGrpSpPr>
+        <p:grpSpPr bwMode="auto">
+          <a:xfrm>
+            <a:off x="8580263" y="1867673"/>
+            <a:ext cx="392113" cy="333375"/>
+            <a:chOff x="7089948" y="4360739"/>
+            <a:chExt cx="391016" cy="333597"/>
+          </a:xfrm>
+        </p:grpSpPr>
+        <p:sp>
+          <p:nvSpPr>
+            <p:cNvPr id="79" name="Oval 78">
+              <a:extLst>
+                <a:ext uri="{FF2B5EF4-FFF2-40B4-BE49-F238E27FC236}">
+                  <a16:creationId xmlns:a16="http://schemas.microsoft.com/office/drawing/2014/main" id="{178B8604-7BF4-0B4D-AF7A-08443480D22F}"/>
+                </a:ext>
+              </a:extLst>
+            </p:cNvPr>
+            <p:cNvSpPr/>
+            <p:nvPr/>
+          </p:nvSpPr>
+          <p:spPr>
+            <a:xfrm>
+              <a:off x="7118443" y="4360739"/>
+              <a:ext cx="334026" cy="333597"/>
+            </a:xfrm>
+            <a:prstGeom prst="ellipse">
+              <a:avLst/>
+            </a:prstGeom>
+            <a:solidFill>
+              <a:schemeClr val="tx1"/>
+            </a:solidFill>
+            <a:ln w="12700">
+              <a:noFill/>
+            </a:ln>
+          </p:spPr>
+          <p:style>
+            <a:lnRef idx="2">
+              <a:schemeClr val="accent1">
+                <a:shade val="50000"/>
+              </a:schemeClr>
+            </a:lnRef>
+            <a:fillRef idx="1">
+              <a:schemeClr val="accent1"/>
+            </a:fillRef>
+            <a:effectRef idx="0">
+              <a:schemeClr val="accent1"/>
+            </a:effectRef>
+            <a:fontRef idx="minor">
+              <a:schemeClr val="lt1"/>
+            </a:fontRef>
+          </p:style>
+          <p:txBody>
+            <a:bodyPr tIns="91440"/>
+            <a:lstStyle/>
+            <a:p>
+              <a:pPr eaLnBrk="1" fontAlgn="auto" hangingPunct="1">
+                <a:spcBef>
+                  <a:spcPts val="0"/>
+                </a:spcBef>
+                <a:spcAft>
+                  <a:spcPts val="0"/>
+                </a:spcAft>
+                <a:defRPr/>
+              </a:pPr>
+              <a:endParaRPr lang="en-US" sz="1200" dirty="0">
+                <a:solidFill>
+                  <a:schemeClr val="tx2"/>
+                </a:solidFill>
+              </a:endParaRPr>
+            </a:p>
+          </p:txBody>
+        </p:sp>
+        <p:sp>
+          <p:nvSpPr>
+            <p:cNvPr id="80" name="TextBox 31">
+              <a:extLst>
+                <a:ext uri="{FF2B5EF4-FFF2-40B4-BE49-F238E27FC236}">
+                  <a16:creationId xmlns:a16="http://schemas.microsoft.com/office/drawing/2014/main" id="{2225979B-F6C9-944A-AF25-71F25478CA14}"/>
+                </a:ext>
+              </a:extLst>
+            </p:cNvPr>
+            <p:cNvSpPr txBox="1">
+              <a:spLocks noChangeArrowheads="1"/>
+            </p:cNvSpPr>
+            <p:nvPr/>
+          </p:nvSpPr>
+          <p:spPr bwMode="auto">
+            <a:xfrm>
+              <a:off x="7089948" y="4364855"/>
+              <a:ext cx="391016" cy="307777"/>
+            </a:xfrm>
+            <a:prstGeom prst="rect">
+              <a:avLst/>
+            </a:prstGeom>
+            <a:noFill/>
+            <a:ln>
+              <a:noFill/>
+            </a:ln>
+            <a:extLst>
+              <a:ext uri="{909E8E84-426E-40DD-AFC4-6F175D3DCCD1}">
+                <a14:hiddenFill xmlns:a14="http://schemas.microsoft.com/office/drawing/2010/main">
+                  <a:solidFill>
+                    <a:srgbClr val="FFFFFF"/>
+                  </a:solidFill>
+                </a14:hiddenFill>
+              </a:ext>
+              <a:ext uri="{91240B29-F687-4F45-9708-019B960494DF}">
+                <a14:hiddenLine xmlns:a14="http://schemas.microsoft.com/office/drawing/2010/main" w="9525">
+                  <a:solidFill>
+                    <a:srgbClr val="000000"/>
+                  </a:solidFill>
+                  <a:miter lim="800000"/>
+                  <a:headEnd/>
+                  <a:tailEnd/>
+                </a14:hiddenLine>
+              </a:ext>
+            </a:extLst>
+          </p:spPr>
+          <p:txBody>
+            <a:bodyPr>
+              <a:spAutoFit/>
+            </a:bodyPr>
+            <a:lstStyle>
+              <a:lvl1pPr>
+                <a:defRPr>
+                  <a:solidFill>
+                    <a:schemeClr val="tx1"/>
+                  </a:solidFill>
+                  <a:latin typeface="Calibri" panose="020F0502020204030204" pitchFamily="34" charset="0"/>
+                </a:defRPr>
+              </a:lvl1pPr>
+              <a:lvl2pPr marL="742950" indent="-285750">
+                <a:defRPr>
+                  <a:solidFill>
+                    <a:schemeClr val="tx1"/>
+                  </a:solidFill>
+                  <a:latin typeface="Calibri" panose="020F0502020204030204" pitchFamily="34" charset="0"/>
+                </a:defRPr>
+              </a:lvl2pPr>
+              <a:lvl3pPr marL="1143000" indent="-228600">
+                <a:defRPr>
+                  <a:solidFill>
+                    <a:schemeClr val="tx1"/>
+                  </a:solidFill>
+                  <a:latin typeface="Calibri" panose="020F0502020204030204" pitchFamily="34" charset="0"/>
+                </a:defRPr>
+              </a:lvl3pPr>
+              <a:lvl4pPr marL="1600200" indent="-228600">
+                <a:defRPr>
+                  <a:solidFill>
+                    <a:schemeClr val="tx1"/>
+                  </a:solidFill>
+                  <a:latin typeface="Calibri" panose="020F0502020204030204" pitchFamily="34" charset="0"/>
+                </a:defRPr>
+              </a:lvl4pPr>
+              <a:lvl5pPr marL="2057400" indent="-228600">
+                <a:defRPr>
+                  <a:solidFill>
+                    <a:schemeClr val="tx1"/>
+                  </a:solidFill>
+                  <a:latin typeface="Calibri" panose="020F0502020204030204" pitchFamily="34" charset="0"/>
+                </a:defRPr>
+              </a:lvl5pPr>
+              <a:lvl6pPr marL="2514600" indent="-228600" eaLnBrk="0" fontAlgn="base" hangingPunct="0">
+                <a:spcBef>
+                  <a:spcPct val="0"/>
+                </a:spcBef>
+                <a:spcAft>
+                  <a:spcPct val="0"/>
+                </a:spcAft>
+                <a:defRPr>
+                  <a:solidFill>
+                    <a:schemeClr val="tx1"/>
+                  </a:solidFill>
+                  <a:latin typeface="Calibri" panose="020F0502020204030204" pitchFamily="34" charset="0"/>
+                </a:defRPr>
+              </a:lvl6pPr>
+              <a:lvl7pPr marL="2971800" indent="-228600" eaLnBrk="0" fontAlgn="base" hangingPunct="0">
+                <a:spcBef>
+                  <a:spcPct val="0"/>
+                </a:spcBef>
+                <a:spcAft>
+                  <a:spcPct val="0"/>
+                </a:spcAft>
+                <a:defRPr>
+                  <a:solidFill>
+                    <a:schemeClr val="tx1"/>
+                  </a:solidFill>
+                  <a:latin typeface="Calibri" panose="020F0502020204030204" pitchFamily="34" charset="0"/>
+                </a:defRPr>
+              </a:lvl7pPr>
+              <a:lvl8pPr marL="3429000" indent="-228600" eaLnBrk="0" fontAlgn="base" hangingPunct="0">
+                <a:spcBef>
+                  <a:spcPct val="0"/>
+                </a:spcBef>
+                <a:spcAft>
+                  <a:spcPct val="0"/>
+                </a:spcAft>
+                <a:defRPr>
+                  <a:solidFill>
+                    <a:schemeClr val="tx1"/>
+                  </a:solidFill>
+                  <a:latin typeface="Calibri" panose="020F0502020204030204" pitchFamily="34" charset="0"/>
+                </a:defRPr>
+              </a:lvl8pPr>
+              <a:lvl9pPr marL="3886200" indent="-228600" eaLnBrk="0" fontAlgn="base" hangingPunct="0">
+                <a:spcBef>
+                  <a:spcPct val="0"/>
+                </a:spcBef>
+                <a:spcAft>
+                  <a:spcPct val="0"/>
+                </a:spcAft>
+                <a:defRPr>
+                  <a:solidFill>
+                    <a:schemeClr val="tx1"/>
+                  </a:solidFill>
+                  <a:latin typeface="Calibri" panose="020F0502020204030204" pitchFamily="34" charset="0"/>
+                </a:defRPr>
+              </a:lvl9pPr>
+            </a:lstStyle>
+            <a:p>
+              <a:pPr algn="ctr" eaLnBrk="1" hangingPunct="1"/>
+              <a:r>
+                <a:rPr lang="en-US" altLang="en-US" sz="1400" b="1" dirty="0" smtClean="0">
+                  <a:solidFill>
+                    <a:schemeClr val="bg1"/>
+                  </a:solidFill>
+                </a:rPr>
+                <a:t>4</a:t>
+              </a:r>
+              <a:endParaRPr lang="en-US" altLang="en-US" sz="1400" b="1" dirty="0">
+                <a:solidFill>
+                  <a:schemeClr val="bg1"/>
+                </a:solidFill>
+              </a:endParaRPr>
+            </a:p>
+          </p:txBody>
+        </p:sp>
+      </p:grpSp>
+      <p:grpSp>
+        <p:nvGrpSpPr>
+          <p:cNvPr id="82" name="Group 29">
+            <a:extLst>
+              <a:ext uri="{FF2B5EF4-FFF2-40B4-BE49-F238E27FC236}">
+                <a16:creationId xmlns:a16="http://schemas.microsoft.com/office/drawing/2014/main" id="{1390D20A-B256-FC4F-85A4-DDC3115D5502}"/>
+              </a:ext>
+            </a:extLst>
+          </p:cNvPr>
+          <p:cNvGrpSpPr>
+            <a:grpSpLocks/>
+          </p:cNvGrpSpPr>
+          <p:nvPr/>
+        </p:nvGrpSpPr>
+        <p:grpSpPr bwMode="auto">
+          <a:xfrm>
+            <a:off x="9477209" y="2585765"/>
+            <a:ext cx="392113" cy="333375"/>
+            <a:chOff x="7089948" y="4360739"/>
+            <a:chExt cx="391016" cy="333597"/>
+          </a:xfrm>
+        </p:grpSpPr>
+        <p:sp>
+          <p:nvSpPr>
+            <p:cNvPr id="85" name="Oval 84">
+              <a:extLst>
+                <a:ext uri="{FF2B5EF4-FFF2-40B4-BE49-F238E27FC236}">
+                  <a16:creationId xmlns:a16="http://schemas.microsoft.com/office/drawing/2014/main" id="{178B8604-7BF4-0B4D-AF7A-08443480D22F}"/>
+                </a:ext>
+              </a:extLst>
+            </p:cNvPr>
+            <p:cNvSpPr/>
+            <p:nvPr/>
+          </p:nvSpPr>
+          <p:spPr>
+            <a:xfrm>
+              <a:off x="7118443" y="4360739"/>
+              <a:ext cx="334026" cy="333597"/>
+            </a:xfrm>
+            <a:prstGeom prst="ellipse">
+              <a:avLst/>
+            </a:prstGeom>
+            <a:solidFill>
+              <a:schemeClr val="tx1"/>
+            </a:solidFill>
+            <a:ln w="12700">
+              <a:noFill/>
+            </a:ln>
+          </p:spPr>
+          <p:style>
+            <a:lnRef idx="2">
+              <a:schemeClr val="accent1">
+                <a:shade val="50000"/>
+              </a:schemeClr>
+            </a:lnRef>
+            <a:fillRef idx="1">
+              <a:schemeClr val="accent1"/>
+            </a:fillRef>
+            <a:effectRef idx="0">
+              <a:schemeClr val="accent1"/>
+            </a:effectRef>
+            <a:fontRef idx="minor">
+              <a:schemeClr val="lt1"/>
+            </a:fontRef>
+          </p:style>
+          <p:txBody>
+            <a:bodyPr tIns="91440"/>
+            <a:lstStyle/>
+            <a:p>
+              <a:pPr eaLnBrk="1" fontAlgn="auto" hangingPunct="1">
+                <a:spcBef>
+                  <a:spcPts val="0"/>
+                </a:spcBef>
+                <a:spcAft>
+                  <a:spcPts val="0"/>
+                </a:spcAft>
+                <a:defRPr/>
+              </a:pPr>
+              <a:endParaRPr lang="en-US" sz="1200" dirty="0">
+                <a:solidFill>
+                  <a:schemeClr val="tx2"/>
+                </a:solidFill>
+              </a:endParaRPr>
+            </a:p>
+          </p:txBody>
+        </p:sp>
+        <p:sp>
+          <p:nvSpPr>
+            <p:cNvPr id="90" name="TextBox 31">
+              <a:extLst>
+                <a:ext uri="{FF2B5EF4-FFF2-40B4-BE49-F238E27FC236}">
+                  <a16:creationId xmlns:a16="http://schemas.microsoft.com/office/drawing/2014/main" id="{2225979B-F6C9-944A-AF25-71F25478CA14}"/>
+                </a:ext>
+              </a:extLst>
+            </p:cNvPr>
+            <p:cNvSpPr txBox="1">
+              <a:spLocks noChangeArrowheads="1"/>
+            </p:cNvSpPr>
+            <p:nvPr/>
+          </p:nvSpPr>
+          <p:spPr bwMode="auto">
+            <a:xfrm>
+              <a:off x="7089948" y="4364855"/>
+              <a:ext cx="391016" cy="307777"/>
+            </a:xfrm>
+            <a:prstGeom prst="rect">
+              <a:avLst/>
+            </a:prstGeom>
+            <a:noFill/>
+            <a:ln>
+              <a:noFill/>
+            </a:ln>
+            <a:extLst>
+              <a:ext uri="{909E8E84-426E-40DD-AFC4-6F175D3DCCD1}">
+                <a14:hiddenFill xmlns:a14="http://schemas.microsoft.com/office/drawing/2010/main">
+                  <a:solidFill>
+                    <a:srgbClr val="FFFFFF"/>
+                  </a:solidFill>
+                </a14:hiddenFill>
+              </a:ext>
+              <a:ext uri="{91240B29-F687-4F45-9708-019B960494DF}">
+                <a14:hiddenLine xmlns:a14="http://schemas.microsoft.com/office/drawing/2010/main" w="9525">
+                  <a:solidFill>
+                    <a:srgbClr val="000000"/>
+                  </a:solidFill>
+                  <a:miter lim="800000"/>
+                  <a:headEnd/>
+                  <a:tailEnd/>
+                </a14:hiddenLine>
+              </a:ext>
+            </a:extLst>
+          </p:spPr>
+          <p:txBody>
+            <a:bodyPr>
+              <a:spAutoFit/>
+            </a:bodyPr>
+            <a:lstStyle>
+              <a:lvl1pPr>
+                <a:defRPr>
+                  <a:solidFill>
+                    <a:schemeClr val="tx1"/>
+                  </a:solidFill>
+                  <a:latin typeface="Calibri" panose="020F0502020204030204" pitchFamily="34" charset="0"/>
+                </a:defRPr>
+              </a:lvl1pPr>
+              <a:lvl2pPr marL="742950" indent="-285750">
+                <a:defRPr>
+                  <a:solidFill>
+                    <a:schemeClr val="tx1"/>
+                  </a:solidFill>
+                  <a:latin typeface="Calibri" panose="020F0502020204030204" pitchFamily="34" charset="0"/>
+                </a:defRPr>
+              </a:lvl2pPr>
+              <a:lvl3pPr marL="1143000" indent="-228600">
+                <a:defRPr>
+                  <a:solidFill>
+                    <a:schemeClr val="tx1"/>
+                  </a:solidFill>
+                  <a:latin typeface="Calibri" panose="020F0502020204030204" pitchFamily="34" charset="0"/>
+                </a:defRPr>
+              </a:lvl3pPr>
+              <a:lvl4pPr marL="1600200" indent="-228600">
+                <a:defRPr>
+                  <a:solidFill>
+                    <a:schemeClr val="tx1"/>
+                  </a:solidFill>
+                  <a:latin typeface="Calibri" panose="020F0502020204030204" pitchFamily="34" charset="0"/>
+                </a:defRPr>
+              </a:lvl4pPr>
+              <a:lvl5pPr marL="2057400" indent="-228600">
+                <a:defRPr>
+                  <a:solidFill>
+                    <a:schemeClr val="tx1"/>
+                  </a:solidFill>
+                  <a:latin typeface="Calibri" panose="020F0502020204030204" pitchFamily="34" charset="0"/>
+                </a:defRPr>
+              </a:lvl5pPr>
+              <a:lvl6pPr marL="2514600" indent="-228600" eaLnBrk="0" fontAlgn="base" hangingPunct="0">
+                <a:spcBef>
+                  <a:spcPct val="0"/>
+                </a:spcBef>
+                <a:spcAft>
+                  <a:spcPct val="0"/>
+                </a:spcAft>
+                <a:defRPr>
+                  <a:solidFill>
+                    <a:schemeClr val="tx1"/>
+                  </a:solidFill>
+                  <a:latin typeface="Calibri" panose="020F0502020204030204" pitchFamily="34" charset="0"/>
+                </a:defRPr>
+              </a:lvl6pPr>
+              <a:lvl7pPr marL="2971800" indent="-228600" eaLnBrk="0" fontAlgn="base" hangingPunct="0">
+                <a:spcBef>
+                  <a:spcPct val="0"/>
+                </a:spcBef>
+                <a:spcAft>
+                  <a:spcPct val="0"/>
+                </a:spcAft>
+                <a:defRPr>
+                  <a:solidFill>
+                    <a:schemeClr val="tx1"/>
+                  </a:solidFill>
+                  <a:latin typeface="Calibri" panose="020F0502020204030204" pitchFamily="34" charset="0"/>
+                </a:defRPr>
+              </a:lvl7pPr>
+              <a:lvl8pPr marL="3429000" indent="-228600" eaLnBrk="0" fontAlgn="base" hangingPunct="0">
+                <a:spcBef>
+                  <a:spcPct val="0"/>
+                </a:spcBef>
+                <a:spcAft>
+                  <a:spcPct val="0"/>
+                </a:spcAft>
+                <a:defRPr>
+                  <a:solidFill>
+                    <a:schemeClr val="tx1"/>
+                  </a:solidFill>
+                  <a:latin typeface="Calibri" panose="020F0502020204030204" pitchFamily="34" charset="0"/>
+                </a:defRPr>
+              </a:lvl8pPr>
+              <a:lvl9pPr marL="3886200" indent="-228600" eaLnBrk="0" fontAlgn="base" hangingPunct="0">
+                <a:spcBef>
+                  <a:spcPct val="0"/>
+                </a:spcBef>
+                <a:spcAft>
+                  <a:spcPct val="0"/>
+                </a:spcAft>
+                <a:defRPr>
+                  <a:solidFill>
+                    <a:schemeClr val="tx1"/>
+                  </a:solidFill>
+                  <a:latin typeface="Calibri" panose="020F0502020204030204" pitchFamily="34" charset="0"/>
+                </a:defRPr>
+              </a:lvl9pPr>
+            </a:lstStyle>
+            <a:p>
+              <a:pPr algn="ctr" eaLnBrk="1" hangingPunct="1"/>
+              <a:r>
+                <a:rPr lang="en-US" altLang="en-US" sz="1400" b="1" dirty="0" smtClean="0">
+                  <a:solidFill>
+                    <a:schemeClr val="bg1"/>
+                  </a:solidFill>
+                </a:rPr>
+                <a:t>5</a:t>
+              </a:r>
+              <a:endParaRPr lang="en-US" altLang="en-US" sz="1400" b="1" dirty="0">
+                <a:solidFill>
+                  <a:schemeClr val="bg1"/>
+                </a:solidFill>
+              </a:endParaRPr>
+            </a:p>
+          </p:txBody>
+        </p:sp>
+      </p:grpSp>
+      <p:sp>
+        <p:nvSpPr>
+          <p:cNvPr id="95" name="Rectangle 5">
+            <a:extLst>
+              <a:ext uri="{FF2B5EF4-FFF2-40B4-BE49-F238E27FC236}">
+                <a16:creationId xmlns:a16="http://schemas.microsoft.com/office/drawing/2014/main" id="{A8071E2F-D473-144B-9B66-446B72E3EF81}"/>
+              </a:ext>
+            </a:extLst>
+          </p:cNvPr>
+          <p:cNvSpPr>
+            <a:spLocks noChangeArrowheads="1"/>
+          </p:cNvSpPr>
+          <p:nvPr/>
+        </p:nvSpPr>
+        <p:spPr bwMode="auto">
+          <a:xfrm>
+            <a:off x="3050111" y="4174368"/>
+            <a:ext cx="8018421" cy="1877437"/>
+          </a:xfrm>
+          <a:prstGeom prst="rect">
+            <a:avLst/>
+          </a:prstGeom>
+          <a:noFill/>
+          <a:ln>
+            <a:noFill/>
+          </a:ln>
+          <a:extLst>
+            <a:ext uri="{909E8E84-426E-40DD-AFC4-6F175D3DCCD1}">
+              <a14:hiddenFill xmlns:a14="http://schemas.microsoft.com/office/drawing/2010/main">
+                <a:solidFill>
+                  <a:srgbClr val="FFFFFF"/>
+                </a:solidFill>
+              </a14:hiddenFill>
+            </a:ext>
+            <a:ext uri="{91240B29-F687-4F45-9708-019B960494DF}">
+              <a14:hiddenLine xmlns:a14="http://schemas.microsoft.com/office/drawing/2010/main" w="9525">
+                <a:solidFill>
+                  <a:srgbClr val="000000"/>
+                </a:solidFill>
+                <a:miter lim="800000"/>
+                <a:headEnd/>
+                <a:tailEnd/>
+              </a14:hiddenLine>
+            </a:ext>
+          </a:extLst>
+        </p:spPr>
+        <p:txBody>
+          <a:bodyPr wrap="square">
+            <a:spAutoFit/>
+          </a:bodyPr>
+          <a:lstStyle>
+            <a:lvl1pPr marL="228600" indent="-228600">
+              <a:defRPr>
+                <a:solidFill>
+                  <a:schemeClr val="tx1"/>
+                </a:solidFill>
+                <a:latin typeface="Calibri" panose="020F0502020204030204" pitchFamily="34" charset="0"/>
+              </a:defRPr>
+            </a:lvl1pPr>
+            <a:lvl2pPr marL="742950" indent="-285750">
+              <a:defRPr>
+                <a:solidFill>
+                  <a:schemeClr val="tx1"/>
+                </a:solidFill>
+                <a:latin typeface="Calibri" panose="020F0502020204030204" pitchFamily="34" charset="0"/>
+              </a:defRPr>
+            </a:lvl2pPr>
+            <a:lvl3pPr marL="1143000" indent="-228600">
+              <a:defRPr>
+                <a:solidFill>
+                  <a:schemeClr val="tx1"/>
+                </a:solidFill>
+                <a:latin typeface="Calibri" panose="020F0502020204030204" pitchFamily="34" charset="0"/>
+              </a:defRPr>
+            </a:lvl3pPr>
+            <a:lvl4pPr marL="1600200" indent="-228600">
+              <a:defRPr>
+                <a:solidFill>
+                  <a:schemeClr val="tx1"/>
+                </a:solidFill>
+                <a:latin typeface="Calibri" panose="020F0502020204030204" pitchFamily="34" charset="0"/>
+              </a:defRPr>
+            </a:lvl4pPr>
+            <a:lvl5pPr marL="2057400" indent="-228600">
+              <a:defRPr>
+                <a:solidFill>
+                  <a:schemeClr val="tx1"/>
+                </a:solidFill>
+                <a:latin typeface="Calibri" panose="020F0502020204030204" pitchFamily="34" charset="0"/>
+              </a:defRPr>
+            </a:lvl5pPr>
+            <a:lvl6pPr marL="2514600" indent="-228600" eaLnBrk="0" fontAlgn="base" hangingPunct="0">
+              <a:spcBef>
+                <a:spcPct val="0"/>
+              </a:spcBef>
+              <a:spcAft>
+                <a:spcPct val="0"/>
+              </a:spcAft>
+              <a:defRPr>
+                <a:solidFill>
+                  <a:schemeClr val="tx1"/>
+                </a:solidFill>
+                <a:latin typeface="Calibri" panose="020F0502020204030204" pitchFamily="34" charset="0"/>
+              </a:defRPr>
+            </a:lvl6pPr>
+            <a:lvl7pPr marL="2971800" indent="-228600" eaLnBrk="0" fontAlgn="base" hangingPunct="0">
+              <a:spcBef>
+                <a:spcPct val="0"/>
+              </a:spcBef>
+              <a:spcAft>
+                <a:spcPct val="0"/>
+              </a:spcAft>
+              <a:defRPr>
+                <a:solidFill>
+                  <a:schemeClr val="tx1"/>
+                </a:solidFill>
+                <a:latin typeface="Calibri" panose="020F0502020204030204" pitchFamily="34" charset="0"/>
+              </a:defRPr>
+            </a:lvl7pPr>
+            <a:lvl8pPr marL="3429000" indent="-228600" eaLnBrk="0" fontAlgn="base" hangingPunct="0">
+              <a:spcBef>
+                <a:spcPct val="0"/>
+              </a:spcBef>
+              <a:spcAft>
+                <a:spcPct val="0"/>
+              </a:spcAft>
+              <a:defRPr>
+                <a:solidFill>
+                  <a:schemeClr val="tx1"/>
+                </a:solidFill>
+                <a:latin typeface="Calibri" panose="020F0502020204030204" pitchFamily="34" charset="0"/>
+              </a:defRPr>
+            </a:lvl8pPr>
+            <a:lvl9pPr marL="3886200" indent="-228600" eaLnBrk="0" fontAlgn="base" hangingPunct="0">
+              <a:spcBef>
+                <a:spcPct val="0"/>
+              </a:spcBef>
+              <a:spcAft>
+                <a:spcPct val="0"/>
+              </a:spcAft>
+              <a:defRPr>
+                <a:solidFill>
+                  <a:schemeClr val="tx1"/>
+                </a:solidFill>
+                <a:latin typeface="Calibri" panose="020F0502020204030204" pitchFamily="34" charset="0"/>
+              </a:defRPr>
+            </a:lvl9pPr>
+          </a:lstStyle>
+          <a:p>
+            <a:pPr marL="342900" indent="-168275">
+              <a:spcAft>
+                <a:spcPts val="600"/>
+              </a:spcAft>
+              <a:buFont typeface="+mj-lt"/>
+              <a:buAutoNum type="arabicPeriod"/>
+            </a:pPr>
+            <a:r>
+              <a:rPr lang="en-US" sz="1150" b="1" dirty="0" smtClean="0">
+                <a:latin typeface="Arial" panose="020B0604020202020204" pitchFamily="34" charset="0"/>
+                <a:cs typeface="Arial" panose="020B0604020202020204" pitchFamily="34" charset="0"/>
+              </a:rPr>
+              <a:t>Upload. </a:t>
+            </a:r>
+            <a:r>
+              <a:rPr lang="en-US" sz="1150" dirty="0">
+                <a:latin typeface="Arial" panose="020B0604020202020204" pitchFamily="34" charset="0"/>
+                <a:cs typeface="Arial" panose="020B0604020202020204" pitchFamily="34" charset="0"/>
+              </a:rPr>
+              <a:t>The asset hierarchy and tag definitions </a:t>
+            </a:r>
+            <a:r>
+              <a:rPr lang="en-US" sz="1150" dirty="0" smtClean="0">
+                <a:latin typeface="Arial" panose="020B0604020202020204" pitchFamily="34" charset="0"/>
+                <a:cs typeface="Arial" panose="020B0604020202020204" pitchFamily="34" charset="0"/>
+              </a:rPr>
+              <a:t>are uploaded (a) automatically or (b) manually. </a:t>
+            </a:r>
+          </a:p>
+          <a:p>
+            <a:pPr marL="342900" indent="-168275">
+              <a:spcAft>
+                <a:spcPts val="600"/>
+              </a:spcAft>
+              <a:buFont typeface="+mj-lt"/>
+              <a:buAutoNum type="arabicPeriod"/>
+            </a:pPr>
+            <a:r>
+              <a:rPr lang="en-US" sz="1150" b="1" dirty="0" smtClean="0">
+                <a:latin typeface="Arial" panose="020B0604020202020204" pitchFamily="34" charset="0"/>
+                <a:cs typeface="Arial" panose="020B0604020202020204" pitchFamily="34" charset="0"/>
+              </a:rPr>
+              <a:t>Lambda ingestion</a:t>
+            </a:r>
+            <a:r>
+              <a:rPr lang="en-US" sz="1150" b="1" dirty="0">
+                <a:latin typeface="Arial" panose="020B0604020202020204" pitchFamily="34" charset="0"/>
+                <a:cs typeface="Arial" panose="020B0604020202020204" pitchFamily="34" charset="0"/>
+              </a:rPr>
+              <a:t> </a:t>
+            </a:r>
+            <a:r>
+              <a:rPr lang="en-US" sz="1150" dirty="0" smtClean="0">
+                <a:latin typeface="Arial" panose="020B0604020202020204" pitchFamily="34" charset="0"/>
+                <a:cs typeface="Arial" panose="020B0604020202020204" pitchFamily="34" charset="0"/>
+              </a:rPr>
+              <a:t>(only </a:t>
+            </a:r>
+            <a:r>
+              <a:rPr lang="en-US" sz="1150" dirty="0">
+                <a:latin typeface="Arial" panose="020B0604020202020204" pitchFamily="34" charset="0"/>
+                <a:cs typeface="Arial" panose="020B0604020202020204" pitchFamily="34" charset="0"/>
+              </a:rPr>
+              <a:t>with 1a)</a:t>
+            </a:r>
+            <a:r>
+              <a:rPr lang="en-US" sz="1150" dirty="0" smtClean="0">
+                <a:latin typeface="Arial" panose="020B0604020202020204" pitchFamily="34" charset="0"/>
+                <a:cs typeface="Arial" panose="020B0604020202020204" pitchFamily="34" charset="0"/>
+              </a:rPr>
+              <a:t>. </a:t>
+            </a:r>
+            <a:r>
+              <a:rPr lang="en-US" sz="1150" dirty="0">
+                <a:latin typeface="Arial" panose="020B0604020202020204" pitchFamily="34" charset="0"/>
+                <a:cs typeface="Arial" panose="020B0604020202020204" pitchFamily="34" charset="0"/>
+              </a:rPr>
+              <a:t>The asset hierarchy and tag definitions are ingested into </a:t>
+            </a:r>
+            <a:r>
+              <a:rPr lang="en-US" sz="1150" dirty="0" smtClean="0">
+                <a:latin typeface="Arial" panose="020B0604020202020204" pitchFamily="34" charset="0"/>
+                <a:cs typeface="Arial" panose="020B0604020202020204" pitchFamily="34" charset="0"/>
+              </a:rPr>
+              <a:t>Lambda through AWS IoT Core </a:t>
+            </a:r>
+            <a:r>
+              <a:rPr lang="en-US" sz="1150" dirty="0">
+                <a:latin typeface="Arial" panose="020B0604020202020204" pitchFamily="34" charset="0"/>
+                <a:cs typeface="Arial" panose="020B0604020202020204" pitchFamily="34" charset="0"/>
+              </a:rPr>
+              <a:t>and then routed into an S3 bucket. Source: functions/source/AssetModelIngestion/assetModelIngestion.py</a:t>
+            </a:r>
+            <a:endParaRPr lang="en-US" sz="1150" dirty="0" smtClean="0">
+              <a:latin typeface="Arial" panose="020B0604020202020204" pitchFamily="34" charset="0"/>
+              <a:cs typeface="Arial" panose="020B0604020202020204" pitchFamily="34" charset="0"/>
+            </a:endParaRPr>
+          </a:p>
+          <a:p>
+            <a:pPr marL="342900" indent="-168275">
+              <a:spcAft>
+                <a:spcPts val="600"/>
+              </a:spcAft>
+              <a:buFont typeface="+mj-lt"/>
+              <a:buAutoNum type="arabicPeriod"/>
+            </a:pPr>
+            <a:r>
+              <a:rPr lang="en-US" sz="1150" b="1" dirty="0" smtClean="0">
+                <a:latin typeface="Arial" panose="020B0604020202020204" pitchFamily="34" charset="0"/>
+                <a:cs typeface="Arial" panose="020B0604020202020204" pitchFamily="34" charset="0"/>
+              </a:rPr>
+              <a:t>Object-upload event.</a:t>
+            </a:r>
+            <a:r>
+              <a:rPr lang="en-US" sz="1150" dirty="0">
+                <a:latin typeface="Arial" panose="020B0604020202020204" pitchFamily="34" charset="0"/>
+                <a:cs typeface="Arial" panose="020B0604020202020204" pitchFamily="34" charset="0"/>
+              </a:rPr>
+              <a:t> An object-upload event initiates Lambda conversion and provisioning.</a:t>
+            </a:r>
+            <a:endParaRPr lang="en-US" sz="1150" dirty="0" smtClean="0">
+              <a:latin typeface="Arial" panose="020B0604020202020204" pitchFamily="34" charset="0"/>
+              <a:cs typeface="Arial" panose="020B0604020202020204" pitchFamily="34" charset="0"/>
+            </a:endParaRPr>
+          </a:p>
+          <a:p>
+            <a:pPr marL="342900" indent="-168275">
+              <a:spcAft>
+                <a:spcPts val="600"/>
+              </a:spcAft>
+              <a:buFont typeface="+mj-lt"/>
+              <a:buAutoNum type="arabicPeriod"/>
+            </a:pPr>
+            <a:r>
+              <a:rPr lang="en-US" sz="1150" b="1" dirty="0" smtClean="0">
+                <a:latin typeface="Arial" panose="020B0604020202020204" pitchFamily="34" charset="0"/>
+                <a:cs typeface="Arial" panose="020B0604020202020204" pitchFamily="34" charset="0"/>
+              </a:rPr>
+              <a:t>Asset-hierarchy conversion. </a:t>
+            </a:r>
+            <a:r>
+              <a:rPr lang="en-US" sz="1150" dirty="0">
+                <a:latin typeface="Arial" panose="020B0604020202020204" pitchFamily="34" charset="0"/>
+                <a:cs typeface="Arial" panose="020B0604020202020204" pitchFamily="34" charset="0"/>
+              </a:rPr>
+              <a:t>The input hierarchy and definitions are converted to DynamoDB table items, conforming to the AWS IoT SiteWise asset model and asset-definition structure.</a:t>
+            </a:r>
+            <a:endParaRPr lang="en-US" sz="1150" dirty="0" smtClean="0">
+              <a:latin typeface="Arial" panose="020B0604020202020204" pitchFamily="34" charset="0"/>
+              <a:cs typeface="Arial" panose="020B0604020202020204" pitchFamily="34" charset="0"/>
+            </a:endParaRPr>
+          </a:p>
+          <a:p>
+            <a:pPr marL="342900" indent="-168275">
+              <a:buFont typeface="+mj-lt"/>
+              <a:buAutoNum type="arabicPeriod"/>
+            </a:pPr>
+            <a:r>
+              <a:rPr lang="en-US" sz="1150" b="1" dirty="0" smtClean="0">
+                <a:latin typeface="Arial" panose="020B0604020202020204" pitchFamily="34" charset="0"/>
+                <a:cs typeface="Arial" panose="020B0604020202020204" pitchFamily="34" charset="0"/>
+              </a:rPr>
+              <a:t>AWS IoT SiteWise resource provisioning. </a:t>
+            </a:r>
+            <a:r>
+              <a:rPr lang="en-US" sz="1150" dirty="0">
+                <a:latin typeface="Arial" panose="020B0604020202020204" pitchFamily="34" charset="0"/>
+                <a:cs typeface="Arial" panose="020B0604020202020204" pitchFamily="34" charset="0"/>
+              </a:rPr>
+              <a:t>Resources in AWS IoT SiteWise are provisioned based on updated DynamoDB table items. Source: functions/source/AssetModelConverter/createSitewiseResources.py </a:t>
+            </a:r>
+            <a:endParaRPr lang="en-US" sz="1150" dirty="0" smtClean="0">
+              <a:latin typeface="Arial" panose="020B0604020202020204" pitchFamily="34" charset="0"/>
+              <a:cs typeface="Arial" panose="020B0604020202020204" pitchFamily="34" charset="0"/>
+            </a:endParaRPr>
+          </a:p>
+        </p:txBody>
+      </p:sp>
+      <p:sp>
+        <p:nvSpPr>
+          <p:cNvPr id="96" name="TextBox 95">
+            <a:extLst>
+              <a:ext uri="{FF2B5EF4-FFF2-40B4-BE49-F238E27FC236}">
+                <a16:creationId xmlns:a16="http://schemas.microsoft.com/office/drawing/2014/main" id="{B10751A5-0377-9545-BF3D-88AC84CC5242}"/>
+              </a:ext>
+            </a:extLst>
+          </p:cNvPr>
+          <p:cNvSpPr txBox="1"/>
+          <p:nvPr/>
+        </p:nvSpPr>
+        <p:spPr>
+          <a:xfrm>
+            <a:off x="3647463" y="1847651"/>
+            <a:ext cx="1266728" cy="261610"/>
+          </a:xfrm>
+          <a:prstGeom prst="rect">
+            <a:avLst/>
+          </a:prstGeom>
+          <a:noFill/>
+        </p:spPr>
+        <p:txBody>
+          <a:bodyPr wrap="square" rtlCol="0">
+            <a:spAutoFit/>
+          </a:bodyPr>
+          <a:lstStyle/>
+          <a:p>
+            <a:r>
+              <a:rPr lang="en-US" sz="1100" dirty="0" smtClean="0">
+                <a:latin typeface="Arial" panose="020B0604020202020204" pitchFamily="34" charset="0"/>
+                <a:cs typeface="Arial" panose="020B0604020202020204" pitchFamily="34" charset="0"/>
+              </a:rPr>
+              <a:t>Manual</a:t>
+            </a:r>
+            <a:endParaRPr lang="en-US" sz="1100" dirty="0">
+              <a:latin typeface="Arial" panose="020B0604020202020204" pitchFamily="34" charset="0"/>
+              <a:cs typeface="Arial" panose="020B0604020202020204" pitchFamily="34" charset="0"/>
+            </a:endParaRPr>
+          </a:p>
+        </p:txBody>
+      </p:sp>
+      <p:sp>
+        <p:nvSpPr>
+          <p:cNvPr id="97" name="TextBox 96">
+            <a:extLst>
+              <a:ext uri="{FF2B5EF4-FFF2-40B4-BE49-F238E27FC236}">
+                <a16:creationId xmlns:a16="http://schemas.microsoft.com/office/drawing/2014/main" id="{B10751A5-0377-9545-BF3D-88AC84CC5242}"/>
+              </a:ext>
+            </a:extLst>
+          </p:cNvPr>
+          <p:cNvSpPr txBox="1"/>
+          <p:nvPr/>
+        </p:nvSpPr>
+        <p:spPr>
+          <a:xfrm>
+            <a:off x="3647463" y="2525773"/>
+            <a:ext cx="947949" cy="261610"/>
+          </a:xfrm>
+          <a:prstGeom prst="rect">
+            <a:avLst/>
+          </a:prstGeom>
+          <a:noFill/>
+        </p:spPr>
+        <p:txBody>
+          <a:bodyPr wrap="square" rtlCol="0">
+            <a:spAutoFit/>
+          </a:bodyPr>
+          <a:lstStyle/>
+          <a:p>
+            <a:r>
+              <a:rPr lang="en-US" sz="1100" dirty="0" smtClean="0">
+                <a:latin typeface="Arial" panose="020B0604020202020204" pitchFamily="34" charset="0"/>
+                <a:cs typeface="Arial" panose="020B0604020202020204" pitchFamily="34" charset="0"/>
+              </a:rPr>
+              <a:t>Automatic</a:t>
+            </a:r>
+            <a:endParaRPr lang="en-US" sz="1100" dirty="0">
+              <a:latin typeface="Arial" panose="020B0604020202020204" pitchFamily="34" charset="0"/>
+              <a:cs typeface="Arial" panose="020B0604020202020204" pitchFamily="34" charset="0"/>
+            </a:endParaRPr>
           </a:p>
         </p:txBody>
       </p:sp>
@@ -18030,7 +19375,7 @@
           <a:blip r:embed="rId2">
             <a:extLst>
               <a:ext uri="{96DAC541-7B7A-43D3-8B79-37D633B846F1}">
-                <asvg:svgBlip xmlns="" xmlns:asvg="http://schemas.microsoft.com/office/drawing/2016/SVG/main" r:embed="rId3"/>
+                <asvg:svgBlip xmlns:asvg="http://schemas.microsoft.com/office/drawing/2016/SVG/main" xmlns="" r:embed="rId3"/>
               </a:ext>
             </a:extLst>
           </a:blip>
@@ -18066,7 +19411,7 @@
           <a:blip r:embed="rId4">
             <a:extLst>
               <a:ext uri="{96DAC541-7B7A-43D3-8B79-37D633B846F1}">
-                <asvg:svgBlip xmlns="" xmlns:asvg="http://schemas.microsoft.com/office/drawing/2016/SVG/main" r:embed="rId5"/>
+                <asvg:svgBlip xmlns:asvg="http://schemas.microsoft.com/office/drawing/2016/SVG/main" xmlns="" r:embed="rId5"/>
               </a:ext>
             </a:extLst>
           </a:blip>
@@ -18138,7 +19483,7 @@
           <a:blip r:embed="rId6">
             <a:extLst>
               <a:ext uri="{96DAC541-7B7A-43D3-8B79-37D633B846F1}">
-                <asvg:svgBlip xmlns="" xmlns:asvg="http://schemas.microsoft.com/office/drawing/2016/SVG/main" r:embed="rId7"/>
+                <asvg:svgBlip xmlns:asvg="http://schemas.microsoft.com/office/drawing/2016/SVG/main" xmlns="" r:embed="rId7"/>
               </a:ext>
             </a:extLst>
           </a:blip>
@@ -18210,7 +19555,7 @@
           <a:blip r:embed="rId8">
             <a:extLst>
               <a:ext uri="{96DAC541-7B7A-43D3-8B79-37D633B846F1}">
-                <asvg:svgBlip xmlns="" xmlns:asvg="http://schemas.microsoft.com/office/drawing/2016/SVG/main" r:embed="rId9"/>
+                <asvg:svgBlip xmlns:asvg="http://schemas.microsoft.com/office/drawing/2016/SVG/main" xmlns="" r:embed="rId9"/>
               </a:ext>
             </a:extLst>
           </a:blip>
@@ -18282,7 +19627,7 @@
           <a:blip r:embed="rId10">
             <a:extLst>
               <a:ext uri="{96DAC541-7B7A-43D3-8B79-37D633B846F1}">
-                <asvg:svgBlip xmlns="" xmlns:asvg="http://schemas.microsoft.com/office/drawing/2016/SVG/main" r:embed="rId11"/>
+                <asvg:svgBlip xmlns:asvg="http://schemas.microsoft.com/office/drawing/2016/SVG/main" xmlns="" r:embed="rId11"/>
               </a:ext>
             </a:extLst>
           </a:blip>
@@ -18408,7 +19753,7 @@
           <a:blip r:embed="rId10">
             <a:extLst>
               <a:ext uri="{96DAC541-7B7A-43D3-8B79-37D633B846F1}">
-                <asvg:svgBlip xmlns="" xmlns:asvg="http://schemas.microsoft.com/office/drawing/2016/SVG/main" r:embed="rId11"/>
+                <asvg:svgBlip xmlns:asvg="http://schemas.microsoft.com/office/drawing/2016/SVG/main" xmlns="" r:embed="rId11"/>
               </a:ext>
             </a:extLst>
           </a:blip>
@@ -18480,7 +19825,7 @@
           <a:blip r:embed="rId12">
             <a:extLst>
               <a:ext uri="{96DAC541-7B7A-43D3-8B79-37D633B846F1}">
-                <asvg:svgBlip xmlns="" xmlns:asvg="http://schemas.microsoft.com/office/drawing/2016/SVG/main" r:embed="rId13"/>
+                <asvg:svgBlip xmlns:asvg="http://schemas.microsoft.com/office/drawing/2016/SVG/main" xmlns="" r:embed="rId13"/>
               </a:ext>
             </a:extLst>
           </a:blip>
@@ -18948,7 +20293,7 @@
           <a:blip r:embed="rId6">
             <a:extLst>
               <a:ext uri="{96DAC541-7B7A-43D3-8B79-37D633B846F1}">
-                <asvg:svgBlip xmlns="" xmlns:asvg="http://schemas.microsoft.com/office/drawing/2016/SVG/main" r:embed="rId7"/>
+                <asvg:svgBlip xmlns:asvg="http://schemas.microsoft.com/office/drawing/2016/SVG/main" xmlns="" r:embed="rId7"/>
               </a:ext>
             </a:extLst>
           </a:blip>
@@ -19682,7 +21027,7 @@
           <a:blip r:embed="rId14">
             <a:extLst>
               <a:ext uri="{96DAC541-7B7A-43D3-8B79-37D633B846F1}">
-                <asvg:svgBlip xmlns="" xmlns:asvg="http://schemas.microsoft.com/office/drawing/2016/SVG/main" r:embed="rId15"/>
+                <asvg:svgBlip xmlns:asvg="http://schemas.microsoft.com/office/drawing/2016/SVG/main" xmlns="" r:embed="rId15"/>
               </a:ext>
             </a:extLst>
           </a:blip>
@@ -20925,7 +22270,7 @@
           <a:blip r:embed="rId2">
             <a:extLst>
               <a:ext uri="{96DAC541-7B7A-43D3-8B79-37D633B846F1}">
-                <asvg:svgBlip xmlns="" xmlns:asvg="http://schemas.microsoft.com/office/drawing/2016/SVG/main" r:embed="rId3"/>
+                <asvg:svgBlip xmlns:asvg="http://schemas.microsoft.com/office/drawing/2016/SVG/main" xmlns="" r:embed="rId3"/>
               </a:ext>
             </a:extLst>
           </a:blip>
@@ -20961,7 +22306,7 @@
           <a:blip r:embed="rId4">
             <a:extLst>
               <a:ext uri="{96DAC541-7B7A-43D3-8B79-37D633B846F1}">
-                <asvg:svgBlip xmlns="" xmlns:asvg="http://schemas.microsoft.com/office/drawing/2016/SVG/main" r:embed="rId5"/>
+                <asvg:svgBlip xmlns:asvg="http://schemas.microsoft.com/office/drawing/2016/SVG/main" xmlns="" r:embed="rId5"/>
               </a:ext>
             </a:extLst>
           </a:blip>
@@ -21033,7 +22378,7 @@
           <a:blip r:embed="rId6">
             <a:extLst>
               <a:ext uri="{96DAC541-7B7A-43D3-8B79-37D633B846F1}">
-                <asvg:svgBlip xmlns="" xmlns:asvg="http://schemas.microsoft.com/office/drawing/2016/SVG/main" r:embed="rId7"/>
+                <asvg:svgBlip xmlns:asvg="http://schemas.microsoft.com/office/drawing/2016/SVG/main" xmlns="" r:embed="rId7"/>
               </a:ext>
             </a:extLst>
           </a:blip>
@@ -21105,7 +22450,7 @@
           <a:blip r:embed="rId8">
             <a:extLst>
               <a:ext uri="{96DAC541-7B7A-43D3-8B79-37D633B846F1}">
-                <asvg:svgBlip xmlns="" xmlns:asvg="http://schemas.microsoft.com/office/drawing/2016/SVG/main" r:embed="rId9"/>
+                <asvg:svgBlip xmlns:asvg="http://schemas.microsoft.com/office/drawing/2016/SVG/main" xmlns="" r:embed="rId9"/>
               </a:ext>
             </a:extLst>
           </a:blip>
@@ -21177,7 +22522,7 @@
           <a:blip r:embed="rId10">
             <a:extLst>
               <a:ext uri="{96DAC541-7B7A-43D3-8B79-37D633B846F1}">
-                <asvg:svgBlip xmlns="" xmlns:asvg="http://schemas.microsoft.com/office/drawing/2016/SVG/main" r:embed="rId11"/>
+                <asvg:svgBlip xmlns:asvg="http://schemas.microsoft.com/office/drawing/2016/SVG/main" xmlns="" r:embed="rId11"/>
               </a:ext>
             </a:extLst>
           </a:blip>
@@ -21303,7 +22648,7 @@
           <a:blip r:embed="rId10">
             <a:extLst>
               <a:ext uri="{96DAC541-7B7A-43D3-8B79-37D633B846F1}">
-                <asvg:svgBlip xmlns="" xmlns:asvg="http://schemas.microsoft.com/office/drawing/2016/SVG/main" r:embed="rId11"/>
+                <asvg:svgBlip xmlns:asvg="http://schemas.microsoft.com/office/drawing/2016/SVG/main" xmlns="" r:embed="rId11"/>
               </a:ext>
             </a:extLst>
           </a:blip>
@@ -21375,7 +22720,7 @@
           <a:blip r:embed="rId12">
             <a:extLst>
               <a:ext uri="{96DAC541-7B7A-43D3-8B79-37D633B846F1}">
-                <asvg:svgBlip xmlns="" xmlns:asvg="http://schemas.microsoft.com/office/drawing/2016/SVG/main" r:embed="rId13"/>
+                <asvg:svgBlip xmlns:asvg="http://schemas.microsoft.com/office/drawing/2016/SVG/main" xmlns="" r:embed="rId13"/>
               </a:ext>
             </a:extLst>
           </a:blip>
@@ -21760,7 +23105,7 @@
           <a:blip r:embed="rId6">
             <a:extLst>
               <a:ext uri="{96DAC541-7B7A-43D3-8B79-37D633B846F1}">
-                <asvg:svgBlip xmlns="" xmlns:asvg="http://schemas.microsoft.com/office/drawing/2016/SVG/main" r:embed="rId7"/>
+                <asvg:svgBlip xmlns:asvg="http://schemas.microsoft.com/office/drawing/2016/SVG/main" xmlns="" r:embed="rId7"/>
               </a:ext>
             </a:extLst>
           </a:blip>
@@ -21950,7 +23295,7 @@
           <a:blip r:embed="rId14">
             <a:extLst>
               <a:ext uri="{96DAC541-7B7A-43D3-8B79-37D633B846F1}">
-                <asvg:svgBlip xmlns="" xmlns:asvg="http://schemas.microsoft.com/office/drawing/2016/SVG/main" r:embed="rId15"/>
+                <asvg:svgBlip xmlns:asvg="http://schemas.microsoft.com/office/drawing/2016/SVG/main" xmlns="" r:embed="rId15"/>
               </a:ext>
             </a:extLst>
           </a:blip>
@@ -24199,7 +25544,7 @@
           <a:blip r:embed="rId2">
             <a:extLst>
               <a:ext uri="{96DAC541-7B7A-43D3-8B79-37D633B846F1}">
-                <asvg:svgBlip xmlns="" xmlns:asvg="http://schemas.microsoft.com/office/drawing/2016/SVG/main" r:embed="rId3"/>
+                <asvg:svgBlip xmlns:asvg="http://schemas.microsoft.com/office/drawing/2016/SVG/main" xmlns="" r:embed="rId3"/>
               </a:ext>
             </a:extLst>
           </a:blip>
@@ -24235,7 +25580,7 @@
           <a:blip r:embed="rId4">
             <a:extLst>
               <a:ext uri="{96DAC541-7B7A-43D3-8B79-37D633B846F1}">
-                <asvg:svgBlip xmlns="" xmlns:asvg="http://schemas.microsoft.com/office/drawing/2016/SVG/main" r:embed="rId5"/>
+                <asvg:svgBlip xmlns:asvg="http://schemas.microsoft.com/office/drawing/2016/SVG/main" xmlns="" r:embed="rId5"/>
               </a:ext>
             </a:extLst>
           </a:blip>
@@ -24307,7 +25652,7 @@
           <a:blip r:embed="rId6">
             <a:extLst>
               <a:ext uri="{96DAC541-7B7A-43D3-8B79-37D633B846F1}">
-                <asvg:svgBlip xmlns="" xmlns:asvg="http://schemas.microsoft.com/office/drawing/2016/SVG/main" r:embed="rId7"/>
+                <asvg:svgBlip xmlns:asvg="http://schemas.microsoft.com/office/drawing/2016/SVG/main" xmlns="" r:embed="rId7"/>
               </a:ext>
             </a:extLst>
           </a:blip>
@@ -24379,7 +25724,7 @@
           <a:blip r:embed="rId8">
             <a:extLst>
               <a:ext uri="{96DAC541-7B7A-43D3-8B79-37D633B846F1}">
-                <asvg:svgBlip xmlns="" xmlns:asvg="http://schemas.microsoft.com/office/drawing/2016/SVG/main" r:embed="rId9"/>
+                <asvg:svgBlip xmlns:asvg="http://schemas.microsoft.com/office/drawing/2016/SVG/main" xmlns="" r:embed="rId9"/>
               </a:ext>
             </a:extLst>
           </a:blip>
@@ -24451,7 +25796,7 @@
           <a:blip r:embed="rId10">
             <a:extLst>
               <a:ext uri="{96DAC541-7B7A-43D3-8B79-37D633B846F1}">
-                <asvg:svgBlip xmlns="" xmlns:asvg="http://schemas.microsoft.com/office/drawing/2016/SVG/main" r:embed="rId11"/>
+                <asvg:svgBlip xmlns:asvg="http://schemas.microsoft.com/office/drawing/2016/SVG/main" xmlns="" r:embed="rId11"/>
               </a:ext>
             </a:extLst>
           </a:blip>
@@ -24577,7 +25922,7 @@
           <a:blip r:embed="rId10">
             <a:extLst>
               <a:ext uri="{96DAC541-7B7A-43D3-8B79-37D633B846F1}">
-                <asvg:svgBlip xmlns="" xmlns:asvg="http://schemas.microsoft.com/office/drawing/2016/SVG/main" r:embed="rId11"/>
+                <asvg:svgBlip xmlns:asvg="http://schemas.microsoft.com/office/drawing/2016/SVG/main" xmlns="" r:embed="rId11"/>
               </a:ext>
             </a:extLst>
           </a:blip>
@@ -24649,7 +25994,7 @@
           <a:blip r:embed="rId12">
             <a:extLst>
               <a:ext uri="{96DAC541-7B7A-43D3-8B79-37D633B846F1}">
-                <asvg:svgBlip xmlns="" xmlns:asvg="http://schemas.microsoft.com/office/drawing/2016/SVG/main" r:embed="rId13"/>
+                <asvg:svgBlip xmlns:asvg="http://schemas.microsoft.com/office/drawing/2016/SVG/main" xmlns="" r:embed="rId13"/>
               </a:ext>
             </a:extLst>
           </a:blip>
@@ -25034,7 +26379,7 @@
           <a:blip r:embed="rId6">
             <a:extLst>
               <a:ext uri="{96DAC541-7B7A-43D3-8B79-37D633B846F1}">
-                <asvg:svgBlip xmlns="" xmlns:asvg="http://schemas.microsoft.com/office/drawing/2016/SVG/main" r:embed="rId7"/>
+                <asvg:svgBlip xmlns:asvg="http://schemas.microsoft.com/office/drawing/2016/SVG/main" xmlns="" r:embed="rId7"/>
               </a:ext>
             </a:extLst>
           </a:blip>
@@ -25224,7 +26569,7 @@
           <a:blip r:embed="rId14">
             <a:extLst>
               <a:ext uri="{96DAC541-7B7A-43D3-8B79-37D633B846F1}">
-                <asvg:svgBlip xmlns="" xmlns:asvg="http://schemas.microsoft.com/office/drawing/2016/SVG/main" r:embed="rId15"/>
+                <asvg:svgBlip xmlns:asvg="http://schemas.microsoft.com/office/drawing/2016/SVG/main" xmlns="" r:embed="rId15"/>
               </a:ext>
             </a:extLst>
           </a:blip>

--- a/docs/images/IMC QS images.pptx
+++ b/docs/images/IMC QS images.pptx
@@ -267,7 +267,7 @@
           <a:p>
             <a:fld id="{9DEB64E9-A623-6D49-92EA-7C36C81F7406}" type="datetimeFigureOut">
               <a:rPr lang="en-US" smtClean="0"/>
-              <a:t>1/12/2021</a:t>
+              <a:t>1/14/2021</a:t>
             </a:fld>
             <a:endParaRPr lang="en-US" dirty="0"/>
           </a:p>
@@ -465,7 +465,7 @@
           <a:p>
             <a:fld id="{9DEB64E9-A623-6D49-92EA-7C36C81F7406}" type="datetimeFigureOut">
               <a:rPr lang="en-US" smtClean="0"/>
-              <a:t>1/12/2021</a:t>
+              <a:t>1/14/2021</a:t>
             </a:fld>
             <a:endParaRPr lang="en-US" dirty="0"/>
           </a:p>
@@ -673,7 +673,7 @@
           <a:p>
             <a:fld id="{9DEB64E9-A623-6D49-92EA-7C36C81F7406}" type="datetimeFigureOut">
               <a:rPr lang="en-US" smtClean="0"/>
-              <a:t>1/12/2021</a:t>
+              <a:t>1/14/2021</a:t>
             </a:fld>
             <a:endParaRPr lang="en-US" dirty="0"/>
           </a:p>
@@ -871,7 +871,7 @@
           <a:p>
             <a:fld id="{9DEB64E9-A623-6D49-92EA-7C36C81F7406}" type="datetimeFigureOut">
               <a:rPr lang="en-US" smtClean="0"/>
-              <a:t>1/12/2021</a:t>
+              <a:t>1/14/2021</a:t>
             </a:fld>
             <a:endParaRPr lang="en-US" dirty="0"/>
           </a:p>
@@ -1146,7 +1146,7 @@
           <a:p>
             <a:fld id="{9DEB64E9-A623-6D49-92EA-7C36C81F7406}" type="datetimeFigureOut">
               <a:rPr lang="en-US" smtClean="0"/>
-              <a:t>1/12/2021</a:t>
+              <a:t>1/14/2021</a:t>
             </a:fld>
             <a:endParaRPr lang="en-US" dirty="0"/>
           </a:p>
@@ -1411,7 +1411,7 @@
           <a:p>
             <a:fld id="{9DEB64E9-A623-6D49-92EA-7C36C81F7406}" type="datetimeFigureOut">
               <a:rPr lang="en-US" smtClean="0"/>
-              <a:t>1/12/2021</a:t>
+              <a:t>1/14/2021</a:t>
             </a:fld>
             <a:endParaRPr lang="en-US" dirty="0"/>
           </a:p>
@@ -1823,7 +1823,7 @@
           <a:p>
             <a:fld id="{9DEB64E9-A623-6D49-92EA-7C36C81F7406}" type="datetimeFigureOut">
               <a:rPr lang="en-US" smtClean="0"/>
-              <a:t>1/12/2021</a:t>
+              <a:t>1/14/2021</a:t>
             </a:fld>
             <a:endParaRPr lang="en-US" dirty="0"/>
           </a:p>
@@ -1964,7 +1964,7 @@
           <a:p>
             <a:fld id="{9DEB64E9-A623-6D49-92EA-7C36C81F7406}" type="datetimeFigureOut">
               <a:rPr lang="en-US" smtClean="0"/>
-              <a:t>1/12/2021</a:t>
+              <a:t>1/14/2021</a:t>
             </a:fld>
             <a:endParaRPr lang="en-US" dirty="0"/>
           </a:p>
@@ -2077,7 +2077,7 @@
           <a:p>
             <a:fld id="{9DEB64E9-A623-6D49-92EA-7C36C81F7406}" type="datetimeFigureOut">
               <a:rPr lang="en-US" smtClean="0"/>
-              <a:t>1/12/2021</a:t>
+              <a:t>1/14/2021</a:t>
             </a:fld>
             <a:endParaRPr lang="en-US" dirty="0"/>
           </a:p>
@@ -2388,7 +2388,7 @@
           <a:p>
             <a:fld id="{9DEB64E9-A623-6D49-92EA-7C36C81F7406}" type="datetimeFigureOut">
               <a:rPr lang="en-US" smtClean="0"/>
-              <a:t>1/12/2021</a:t>
+              <a:t>1/14/2021</a:t>
             </a:fld>
             <a:endParaRPr lang="en-US" dirty="0"/>
           </a:p>
@@ -2676,7 +2676,7 @@
           <a:p>
             <a:fld id="{9DEB64E9-A623-6D49-92EA-7C36C81F7406}" type="datetimeFigureOut">
               <a:rPr lang="en-US" smtClean="0"/>
-              <a:t>1/12/2021</a:t>
+              <a:t>1/14/2021</a:t>
             </a:fld>
             <a:endParaRPr lang="en-US" dirty="0"/>
           </a:p>
@@ -2917,7 +2917,7 @@
           <a:p>
             <a:fld id="{9DEB64E9-A623-6D49-92EA-7C36C81F7406}" type="datetimeFigureOut">
               <a:rPr lang="en-US" smtClean="0"/>
-              <a:t>1/12/2021</a:t>
+              <a:t>1/14/2021</a:t>
             </a:fld>
             <a:endParaRPr lang="en-US" dirty="0"/>
           </a:p>
@@ -3832,8 +3832,8 @@
         </p:nvSpPr>
         <p:spPr>
           <a:xfrm>
-            <a:off x="3646707" y="2521225"/>
-            <a:ext cx="2024337" cy="446276"/>
+            <a:off x="3646707" y="2665603"/>
+            <a:ext cx="2024337" cy="276999"/>
           </a:xfrm>
           <a:prstGeom prst="rect">
             <a:avLst/>
@@ -3876,6 +3876,38 @@
               <a:cs typeface="Arial" panose="020B0604020202020204" pitchFamily="34" charset="0"/>
             </a:endParaRPr>
           </a:p>
+        </p:txBody>
+      </p:sp>
+      <p:sp>
+        <p:nvSpPr>
+          <p:cNvPr id="131" name="Rectangle 130">
+            <a:extLst>
+              <a:ext uri="{FF2B5EF4-FFF2-40B4-BE49-F238E27FC236}">
+                <a16:creationId xmlns:a16="http://schemas.microsoft.com/office/drawing/2014/main" id="{4967F2E9-2AE1-FD48-BD79-107F413CC5FA}"/>
+              </a:ext>
+            </a:extLst>
+          </p:cNvPr>
+          <p:cNvSpPr/>
+          <p:nvPr/>
+        </p:nvSpPr>
+        <p:spPr>
+          <a:xfrm>
+            <a:off x="6616659" y="2532086"/>
+            <a:ext cx="1128200" cy="369332"/>
+          </a:xfrm>
+          <a:prstGeom prst="rect">
+            <a:avLst/>
+          </a:prstGeom>
+          <a:noFill/>
+          <a:ln>
+            <a:noFill/>
+          </a:ln>
+        </p:spPr>
+        <p:txBody>
+          <a:bodyPr wrap="square" lIns="0" tIns="0" rIns="0" bIns="0" anchor="ctr" anchorCtr="0">
+            <a:spAutoFit/>
+          </a:bodyPr>
+          <a:lstStyle/>
           <a:p>
             <a:pPr algn="ctr" defTabSz="1096933" fontAlgn="base">
               <a:spcBef>
@@ -3887,70 +3919,30 @@
               <a:defRPr/>
             </a:pPr>
             <a:r>
-              <a:rPr lang="en-US" sz="1100" dirty="0" smtClean="0">
+              <a:rPr lang="en-US" sz="1200" dirty="0">
                 <a:latin typeface="Arial" panose="020B0604020202020204" pitchFamily="34" charset="0"/>
                 <a:ea typeface="Amazon Ember" panose="020B0603020204020204" pitchFamily="34" charset="0"/>
                 <a:cs typeface="Arial" panose="020B0604020202020204" pitchFamily="34" charset="0"/>
               </a:rPr>
-              <a:t>(</a:t>
-            </a:r>
-            <a:r>
-              <a:rPr lang="en-US" sz="1100" dirty="0">
+              <a:t>ML </a:t>
+            </a:r>
+            <a:r>
+              <a:rPr lang="en-US" sz="1200" dirty="0" smtClean="0">
                 <a:latin typeface="Arial" panose="020B0604020202020204" pitchFamily="34" charset="0"/>
                 <a:ea typeface="Amazon Ember" panose="020B0603020204020204" pitchFamily="34" charset="0"/>
                 <a:cs typeface="Arial" panose="020B0604020202020204" pitchFamily="34" charset="0"/>
               </a:rPr>
-              <a:t>e</a:t>
-            </a:r>
-            <a:r>
-              <a:rPr lang="en-US" sz="1100" dirty="0" smtClean="0">
+              <a:t>models </a:t>
+            </a:r>
+            <a:r>
+              <a:rPr lang="en-US" sz="1200" dirty="0">
                 <a:latin typeface="Arial" panose="020B0604020202020204" pitchFamily="34" charset="0"/>
                 <a:ea typeface="Amazon Ember" panose="020B0603020204020204" pitchFamily="34" charset="0"/>
                 <a:cs typeface="Arial" panose="020B0604020202020204" pitchFamily="34" charset="0"/>
               </a:rPr>
-              <a:t>dge gateway</a:t>
-            </a:r>
-            <a:r>
-              <a:rPr lang="en-US" sz="1100" dirty="0">
-                <a:latin typeface="Arial" panose="020B0604020202020204" pitchFamily="34" charset="0"/>
-                <a:ea typeface="Amazon Ember" panose="020B0603020204020204" pitchFamily="34" charset="0"/>
-                <a:cs typeface="Arial" panose="020B0604020202020204" pitchFamily="34" charset="0"/>
-              </a:rPr>
-              <a:t>)</a:t>
-            </a:r>
-          </a:p>
-        </p:txBody>
-      </p:sp>
-      <p:sp>
-        <p:nvSpPr>
-          <p:cNvPr id="131" name="Rectangle 130">
-            <a:extLst>
-              <a:ext uri="{FF2B5EF4-FFF2-40B4-BE49-F238E27FC236}">
-                <a16:creationId xmlns:a16="http://schemas.microsoft.com/office/drawing/2014/main" id="{4967F2E9-2AE1-FD48-BD79-107F413CC5FA}"/>
-              </a:ext>
-            </a:extLst>
-          </p:cNvPr>
-          <p:cNvSpPr/>
-          <p:nvPr/>
-        </p:nvSpPr>
-        <p:spPr>
-          <a:xfrm>
-            <a:off x="6616659" y="2532086"/>
-            <a:ext cx="1128200" cy="369332"/>
-          </a:xfrm>
-          <a:prstGeom prst="rect">
-            <a:avLst/>
-          </a:prstGeom>
-          <a:noFill/>
-          <a:ln>
-            <a:noFill/>
-          </a:ln>
-        </p:spPr>
-        <p:txBody>
-          <a:bodyPr wrap="square" lIns="0" tIns="0" rIns="0" bIns="0" anchor="ctr" anchorCtr="0">
-            <a:spAutoFit/>
-          </a:bodyPr>
-          <a:lstStyle/>
+              <a:t>and </a:t>
+            </a:r>
+          </a:p>
           <a:p>
             <a:pPr algn="ctr" defTabSz="1096933" fontAlgn="base">
               <a:spcBef>
@@ -3975,17 +3967,46 @@
                 <a:ea typeface="Amazon Ember" panose="020B0603020204020204" pitchFamily="34" charset="0"/>
                 <a:cs typeface="Arial" panose="020B0604020202020204" pitchFamily="34" charset="0"/>
               </a:rPr>
-              <a:t>models </a:t>
-            </a:r>
-            <a:r>
-              <a:rPr lang="en-US" sz="1200" dirty="0">
-                <a:latin typeface="Arial" panose="020B0604020202020204" pitchFamily="34" charset="0"/>
-                <a:ea typeface="Amazon Ember" panose="020B0603020204020204" pitchFamily="34" charset="0"/>
-                <a:cs typeface="Arial" panose="020B0604020202020204" pitchFamily="34" charset="0"/>
-              </a:rPr>
-              <a:t>and </a:t>
-            </a:r>
-          </a:p>
+              <a:t>inference</a:t>
+            </a:r>
+            <a:endParaRPr lang="en-US" sz="1200" dirty="0">
+              <a:latin typeface="Arial" panose="020B0604020202020204" pitchFamily="34" charset="0"/>
+              <a:ea typeface="Amazon Ember" panose="020B0603020204020204" pitchFamily="34" charset="0"/>
+              <a:cs typeface="Arial" panose="020B0604020202020204" pitchFamily="34" charset="0"/>
+            </a:endParaRPr>
+          </a:p>
+        </p:txBody>
+      </p:sp>
+      <p:sp>
+        <p:nvSpPr>
+          <p:cNvPr id="160" name="Rectangle 159">
+            <a:extLst>
+              <a:ext uri="{FF2B5EF4-FFF2-40B4-BE49-F238E27FC236}">
+                <a16:creationId xmlns:a16="http://schemas.microsoft.com/office/drawing/2014/main" id="{B71D417B-CC8A-3241-A6B1-7312D0A5480A}"/>
+              </a:ext>
+            </a:extLst>
+          </p:cNvPr>
+          <p:cNvSpPr/>
+          <p:nvPr/>
+        </p:nvSpPr>
+        <p:spPr>
+          <a:xfrm>
+            <a:off x="606321" y="586224"/>
+            <a:ext cx="5862068" cy="276999"/>
+          </a:xfrm>
+          <a:prstGeom prst="rect">
+            <a:avLst/>
+          </a:prstGeom>
+          <a:noFill/>
+          <a:ln>
+            <a:noFill/>
+          </a:ln>
+        </p:spPr>
+        <p:txBody>
+          <a:bodyPr wrap="square" lIns="0" tIns="0" rIns="0" bIns="0" anchor="ctr" anchorCtr="0">
+            <a:spAutoFit/>
+          </a:bodyPr>
+          <a:lstStyle/>
           <a:p>
             <a:pPr algn="ctr" defTabSz="1096933" fontAlgn="base">
               <a:spcBef>
@@ -3997,70 +4018,6 @@
               <a:defRPr/>
             </a:pPr>
             <a:r>
-              <a:rPr lang="en-US" sz="1200" dirty="0">
-                <a:latin typeface="Arial" panose="020B0604020202020204" pitchFamily="34" charset="0"/>
-                <a:ea typeface="Amazon Ember" panose="020B0603020204020204" pitchFamily="34" charset="0"/>
-                <a:cs typeface="Arial" panose="020B0604020202020204" pitchFamily="34" charset="0"/>
-              </a:rPr>
-              <a:t>ML </a:t>
-            </a:r>
-            <a:r>
-              <a:rPr lang="en-US" sz="1200" dirty="0" smtClean="0">
-                <a:latin typeface="Arial" panose="020B0604020202020204" pitchFamily="34" charset="0"/>
-                <a:ea typeface="Amazon Ember" panose="020B0603020204020204" pitchFamily="34" charset="0"/>
-                <a:cs typeface="Arial" panose="020B0604020202020204" pitchFamily="34" charset="0"/>
-              </a:rPr>
-              <a:t>inference</a:t>
-            </a:r>
-            <a:endParaRPr lang="en-US" sz="1200" dirty="0">
-              <a:latin typeface="Arial" panose="020B0604020202020204" pitchFamily="34" charset="0"/>
-              <a:ea typeface="Amazon Ember" panose="020B0603020204020204" pitchFamily="34" charset="0"/>
-              <a:cs typeface="Arial" panose="020B0604020202020204" pitchFamily="34" charset="0"/>
-            </a:endParaRPr>
-          </a:p>
-        </p:txBody>
-      </p:sp>
-      <p:sp>
-        <p:nvSpPr>
-          <p:cNvPr id="160" name="Rectangle 159">
-            <a:extLst>
-              <a:ext uri="{FF2B5EF4-FFF2-40B4-BE49-F238E27FC236}">
-                <a16:creationId xmlns:a16="http://schemas.microsoft.com/office/drawing/2014/main" id="{B71D417B-CC8A-3241-A6B1-7312D0A5480A}"/>
-              </a:ext>
-            </a:extLst>
-          </p:cNvPr>
-          <p:cNvSpPr/>
-          <p:nvPr/>
-        </p:nvSpPr>
-        <p:spPr>
-          <a:xfrm>
-            <a:off x="606321" y="586224"/>
-            <a:ext cx="5862068" cy="276999"/>
-          </a:xfrm>
-          <a:prstGeom prst="rect">
-            <a:avLst/>
-          </a:prstGeom>
-          <a:noFill/>
-          <a:ln>
-            <a:noFill/>
-          </a:ln>
-        </p:spPr>
-        <p:txBody>
-          <a:bodyPr wrap="square" lIns="0" tIns="0" rIns="0" bIns="0" anchor="ctr" anchorCtr="0">
-            <a:spAutoFit/>
-          </a:bodyPr>
-          <a:lstStyle/>
-          <a:p>
-            <a:pPr algn="ctr" defTabSz="1096933" fontAlgn="base">
-              <a:spcBef>
-                <a:spcPct val="0"/>
-              </a:spcBef>
-              <a:spcAft>
-                <a:spcPct val="0"/>
-              </a:spcAft>
-              <a:defRPr/>
-            </a:pPr>
-            <a:r>
               <a:rPr lang="en-US" sz="1800" dirty="0">
                 <a:latin typeface="Arial" panose="020B0604020202020204" pitchFamily="34" charset="0"/>
                 <a:ea typeface="Amazon Ember" panose="020B0603020204020204" pitchFamily="34" charset="0"/>
@@ -4159,7 +4116,7 @@
           <a:blip r:embed="rId2">
             <a:extLst>
               <a:ext uri="{96DAC541-7B7A-43D3-8B79-37D633B846F1}">
-                <asvg:svgBlip xmlns:asvg="http://schemas.microsoft.com/office/drawing/2016/SVG/main" xmlns="" r:embed="rId15"/>
+                <asvg:svgBlip xmlns="" xmlns:asvg="http://schemas.microsoft.com/office/drawing/2016/SVG/main" r:embed="rId15"/>
               </a:ext>
             </a:extLst>
           </a:blip>
@@ -4329,7 +4286,7 @@
           <a:blip r:embed="rId16">
             <a:extLst>
               <a:ext uri="{96DAC541-7B7A-43D3-8B79-37D633B846F1}">
-                <asvg:svgBlip xmlns:asvg="http://schemas.microsoft.com/office/drawing/2016/SVG/main" xmlns="" r:embed="rId19"/>
+                <asvg:svgBlip xmlns="" xmlns:asvg="http://schemas.microsoft.com/office/drawing/2016/SVG/main" r:embed="rId19"/>
               </a:ext>
             </a:extLst>
           </a:blip>
@@ -4365,7 +4322,7 @@
           <a:blip r:embed="rId20">
             <a:extLst>
               <a:ext uri="{96DAC541-7B7A-43D3-8B79-37D633B846F1}">
-                <asvg:svgBlip xmlns:asvg="http://schemas.microsoft.com/office/drawing/2016/SVG/main" xmlns="" r:embed="rId21"/>
+                <asvg:svgBlip xmlns="" xmlns:asvg="http://schemas.microsoft.com/office/drawing/2016/SVG/main" r:embed="rId21"/>
               </a:ext>
             </a:extLst>
           </a:blip>
@@ -4401,7 +4358,7 @@
           <a:blip r:embed="rId22">
             <a:extLst>
               <a:ext uri="{96DAC541-7B7A-43D3-8B79-37D633B846F1}">
-                <asvg:svgBlip xmlns:asvg="http://schemas.microsoft.com/office/drawing/2016/SVG/main" xmlns="" r:embed="rId23"/>
+                <asvg:svgBlip xmlns="" xmlns:asvg="http://schemas.microsoft.com/office/drawing/2016/SVG/main" r:embed="rId23"/>
               </a:ext>
             </a:extLst>
           </a:blip>
@@ -4571,7 +4528,7 @@
           <a:blip r:embed="rId24">
             <a:extLst>
               <a:ext uri="{96DAC541-7B7A-43D3-8B79-37D633B846F1}">
-                <asvg:svgBlip xmlns:asvg="http://schemas.microsoft.com/office/drawing/2016/SVG/main" xmlns="" r:embed="rId25"/>
+                <asvg:svgBlip xmlns="" xmlns:asvg="http://schemas.microsoft.com/office/drawing/2016/SVG/main" r:embed="rId25"/>
               </a:ext>
             </a:extLst>
           </a:blip>
@@ -4641,9 +4598,8 @@
           </a:bodyPr>
           <a:lstStyle/>
           <a:p>
-            <a:pPr algn="l"/>
-            <a:r>
-              <a:rPr lang="en-US" sz="1200" dirty="0">
+            <a:r>
+              <a:rPr lang="en-US" sz="1200" dirty="0" smtClean="0">
                 <a:ln w="0"/>
                 <a:solidFill>
                   <a:srgbClr val="D86613"/>
@@ -4651,8 +4607,49 @@
                 <a:latin typeface="Arial" panose="020B0604020202020204" pitchFamily="34" charset="0"/>
                 <a:cs typeface="Arial" panose="020B0604020202020204" pitchFamily="34" charset="0"/>
               </a:rPr>
-              <a:t>EC2 instance 2</a:t>
-            </a:r>
+              <a:t>EC2 instance 2 </a:t>
+            </a:r>
+            <a:r>
+              <a:rPr lang="en-US" sz="1200" dirty="0">
+                <a:solidFill>
+                  <a:srgbClr val="D86613"/>
+                </a:solidFill>
+                <a:latin typeface="Arial" panose="020B0604020202020204" pitchFamily="34" charset="0"/>
+                <a:ea typeface="Amazon Ember" panose="020B0603020204020204" pitchFamily="34" charset="0"/>
+                <a:cs typeface="Arial" panose="020B0604020202020204" pitchFamily="34" charset="0"/>
+              </a:rPr>
+              <a:t>(simulated </a:t>
+            </a:r>
+            <a:r>
+              <a:rPr lang="en-US" sz="1200" dirty="0" smtClean="0">
+                <a:solidFill>
+                  <a:srgbClr val="D86613"/>
+                </a:solidFill>
+                <a:latin typeface="Arial" panose="020B0604020202020204" pitchFamily="34" charset="0"/>
+                <a:ea typeface="Amazon Ember" panose="020B0603020204020204" pitchFamily="34" charset="0"/>
+                <a:cs typeface="Arial" panose="020B0604020202020204" pitchFamily="34" charset="0"/>
+              </a:rPr>
+              <a:t>edge-gateway device)</a:t>
+            </a:r>
+            <a:endParaRPr lang="en-US" sz="1200" dirty="0">
+              <a:solidFill>
+                <a:srgbClr val="D86613"/>
+              </a:solidFill>
+              <a:latin typeface="Arial" panose="020B0604020202020204" pitchFamily="34" charset="0"/>
+              <a:ea typeface="Amazon Ember" panose="020B0603020204020204" pitchFamily="34" charset="0"/>
+              <a:cs typeface="Arial" panose="020B0604020202020204" pitchFamily="34" charset="0"/>
+            </a:endParaRPr>
+          </a:p>
+          <a:p>
+            <a:pPr algn="l"/>
+            <a:endParaRPr lang="en-US" sz="1200" dirty="0">
+              <a:ln w="0"/>
+              <a:solidFill>
+                <a:srgbClr val="D86613"/>
+              </a:solidFill>
+              <a:latin typeface="Arial" panose="020B0604020202020204" pitchFamily="34" charset="0"/>
+              <a:cs typeface="Arial" panose="020B0604020202020204" pitchFamily="34" charset="0"/>
+            </a:endParaRPr>
           </a:p>
         </p:txBody>
       </p:sp>
@@ -4674,7 +4671,7 @@
           <a:blip r:embed="rId24">
             <a:extLst>
               <a:ext uri="{96DAC541-7B7A-43D3-8B79-37D633B846F1}">
-                <asvg:svgBlip xmlns:asvg="http://schemas.microsoft.com/office/drawing/2016/SVG/main" xmlns="" r:embed="rId25"/>
+                <asvg:svgBlip xmlns="" xmlns:asvg="http://schemas.microsoft.com/office/drawing/2016/SVG/main" r:embed="rId25"/>
               </a:ext>
             </a:extLst>
           </a:blip>
@@ -4824,8 +4821,8 @@
         </p:nvSpPr>
         <p:spPr>
           <a:xfrm>
-            <a:off x="3390945" y="2506629"/>
-            <a:ext cx="2378231" cy="3436477"/>
+            <a:off x="3390945" y="2661664"/>
+            <a:ext cx="2378231" cy="3281442"/>
           </a:xfrm>
           <a:prstGeom prst="rect">
             <a:avLst/>
@@ -4892,7 +4889,7 @@
           <a:blip r:embed="rId26">
             <a:extLst>
               <a:ext uri="{96DAC541-7B7A-43D3-8B79-37D633B846F1}">
-                <asvg:svgBlip xmlns:asvg="http://schemas.microsoft.com/office/drawing/2016/SVG/main" xmlns="" r:embed="rId28"/>
+                <asvg:svgBlip xmlns="" xmlns:asvg="http://schemas.microsoft.com/office/drawing/2016/SVG/main" r:embed="rId28"/>
               </a:ext>
             </a:extLst>
           </a:blip>
@@ -4902,7 +4899,7 @@
         </p:blipFill>
         <p:spPr>
           <a:xfrm>
-            <a:off x="3387492" y="2509265"/>
+            <a:off x="3387492" y="2661664"/>
             <a:ext cx="317409" cy="317409"/>
           </a:xfrm>
           <a:prstGeom prst="rect">
@@ -6198,7 +6195,7 @@
           <a:blip r:embed="rId29">
             <a:extLst>
               <a:ext uri="{96DAC541-7B7A-43D3-8B79-37D633B846F1}">
-                <asvg:svgBlip xmlns:asvg="http://schemas.microsoft.com/office/drawing/2016/SVG/main" xmlns="" r:embed="rId13"/>
+                <asvg:svgBlip xmlns="" xmlns:asvg="http://schemas.microsoft.com/office/drawing/2016/SVG/main" r:embed="rId13"/>
               </a:ext>
             </a:extLst>
           </a:blip>
@@ -6234,7 +6231,7 @@
           <a:blip r:embed="rId30">
             <a:extLst>
               <a:ext uri="{96DAC541-7B7A-43D3-8B79-37D633B846F1}">
-                <asvg:svgBlip xmlns:asvg="http://schemas.microsoft.com/office/drawing/2016/SVG/main" xmlns="" r:embed="rId31"/>
+                <asvg:svgBlip xmlns="" xmlns:asvg="http://schemas.microsoft.com/office/drawing/2016/SVG/main" r:embed="rId31"/>
               </a:ext>
             </a:extLst>
           </a:blip>
@@ -6270,7 +6267,7 @@
           <a:blip r:embed="rId32">
             <a:extLst>
               <a:ext uri="{96DAC541-7B7A-43D3-8B79-37D633B846F1}">
-                <asvg:svgBlip xmlns:asvg="http://schemas.microsoft.com/office/drawing/2016/SVG/main" xmlns="" r:embed="rId9"/>
+                <asvg:svgBlip xmlns="" xmlns:asvg="http://schemas.microsoft.com/office/drawing/2016/SVG/main" r:embed="rId9"/>
               </a:ext>
             </a:extLst>
           </a:blip>
@@ -6306,7 +6303,7 @@
           <a:blip r:embed="rId33">
             <a:extLst>
               <a:ext uri="{96DAC541-7B7A-43D3-8B79-37D633B846F1}">
-                <asvg:svgBlip xmlns:asvg="http://schemas.microsoft.com/office/drawing/2016/SVG/main" xmlns="" r:embed="rId17"/>
+                <asvg:svgBlip xmlns="" xmlns:asvg="http://schemas.microsoft.com/office/drawing/2016/SVG/main" r:embed="rId17"/>
               </a:ext>
             </a:extLst>
           </a:blip>
@@ -6342,7 +6339,7 @@
           <a:blip r:embed="rId34">
             <a:extLst>
               <a:ext uri="{96DAC541-7B7A-43D3-8B79-37D633B846F1}">
-                <asvg:svgBlip xmlns:asvg="http://schemas.microsoft.com/office/drawing/2016/SVG/main" xmlns="" r:embed="rId35"/>
+                <asvg:svgBlip xmlns="" xmlns:asvg="http://schemas.microsoft.com/office/drawing/2016/SVG/main" r:embed="rId35"/>
               </a:ext>
             </a:extLst>
           </a:blip>
@@ -6378,7 +6375,7 @@
           <a:blip r:embed="rId36">
             <a:extLst>
               <a:ext uri="{96DAC541-7B7A-43D3-8B79-37D633B846F1}">
-                <asvg:svgBlip xmlns:asvg="http://schemas.microsoft.com/office/drawing/2016/SVG/main" xmlns="" r:embed="rId37"/>
+                <asvg:svgBlip xmlns="" xmlns:asvg="http://schemas.microsoft.com/office/drawing/2016/SVG/main" r:embed="rId37"/>
               </a:ext>
             </a:extLst>
           </a:blip>
@@ -6734,7 +6731,7 @@
           <a:blip r:embed="rId32">
             <a:extLst>
               <a:ext uri="{96DAC541-7B7A-43D3-8B79-37D633B846F1}">
-                <asvg:svgBlip xmlns:asvg="http://schemas.microsoft.com/office/drawing/2016/SVG/main" xmlns="" r:embed="rId9"/>
+                <asvg:svgBlip xmlns="" xmlns:asvg="http://schemas.microsoft.com/office/drawing/2016/SVG/main" r:embed="rId9"/>
               </a:ext>
             </a:extLst>
           </a:blip>
@@ -6770,7 +6767,7 @@
           <a:blip r:embed="rId38">
             <a:extLst>
               <a:ext uri="{96DAC541-7B7A-43D3-8B79-37D633B846F1}">
-                <asvg:svgBlip xmlns:asvg="http://schemas.microsoft.com/office/drawing/2016/SVG/main" xmlns="" r:embed="rId11"/>
+                <asvg:svgBlip xmlns="" xmlns:asvg="http://schemas.microsoft.com/office/drawing/2016/SVG/main" r:embed="rId11"/>
               </a:ext>
             </a:extLst>
           </a:blip>
@@ -9472,7 +9469,7 @@
         </p:nvSpPr>
         <p:spPr>
           <a:xfrm>
-            <a:off x="2618373" y="1302368"/>
+            <a:off x="2626394" y="1358515"/>
             <a:ext cx="3045331" cy="276999"/>
           </a:xfrm>
           <a:prstGeom prst="rect">
@@ -9500,7 +9497,7 @@
                 <a:ea typeface="Amazon Ember" panose="020B0603020204020204" pitchFamily="34" charset="0"/>
                 <a:cs typeface="Arial" panose="020B0604020202020204" pitchFamily="34" charset="0"/>
               </a:rPr>
-              <a:t>Edge </a:t>
+              <a:t>Industrial PC </a:t>
             </a:r>
             <a:r>
               <a:rPr lang="en-US" sz="1200" dirty="0" smtClean="0">
@@ -9508,16 +9505,13 @@
                 <a:ea typeface="Amazon Ember" panose="020B0603020204020204" pitchFamily="34" charset="0"/>
                 <a:cs typeface="Arial" panose="020B0604020202020204" pitchFamily="34" charset="0"/>
               </a:rPr>
-              <a:t>device (industrial </a:t>
-            </a:r>
-            <a:r>
-              <a:rPr lang="en-US" sz="1200" dirty="0">
-                <a:latin typeface="Arial" panose="020B0604020202020204" pitchFamily="34" charset="0"/>
-                <a:ea typeface="Amazon Ember" panose="020B0603020204020204" pitchFamily="34" charset="0"/>
-                <a:cs typeface="Arial" panose="020B0604020202020204" pitchFamily="34" charset="0"/>
-              </a:rPr>
-              <a:t>PC)</a:t>
-            </a:r>
+              <a:t>(edge-gateway device)</a:t>
+            </a:r>
+            <a:endParaRPr lang="en-US" sz="1200" dirty="0">
+              <a:latin typeface="Arial" panose="020B0604020202020204" pitchFamily="34" charset="0"/>
+              <a:ea typeface="Amazon Ember" panose="020B0603020204020204" pitchFamily="34" charset="0"/>
+              <a:cs typeface="Arial" panose="020B0604020202020204" pitchFamily="34" charset="0"/>
+            </a:endParaRPr>
           </a:p>
         </p:txBody>
       </p:sp>
@@ -9535,8 +9529,8 @@
         </p:nvSpPr>
         <p:spPr>
           <a:xfrm>
-            <a:off x="3490855" y="1694572"/>
-            <a:ext cx="3006691" cy="4337376"/>
+            <a:off x="3490855" y="1738020"/>
+            <a:ext cx="3006691" cy="4293928"/>
           </a:xfrm>
           <a:prstGeom prst="rect">
             <a:avLst/>
@@ -9599,8 +9593,8 @@
         </p:nvSpPr>
         <p:spPr>
           <a:xfrm>
-            <a:off x="3868890" y="1689308"/>
-            <a:ext cx="2397450" cy="461665"/>
+            <a:off x="3868890" y="1729413"/>
+            <a:ext cx="2397450" cy="276999"/>
           </a:xfrm>
           <a:prstGeom prst="rect">
             <a:avLst/>
@@ -9637,45 +9631,11 @@
               </a:rPr>
               <a:t>Greengrass core </a:t>
             </a:r>
-            <a:br>
-              <a:rPr lang="en-US" sz="1200" dirty="0" smtClean="0">
-                <a:latin typeface="Arial" panose="020B0604020202020204" pitchFamily="34" charset="0"/>
-                <a:ea typeface="Amazon Ember" panose="020B0603020204020204" pitchFamily="34" charset="0"/>
-                <a:cs typeface="Arial" panose="020B0604020202020204" pitchFamily="34" charset="0"/>
-              </a:rPr>
-            </a:br>
-            <a:r>
-              <a:rPr lang="en-US" sz="1100" dirty="0" smtClean="0">
-                <a:latin typeface="Arial" panose="020B0604020202020204" pitchFamily="34" charset="0"/>
-                <a:ea typeface="Amazon Ember" panose="020B0603020204020204" pitchFamily="34" charset="0"/>
-                <a:cs typeface="Arial" panose="020B0604020202020204" pitchFamily="34" charset="0"/>
-              </a:rPr>
-              <a:t>(edge </a:t>
-            </a:r>
-            <a:r>
-              <a:rPr lang="en-US" sz="1100" dirty="0">
-                <a:latin typeface="Arial" panose="020B0604020202020204" pitchFamily="34" charset="0"/>
-                <a:ea typeface="Amazon Ember" panose="020B0603020204020204" pitchFamily="34" charset="0"/>
-                <a:cs typeface="Arial" panose="020B0604020202020204" pitchFamily="34" charset="0"/>
-              </a:rPr>
-              <a:t>g</a:t>
-            </a:r>
-            <a:r>
-              <a:rPr lang="en-US" sz="1100" dirty="0" smtClean="0">
-                <a:latin typeface="Arial" panose="020B0604020202020204" pitchFamily="34" charset="0"/>
-                <a:ea typeface="Amazon Ember" panose="020B0603020204020204" pitchFamily="34" charset="0"/>
-                <a:cs typeface="Arial" panose="020B0604020202020204" pitchFamily="34" charset="0"/>
-              </a:rPr>
-              <a:t>ateway</a:t>
-            </a:r>
-            <a:r>
-              <a:rPr lang="en-US" sz="1100" dirty="0">
-                <a:latin typeface="Arial" panose="020B0604020202020204" pitchFamily="34" charset="0"/>
-                <a:ea typeface="Amazon Ember" panose="020B0603020204020204" pitchFamily="34" charset="0"/>
-                <a:cs typeface="Arial" panose="020B0604020202020204" pitchFamily="34" charset="0"/>
-              </a:rPr>
-              <a:t>)</a:t>
-            </a:r>
+            <a:endParaRPr lang="en-US" sz="1100" dirty="0">
+              <a:latin typeface="Arial" panose="020B0604020202020204" pitchFamily="34" charset="0"/>
+              <a:ea typeface="Amazon Ember" panose="020B0603020204020204" pitchFamily="34" charset="0"/>
+              <a:cs typeface="Arial" panose="020B0604020202020204" pitchFamily="34" charset="0"/>
+            </a:endParaRPr>
           </a:p>
         </p:txBody>
       </p:sp>
@@ -11924,7 +11884,7 @@
           <a:blip r:embed="rId3">
             <a:extLst>
               <a:ext uri="{96DAC541-7B7A-43D3-8B79-37D633B846F1}">
-                <asvg:svgBlip xmlns:asvg="http://schemas.microsoft.com/office/drawing/2016/SVG/main" xmlns="" r:embed="rId13"/>
+                <asvg:svgBlip xmlns="" xmlns:asvg="http://schemas.microsoft.com/office/drawing/2016/SVG/main" r:embed="rId13"/>
               </a:ext>
             </a:extLst>
           </a:blip>
@@ -11960,7 +11920,7 @@
           <a:blip r:embed="rId14">
             <a:extLst>
               <a:ext uri="{96DAC541-7B7A-43D3-8B79-37D633B846F1}">
-                <asvg:svgBlip xmlns:asvg="http://schemas.microsoft.com/office/drawing/2016/SVG/main" xmlns="" r:embed="rId15"/>
+                <asvg:svgBlip xmlns="" xmlns:asvg="http://schemas.microsoft.com/office/drawing/2016/SVG/main" r:embed="rId15"/>
               </a:ext>
             </a:extLst>
           </a:blip>
@@ -11996,7 +11956,7 @@
           <a:blip r:embed="rId16">
             <a:extLst>
               <a:ext uri="{96DAC541-7B7A-43D3-8B79-37D633B846F1}">
-                <asvg:svgBlip xmlns:asvg="http://schemas.microsoft.com/office/drawing/2016/SVG/main" xmlns="" r:embed="rId9"/>
+                <asvg:svgBlip xmlns="" xmlns:asvg="http://schemas.microsoft.com/office/drawing/2016/SVG/main" r:embed="rId9"/>
               </a:ext>
             </a:extLst>
           </a:blip>
@@ -12032,7 +11992,7 @@
           <a:blip r:embed="rId17">
             <a:extLst>
               <a:ext uri="{96DAC541-7B7A-43D3-8B79-37D633B846F1}">
-                <asvg:svgBlip xmlns:asvg="http://schemas.microsoft.com/office/drawing/2016/SVG/main" xmlns="" r:embed="rId18"/>
+                <asvg:svgBlip xmlns="" xmlns:asvg="http://schemas.microsoft.com/office/drawing/2016/SVG/main" r:embed="rId18"/>
               </a:ext>
             </a:extLst>
           </a:blip>
@@ -12068,7 +12028,7 @@
           <a:blip r:embed="rId19">
             <a:extLst>
               <a:ext uri="{96DAC541-7B7A-43D3-8B79-37D633B846F1}">
-                <asvg:svgBlip xmlns:asvg="http://schemas.microsoft.com/office/drawing/2016/SVG/main" xmlns="" r:embed="rId20"/>
+                <asvg:svgBlip xmlns="" xmlns:asvg="http://schemas.microsoft.com/office/drawing/2016/SVG/main" r:embed="rId20"/>
               </a:ext>
             </a:extLst>
           </a:blip>
@@ -12104,7 +12064,7 @@
           <a:blip r:embed="rId21">
             <a:extLst>
               <a:ext uri="{96DAC541-7B7A-43D3-8B79-37D633B846F1}">
-                <asvg:svgBlip xmlns:asvg="http://schemas.microsoft.com/office/drawing/2016/SVG/main" xmlns="" r:embed="rId22"/>
+                <asvg:svgBlip xmlns="" xmlns:asvg="http://schemas.microsoft.com/office/drawing/2016/SVG/main" r:embed="rId22"/>
               </a:ext>
             </a:extLst>
           </a:blip>
@@ -12140,7 +12100,7 @@
           <a:blip r:embed="rId23">
             <a:extLst>
               <a:ext uri="{96DAC541-7B7A-43D3-8B79-37D633B846F1}">
-                <asvg:svgBlip xmlns:asvg="http://schemas.microsoft.com/office/drawing/2016/SVG/main" xmlns="" r:embed="rId24"/>
+                <asvg:svgBlip xmlns="" xmlns:asvg="http://schemas.microsoft.com/office/drawing/2016/SVG/main" r:embed="rId24"/>
               </a:ext>
             </a:extLst>
           </a:blip>
@@ -12319,7 +12279,7 @@
           <a:blip r:embed="rId26">
             <a:extLst>
               <a:ext uri="{96DAC541-7B7A-43D3-8B79-37D633B846F1}">
-                <asvg:svgBlip xmlns:asvg="http://schemas.microsoft.com/office/drawing/2016/SVG/main" xmlns="" r:embed="rId28"/>
+                <asvg:svgBlip xmlns="" xmlns:asvg="http://schemas.microsoft.com/office/drawing/2016/SVG/main" r:embed="rId28"/>
               </a:ext>
             </a:extLst>
           </a:blip>
@@ -13828,7 +13788,7 @@
           <a:blip r:embed="rId32">
             <a:extLst>
               <a:ext uri="{96DAC541-7B7A-43D3-8B79-37D633B846F1}">
-                <asvg:svgBlip xmlns:asvg="http://schemas.microsoft.com/office/drawing/2016/SVG/main" xmlns="" r:embed="rId33"/>
+                <asvg:svgBlip xmlns="" xmlns:asvg="http://schemas.microsoft.com/office/drawing/2016/SVG/main" r:embed="rId33"/>
               </a:ext>
             </a:extLst>
           </a:blip>
@@ -13838,7 +13798,7 @@
         </p:blipFill>
         <p:spPr>
           <a:xfrm>
-            <a:off x="3490856" y="1697915"/>
+            <a:off x="3490856" y="1738020"/>
             <a:ext cx="317409" cy="317409"/>
           </a:xfrm>
           <a:prstGeom prst="rect">
@@ -14179,7 +14139,7 @@
           <a:blip r:embed="rId16">
             <a:extLst>
               <a:ext uri="{96DAC541-7B7A-43D3-8B79-37D633B846F1}">
-                <asvg:svgBlip xmlns:asvg="http://schemas.microsoft.com/office/drawing/2016/SVG/main" xmlns="" r:embed="rId34"/>
+                <asvg:svgBlip xmlns="" xmlns:asvg="http://schemas.microsoft.com/office/drawing/2016/SVG/main" r:embed="rId34"/>
               </a:ext>
             </a:extLst>
           </a:blip>
@@ -14215,7 +14175,7 @@
           <a:blip r:embed="rId35">
             <a:extLst>
               <a:ext uri="{96DAC541-7B7A-43D3-8B79-37D633B846F1}">
-                <asvg:svgBlip xmlns:asvg="http://schemas.microsoft.com/office/drawing/2016/SVG/main" xmlns="" r:embed="rId11"/>
+                <asvg:svgBlip xmlns="" xmlns:asvg="http://schemas.microsoft.com/office/drawing/2016/SVG/main" r:embed="rId11"/>
               </a:ext>
             </a:extLst>
           </a:blip>
@@ -14681,7 +14641,7 @@
           <a:blip r:embed="rId2">
             <a:extLst>
               <a:ext uri="{96DAC541-7B7A-43D3-8B79-37D633B846F1}">
-                <asvg:svgBlip xmlns:asvg="http://schemas.microsoft.com/office/drawing/2016/SVG/main" xmlns="" r:embed="rId3"/>
+                <asvg:svgBlip xmlns="" xmlns:asvg="http://schemas.microsoft.com/office/drawing/2016/SVG/main" r:embed="rId3"/>
               </a:ext>
             </a:extLst>
           </a:blip>
@@ -14717,7 +14677,7 @@
           <a:blip r:embed="rId4">
             <a:extLst>
               <a:ext uri="{96DAC541-7B7A-43D3-8B79-37D633B846F1}">
-                <asvg:svgBlip xmlns:asvg="http://schemas.microsoft.com/office/drawing/2016/SVG/main" xmlns="" r:embed="rId5"/>
+                <asvg:svgBlip xmlns="" xmlns:asvg="http://schemas.microsoft.com/office/drawing/2016/SVG/main" r:embed="rId5"/>
               </a:ext>
             </a:extLst>
           </a:blip>
@@ -14809,7 +14769,7 @@
           <a:blip r:embed="rId6">
             <a:extLst>
               <a:ext uri="{96DAC541-7B7A-43D3-8B79-37D633B846F1}">
-                <asvg:svgBlip xmlns:asvg="http://schemas.microsoft.com/office/drawing/2016/SVG/main" xmlns="" r:embed="rId7"/>
+                <asvg:svgBlip xmlns="" xmlns:asvg="http://schemas.microsoft.com/office/drawing/2016/SVG/main" r:embed="rId7"/>
               </a:ext>
             </a:extLst>
           </a:blip>
@@ -14884,7 +14844,7 @@
           <a:blip r:embed="rId8">
             <a:extLst>
               <a:ext uri="{96DAC541-7B7A-43D3-8B79-37D633B846F1}">
-                <asvg:svgBlip xmlns:asvg="http://schemas.microsoft.com/office/drawing/2016/SVG/main" xmlns="" r:embed="rId9"/>
+                <asvg:svgBlip xmlns="" xmlns:asvg="http://schemas.microsoft.com/office/drawing/2016/SVG/main" r:embed="rId9"/>
               </a:ext>
             </a:extLst>
           </a:blip>
@@ -14970,7 +14930,7 @@
           <a:blip r:embed="rId10">
             <a:extLst>
               <a:ext uri="{96DAC541-7B7A-43D3-8B79-37D633B846F1}">
-                <asvg:svgBlip xmlns:asvg="http://schemas.microsoft.com/office/drawing/2016/SVG/main" xmlns="" r:embed="rId11"/>
+                <asvg:svgBlip xmlns="" xmlns:asvg="http://schemas.microsoft.com/office/drawing/2016/SVG/main" r:embed="rId11"/>
               </a:ext>
             </a:extLst>
           </a:blip>
@@ -15066,7 +15026,7 @@
           <a:blip r:embed="rId10">
             <a:extLst>
               <a:ext uri="{96DAC541-7B7A-43D3-8B79-37D633B846F1}">
-                <asvg:svgBlip xmlns:asvg="http://schemas.microsoft.com/office/drawing/2016/SVG/main" xmlns="" r:embed="rId11"/>
+                <asvg:svgBlip xmlns="" xmlns:asvg="http://schemas.microsoft.com/office/drawing/2016/SVG/main" r:embed="rId11"/>
               </a:ext>
             </a:extLst>
           </a:blip>
@@ -15141,7 +15101,7 @@
           <a:blip r:embed="rId12">
             <a:extLst>
               <a:ext uri="{96DAC541-7B7A-43D3-8B79-37D633B846F1}">
-                <asvg:svgBlip xmlns:asvg="http://schemas.microsoft.com/office/drawing/2016/SVG/main" xmlns="" r:embed="rId13"/>
+                <asvg:svgBlip xmlns="" xmlns:asvg="http://schemas.microsoft.com/office/drawing/2016/SVG/main" r:embed="rId13"/>
               </a:ext>
             </a:extLst>
           </a:blip>
@@ -15601,7 +15561,7 @@
           <a:blip r:embed="rId6">
             <a:extLst>
               <a:ext uri="{96DAC541-7B7A-43D3-8B79-37D633B846F1}">
-                <asvg:svgBlip xmlns:asvg="http://schemas.microsoft.com/office/drawing/2016/SVG/main" xmlns="" r:embed="rId7"/>
+                <asvg:svgBlip xmlns="" xmlns:asvg="http://schemas.microsoft.com/office/drawing/2016/SVG/main" r:embed="rId7"/>
               </a:ext>
             </a:extLst>
           </a:blip>
@@ -15810,7 +15770,7 @@
           <a:blip r:embed="rId14">
             <a:extLst>
               <a:ext uri="{96DAC541-7B7A-43D3-8B79-37D633B846F1}">
-                <asvg:svgBlip xmlns:asvg="http://schemas.microsoft.com/office/drawing/2016/SVG/main" xmlns="" r:embed="rId15"/>
+                <asvg:svgBlip xmlns="" xmlns:asvg="http://schemas.microsoft.com/office/drawing/2016/SVG/main" r:embed="rId15"/>
               </a:ext>
             </a:extLst>
           </a:blip>
@@ -18036,11 +17996,6 @@
                 </a:rPr>
                 <a:t>3</a:t>
               </a:r>
-              <a:endParaRPr lang="en-US" altLang="en-US" sz="1400" b="1" dirty="0">
-                <a:solidFill>
-                  <a:schemeClr val="bg1"/>
-                </a:solidFill>
-              </a:endParaRPr>
             </a:p>
           </p:txBody>
         </p:sp>
@@ -19375,7 +19330,7 @@
           <a:blip r:embed="rId2">
             <a:extLst>
               <a:ext uri="{96DAC541-7B7A-43D3-8B79-37D633B846F1}">
-                <asvg:svgBlip xmlns:asvg="http://schemas.microsoft.com/office/drawing/2016/SVG/main" xmlns="" r:embed="rId3"/>
+                <asvg:svgBlip xmlns="" xmlns:asvg="http://schemas.microsoft.com/office/drawing/2016/SVG/main" r:embed="rId3"/>
               </a:ext>
             </a:extLst>
           </a:blip>
@@ -19411,7 +19366,7 @@
           <a:blip r:embed="rId4">
             <a:extLst>
               <a:ext uri="{96DAC541-7B7A-43D3-8B79-37D633B846F1}">
-                <asvg:svgBlip xmlns:asvg="http://schemas.microsoft.com/office/drawing/2016/SVG/main" xmlns="" r:embed="rId5"/>
+                <asvg:svgBlip xmlns="" xmlns:asvg="http://schemas.microsoft.com/office/drawing/2016/SVG/main" r:embed="rId5"/>
               </a:ext>
             </a:extLst>
           </a:blip>
@@ -19483,7 +19438,7 @@
           <a:blip r:embed="rId6">
             <a:extLst>
               <a:ext uri="{96DAC541-7B7A-43D3-8B79-37D633B846F1}">
-                <asvg:svgBlip xmlns:asvg="http://schemas.microsoft.com/office/drawing/2016/SVG/main" xmlns="" r:embed="rId7"/>
+                <asvg:svgBlip xmlns="" xmlns:asvg="http://schemas.microsoft.com/office/drawing/2016/SVG/main" r:embed="rId7"/>
               </a:ext>
             </a:extLst>
           </a:blip>
@@ -19555,7 +19510,7 @@
           <a:blip r:embed="rId8">
             <a:extLst>
               <a:ext uri="{96DAC541-7B7A-43D3-8B79-37D633B846F1}">
-                <asvg:svgBlip xmlns:asvg="http://schemas.microsoft.com/office/drawing/2016/SVG/main" xmlns="" r:embed="rId9"/>
+                <asvg:svgBlip xmlns="" xmlns:asvg="http://schemas.microsoft.com/office/drawing/2016/SVG/main" r:embed="rId9"/>
               </a:ext>
             </a:extLst>
           </a:blip>
@@ -19627,7 +19582,7 @@
           <a:blip r:embed="rId10">
             <a:extLst>
               <a:ext uri="{96DAC541-7B7A-43D3-8B79-37D633B846F1}">
-                <asvg:svgBlip xmlns:asvg="http://schemas.microsoft.com/office/drawing/2016/SVG/main" xmlns="" r:embed="rId11"/>
+                <asvg:svgBlip xmlns="" xmlns:asvg="http://schemas.microsoft.com/office/drawing/2016/SVG/main" r:embed="rId11"/>
               </a:ext>
             </a:extLst>
           </a:blip>
@@ -19753,7 +19708,7 @@
           <a:blip r:embed="rId10">
             <a:extLst>
               <a:ext uri="{96DAC541-7B7A-43D3-8B79-37D633B846F1}">
-                <asvg:svgBlip xmlns:asvg="http://schemas.microsoft.com/office/drawing/2016/SVG/main" xmlns="" r:embed="rId11"/>
+                <asvg:svgBlip xmlns="" xmlns:asvg="http://schemas.microsoft.com/office/drawing/2016/SVG/main" r:embed="rId11"/>
               </a:ext>
             </a:extLst>
           </a:blip>
@@ -19825,7 +19780,7 @@
           <a:blip r:embed="rId12">
             <a:extLst>
               <a:ext uri="{96DAC541-7B7A-43D3-8B79-37D633B846F1}">
-                <asvg:svgBlip xmlns:asvg="http://schemas.microsoft.com/office/drawing/2016/SVG/main" xmlns="" r:embed="rId13"/>
+                <asvg:svgBlip xmlns="" xmlns:asvg="http://schemas.microsoft.com/office/drawing/2016/SVG/main" r:embed="rId13"/>
               </a:ext>
             </a:extLst>
           </a:blip>
@@ -20293,7 +20248,7 @@
           <a:blip r:embed="rId6">
             <a:extLst>
               <a:ext uri="{96DAC541-7B7A-43D3-8B79-37D633B846F1}">
-                <asvg:svgBlip xmlns:asvg="http://schemas.microsoft.com/office/drawing/2016/SVG/main" xmlns="" r:embed="rId7"/>
+                <asvg:svgBlip xmlns="" xmlns:asvg="http://schemas.microsoft.com/office/drawing/2016/SVG/main" r:embed="rId7"/>
               </a:ext>
             </a:extLst>
           </a:blip>
@@ -21027,7 +20982,7 @@
           <a:blip r:embed="rId14">
             <a:extLst>
               <a:ext uri="{96DAC541-7B7A-43D3-8B79-37D633B846F1}">
-                <asvg:svgBlip xmlns:asvg="http://schemas.microsoft.com/office/drawing/2016/SVG/main" xmlns="" r:embed="rId15"/>
+                <asvg:svgBlip xmlns="" xmlns:asvg="http://schemas.microsoft.com/office/drawing/2016/SVG/main" r:embed="rId15"/>
               </a:ext>
             </a:extLst>
           </a:blip>
@@ -22270,7 +22225,7 @@
           <a:blip r:embed="rId2">
             <a:extLst>
               <a:ext uri="{96DAC541-7B7A-43D3-8B79-37D633B846F1}">
-                <asvg:svgBlip xmlns:asvg="http://schemas.microsoft.com/office/drawing/2016/SVG/main" xmlns="" r:embed="rId3"/>
+                <asvg:svgBlip xmlns="" xmlns:asvg="http://schemas.microsoft.com/office/drawing/2016/SVG/main" r:embed="rId3"/>
               </a:ext>
             </a:extLst>
           </a:blip>
@@ -22306,7 +22261,7 @@
           <a:blip r:embed="rId4">
             <a:extLst>
               <a:ext uri="{96DAC541-7B7A-43D3-8B79-37D633B846F1}">
-                <asvg:svgBlip xmlns:asvg="http://schemas.microsoft.com/office/drawing/2016/SVG/main" xmlns="" r:embed="rId5"/>
+                <asvg:svgBlip xmlns="" xmlns:asvg="http://schemas.microsoft.com/office/drawing/2016/SVG/main" r:embed="rId5"/>
               </a:ext>
             </a:extLst>
           </a:blip>
@@ -22378,7 +22333,7 @@
           <a:blip r:embed="rId6">
             <a:extLst>
               <a:ext uri="{96DAC541-7B7A-43D3-8B79-37D633B846F1}">
-                <asvg:svgBlip xmlns:asvg="http://schemas.microsoft.com/office/drawing/2016/SVG/main" xmlns="" r:embed="rId7"/>
+                <asvg:svgBlip xmlns="" xmlns:asvg="http://schemas.microsoft.com/office/drawing/2016/SVG/main" r:embed="rId7"/>
               </a:ext>
             </a:extLst>
           </a:blip>
@@ -22450,7 +22405,7 @@
           <a:blip r:embed="rId8">
             <a:extLst>
               <a:ext uri="{96DAC541-7B7A-43D3-8B79-37D633B846F1}">
-                <asvg:svgBlip xmlns:asvg="http://schemas.microsoft.com/office/drawing/2016/SVG/main" xmlns="" r:embed="rId9"/>
+                <asvg:svgBlip xmlns="" xmlns:asvg="http://schemas.microsoft.com/office/drawing/2016/SVG/main" r:embed="rId9"/>
               </a:ext>
             </a:extLst>
           </a:blip>
@@ -22522,7 +22477,7 @@
           <a:blip r:embed="rId10">
             <a:extLst>
               <a:ext uri="{96DAC541-7B7A-43D3-8B79-37D633B846F1}">
-                <asvg:svgBlip xmlns:asvg="http://schemas.microsoft.com/office/drawing/2016/SVG/main" xmlns="" r:embed="rId11"/>
+                <asvg:svgBlip xmlns="" xmlns:asvg="http://schemas.microsoft.com/office/drawing/2016/SVG/main" r:embed="rId11"/>
               </a:ext>
             </a:extLst>
           </a:blip>
@@ -22648,7 +22603,7 @@
           <a:blip r:embed="rId10">
             <a:extLst>
               <a:ext uri="{96DAC541-7B7A-43D3-8B79-37D633B846F1}">
-                <asvg:svgBlip xmlns:asvg="http://schemas.microsoft.com/office/drawing/2016/SVG/main" xmlns="" r:embed="rId11"/>
+                <asvg:svgBlip xmlns="" xmlns:asvg="http://schemas.microsoft.com/office/drawing/2016/SVG/main" r:embed="rId11"/>
               </a:ext>
             </a:extLst>
           </a:blip>
@@ -22720,7 +22675,7 @@
           <a:blip r:embed="rId12">
             <a:extLst>
               <a:ext uri="{96DAC541-7B7A-43D3-8B79-37D633B846F1}">
-                <asvg:svgBlip xmlns:asvg="http://schemas.microsoft.com/office/drawing/2016/SVG/main" xmlns="" r:embed="rId13"/>
+                <asvg:svgBlip xmlns="" xmlns:asvg="http://schemas.microsoft.com/office/drawing/2016/SVG/main" r:embed="rId13"/>
               </a:ext>
             </a:extLst>
           </a:blip>
@@ -23105,7 +23060,7 @@
           <a:blip r:embed="rId6">
             <a:extLst>
               <a:ext uri="{96DAC541-7B7A-43D3-8B79-37D633B846F1}">
-                <asvg:svgBlip xmlns:asvg="http://schemas.microsoft.com/office/drawing/2016/SVG/main" xmlns="" r:embed="rId7"/>
+                <asvg:svgBlip xmlns="" xmlns:asvg="http://schemas.microsoft.com/office/drawing/2016/SVG/main" r:embed="rId7"/>
               </a:ext>
             </a:extLst>
           </a:blip>
@@ -23295,7 +23250,7 @@
           <a:blip r:embed="rId14">
             <a:extLst>
               <a:ext uri="{96DAC541-7B7A-43D3-8B79-37D633B846F1}">
-                <asvg:svgBlip xmlns:asvg="http://schemas.microsoft.com/office/drawing/2016/SVG/main" xmlns="" r:embed="rId15"/>
+                <asvg:svgBlip xmlns="" xmlns:asvg="http://schemas.microsoft.com/office/drawing/2016/SVG/main" r:embed="rId15"/>
               </a:ext>
             </a:extLst>
           </a:blip>
@@ -25544,7 +25499,7 @@
           <a:blip r:embed="rId2">
             <a:extLst>
               <a:ext uri="{96DAC541-7B7A-43D3-8B79-37D633B846F1}">
-                <asvg:svgBlip xmlns:asvg="http://schemas.microsoft.com/office/drawing/2016/SVG/main" xmlns="" r:embed="rId3"/>
+                <asvg:svgBlip xmlns="" xmlns:asvg="http://schemas.microsoft.com/office/drawing/2016/SVG/main" r:embed="rId3"/>
               </a:ext>
             </a:extLst>
           </a:blip>
@@ -25580,7 +25535,7 @@
           <a:blip r:embed="rId4">
             <a:extLst>
               <a:ext uri="{96DAC541-7B7A-43D3-8B79-37D633B846F1}">
-                <asvg:svgBlip xmlns:asvg="http://schemas.microsoft.com/office/drawing/2016/SVG/main" xmlns="" r:embed="rId5"/>
+                <asvg:svgBlip xmlns="" xmlns:asvg="http://schemas.microsoft.com/office/drawing/2016/SVG/main" r:embed="rId5"/>
               </a:ext>
             </a:extLst>
           </a:blip>
@@ -25652,7 +25607,7 @@
           <a:blip r:embed="rId6">
             <a:extLst>
               <a:ext uri="{96DAC541-7B7A-43D3-8B79-37D633B846F1}">
-                <asvg:svgBlip xmlns:asvg="http://schemas.microsoft.com/office/drawing/2016/SVG/main" xmlns="" r:embed="rId7"/>
+                <asvg:svgBlip xmlns="" xmlns:asvg="http://schemas.microsoft.com/office/drawing/2016/SVG/main" r:embed="rId7"/>
               </a:ext>
             </a:extLst>
           </a:blip>
@@ -25724,7 +25679,7 @@
           <a:blip r:embed="rId8">
             <a:extLst>
               <a:ext uri="{96DAC541-7B7A-43D3-8B79-37D633B846F1}">
-                <asvg:svgBlip xmlns:asvg="http://schemas.microsoft.com/office/drawing/2016/SVG/main" xmlns="" r:embed="rId9"/>
+                <asvg:svgBlip xmlns="" xmlns:asvg="http://schemas.microsoft.com/office/drawing/2016/SVG/main" r:embed="rId9"/>
               </a:ext>
             </a:extLst>
           </a:blip>
@@ -25796,7 +25751,7 @@
           <a:blip r:embed="rId10">
             <a:extLst>
               <a:ext uri="{96DAC541-7B7A-43D3-8B79-37D633B846F1}">
-                <asvg:svgBlip xmlns:asvg="http://schemas.microsoft.com/office/drawing/2016/SVG/main" xmlns="" r:embed="rId11"/>
+                <asvg:svgBlip xmlns="" xmlns:asvg="http://schemas.microsoft.com/office/drawing/2016/SVG/main" r:embed="rId11"/>
               </a:ext>
             </a:extLst>
           </a:blip>
@@ -25922,7 +25877,7 @@
           <a:blip r:embed="rId10">
             <a:extLst>
               <a:ext uri="{96DAC541-7B7A-43D3-8B79-37D633B846F1}">
-                <asvg:svgBlip xmlns:asvg="http://schemas.microsoft.com/office/drawing/2016/SVG/main" xmlns="" r:embed="rId11"/>
+                <asvg:svgBlip xmlns="" xmlns:asvg="http://schemas.microsoft.com/office/drawing/2016/SVG/main" r:embed="rId11"/>
               </a:ext>
             </a:extLst>
           </a:blip>
@@ -25994,7 +25949,7 @@
           <a:blip r:embed="rId12">
             <a:extLst>
               <a:ext uri="{96DAC541-7B7A-43D3-8B79-37D633B846F1}">
-                <asvg:svgBlip xmlns:asvg="http://schemas.microsoft.com/office/drawing/2016/SVG/main" xmlns="" r:embed="rId13"/>
+                <asvg:svgBlip xmlns="" xmlns:asvg="http://schemas.microsoft.com/office/drawing/2016/SVG/main" r:embed="rId13"/>
               </a:ext>
             </a:extLst>
           </a:blip>
@@ -26379,7 +26334,7 @@
           <a:blip r:embed="rId6">
             <a:extLst>
               <a:ext uri="{96DAC541-7B7A-43D3-8B79-37D633B846F1}">
-                <asvg:svgBlip xmlns:asvg="http://schemas.microsoft.com/office/drawing/2016/SVG/main" xmlns="" r:embed="rId7"/>
+                <asvg:svgBlip xmlns="" xmlns:asvg="http://schemas.microsoft.com/office/drawing/2016/SVG/main" r:embed="rId7"/>
               </a:ext>
             </a:extLst>
           </a:blip>
@@ -26569,7 +26524,7 @@
           <a:blip r:embed="rId14">
             <a:extLst>
               <a:ext uri="{96DAC541-7B7A-43D3-8B79-37D633B846F1}">
-                <asvg:svgBlip xmlns:asvg="http://schemas.microsoft.com/office/drawing/2016/SVG/main" xmlns="" r:embed="rId15"/>
+                <asvg:svgBlip xmlns="" xmlns:asvg="http://schemas.microsoft.com/office/drawing/2016/SVG/main" r:embed="rId15"/>
               </a:ext>
             </a:extLst>
           </a:blip>

--- a/docs/images/IMC QS images.pptx
+++ b/docs/images/IMC QS images.pptx
@@ -4117,7 +4117,7 @@
           <a:blip r:embed="rId2">
             <a:extLst>
               <a:ext uri="{96DAC541-7B7A-43D3-8B79-37D633B846F1}">
-                <asvg:svgBlip xmlns:asvg="http://schemas.microsoft.com/office/drawing/2016/SVG/main" xmlns="" r:embed="rId15"/>
+                <asvg:svgBlip xmlns="" xmlns:asvg="http://schemas.microsoft.com/office/drawing/2016/SVG/main" r:embed="rId15"/>
               </a:ext>
             </a:extLst>
           </a:blip>
@@ -4287,7 +4287,7 @@
           <a:blip r:embed="rId16">
             <a:extLst>
               <a:ext uri="{96DAC541-7B7A-43D3-8B79-37D633B846F1}">
-                <asvg:svgBlip xmlns:asvg="http://schemas.microsoft.com/office/drawing/2016/SVG/main" xmlns="" r:embed="rId19"/>
+                <asvg:svgBlip xmlns="" xmlns:asvg="http://schemas.microsoft.com/office/drawing/2016/SVG/main" r:embed="rId19"/>
               </a:ext>
             </a:extLst>
           </a:blip>
@@ -4323,7 +4323,7 @@
           <a:blip r:embed="rId20">
             <a:extLst>
               <a:ext uri="{96DAC541-7B7A-43D3-8B79-37D633B846F1}">
-                <asvg:svgBlip xmlns:asvg="http://schemas.microsoft.com/office/drawing/2016/SVG/main" xmlns="" r:embed="rId21"/>
+                <asvg:svgBlip xmlns="" xmlns:asvg="http://schemas.microsoft.com/office/drawing/2016/SVG/main" r:embed="rId21"/>
               </a:ext>
             </a:extLst>
           </a:blip>
@@ -4359,7 +4359,7 @@
           <a:blip r:embed="rId22">
             <a:extLst>
               <a:ext uri="{96DAC541-7B7A-43D3-8B79-37D633B846F1}">
-                <asvg:svgBlip xmlns:asvg="http://schemas.microsoft.com/office/drawing/2016/SVG/main" xmlns="" r:embed="rId23"/>
+                <asvg:svgBlip xmlns="" xmlns:asvg="http://schemas.microsoft.com/office/drawing/2016/SVG/main" r:embed="rId23"/>
               </a:ext>
             </a:extLst>
           </a:blip>
@@ -4529,7 +4529,7 @@
           <a:blip r:embed="rId24">
             <a:extLst>
               <a:ext uri="{96DAC541-7B7A-43D3-8B79-37D633B846F1}">
-                <asvg:svgBlip xmlns:asvg="http://schemas.microsoft.com/office/drawing/2016/SVG/main" xmlns="" r:embed="rId25"/>
+                <asvg:svgBlip xmlns="" xmlns:asvg="http://schemas.microsoft.com/office/drawing/2016/SVG/main" r:embed="rId25"/>
               </a:ext>
             </a:extLst>
           </a:blip>
@@ -4672,7 +4672,7 @@
           <a:blip r:embed="rId24">
             <a:extLst>
               <a:ext uri="{96DAC541-7B7A-43D3-8B79-37D633B846F1}">
-                <asvg:svgBlip xmlns:asvg="http://schemas.microsoft.com/office/drawing/2016/SVG/main" xmlns="" r:embed="rId25"/>
+                <asvg:svgBlip xmlns="" xmlns:asvg="http://schemas.microsoft.com/office/drawing/2016/SVG/main" r:embed="rId25"/>
               </a:ext>
             </a:extLst>
           </a:blip>
@@ -4890,7 +4890,7 @@
           <a:blip r:embed="rId26">
             <a:extLst>
               <a:ext uri="{96DAC541-7B7A-43D3-8B79-37D633B846F1}">
-                <asvg:svgBlip xmlns:asvg="http://schemas.microsoft.com/office/drawing/2016/SVG/main" xmlns="" r:embed="rId28"/>
+                <asvg:svgBlip xmlns="" xmlns:asvg="http://schemas.microsoft.com/office/drawing/2016/SVG/main" r:embed="rId28"/>
               </a:ext>
             </a:extLst>
           </a:blip>
@@ -6196,7 +6196,7 @@
           <a:blip r:embed="rId29">
             <a:extLst>
               <a:ext uri="{96DAC541-7B7A-43D3-8B79-37D633B846F1}">
-                <asvg:svgBlip xmlns:asvg="http://schemas.microsoft.com/office/drawing/2016/SVG/main" xmlns="" r:embed="rId13"/>
+                <asvg:svgBlip xmlns="" xmlns:asvg="http://schemas.microsoft.com/office/drawing/2016/SVG/main" r:embed="rId13"/>
               </a:ext>
             </a:extLst>
           </a:blip>
@@ -6232,7 +6232,7 @@
           <a:blip r:embed="rId30">
             <a:extLst>
               <a:ext uri="{96DAC541-7B7A-43D3-8B79-37D633B846F1}">
-                <asvg:svgBlip xmlns:asvg="http://schemas.microsoft.com/office/drawing/2016/SVG/main" xmlns="" r:embed="rId31"/>
+                <asvg:svgBlip xmlns="" xmlns:asvg="http://schemas.microsoft.com/office/drawing/2016/SVG/main" r:embed="rId31"/>
               </a:ext>
             </a:extLst>
           </a:blip>
@@ -6268,7 +6268,7 @@
           <a:blip r:embed="rId32">
             <a:extLst>
               <a:ext uri="{96DAC541-7B7A-43D3-8B79-37D633B846F1}">
-                <asvg:svgBlip xmlns:asvg="http://schemas.microsoft.com/office/drawing/2016/SVG/main" xmlns="" r:embed="rId9"/>
+                <asvg:svgBlip xmlns="" xmlns:asvg="http://schemas.microsoft.com/office/drawing/2016/SVG/main" r:embed="rId9"/>
               </a:ext>
             </a:extLst>
           </a:blip>
@@ -6304,7 +6304,7 @@
           <a:blip r:embed="rId33">
             <a:extLst>
               <a:ext uri="{96DAC541-7B7A-43D3-8B79-37D633B846F1}">
-                <asvg:svgBlip xmlns:asvg="http://schemas.microsoft.com/office/drawing/2016/SVG/main" xmlns="" r:embed="rId17"/>
+                <asvg:svgBlip xmlns="" xmlns:asvg="http://schemas.microsoft.com/office/drawing/2016/SVG/main" r:embed="rId17"/>
               </a:ext>
             </a:extLst>
           </a:blip>
@@ -6340,7 +6340,7 @@
           <a:blip r:embed="rId34">
             <a:extLst>
               <a:ext uri="{96DAC541-7B7A-43D3-8B79-37D633B846F1}">
-                <asvg:svgBlip xmlns:asvg="http://schemas.microsoft.com/office/drawing/2016/SVG/main" xmlns="" r:embed="rId35"/>
+                <asvg:svgBlip xmlns="" xmlns:asvg="http://schemas.microsoft.com/office/drawing/2016/SVG/main" r:embed="rId35"/>
               </a:ext>
             </a:extLst>
           </a:blip>
@@ -6376,7 +6376,7 @@
           <a:blip r:embed="rId36">
             <a:extLst>
               <a:ext uri="{96DAC541-7B7A-43D3-8B79-37D633B846F1}">
-                <asvg:svgBlip xmlns:asvg="http://schemas.microsoft.com/office/drawing/2016/SVG/main" xmlns="" r:embed="rId37"/>
+                <asvg:svgBlip xmlns="" xmlns:asvg="http://schemas.microsoft.com/office/drawing/2016/SVG/main" r:embed="rId37"/>
               </a:ext>
             </a:extLst>
           </a:blip>
@@ -6732,7 +6732,7 @@
           <a:blip r:embed="rId32">
             <a:extLst>
               <a:ext uri="{96DAC541-7B7A-43D3-8B79-37D633B846F1}">
-                <asvg:svgBlip xmlns:asvg="http://schemas.microsoft.com/office/drawing/2016/SVG/main" xmlns="" r:embed="rId9"/>
+                <asvg:svgBlip xmlns="" xmlns:asvg="http://schemas.microsoft.com/office/drawing/2016/SVG/main" r:embed="rId9"/>
               </a:ext>
             </a:extLst>
           </a:blip>
@@ -6768,7 +6768,7 @@
           <a:blip r:embed="rId38">
             <a:extLst>
               <a:ext uri="{96DAC541-7B7A-43D3-8B79-37D633B846F1}">
-                <asvg:svgBlip xmlns:asvg="http://schemas.microsoft.com/office/drawing/2016/SVG/main" xmlns="" r:embed="rId11"/>
+                <asvg:svgBlip xmlns="" xmlns:asvg="http://schemas.microsoft.com/office/drawing/2016/SVG/main" r:embed="rId11"/>
               </a:ext>
             </a:extLst>
           </a:blip>
@@ -11995,7 +11995,7 @@
           <a:blip r:embed="rId3">
             <a:extLst>
               <a:ext uri="{96DAC541-7B7A-43D3-8B79-37D633B846F1}">
-                <asvg:svgBlip xmlns:asvg="http://schemas.microsoft.com/office/drawing/2016/SVG/main" xmlns="" r:embed="rId13"/>
+                <asvg:svgBlip xmlns="" xmlns:asvg="http://schemas.microsoft.com/office/drawing/2016/SVG/main" r:embed="rId13"/>
               </a:ext>
             </a:extLst>
           </a:blip>
@@ -12031,7 +12031,7 @@
           <a:blip r:embed="rId14">
             <a:extLst>
               <a:ext uri="{96DAC541-7B7A-43D3-8B79-37D633B846F1}">
-                <asvg:svgBlip xmlns:asvg="http://schemas.microsoft.com/office/drawing/2016/SVG/main" xmlns="" r:embed="rId15"/>
+                <asvg:svgBlip xmlns="" xmlns:asvg="http://schemas.microsoft.com/office/drawing/2016/SVG/main" r:embed="rId15"/>
               </a:ext>
             </a:extLst>
           </a:blip>
@@ -12067,7 +12067,7 @@
           <a:blip r:embed="rId16">
             <a:extLst>
               <a:ext uri="{96DAC541-7B7A-43D3-8B79-37D633B846F1}">
-                <asvg:svgBlip xmlns:asvg="http://schemas.microsoft.com/office/drawing/2016/SVG/main" xmlns="" r:embed="rId9"/>
+                <asvg:svgBlip xmlns="" xmlns:asvg="http://schemas.microsoft.com/office/drawing/2016/SVG/main" r:embed="rId9"/>
               </a:ext>
             </a:extLst>
           </a:blip>
@@ -12103,7 +12103,7 @@
           <a:blip r:embed="rId17">
             <a:extLst>
               <a:ext uri="{96DAC541-7B7A-43D3-8B79-37D633B846F1}">
-                <asvg:svgBlip xmlns:asvg="http://schemas.microsoft.com/office/drawing/2016/SVG/main" xmlns="" r:embed="rId18"/>
+                <asvg:svgBlip xmlns="" xmlns:asvg="http://schemas.microsoft.com/office/drawing/2016/SVG/main" r:embed="rId18"/>
               </a:ext>
             </a:extLst>
           </a:blip>
@@ -12139,7 +12139,7 @@
           <a:blip r:embed="rId19">
             <a:extLst>
               <a:ext uri="{96DAC541-7B7A-43D3-8B79-37D633B846F1}">
-                <asvg:svgBlip xmlns:asvg="http://schemas.microsoft.com/office/drawing/2016/SVG/main" xmlns="" r:embed="rId20"/>
+                <asvg:svgBlip xmlns="" xmlns:asvg="http://schemas.microsoft.com/office/drawing/2016/SVG/main" r:embed="rId20"/>
               </a:ext>
             </a:extLst>
           </a:blip>
@@ -12175,7 +12175,7 @@
           <a:blip r:embed="rId21">
             <a:extLst>
               <a:ext uri="{96DAC541-7B7A-43D3-8B79-37D633B846F1}">
-                <asvg:svgBlip xmlns:asvg="http://schemas.microsoft.com/office/drawing/2016/SVG/main" xmlns="" r:embed="rId22"/>
+                <asvg:svgBlip xmlns="" xmlns:asvg="http://schemas.microsoft.com/office/drawing/2016/SVG/main" r:embed="rId22"/>
               </a:ext>
             </a:extLst>
           </a:blip>
@@ -12211,7 +12211,7 @@
           <a:blip r:embed="rId23">
             <a:extLst>
               <a:ext uri="{96DAC541-7B7A-43D3-8B79-37D633B846F1}">
-                <asvg:svgBlip xmlns:asvg="http://schemas.microsoft.com/office/drawing/2016/SVG/main" xmlns="" r:embed="rId24"/>
+                <asvg:svgBlip xmlns="" xmlns:asvg="http://schemas.microsoft.com/office/drawing/2016/SVG/main" r:embed="rId24"/>
               </a:ext>
             </a:extLst>
           </a:blip>
@@ -12390,7 +12390,7 @@
           <a:blip r:embed="rId26">
             <a:extLst>
               <a:ext uri="{96DAC541-7B7A-43D3-8B79-37D633B846F1}">
-                <asvg:svgBlip xmlns:asvg="http://schemas.microsoft.com/office/drawing/2016/SVG/main" xmlns="" r:embed="rId28"/>
+                <asvg:svgBlip xmlns="" xmlns:asvg="http://schemas.microsoft.com/office/drawing/2016/SVG/main" r:embed="rId28"/>
               </a:ext>
             </a:extLst>
           </a:blip>
@@ -13899,7 +13899,7 @@
           <a:blip r:embed="rId32">
             <a:extLst>
               <a:ext uri="{96DAC541-7B7A-43D3-8B79-37D633B846F1}">
-                <asvg:svgBlip xmlns:asvg="http://schemas.microsoft.com/office/drawing/2016/SVG/main" xmlns="" r:embed="rId33"/>
+                <asvg:svgBlip xmlns="" xmlns:asvg="http://schemas.microsoft.com/office/drawing/2016/SVG/main" r:embed="rId33"/>
               </a:ext>
             </a:extLst>
           </a:blip>
@@ -14250,7 +14250,7 @@
           <a:blip r:embed="rId16">
             <a:extLst>
               <a:ext uri="{96DAC541-7B7A-43D3-8B79-37D633B846F1}">
-                <asvg:svgBlip xmlns:asvg="http://schemas.microsoft.com/office/drawing/2016/SVG/main" xmlns="" r:embed="rId34"/>
+                <asvg:svgBlip xmlns="" xmlns:asvg="http://schemas.microsoft.com/office/drawing/2016/SVG/main" r:embed="rId34"/>
               </a:ext>
             </a:extLst>
           </a:blip>
@@ -14286,7 +14286,7 @@
           <a:blip r:embed="rId35">
             <a:extLst>
               <a:ext uri="{96DAC541-7B7A-43D3-8B79-37D633B846F1}">
-                <asvg:svgBlip xmlns:asvg="http://schemas.microsoft.com/office/drawing/2016/SVG/main" xmlns="" r:embed="rId11"/>
+                <asvg:svgBlip xmlns="" xmlns:asvg="http://schemas.microsoft.com/office/drawing/2016/SVG/main" r:embed="rId11"/>
               </a:ext>
             </a:extLst>
           </a:blip>
@@ -14752,7 +14752,7 @@
           <a:blip r:embed="rId2">
             <a:extLst>
               <a:ext uri="{96DAC541-7B7A-43D3-8B79-37D633B846F1}">
-                <asvg:svgBlip xmlns:asvg="http://schemas.microsoft.com/office/drawing/2016/SVG/main" xmlns="" r:embed="rId3"/>
+                <asvg:svgBlip xmlns="" xmlns:asvg="http://schemas.microsoft.com/office/drawing/2016/SVG/main" r:embed="rId3"/>
               </a:ext>
             </a:extLst>
           </a:blip>
@@ -14788,7 +14788,7 @@
           <a:blip r:embed="rId4">
             <a:extLst>
               <a:ext uri="{96DAC541-7B7A-43D3-8B79-37D633B846F1}">
-                <asvg:svgBlip xmlns:asvg="http://schemas.microsoft.com/office/drawing/2016/SVG/main" xmlns="" r:embed="rId5"/>
+                <asvg:svgBlip xmlns="" xmlns:asvg="http://schemas.microsoft.com/office/drawing/2016/SVG/main" r:embed="rId5"/>
               </a:ext>
             </a:extLst>
           </a:blip>
@@ -14880,7 +14880,7 @@
           <a:blip r:embed="rId6">
             <a:extLst>
               <a:ext uri="{96DAC541-7B7A-43D3-8B79-37D633B846F1}">
-                <asvg:svgBlip xmlns:asvg="http://schemas.microsoft.com/office/drawing/2016/SVG/main" xmlns="" r:embed="rId7"/>
+                <asvg:svgBlip xmlns="" xmlns:asvg="http://schemas.microsoft.com/office/drawing/2016/SVG/main" r:embed="rId7"/>
               </a:ext>
             </a:extLst>
           </a:blip>
@@ -14955,7 +14955,7 @@
           <a:blip r:embed="rId8">
             <a:extLst>
               <a:ext uri="{96DAC541-7B7A-43D3-8B79-37D633B846F1}">
-                <asvg:svgBlip xmlns:asvg="http://schemas.microsoft.com/office/drawing/2016/SVG/main" xmlns="" r:embed="rId9"/>
+                <asvg:svgBlip xmlns="" xmlns:asvg="http://schemas.microsoft.com/office/drawing/2016/SVG/main" r:embed="rId9"/>
               </a:ext>
             </a:extLst>
           </a:blip>
@@ -15041,7 +15041,7 @@
           <a:blip r:embed="rId10">
             <a:extLst>
               <a:ext uri="{96DAC541-7B7A-43D3-8B79-37D633B846F1}">
-                <asvg:svgBlip xmlns:asvg="http://schemas.microsoft.com/office/drawing/2016/SVG/main" xmlns="" r:embed="rId11"/>
+                <asvg:svgBlip xmlns="" xmlns:asvg="http://schemas.microsoft.com/office/drawing/2016/SVG/main" r:embed="rId11"/>
               </a:ext>
             </a:extLst>
           </a:blip>
@@ -15137,7 +15137,7 @@
           <a:blip r:embed="rId10">
             <a:extLst>
               <a:ext uri="{96DAC541-7B7A-43D3-8B79-37D633B846F1}">
-                <asvg:svgBlip xmlns:asvg="http://schemas.microsoft.com/office/drawing/2016/SVG/main" xmlns="" r:embed="rId11"/>
+                <asvg:svgBlip xmlns="" xmlns:asvg="http://schemas.microsoft.com/office/drawing/2016/SVG/main" r:embed="rId11"/>
               </a:ext>
             </a:extLst>
           </a:blip>
@@ -15212,7 +15212,7 @@
           <a:blip r:embed="rId12">
             <a:extLst>
               <a:ext uri="{96DAC541-7B7A-43D3-8B79-37D633B846F1}">
-                <asvg:svgBlip xmlns:asvg="http://schemas.microsoft.com/office/drawing/2016/SVG/main" xmlns="" r:embed="rId13"/>
+                <asvg:svgBlip xmlns="" xmlns:asvg="http://schemas.microsoft.com/office/drawing/2016/SVG/main" r:embed="rId13"/>
               </a:ext>
             </a:extLst>
           </a:blip>
@@ -15672,7 +15672,7 @@
           <a:blip r:embed="rId6">
             <a:extLst>
               <a:ext uri="{96DAC541-7B7A-43D3-8B79-37D633B846F1}">
-                <asvg:svgBlip xmlns:asvg="http://schemas.microsoft.com/office/drawing/2016/SVG/main" xmlns="" r:embed="rId7"/>
+                <asvg:svgBlip xmlns="" xmlns:asvg="http://schemas.microsoft.com/office/drawing/2016/SVG/main" r:embed="rId7"/>
               </a:ext>
             </a:extLst>
           </a:blip>
@@ -15881,7 +15881,7 @@
           <a:blip r:embed="rId14">
             <a:extLst>
               <a:ext uri="{96DAC541-7B7A-43D3-8B79-37D633B846F1}">
-                <asvg:svgBlip xmlns:asvg="http://schemas.microsoft.com/office/drawing/2016/SVG/main" xmlns="" r:embed="rId15"/>
+                <asvg:svgBlip xmlns="" xmlns:asvg="http://schemas.microsoft.com/office/drawing/2016/SVG/main" r:embed="rId15"/>
               </a:ext>
             </a:extLst>
           </a:blip>
@@ -19570,7 +19570,16 @@
                 <a:ea typeface="Amazon Ember" charset="0"/>
                 <a:cs typeface="Amazon Ember" charset="0"/>
               </a:rPr>
-              <a:t>Cold and g</a:t>
+              <a:t>Cold and </a:t>
+            </a:r>
+            <a:r>
+              <a:rPr lang="en-US" sz="1200" dirty="0">
+                <a:solidFill>
+                  <a:srgbClr val="1D1C1D"/>
+                </a:solidFill>
+                <a:latin typeface="Slack-Lato"/>
+              </a:rPr>
+              <a:t>Amazon S3 Glacier</a:t>
             </a:r>
             <a:r>
               <a:rPr lang="en-US" sz="1200" dirty="0" smtClean="0">
@@ -19578,7 +19587,7 @@
                 <a:ea typeface="Amazon Ember" charset="0"/>
                 <a:cs typeface="Amazon Ember" charset="0"/>
               </a:rPr>
-              <a:t>lacier </a:t>
+              <a:t> </a:t>
             </a:r>
             <a:r>
               <a:rPr lang="en-US" sz="1200" dirty="0">
@@ -19594,7 +19603,7 @@
                 <a:ea typeface="Amazon Ember" charset="0"/>
                 <a:cs typeface="Amazon Ember" charset="0"/>
               </a:rPr>
-              <a:t>stores.</a:t>
+              <a:t>stores are available.</a:t>
             </a:r>
             <a:endParaRPr lang="en-US" sz="1200" dirty="0">
               <a:latin typeface="Amazon Ember Regular"/>
@@ -23065,7 +23074,7 @@
           <a:blip r:embed="rId5">
             <a:extLst>
               <a:ext uri="{96DAC541-7B7A-43D3-8B79-37D633B846F1}">
-                <asvg:svgBlip xmlns:asvg="http://schemas.microsoft.com/office/drawing/2016/SVG/main" xmlns="" r:embed="rId11"/>
+                <asvg:svgBlip xmlns="" xmlns:asvg="http://schemas.microsoft.com/office/drawing/2016/SVG/main" r:embed="rId11"/>
               </a:ext>
             </a:extLst>
           </a:blip>
@@ -23101,7 +23110,7 @@
           <a:blip r:embed="rId12">
             <a:extLst>
               <a:ext uri="{96DAC541-7B7A-43D3-8B79-37D633B846F1}">
-                <asvg:svgBlip xmlns:asvg="http://schemas.microsoft.com/office/drawing/2016/SVG/main" xmlns="" r:embed="rId15"/>
+                <asvg:svgBlip xmlns="" xmlns:asvg="http://schemas.microsoft.com/office/drawing/2016/SVG/main" r:embed="rId15"/>
               </a:ext>
             </a:extLst>
           </a:blip>
@@ -23540,84 +23549,6 @@
               <a:t>Amazon S3</a:t>
             </a:r>
             <a:endParaRPr kumimoji="0" lang="en-US" sz="1400" b="0" u="none" strike="noStrike" kern="1200" cap="none" spc="0" normalizeH="0" baseline="0" noProof="0" dirty="0">
-              <a:ln>
-                <a:noFill/>
-              </a:ln>
-              <a:effectLst/>
-              <a:uLnTx/>
-              <a:uFillTx/>
-              <a:latin typeface="Amazon Ember"/>
-              <a:ea typeface="+mn-ea"/>
-              <a:cs typeface="+mn-cs"/>
-            </a:endParaRPr>
-          </a:p>
-        </p:txBody>
-      </p:sp>
-      <p:sp>
-        <p:nvSpPr>
-          <p:cNvPr id="40" name="Rectangle 39">
-            <a:extLst>
-              <a:ext uri="{FF2B5EF4-FFF2-40B4-BE49-F238E27FC236}">
-                <a16:creationId xmlns:a16="http://schemas.microsoft.com/office/drawing/2014/main" id="{531F9197-0B83-9048-9C45-5D00F09A21DA}"/>
-              </a:ext>
-            </a:extLst>
-          </p:cNvPr>
-          <p:cNvSpPr/>
-          <p:nvPr/>
-        </p:nvSpPr>
-        <p:spPr>
-          <a:xfrm>
-            <a:off x="1879704" y="373142"/>
-            <a:ext cx="992579" cy="276999"/>
-          </a:xfrm>
-          <a:prstGeom prst="rect">
-            <a:avLst/>
-          </a:prstGeom>
-        </p:spPr>
-        <p:txBody>
-          <a:bodyPr wrap="none">
-            <a:spAutoFit/>
-          </a:bodyPr>
-          <a:lstStyle/>
-          <a:p>
-            <a:pPr marL="0" marR="0" lvl="0" indent="0" algn="l" defTabSz="731520" rtl="0" eaLnBrk="1" fontAlgn="auto" latinLnBrk="0" hangingPunct="1">
-              <a:lnSpc>
-                <a:spcPct val="100000"/>
-              </a:lnSpc>
-              <a:spcBef>
-                <a:spcPts val="0"/>
-              </a:spcBef>
-              <a:spcAft>
-                <a:spcPts val="0"/>
-              </a:spcAft>
-              <a:buClrTx/>
-              <a:buSzTx/>
-              <a:buFontTx/>
-              <a:buNone/>
-              <a:tabLst/>
-              <a:defRPr/>
-            </a:pPr>
-            <a:r>
-              <a:rPr lang="en-US" sz="1200" i="1" dirty="0">
-                <a:latin typeface="Amazon Ember"/>
-              </a:rPr>
-              <a:t>D</a:t>
-            </a:r>
-            <a:r>
-              <a:rPr kumimoji="0" lang="en-US" sz="1200" b="0" i="1" u="none" strike="noStrike" kern="1200" cap="none" spc="0" normalizeH="0" baseline="0" noProof="0" dirty="0" smtClean="0">
-                <a:ln>
-                  <a:noFill/>
-                </a:ln>
-                <a:effectLst/>
-                <a:uLnTx/>
-                <a:uFillTx/>
-                <a:latin typeface="Amazon Ember"/>
-                <a:ea typeface="+mn-ea"/>
-                <a:cs typeface="+mn-cs"/>
-              </a:rPr>
-              <a:t>ashboards</a:t>
-            </a:r>
-            <a:endParaRPr kumimoji="0" lang="en-US" sz="1400" b="0" i="0" u="none" strike="noStrike" kern="1200" cap="none" spc="0" normalizeH="0" baseline="0" noProof="0" dirty="0">
               <a:ln>
                 <a:noFill/>
               </a:ln>
@@ -28331,7 +28262,7 @@
             <a:blip r:embed="rId16">
               <a:extLst>
                 <a:ext uri="{96DAC541-7B7A-43D3-8B79-37D633B846F1}">
-                  <asvg:svgBlip xmlns:asvg="http://schemas.microsoft.com/office/drawing/2016/SVG/main" xmlns="" r:embed="rId17"/>
+                  <asvg:svgBlip xmlns="" xmlns:asvg="http://schemas.microsoft.com/office/drawing/2016/SVG/main" r:embed="rId17"/>
                 </a:ext>
               </a:extLst>
             </a:blip>
@@ -28510,7 +28441,7 @@
             <a:blip r:embed="rId18">
               <a:extLst>
                 <a:ext uri="{96DAC541-7B7A-43D3-8B79-37D633B846F1}">
-                  <asvg:svgBlip xmlns:asvg="http://schemas.microsoft.com/office/drawing/2016/SVG/main" xmlns="" r:embed="rId19"/>
+                  <asvg:svgBlip xmlns="" xmlns:asvg="http://schemas.microsoft.com/office/drawing/2016/SVG/main" r:embed="rId19"/>
                 </a:ext>
               </a:extLst>
             </a:blip>
@@ -28548,7 +28479,7 @@
           <a:blip r:embed="rId18">
             <a:extLst>
               <a:ext uri="{96DAC541-7B7A-43D3-8B79-37D633B846F1}">
-                <asvg:svgBlip xmlns:asvg="http://schemas.microsoft.com/office/drawing/2016/SVG/main" xmlns="" r:embed="rId19"/>
+                <asvg:svgBlip xmlns="" xmlns:asvg="http://schemas.microsoft.com/office/drawing/2016/SVG/main" r:embed="rId19"/>
               </a:ext>
             </a:extLst>
           </a:blip>
@@ -28825,7 +28756,7 @@
           <a:blip r:embed="rId21">
             <a:extLst>
               <a:ext uri="{96DAC541-7B7A-43D3-8B79-37D633B846F1}">
-                <asvg:svgBlip xmlns:asvg="http://schemas.microsoft.com/office/drawing/2016/SVG/main" xmlns="" r:embed="rId22"/>
+                <asvg:svgBlip xmlns="" xmlns:asvg="http://schemas.microsoft.com/office/drawing/2016/SVG/main" r:embed="rId22"/>
               </a:ext>
             </a:extLst>
           </a:blip>
@@ -28861,7 +28792,7 @@
           <a:blip r:embed="rId23">
             <a:extLst>
               <a:ext uri="{96DAC541-7B7A-43D3-8B79-37D633B846F1}">
-                <asvg:svgBlip xmlns:asvg="http://schemas.microsoft.com/office/drawing/2016/SVG/main" xmlns="" r:embed="rId7"/>
+                <asvg:svgBlip xmlns="" xmlns:asvg="http://schemas.microsoft.com/office/drawing/2016/SVG/main" r:embed="rId7"/>
               </a:ext>
             </a:extLst>
           </a:blip>
@@ -28897,7 +28828,7 @@
           <a:blip r:embed="rId23">
             <a:extLst>
               <a:ext uri="{96DAC541-7B7A-43D3-8B79-37D633B846F1}">
-                <asvg:svgBlip xmlns:asvg="http://schemas.microsoft.com/office/drawing/2016/SVG/main" xmlns="" r:embed="rId7"/>
+                <asvg:svgBlip xmlns="" xmlns:asvg="http://schemas.microsoft.com/office/drawing/2016/SVG/main" r:embed="rId7"/>
               </a:ext>
             </a:extLst>
           </a:blip>
@@ -28933,7 +28864,7 @@
           <a:blip r:embed="rId24">
             <a:extLst>
               <a:ext uri="{96DAC541-7B7A-43D3-8B79-37D633B846F1}">
-                <asvg:svgBlip xmlns:asvg="http://schemas.microsoft.com/office/drawing/2016/SVG/main" xmlns="" r:embed="rId25"/>
+                <asvg:svgBlip xmlns="" xmlns:asvg="http://schemas.microsoft.com/office/drawing/2016/SVG/main" r:embed="rId25"/>
               </a:ext>
             </a:extLst>
           </a:blip>
@@ -28965,8 +28896,8 @@
         </p:nvSpPr>
         <p:spPr>
           <a:xfrm>
-            <a:off x="706051" y="1394136"/>
-            <a:ext cx="1437007" cy="461665"/>
+            <a:off x="535069" y="1394136"/>
+            <a:ext cx="1713010" cy="461665"/>
           </a:xfrm>
           <a:prstGeom prst="rect">
             <a:avLst/>
@@ -29007,7 +28938,21 @@
                 <a:ea typeface="+mn-ea"/>
                 <a:cs typeface="+mn-cs"/>
               </a:rPr>
-              <a:t>AWS IoT SiteWise Monitor</a:t>
+              <a:t>AWS IoT SiteWise </a:t>
+            </a:r>
+            <a:r>
+              <a:rPr kumimoji="0" lang="en-US" sz="1200" b="0" u="none" strike="noStrike" kern="1200" cap="none" spc="0" normalizeH="0" baseline="0" noProof="0" dirty="0" smtClean="0">
+                <a:ln>
+                  <a:noFill/>
+                </a:ln>
+                <a:effectLst/>
+                <a:uLnTx/>
+                <a:uFillTx/>
+                <a:latin typeface="Amazon Ember"/>
+                <a:ea typeface="+mn-ea"/>
+                <a:cs typeface="+mn-cs"/>
+              </a:rPr>
+              <a:t>Monitor (dashboard)</a:t>
             </a:r>
             <a:endParaRPr kumimoji="0" lang="en-US" sz="1400" b="0" u="none" strike="noStrike" kern="1200" cap="none" spc="0" normalizeH="0" baseline="0" noProof="0" dirty="0">
               <a:ln>
@@ -29038,7 +28983,7 @@
         <p:spPr>
           <a:xfrm>
             <a:off x="1933268" y="1395427"/>
-            <a:ext cx="1921851" cy="276999"/>
+            <a:ext cx="1921851" cy="461665"/>
           </a:xfrm>
           <a:prstGeom prst="rect">
             <a:avLst/>
@@ -29079,7 +29024,48 @@
                 <a:ea typeface="+mn-ea"/>
                 <a:cs typeface="+mn-cs"/>
               </a:rPr>
-              <a:t>Amazon QuickSight</a:t>
+              <a:t>Amazon </a:t>
+            </a:r>
+            <a:r>
+              <a:rPr kumimoji="0" lang="en-US" sz="1200" b="0" u="none" strike="noStrike" kern="1200" cap="none" spc="0" normalizeH="0" baseline="0" noProof="0" dirty="0" smtClean="0">
+                <a:ln>
+                  <a:noFill/>
+                </a:ln>
+                <a:effectLst/>
+                <a:uLnTx/>
+                <a:uFillTx/>
+                <a:latin typeface="Amazon Ember"/>
+                <a:ea typeface="+mn-ea"/>
+                <a:cs typeface="+mn-cs"/>
+              </a:rPr>
+              <a:t>QuickSight</a:t>
+            </a:r>
+            <a:br>
+              <a:rPr kumimoji="0" lang="en-US" sz="1200" b="0" u="none" strike="noStrike" kern="1200" cap="none" spc="0" normalizeH="0" baseline="0" noProof="0" dirty="0" smtClean="0">
+                <a:ln>
+                  <a:noFill/>
+                </a:ln>
+                <a:effectLst/>
+                <a:uLnTx/>
+                <a:uFillTx/>
+                <a:latin typeface="Amazon Ember"/>
+                <a:ea typeface="+mn-ea"/>
+                <a:cs typeface="+mn-cs"/>
+              </a:rPr>
+            </a:br>
+            <a:r>
+              <a:rPr kumimoji="0" lang="en-US" sz="1200" b="0" u="none" strike="noStrike" kern="1200" cap="none" spc="0" normalizeH="0" baseline="0" noProof="0" dirty="0" smtClean="0">
+                <a:ln>
+                  <a:noFill/>
+                </a:ln>
+                <a:effectLst/>
+                <a:uLnTx/>
+                <a:uFillTx/>
+                <a:latin typeface="Amazon Ember"/>
+                <a:ea typeface="+mn-ea"/>
+                <a:cs typeface="+mn-cs"/>
+              </a:rPr>
+              <a:t>(dashboard)</a:t>
             </a:r>
             <a:endParaRPr kumimoji="0" lang="en-US" sz="1400" b="0" u="none" strike="noStrike" kern="1200" cap="none" spc="0" normalizeH="0" baseline="0" noProof="0" dirty="0">
               <a:ln>
@@ -29779,7 +29765,7 @@
           <a:blip r:embed="rId2">
             <a:extLst>
               <a:ext uri="{96DAC541-7B7A-43D3-8B79-37D633B846F1}">
-                <asvg:svgBlip xmlns:asvg="http://schemas.microsoft.com/office/drawing/2016/SVG/main" xmlns="" r:embed="rId3"/>
+                <asvg:svgBlip xmlns="" xmlns:asvg="http://schemas.microsoft.com/office/drawing/2016/SVG/main" r:embed="rId3"/>
               </a:ext>
             </a:extLst>
           </a:blip>
@@ -29815,7 +29801,7 @@
           <a:blip r:embed="rId4">
             <a:extLst>
               <a:ext uri="{96DAC541-7B7A-43D3-8B79-37D633B846F1}">
-                <asvg:svgBlip xmlns:asvg="http://schemas.microsoft.com/office/drawing/2016/SVG/main" xmlns="" r:embed="rId5"/>
+                <asvg:svgBlip xmlns="" xmlns:asvg="http://schemas.microsoft.com/office/drawing/2016/SVG/main" r:embed="rId5"/>
               </a:ext>
             </a:extLst>
           </a:blip>
@@ -29887,7 +29873,7 @@
           <a:blip r:embed="rId6">
             <a:extLst>
               <a:ext uri="{96DAC541-7B7A-43D3-8B79-37D633B846F1}">
-                <asvg:svgBlip xmlns:asvg="http://schemas.microsoft.com/office/drawing/2016/SVG/main" xmlns="" r:embed="rId7"/>
+                <asvg:svgBlip xmlns="" xmlns:asvg="http://schemas.microsoft.com/office/drawing/2016/SVG/main" r:embed="rId7"/>
               </a:ext>
             </a:extLst>
           </a:blip>
@@ -29959,7 +29945,7 @@
           <a:blip r:embed="rId8">
             <a:extLst>
               <a:ext uri="{96DAC541-7B7A-43D3-8B79-37D633B846F1}">
-                <asvg:svgBlip xmlns:asvg="http://schemas.microsoft.com/office/drawing/2016/SVG/main" xmlns="" r:embed="rId9"/>
+                <asvg:svgBlip xmlns="" xmlns:asvg="http://schemas.microsoft.com/office/drawing/2016/SVG/main" r:embed="rId9"/>
               </a:ext>
             </a:extLst>
           </a:blip>
@@ -30031,7 +30017,7 @@
           <a:blip r:embed="rId10">
             <a:extLst>
               <a:ext uri="{96DAC541-7B7A-43D3-8B79-37D633B846F1}">
-                <asvg:svgBlip xmlns:asvg="http://schemas.microsoft.com/office/drawing/2016/SVG/main" xmlns="" r:embed="rId11"/>
+                <asvg:svgBlip xmlns="" xmlns:asvg="http://schemas.microsoft.com/office/drawing/2016/SVG/main" r:embed="rId11"/>
               </a:ext>
             </a:extLst>
           </a:blip>
@@ -30157,7 +30143,7 @@
           <a:blip r:embed="rId10">
             <a:extLst>
               <a:ext uri="{96DAC541-7B7A-43D3-8B79-37D633B846F1}">
-                <asvg:svgBlip xmlns:asvg="http://schemas.microsoft.com/office/drawing/2016/SVG/main" xmlns="" r:embed="rId11"/>
+                <asvg:svgBlip xmlns="" xmlns:asvg="http://schemas.microsoft.com/office/drawing/2016/SVG/main" r:embed="rId11"/>
               </a:ext>
             </a:extLst>
           </a:blip>
@@ -30229,7 +30215,7 @@
           <a:blip r:embed="rId12">
             <a:extLst>
               <a:ext uri="{96DAC541-7B7A-43D3-8B79-37D633B846F1}">
-                <asvg:svgBlip xmlns:asvg="http://schemas.microsoft.com/office/drawing/2016/SVG/main" xmlns="" r:embed="rId13"/>
+                <asvg:svgBlip xmlns="" xmlns:asvg="http://schemas.microsoft.com/office/drawing/2016/SVG/main" r:embed="rId13"/>
               </a:ext>
             </a:extLst>
           </a:blip>
@@ -30697,7 +30683,7 @@
           <a:blip r:embed="rId6">
             <a:extLst>
               <a:ext uri="{96DAC541-7B7A-43D3-8B79-37D633B846F1}">
-                <asvg:svgBlip xmlns:asvg="http://schemas.microsoft.com/office/drawing/2016/SVG/main" xmlns="" r:embed="rId7"/>
+                <asvg:svgBlip xmlns="" xmlns:asvg="http://schemas.microsoft.com/office/drawing/2016/SVG/main" r:embed="rId7"/>
               </a:ext>
             </a:extLst>
           </a:blip>
@@ -31431,7 +31417,7 @@
           <a:blip r:embed="rId14">
             <a:extLst>
               <a:ext uri="{96DAC541-7B7A-43D3-8B79-37D633B846F1}">
-                <asvg:svgBlip xmlns:asvg="http://schemas.microsoft.com/office/drawing/2016/SVG/main" xmlns="" r:embed="rId15"/>
+                <asvg:svgBlip xmlns="" xmlns:asvg="http://schemas.microsoft.com/office/drawing/2016/SVG/main" r:embed="rId15"/>
               </a:ext>
             </a:extLst>
           </a:blip>
@@ -32674,7 +32660,7 @@
           <a:blip r:embed="rId2">
             <a:extLst>
               <a:ext uri="{96DAC541-7B7A-43D3-8B79-37D633B846F1}">
-                <asvg:svgBlip xmlns:asvg="http://schemas.microsoft.com/office/drawing/2016/SVG/main" xmlns="" r:embed="rId3"/>
+                <asvg:svgBlip xmlns="" xmlns:asvg="http://schemas.microsoft.com/office/drawing/2016/SVG/main" r:embed="rId3"/>
               </a:ext>
             </a:extLst>
           </a:blip>
@@ -32710,7 +32696,7 @@
           <a:blip r:embed="rId4">
             <a:extLst>
               <a:ext uri="{96DAC541-7B7A-43D3-8B79-37D633B846F1}">
-                <asvg:svgBlip xmlns:asvg="http://schemas.microsoft.com/office/drawing/2016/SVG/main" xmlns="" r:embed="rId5"/>
+                <asvg:svgBlip xmlns="" xmlns:asvg="http://schemas.microsoft.com/office/drawing/2016/SVG/main" r:embed="rId5"/>
               </a:ext>
             </a:extLst>
           </a:blip>
@@ -32782,7 +32768,7 @@
           <a:blip r:embed="rId6">
             <a:extLst>
               <a:ext uri="{96DAC541-7B7A-43D3-8B79-37D633B846F1}">
-                <asvg:svgBlip xmlns:asvg="http://schemas.microsoft.com/office/drawing/2016/SVG/main" xmlns="" r:embed="rId7"/>
+                <asvg:svgBlip xmlns="" xmlns:asvg="http://schemas.microsoft.com/office/drawing/2016/SVG/main" r:embed="rId7"/>
               </a:ext>
             </a:extLst>
           </a:blip>
@@ -32854,7 +32840,7 @@
           <a:blip r:embed="rId8">
             <a:extLst>
               <a:ext uri="{96DAC541-7B7A-43D3-8B79-37D633B846F1}">
-                <asvg:svgBlip xmlns:asvg="http://schemas.microsoft.com/office/drawing/2016/SVG/main" xmlns="" r:embed="rId9"/>
+                <asvg:svgBlip xmlns="" xmlns:asvg="http://schemas.microsoft.com/office/drawing/2016/SVG/main" r:embed="rId9"/>
               </a:ext>
             </a:extLst>
           </a:blip>
@@ -32926,7 +32912,7 @@
           <a:blip r:embed="rId10">
             <a:extLst>
               <a:ext uri="{96DAC541-7B7A-43D3-8B79-37D633B846F1}">
-                <asvg:svgBlip xmlns:asvg="http://schemas.microsoft.com/office/drawing/2016/SVG/main" xmlns="" r:embed="rId11"/>
+                <asvg:svgBlip xmlns="" xmlns:asvg="http://schemas.microsoft.com/office/drawing/2016/SVG/main" r:embed="rId11"/>
               </a:ext>
             </a:extLst>
           </a:blip>
@@ -33052,7 +33038,7 @@
           <a:blip r:embed="rId10">
             <a:extLst>
               <a:ext uri="{96DAC541-7B7A-43D3-8B79-37D633B846F1}">
-                <asvg:svgBlip xmlns:asvg="http://schemas.microsoft.com/office/drawing/2016/SVG/main" xmlns="" r:embed="rId11"/>
+                <asvg:svgBlip xmlns="" xmlns:asvg="http://schemas.microsoft.com/office/drawing/2016/SVG/main" r:embed="rId11"/>
               </a:ext>
             </a:extLst>
           </a:blip>
@@ -33124,7 +33110,7 @@
           <a:blip r:embed="rId12">
             <a:extLst>
               <a:ext uri="{96DAC541-7B7A-43D3-8B79-37D633B846F1}">
-                <asvg:svgBlip xmlns:asvg="http://schemas.microsoft.com/office/drawing/2016/SVG/main" xmlns="" r:embed="rId13"/>
+                <asvg:svgBlip xmlns="" xmlns:asvg="http://schemas.microsoft.com/office/drawing/2016/SVG/main" r:embed="rId13"/>
               </a:ext>
             </a:extLst>
           </a:blip>
@@ -33509,7 +33495,7 @@
           <a:blip r:embed="rId6">
             <a:extLst>
               <a:ext uri="{96DAC541-7B7A-43D3-8B79-37D633B846F1}">
-                <asvg:svgBlip xmlns:asvg="http://schemas.microsoft.com/office/drawing/2016/SVG/main" xmlns="" r:embed="rId7"/>
+                <asvg:svgBlip xmlns="" xmlns:asvg="http://schemas.microsoft.com/office/drawing/2016/SVG/main" r:embed="rId7"/>
               </a:ext>
             </a:extLst>
           </a:blip>
@@ -33699,7 +33685,7 @@
           <a:blip r:embed="rId14">
             <a:extLst>
               <a:ext uri="{96DAC541-7B7A-43D3-8B79-37D633B846F1}">
-                <asvg:svgBlip xmlns:asvg="http://schemas.microsoft.com/office/drawing/2016/SVG/main" xmlns="" r:embed="rId15"/>
+                <asvg:svgBlip xmlns="" xmlns:asvg="http://schemas.microsoft.com/office/drawing/2016/SVG/main" r:embed="rId15"/>
               </a:ext>
             </a:extLst>
           </a:blip>
@@ -35948,7 +35934,7 @@
           <a:blip r:embed="rId2">
             <a:extLst>
               <a:ext uri="{96DAC541-7B7A-43D3-8B79-37D633B846F1}">
-                <asvg:svgBlip xmlns:asvg="http://schemas.microsoft.com/office/drawing/2016/SVG/main" xmlns="" r:embed="rId3"/>
+                <asvg:svgBlip xmlns="" xmlns:asvg="http://schemas.microsoft.com/office/drawing/2016/SVG/main" r:embed="rId3"/>
               </a:ext>
             </a:extLst>
           </a:blip>
@@ -35984,7 +35970,7 @@
           <a:blip r:embed="rId4">
             <a:extLst>
               <a:ext uri="{96DAC541-7B7A-43D3-8B79-37D633B846F1}">
-                <asvg:svgBlip xmlns:asvg="http://schemas.microsoft.com/office/drawing/2016/SVG/main" xmlns="" r:embed="rId5"/>
+                <asvg:svgBlip xmlns="" xmlns:asvg="http://schemas.microsoft.com/office/drawing/2016/SVG/main" r:embed="rId5"/>
               </a:ext>
             </a:extLst>
           </a:blip>
@@ -36056,7 +36042,7 @@
           <a:blip r:embed="rId6">
             <a:extLst>
               <a:ext uri="{96DAC541-7B7A-43D3-8B79-37D633B846F1}">
-                <asvg:svgBlip xmlns:asvg="http://schemas.microsoft.com/office/drawing/2016/SVG/main" xmlns="" r:embed="rId7"/>
+                <asvg:svgBlip xmlns="" xmlns:asvg="http://schemas.microsoft.com/office/drawing/2016/SVG/main" r:embed="rId7"/>
               </a:ext>
             </a:extLst>
           </a:blip>
@@ -36128,7 +36114,7 @@
           <a:blip r:embed="rId8">
             <a:extLst>
               <a:ext uri="{96DAC541-7B7A-43D3-8B79-37D633B846F1}">
-                <asvg:svgBlip xmlns:asvg="http://schemas.microsoft.com/office/drawing/2016/SVG/main" xmlns="" r:embed="rId9"/>
+                <asvg:svgBlip xmlns="" xmlns:asvg="http://schemas.microsoft.com/office/drawing/2016/SVG/main" r:embed="rId9"/>
               </a:ext>
             </a:extLst>
           </a:blip>
@@ -36200,7 +36186,7 @@
           <a:blip r:embed="rId10">
             <a:extLst>
               <a:ext uri="{96DAC541-7B7A-43D3-8B79-37D633B846F1}">
-                <asvg:svgBlip xmlns:asvg="http://schemas.microsoft.com/office/drawing/2016/SVG/main" xmlns="" r:embed="rId11"/>
+                <asvg:svgBlip xmlns="" xmlns:asvg="http://schemas.microsoft.com/office/drawing/2016/SVG/main" r:embed="rId11"/>
               </a:ext>
             </a:extLst>
           </a:blip>
@@ -36326,7 +36312,7 @@
           <a:blip r:embed="rId10">
             <a:extLst>
               <a:ext uri="{96DAC541-7B7A-43D3-8B79-37D633B846F1}">
-                <asvg:svgBlip xmlns:asvg="http://schemas.microsoft.com/office/drawing/2016/SVG/main" xmlns="" r:embed="rId11"/>
+                <asvg:svgBlip xmlns="" xmlns:asvg="http://schemas.microsoft.com/office/drawing/2016/SVG/main" r:embed="rId11"/>
               </a:ext>
             </a:extLst>
           </a:blip>
@@ -36398,7 +36384,7 @@
           <a:blip r:embed="rId12">
             <a:extLst>
               <a:ext uri="{96DAC541-7B7A-43D3-8B79-37D633B846F1}">
-                <asvg:svgBlip xmlns:asvg="http://schemas.microsoft.com/office/drawing/2016/SVG/main" xmlns="" r:embed="rId13"/>
+                <asvg:svgBlip xmlns="" xmlns:asvg="http://schemas.microsoft.com/office/drawing/2016/SVG/main" r:embed="rId13"/>
               </a:ext>
             </a:extLst>
           </a:blip>
@@ -36783,7 +36769,7 @@
           <a:blip r:embed="rId6">
             <a:extLst>
               <a:ext uri="{96DAC541-7B7A-43D3-8B79-37D633B846F1}">
-                <asvg:svgBlip xmlns:asvg="http://schemas.microsoft.com/office/drawing/2016/SVG/main" xmlns="" r:embed="rId7"/>
+                <asvg:svgBlip xmlns="" xmlns:asvg="http://schemas.microsoft.com/office/drawing/2016/SVG/main" r:embed="rId7"/>
               </a:ext>
             </a:extLst>
           </a:blip>
@@ -36973,7 +36959,7 @@
           <a:blip r:embed="rId14">
             <a:extLst>
               <a:ext uri="{96DAC541-7B7A-43D3-8B79-37D633B846F1}">
-                <asvg:svgBlip xmlns:asvg="http://schemas.microsoft.com/office/drawing/2016/SVG/main" xmlns="" r:embed="rId15"/>
+                <asvg:svgBlip xmlns="" xmlns:asvg="http://schemas.microsoft.com/office/drawing/2016/SVG/main" r:embed="rId15"/>
               </a:ext>
             </a:extLst>
           </a:blip>
